--- a/images.pptx
+++ b/images.pptx
@@ -8,6 +8,8 @@
     <p:sldId id="256" r:id="rId2"/>
     <p:sldId id="258" r:id="rId3"/>
     <p:sldId id="259" r:id="rId4"/>
+    <p:sldId id="260" r:id="rId5"/>
+    <p:sldId id="261" r:id="rId6"/>
   </p:sldIdLst>
   <p:sldSz cx="12192000" cy="6858000"/>
   <p:notesSz cx="6858000" cy="9144000"/>
@@ -3875,6 +3877,42 @@
           </a:p>
         </p:txBody>
       </p:sp>
+      <p:sp>
+        <p:nvSpPr>
+          <p:cNvPr id="26" name="TextBox 25">
+            <a:extLst>
+              <a:ext uri="{FF2B5EF4-FFF2-40B4-BE49-F238E27FC236}">
+                <a16:creationId xmlns:a16="http://schemas.microsoft.com/office/drawing/2014/main" id="{452609E4-BE7F-1447-85E0-F1E8FE897B80}"/>
+              </a:ext>
+            </a:extLst>
+          </p:cNvPr>
+          <p:cNvSpPr txBox="1"/>
+          <p:nvPr/>
+        </p:nvSpPr>
+        <p:spPr>
+          <a:xfrm>
+            <a:off x="163546" y="236746"/>
+            <a:ext cx="602794" cy="276999"/>
+          </a:xfrm>
+          <a:prstGeom prst="rect">
+            <a:avLst/>
+          </a:prstGeom>
+          <a:noFill/>
+        </p:spPr>
+        <p:txBody>
+          <a:bodyPr wrap="none" rtlCol="0">
+            <a:spAutoFit/>
+          </a:bodyPr>
+          <a:lstStyle/>
+          <a:p>
+            <a:r>
+              <a:rPr kumimoji="1" lang="en-US" altLang="ko-KR" sz="1200" dirty="0"/>
+              <a:t>MVC1</a:t>
+            </a:r>
+            <a:endParaRPr kumimoji="1" lang="ko-KR" altLang="en-US" sz="1200" dirty="0"/>
+          </a:p>
+        </p:txBody>
+      </p:sp>
     </p:spTree>
     <p:extLst>
       <p:ext uri="{BB962C8B-B14F-4D97-AF65-F5344CB8AC3E}">
@@ -4983,6 +5021,42 @@
           </a:fontRef>
         </p:style>
       </p:cxnSp>
+      <p:sp>
+        <p:nvSpPr>
+          <p:cNvPr id="32" name="TextBox 31">
+            <a:extLst>
+              <a:ext uri="{FF2B5EF4-FFF2-40B4-BE49-F238E27FC236}">
+                <a16:creationId xmlns:a16="http://schemas.microsoft.com/office/drawing/2014/main" id="{E14B9DD1-3DA9-A14C-8B17-7038D7A199A5}"/>
+              </a:ext>
+            </a:extLst>
+          </p:cNvPr>
+          <p:cNvSpPr txBox="1"/>
+          <p:nvPr/>
+        </p:nvSpPr>
+        <p:spPr>
+          <a:xfrm>
+            <a:off x="163546" y="236746"/>
+            <a:ext cx="602794" cy="276999"/>
+          </a:xfrm>
+          <a:prstGeom prst="rect">
+            <a:avLst/>
+          </a:prstGeom>
+          <a:noFill/>
+        </p:spPr>
+        <p:txBody>
+          <a:bodyPr wrap="none" rtlCol="0">
+            <a:spAutoFit/>
+          </a:bodyPr>
+          <a:lstStyle/>
+          <a:p>
+            <a:r>
+              <a:rPr kumimoji="1" lang="en-US" altLang="ko-KR" sz="1200" dirty="0"/>
+              <a:t>MVC2</a:t>
+            </a:r>
+            <a:endParaRPr kumimoji="1" lang="ko-KR" altLang="en-US" sz="1200" dirty="0"/>
+          </a:p>
+        </p:txBody>
+      </p:sp>
     </p:spTree>
     <p:extLst>
       <p:ext uri="{BB962C8B-B14F-4D97-AF65-F5344CB8AC3E}">
@@ -5013,10 +5087,2187 @@
           <a:chExt cx="0" cy="0"/>
         </a:xfrm>
       </p:grpSpPr>
+      <p:sp>
+        <p:nvSpPr>
+          <p:cNvPr id="24" name="직사각형 23">
+            <a:extLst>
+              <a:ext uri="{FF2B5EF4-FFF2-40B4-BE49-F238E27FC236}">
+                <a16:creationId xmlns:a16="http://schemas.microsoft.com/office/drawing/2014/main" id="{2A87D765-3780-3B4D-8488-2137C17796CD}"/>
+              </a:ext>
+            </a:extLst>
+          </p:cNvPr>
+          <p:cNvSpPr/>
+          <p:nvPr/>
+        </p:nvSpPr>
+        <p:spPr>
+          <a:xfrm>
+            <a:off x="3961674" y="1243476"/>
+            <a:ext cx="1534632" cy="1368056"/>
+          </a:xfrm>
+          <a:prstGeom prst="rect">
+            <a:avLst/>
+          </a:prstGeom>
+          <a:noFill/>
+          <a:ln>
+            <a:solidFill>
+              <a:schemeClr val="tx1"/>
+            </a:solidFill>
+          </a:ln>
+        </p:spPr>
+        <p:style>
+          <a:lnRef idx="2">
+            <a:schemeClr val="accent1">
+              <a:shade val="50000"/>
+            </a:schemeClr>
+          </a:lnRef>
+          <a:fillRef idx="1">
+            <a:schemeClr val="accent1"/>
+          </a:fillRef>
+          <a:effectRef idx="0">
+            <a:schemeClr val="accent1"/>
+          </a:effectRef>
+          <a:fontRef idx="minor">
+            <a:schemeClr val="lt1"/>
+          </a:fontRef>
+        </p:style>
+        <p:txBody>
+          <a:bodyPr rtlCol="0" anchor="ctr"/>
+          <a:lstStyle/>
+          <a:p>
+            <a:pPr algn="ctr"/>
+            <a:r>
+              <a:rPr kumimoji="1" lang="en-US" altLang="ko-KR" dirty="0">
+                <a:solidFill>
+                  <a:schemeClr val="tx1"/>
+                </a:solidFill>
+              </a:rPr>
+              <a:t>Your Code</a:t>
+            </a:r>
+            <a:endParaRPr kumimoji="1" lang="ko-KR" altLang="en-US" dirty="0">
+              <a:solidFill>
+                <a:schemeClr val="tx1"/>
+              </a:solidFill>
+            </a:endParaRPr>
+          </a:p>
+        </p:txBody>
+      </p:sp>
+      <p:sp>
+        <p:nvSpPr>
+          <p:cNvPr id="32" name="직사각형 31">
+            <a:extLst>
+              <a:ext uri="{FF2B5EF4-FFF2-40B4-BE49-F238E27FC236}">
+                <a16:creationId xmlns:a16="http://schemas.microsoft.com/office/drawing/2014/main" id="{8B6DC3B7-0994-1040-BE5A-8AC1B4691F8C}"/>
+              </a:ext>
+            </a:extLst>
+          </p:cNvPr>
+          <p:cNvSpPr/>
+          <p:nvPr/>
+        </p:nvSpPr>
+        <p:spPr>
+          <a:xfrm>
+            <a:off x="6096000" y="3201711"/>
+            <a:ext cx="1534632" cy="1368056"/>
+          </a:xfrm>
+          <a:prstGeom prst="rect">
+            <a:avLst/>
+          </a:prstGeom>
+          <a:noFill/>
+          <a:ln>
+            <a:solidFill>
+              <a:schemeClr val="tx1"/>
+            </a:solidFill>
+          </a:ln>
+        </p:spPr>
+        <p:style>
+          <a:lnRef idx="2">
+            <a:schemeClr val="accent1">
+              <a:shade val="50000"/>
+            </a:schemeClr>
+          </a:lnRef>
+          <a:fillRef idx="1">
+            <a:schemeClr val="accent1"/>
+          </a:fillRef>
+          <a:effectRef idx="0">
+            <a:schemeClr val="accent1"/>
+          </a:effectRef>
+          <a:fontRef idx="minor">
+            <a:schemeClr val="lt1"/>
+          </a:fontRef>
+        </p:style>
+        <p:txBody>
+          <a:bodyPr rtlCol="0" anchor="ctr"/>
+          <a:lstStyle/>
+          <a:p>
+            <a:pPr algn="ctr"/>
+            <a:r>
+              <a:rPr kumimoji="1" lang="en-US" altLang="ko-KR" dirty="0">
+                <a:solidFill>
+                  <a:schemeClr val="tx1"/>
+                </a:solidFill>
+              </a:rPr>
+              <a:t>Framework</a:t>
+            </a:r>
+            <a:endParaRPr kumimoji="1" lang="ko-KR" altLang="en-US" dirty="0">
+              <a:solidFill>
+                <a:schemeClr val="tx1"/>
+              </a:solidFill>
+            </a:endParaRPr>
+          </a:p>
+        </p:txBody>
+      </p:sp>
+      <p:sp>
+        <p:nvSpPr>
+          <p:cNvPr id="33" name="직사각형 32">
+            <a:extLst>
+              <a:ext uri="{FF2B5EF4-FFF2-40B4-BE49-F238E27FC236}">
+                <a16:creationId xmlns:a16="http://schemas.microsoft.com/office/drawing/2014/main" id="{DCA9C91D-E039-2A48-B590-0D6FFBF25DA7}"/>
+              </a:ext>
+            </a:extLst>
+          </p:cNvPr>
+          <p:cNvSpPr/>
+          <p:nvPr/>
+        </p:nvSpPr>
+        <p:spPr>
+          <a:xfrm>
+            <a:off x="1786321" y="3201711"/>
+            <a:ext cx="1534632" cy="1368056"/>
+          </a:xfrm>
+          <a:prstGeom prst="rect">
+            <a:avLst/>
+          </a:prstGeom>
+          <a:noFill/>
+          <a:ln>
+            <a:solidFill>
+              <a:schemeClr val="tx1"/>
+            </a:solidFill>
+          </a:ln>
+        </p:spPr>
+        <p:style>
+          <a:lnRef idx="2">
+            <a:schemeClr val="accent1">
+              <a:shade val="50000"/>
+            </a:schemeClr>
+          </a:lnRef>
+          <a:fillRef idx="1">
+            <a:schemeClr val="accent1"/>
+          </a:fillRef>
+          <a:effectRef idx="0">
+            <a:schemeClr val="accent1"/>
+          </a:effectRef>
+          <a:fontRef idx="minor">
+            <a:schemeClr val="lt1"/>
+          </a:fontRef>
+        </p:style>
+        <p:txBody>
+          <a:bodyPr rtlCol="0" anchor="ctr"/>
+          <a:lstStyle/>
+          <a:p>
+            <a:pPr algn="ctr"/>
+            <a:r>
+              <a:rPr kumimoji="1" lang="en-US" altLang="ko-KR" dirty="0">
+                <a:solidFill>
+                  <a:schemeClr val="tx1"/>
+                </a:solidFill>
+              </a:rPr>
+              <a:t>Library</a:t>
+            </a:r>
+            <a:endParaRPr kumimoji="1" lang="ko-KR" altLang="en-US" dirty="0">
+              <a:solidFill>
+                <a:schemeClr val="tx1"/>
+              </a:solidFill>
+            </a:endParaRPr>
+          </a:p>
+        </p:txBody>
+      </p:sp>
+      <p:sp>
+        <p:nvSpPr>
+          <p:cNvPr id="2" name="호 1">
+            <a:extLst>
+              <a:ext uri="{FF2B5EF4-FFF2-40B4-BE49-F238E27FC236}">
+                <a16:creationId xmlns:a16="http://schemas.microsoft.com/office/drawing/2014/main" id="{AD7E4884-F5A4-C145-95AF-2676A211678F}"/>
+              </a:ext>
+            </a:extLst>
+          </p:cNvPr>
+          <p:cNvSpPr/>
+          <p:nvPr/>
+        </p:nvSpPr>
+        <p:spPr>
+          <a:xfrm>
+            <a:off x="4547778" y="1927504"/>
+            <a:ext cx="2356566" cy="2107043"/>
+          </a:xfrm>
+          <a:prstGeom prst="arc">
+            <a:avLst>
+              <a:gd name="adj1" fmla="val 16249033"/>
+              <a:gd name="adj2" fmla="val 0"/>
+            </a:avLst>
+          </a:prstGeom>
+          <a:ln>
+            <a:headEnd type="triangle"/>
+          </a:ln>
+        </p:spPr>
+        <p:style>
+          <a:lnRef idx="1">
+            <a:schemeClr val="accent1"/>
+          </a:lnRef>
+          <a:fillRef idx="0">
+            <a:schemeClr val="accent1"/>
+          </a:fillRef>
+          <a:effectRef idx="0">
+            <a:schemeClr val="accent1"/>
+          </a:effectRef>
+          <a:fontRef idx="minor">
+            <a:schemeClr val="tx1"/>
+          </a:fontRef>
+        </p:style>
+        <p:txBody>
+          <a:bodyPr rtlCol="0" anchor="ctr"/>
+          <a:lstStyle/>
+          <a:p>
+            <a:pPr algn="ctr"/>
+            <a:endParaRPr kumimoji="1" lang="ko-KR" altLang="en-US"/>
+          </a:p>
+        </p:txBody>
+      </p:sp>
+      <p:sp>
+        <p:nvSpPr>
+          <p:cNvPr id="35" name="호 34">
+            <a:extLst>
+              <a:ext uri="{FF2B5EF4-FFF2-40B4-BE49-F238E27FC236}">
+                <a16:creationId xmlns:a16="http://schemas.microsoft.com/office/drawing/2014/main" id="{678DEA1D-C201-134F-B7E8-56B041B6BB2C}"/>
+              </a:ext>
+            </a:extLst>
+          </p:cNvPr>
+          <p:cNvSpPr/>
+          <p:nvPr/>
+        </p:nvSpPr>
+        <p:spPr>
+          <a:xfrm rot="16200000">
+            <a:off x="2450615" y="2097442"/>
+            <a:ext cx="2356566" cy="2016691"/>
+          </a:xfrm>
+          <a:prstGeom prst="arc">
+            <a:avLst>
+              <a:gd name="adj1" fmla="val 16825713"/>
+              <a:gd name="adj2" fmla="val 0"/>
+            </a:avLst>
+          </a:prstGeom>
+          <a:ln>
+            <a:headEnd type="triangle"/>
+          </a:ln>
+        </p:spPr>
+        <p:style>
+          <a:lnRef idx="1">
+            <a:schemeClr val="accent1"/>
+          </a:lnRef>
+          <a:fillRef idx="0">
+            <a:schemeClr val="accent1"/>
+          </a:fillRef>
+          <a:effectRef idx="0">
+            <a:schemeClr val="accent1"/>
+          </a:effectRef>
+          <a:fontRef idx="minor">
+            <a:schemeClr val="tx1"/>
+          </a:fontRef>
+        </p:style>
+        <p:txBody>
+          <a:bodyPr rtlCol="0" anchor="ctr"/>
+          <a:lstStyle/>
+          <a:p>
+            <a:pPr algn="ctr"/>
+            <a:endParaRPr kumimoji="1" lang="ko-KR" altLang="en-US"/>
+          </a:p>
+        </p:txBody>
+      </p:sp>
+      <p:cxnSp>
+        <p:nvCxnSpPr>
+          <p:cNvPr id="4" name="직선 화살표 연결선 3">
+            <a:extLst>
+              <a:ext uri="{FF2B5EF4-FFF2-40B4-BE49-F238E27FC236}">
+                <a16:creationId xmlns:a16="http://schemas.microsoft.com/office/drawing/2014/main" id="{21B4B54D-D3C8-414C-B7B3-231A20913625}"/>
+              </a:ext>
+            </a:extLst>
+          </p:cNvPr>
+          <p:cNvCxnSpPr/>
+          <p:nvPr/>
+        </p:nvCxnSpPr>
+        <p:spPr>
+          <a:xfrm flipH="1">
+            <a:off x="3566268" y="3921813"/>
+            <a:ext cx="2320965" cy="0"/>
+          </a:xfrm>
+          <a:prstGeom prst="straightConnector1">
+            <a:avLst/>
+          </a:prstGeom>
+          <a:ln>
+            <a:tailEnd type="triangle"/>
+          </a:ln>
+        </p:spPr>
+        <p:style>
+          <a:lnRef idx="1">
+            <a:schemeClr val="accent1"/>
+          </a:lnRef>
+          <a:fillRef idx="0">
+            <a:schemeClr val="accent1"/>
+          </a:fillRef>
+          <a:effectRef idx="0">
+            <a:schemeClr val="accent1"/>
+          </a:effectRef>
+          <a:fontRef idx="minor">
+            <a:schemeClr val="tx1"/>
+          </a:fontRef>
+        </p:style>
+      </p:cxnSp>
+      <p:sp>
+        <p:nvSpPr>
+          <p:cNvPr id="6" name="TextBox 5">
+            <a:extLst>
+              <a:ext uri="{FF2B5EF4-FFF2-40B4-BE49-F238E27FC236}">
+                <a16:creationId xmlns:a16="http://schemas.microsoft.com/office/drawing/2014/main" id="{3942C017-F25C-4647-94C9-D0F375CC4338}"/>
+              </a:ext>
+            </a:extLst>
+          </p:cNvPr>
+          <p:cNvSpPr txBox="1"/>
+          <p:nvPr/>
+        </p:nvSpPr>
+        <p:spPr>
+          <a:xfrm>
+            <a:off x="6591299" y="2060715"/>
+            <a:ext cx="1573188" cy="276999"/>
+          </a:xfrm>
+          <a:prstGeom prst="rect">
+            <a:avLst/>
+          </a:prstGeom>
+          <a:noFill/>
+        </p:spPr>
+        <p:txBody>
+          <a:bodyPr wrap="none" rtlCol="0">
+            <a:spAutoFit/>
+          </a:bodyPr>
+          <a:lstStyle/>
+          <a:p>
+            <a:r>
+              <a:rPr kumimoji="1" lang="en-US" altLang="ko-KR" sz="1200" dirty="0"/>
+              <a:t>Framework Call you</a:t>
+            </a:r>
+            <a:endParaRPr kumimoji="1" lang="ko-KR" altLang="en-US" sz="1200" dirty="0"/>
+          </a:p>
+        </p:txBody>
+      </p:sp>
+      <p:sp>
+        <p:nvSpPr>
+          <p:cNvPr id="36" name="TextBox 35">
+            <a:extLst>
+              <a:ext uri="{FF2B5EF4-FFF2-40B4-BE49-F238E27FC236}">
+                <a16:creationId xmlns:a16="http://schemas.microsoft.com/office/drawing/2014/main" id="{7171502C-9334-284A-9F70-51C3FC6B3984}"/>
+              </a:ext>
+            </a:extLst>
+          </p:cNvPr>
+          <p:cNvSpPr txBox="1"/>
+          <p:nvPr/>
+        </p:nvSpPr>
+        <p:spPr>
+          <a:xfrm>
+            <a:off x="1533181" y="2060714"/>
+            <a:ext cx="1253998" cy="276999"/>
+          </a:xfrm>
+          <a:prstGeom prst="rect">
+            <a:avLst/>
+          </a:prstGeom>
+          <a:noFill/>
+        </p:spPr>
+        <p:txBody>
+          <a:bodyPr wrap="none" rtlCol="0">
+            <a:spAutoFit/>
+          </a:bodyPr>
+          <a:lstStyle/>
+          <a:p>
+            <a:r>
+              <a:rPr kumimoji="1" lang="en-US" altLang="ko-KR" sz="1200" dirty="0"/>
+              <a:t>You call Library</a:t>
+            </a:r>
+            <a:endParaRPr kumimoji="1" lang="ko-KR" altLang="en-US" sz="1200" dirty="0"/>
+          </a:p>
+        </p:txBody>
+      </p:sp>
+      <p:sp>
+        <p:nvSpPr>
+          <p:cNvPr id="37" name="TextBox 36">
+            <a:extLst>
+              <a:ext uri="{FF2B5EF4-FFF2-40B4-BE49-F238E27FC236}">
+                <a16:creationId xmlns:a16="http://schemas.microsoft.com/office/drawing/2014/main" id="{ED5E4E7B-87F0-0A46-B9D4-36ABA25835DF}"/>
+              </a:ext>
+            </a:extLst>
+          </p:cNvPr>
+          <p:cNvSpPr txBox="1"/>
+          <p:nvPr/>
+        </p:nvSpPr>
+        <p:spPr>
+          <a:xfrm>
+            <a:off x="4329846" y="3644814"/>
+            <a:ext cx="793807" cy="276999"/>
+          </a:xfrm>
+          <a:prstGeom prst="rect">
+            <a:avLst/>
+          </a:prstGeom>
+          <a:noFill/>
+        </p:spPr>
+        <p:txBody>
+          <a:bodyPr wrap="none" rtlCol="0">
+            <a:spAutoFit/>
+          </a:bodyPr>
+          <a:lstStyle/>
+          <a:p>
+            <a:r>
+              <a:rPr kumimoji="1" lang="en-US" altLang="ko-KR" sz="1200" dirty="0"/>
+              <a:t>Contains</a:t>
+            </a:r>
+            <a:endParaRPr kumimoji="1" lang="ko-KR" altLang="en-US" sz="1200" dirty="0"/>
+          </a:p>
+        </p:txBody>
+      </p:sp>
+      <p:sp>
+        <p:nvSpPr>
+          <p:cNvPr id="38" name="TextBox 37">
+            <a:extLst>
+              <a:ext uri="{FF2B5EF4-FFF2-40B4-BE49-F238E27FC236}">
+                <a16:creationId xmlns:a16="http://schemas.microsoft.com/office/drawing/2014/main" id="{41C7FBC6-1ADE-614B-A639-CE04E73D33B6}"/>
+              </a:ext>
+            </a:extLst>
+          </p:cNvPr>
+          <p:cNvSpPr txBox="1"/>
+          <p:nvPr/>
+        </p:nvSpPr>
+        <p:spPr>
+          <a:xfrm>
+            <a:off x="163546" y="236746"/>
+            <a:ext cx="2457006" cy="276999"/>
+          </a:xfrm>
+          <a:prstGeom prst="rect">
+            <a:avLst/>
+          </a:prstGeom>
+          <a:noFill/>
+        </p:spPr>
+        <p:txBody>
+          <a:bodyPr wrap="square" rtlCol="0">
+            <a:spAutoFit/>
+          </a:bodyPr>
+          <a:lstStyle/>
+          <a:p>
+            <a:r>
+              <a:rPr kumimoji="1" lang="en-US" altLang="ko-KR" sz="1200" dirty="0"/>
+              <a:t>Library vs framework</a:t>
+            </a:r>
+            <a:endParaRPr kumimoji="1" lang="ko-KR" altLang="en-US" sz="1200" dirty="0"/>
+          </a:p>
+        </p:txBody>
+      </p:sp>
     </p:spTree>
     <p:extLst>
       <p:ext uri="{BB962C8B-B14F-4D97-AF65-F5344CB8AC3E}">
         <p14:creationId xmlns:p14="http://schemas.microsoft.com/office/powerpoint/2010/main" val="1460438821"/>
+      </p:ext>
+    </p:extLst>
+  </p:cSld>
+  <p:clrMapOvr>
+    <a:masterClrMapping/>
+  </p:clrMapOvr>
+</p:sld>
+</file>
+
+<file path=ppt/slides/slide4.xml><?xml version="1.0" encoding="utf-8"?>
+<p:sld xmlns:a="http://schemas.openxmlformats.org/drawingml/2006/main" xmlns:r="http://schemas.openxmlformats.org/officeDocument/2006/relationships" xmlns:p="http://schemas.openxmlformats.org/presentationml/2006/main">
+  <p:cSld>
+    <p:spTree>
+      <p:nvGrpSpPr>
+        <p:cNvPr id="1" name=""/>
+        <p:cNvGrpSpPr/>
+        <p:nvPr/>
+      </p:nvGrpSpPr>
+      <p:grpSpPr>
+        <a:xfrm>
+          <a:off x="0" y="0"/>
+          <a:ext cx="0" cy="0"/>
+          <a:chOff x="0" y="0"/>
+          <a:chExt cx="0" cy="0"/>
+        </a:xfrm>
+      </p:grpSpPr>
+      <p:sp>
+        <p:nvSpPr>
+          <p:cNvPr id="38" name="TextBox 37">
+            <a:extLst>
+              <a:ext uri="{FF2B5EF4-FFF2-40B4-BE49-F238E27FC236}">
+                <a16:creationId xmlns:a16="http://schemas.microsoft.com/office/drawing/2014/main" id="{41C7FBC6-1ADE-614B-A639-CE04E73D33B6}"/>
+              </a:ext>
+            </a:extLst>
+          </p:cNvPr>
+          <p:cNvSpPr txBox="1"/>
+          <p:nvPr/>
+        </p:nvSpPr>
+        <p:spPr>
+          <a:xfrm>
+            <a:off x="163546" y="236746"/>
+            <a:ext cx="2457006" cy="276999"/>
+          </a:xfrm>
+          <a:prstGeom prst="rect">
+            <a:avLst/>
+          </a:prstGeom>
+          <a:noFill/>
+        </p:spPr>
+        <p:txBody>
+          <a:bodyPr wrap="square" rtlCol="0">
+            <a:spAutoFit/>
+          </a:bodyPr>
+          <a:lstStyle/>
+          <a:p>
+            <a:r>
+              <a:rPr kumimoji="1" lang="en-US" altLang="ko-KR" sz="1200" dirty="0"/>
+              <a:t>Static page</a:t>
+            </a:r>
+            <a:endParaRPr kumimoji="1" lang="ko-KR" altLang="en-US" sz="1200" dirty="0"/>
+          </a:p>
+        </p:txBody>
+      </p:sp>
+      <p:sp>
+        <p:nvSpPr>
+          <p:cNvPr id="12" name="직사각형 11">
+            <a:extLst>
+              <a:ext uri="{FF2B5EF4-FFF2-40B4-BE49-F238E27FC236}">
+                <a16:creationId xmlns:a16="http://schemas.microsoft.com/office/drawing/2014/main" id="{AB5B33CF-14FE-C642-BA76-79AB73D58D1C}"/>
+              </a:ext>
+            </a:extLst>
+          </p:cNvPr>
+          <p:cNvSpPr/>
+          <p:nvPr/>
+        </p:nvSpPr>
+        <p:spPr>
+          <a:xfrm>
+            <a:off x="2400097" y="1773744"/>
+            <a:ext cx="1534632" cy="1368056"/>
+          </a:xfrm>
+          <a:prstGeom prst="rect">
+            <a:avLst/>
+          </a:prstGeom>
+          <a:noFill/>
+          <a:ln>
+            <a:solidFill>
+              <a:schemeClr val="tx1"/>
+            </a:solidFill>
+          </a:ln>
+        </p:spPr>
+        <p:style>
+          <a:lnRef idx="2">
+            <a:schemeClr val="accent1">
+              <a:shade val="50000"/>
+            </a:schemeClr>
+          </a:lnRef>
+          <a:fillRef idx="1">
+            <a:schemeClr val="accent1"/>
+          </a:fillRef>
+          <a:effectRef idx="0">
+            <a:schemeClr val="accent1"/>
+          </a:effectRef>
+          <a:fontRef idx="minor">
+            <a:schemeClr val="lt1"/>
+          </a:fontRef>
+        </p:style>
+        <p:txBody>
+          <a:bodyPr rtlCol="0" anchor="ctr"/>
+          <a:lstStyle/>
+          <a:p>
+            <a:pPr algn="ctr"/>
+            <a:r>
+              <a:rPr kumimoji="1" lang="en-US" altLang="ko-KR" dirty="0">
+                <a:solidFill>
+                  <a:schemeClr val="tx1"/>
+                </a:solidFill>
+              </a:rPr>
+              <a:t>Client</a:t>
+            </a:r>
+            <a:endParaRPr kumimoji="1" lang="ko-KR" altLang="en-US" dirty="0">
+              <a:solidFill>
+                <a:schemeClr val="tx1"/>
+              </a:solidFill>
+            </a:endParaRPr>
+          </a:p>
+        </p:txBody>
+      </p:sp>
+      <p:sp>
+        <p:nvSpPr>
+          <p:cNvPr id="13" name="직사각형 12">
+            <a:extLst>
+              <a:ext uri="{FF2B5EF4-FFF2-40B4-BE49-F238E27FC236}">
+                <a16:creationId xmlns:a16="http://schemas.microsoft.com/office/drawing/2014/main" id="{7785B331-657E-9D43-B42C-7E5ADC7DFADA}"/>
+              </a:ext>
+            </a:extLst>
+          </p:cNvPr>
+          <p:cNvSpPr/>
+          <p:nvPr/>
+        </p:nvSpPr>
+        <p:spPr>
+          <a:xfrm>
+            <a:off x="6722641" y="1773744"/>
+            <a:ext cx="1534632" cy="1368056"/>
+          </a:xfrm>
+          <a:prstGeom prst="rect">
+            <a:avLst/>
+          </a:prstGeom>
+          <a:noFill/>
+          <a:ln>
+            <a:solidFill>
+              <a:schemeClr val="tx1"/>
+            </a:solidFill>
+          </a:ln>
+        </p:spPr>
+        <p:style>
+          <a:lnRef idx="2">
+            <a:schemeClr val="accent1">
+              <a:shade val="50000"/>
+            </a:schemeClr>
+          </a:lnRef>
+          <a:fillRef idx="1">
+            <a:schemeClr val="accent1"/>
+          </a:fillRef>
+          <a:effectRef idx="0">
+            <a:schemeClr val="accent1"/>
+          </a:effectRef>
+          <a:fontRef idx="minor">
+            <a:schemeClr val="lt1"/>
+          </a:fontRef>
+        </p:style>
+        <p:txBody>
+          <a:bodyPr rtlCol="0" anchor="ctr"/>
+          <a:lstStyle/>
+          <a:p>
+            <a:pPr algn="ctr"/>
+            <a:r>
+              <a:rPr kumimoji="1" lang="en-US" altLang="ko-KR" dirty="0">
+                <a:solidFill>
+                  <a:schemeClr val="tx1"/>
+                </a:solidFill>
+              </a:rPr>
+              <a:t>Web Server</a:t>
+            </a:r>
+          </a:p>
+          <a:p>
+            <a:pPr algn="ctr"/>
+            <a:r>
+              <a:rPr kumimoji="1" lang="en-US" altLang="ko-KR" dirty="0">
+                <a:solidFill>
+                  <a:schemeClr val="tx1"/>
+                </a:solidFill>
+              </a:rPr>
+              <a:t>(80)</a:t>
+            </a:r>
+            <a:endParaRPr kumimoji="1" lang="ko-KR" altLang="en-US" dirty="0">
+              <a:solidFill>
+                <a:schemeClr val="tx1"/>
+              </a:solidFill>
+            </a:endParaRPr>
+          </a:p>
+        </p:txBody>
+      </p:sp>
+      <p:sp>
+        <p:nvSpPr>
+          <p:cNvPr id="14" name="직사각형 13">
+            <a:extLst>
+              <a:ext uri="{FF2B5EF4-FFF2-40B4-BE49-F238E27FC236}">
+                <a16:creationId xmlns:a16="http://schemas.microsoft.com/office/drawing/2014/main" id="{011307C0-EDBF-AE4E-A82A-5D2F1D799D65}"/>
+              </a:ext>
+            </a:extLst>
+          </p:cNvPr>
+          <p:cNvSpPr/>
+          <p:nvPr/>
+        </p:nvSpPr>
+        <p:spPr>
+          <a:xfrm>
+            <a:off x="6722641" y="3979248"/>
+            <a:ext cx="1534632" cy="1368056"/>
+          </a:xfrm>
+          <a:prstGeom prst="rect">
+            <a:avLst/>
+          </a:prstGeom>
+          <a:noFill/>
+          <a:ln>
+            <a:solidFill>
+              <a:schemeClr val="tx1"/>
+            </a:solidFill>
+          </a:ln>
+        </p:spPr>
+        <p:style>
+          <a:lnRef idx="2">
+            <a:schemeClr val="accent1">
+              <a:shade val="50000"/>
+            </a:schemeClr>
+          </a:lnRef>
+          <a:fillRef idx="1">
+            <a:schemeClr val="accent1"/>
+          </a:fillRef>
+          <a:effectRef idx="0">
+            <a:schemeClr val="accent1"/>
+          </a:effectRef>
+          <a:fontRef idx="minor">
+            <a:schemeClr val="lt1"/>
+          </a:fontRef>
+        </p:style>
+        <p:txBody>
+          <a:bodyPr rtlCol="0" anchor="ctr"/>
+          <a:lstStyle/>
+          <a:p>
+            <a:pPr algn="ctr"/>
+            <a:r>
+              <a:rPr kumimoji="1" lang="en-US" altLang="ko-KR" dirty="0" err="1">
+                <a:solidFill>
+                  <a:schemeClr val="tx1"/>
+                </a:solidFill>
+              </a:rPr>
+              <a:t>FileSystem</a:t>
+            </a:r>
+            <a:endParaRPr kumimoji="1" lang="ko-KR" altLang="en-US" dirty="0">
+              <a:solidFill>
+                <a:schemeClr val="tx1"/>
+              </a:solidFill>
+            </a:endParaRPr>
+          </a:p>
+        </p:txBody>
+      </p:sp>
+      <p:cxnSp>
+        <p:nvCxnSpPr>
+          <p:cNvPr id="5" name="직선 화살표 연결선 4">
+            <a:extLst>
+              <a:ext uri="{FF2B5EF4-FFF2-40B4-BE49-F238E27FC236}">
+                <a16:creationId xmlns:a16="http://schemas.microsoft.com/office/drawing/2014/main" id="{1F92AF77-6861-2448-A5D5-C78A8C93E025}"/>
+              </a:ext>
+            </a:extLst>
+          </p:cNvPr>
+          <p:cNvCxnSpPr/>
+          <p:nvPr/>
+        </p:nvCxnSpPr>
+        <p:spPr>
+          <a:xfrm>
+            <a:off x="4208745" y="2304789"/>
+            <a:ext cx="2304789" cy="0"/>
+          </a:xfrm>
+          <a:prstGeom prst="straightConnector1">
+            <a:avLst/>
+          </a:prstGeom>
+          <a:ln>
+            <a:tailEnd type="triangle"/>
+          </a:ln>
+        </p:spPr>
+        <p:style>
+          <a:lnRef idx="1">
+            <a:schemeClr val="accent1"/>
+          </a:lnRef>
+          <a:fillRef idx="0">
+            <a:schemeClr val="accent1"/>
+          </a:fillRef>
+          <a:effectRef idx="0">
+            <a:schemeClr val="accent1"/>
+          </a:effectRef>
+          <a:fontRef idx="minor">
+            <a:schemeClr val="tx1"/>
+          </a:fontRef>
+        </p:style>
+      </p:cxnSp>
+      <p:cxnSp>
+        <p:nvCxnSpPr>
+          <p:cNvPr id="17" name="직선 화살표 연결선 16">
+            <a:extLst>
+              <a:ext uri="{FF2B5EF4-FFF2-40B4-BE49-F238E27FC236}">
+                <a16:creationId xmlns:a16="http://schemas.microsoft.com/office/drawing/2014/main" id="{CD36AD62-3684-3F48-977A-A4049DA5758C}"/>
+              </a:ext>
+            </a:extLst>
+          </p:cNvPr>
+          <p:cNvCxnSpPr/>
+          <p:nvPr/>
+        </p:nvCxnSpPr>
+        <p:spPr>
+          <a:xfrm>
+            <a:off x="4208745" y="2670132"/>
+            <a:ext cx="2304789" cy="0"/>
+          </a:xfrm>
+          <a:prstGeom prst="straightConnector1">
+            <a:avLst/>
+          </a:prstGeom>
+          <a:ln>
+            <a:headEnd type="triangle"/>
+            <a:tailEnd type="none"/>
+          </a:ln>
+        </p:spPr>
+        <p:style>
+          <a:lnRef idx="1">
+            <a:schemeClr val="accent1"/>
+          </a:lnRef>
+          <a:fillRef idx="0">
+            <a:schemeClr val="accent1"/>
+          </a:fillRef>
+          <a:effectRef idx="0">
+            <a:schemeClr val="accent1"/>
+          </a:effectRef>
+          <a:fontRef idx="minor">
+            <a:schemeClr val="tx1"/>
+          </a:fontRef>
+        </p:style>
+      </p:cxnSp>
+      <p:sp>
+        <p:nvSpPr>
+          <p:cNvPr id="7" name="TextBox 6">
+            <a:extLst>
+              <a:ext uri="{FF2B5EF4-FFF2-40B4-BE49-F238E27FC236}">
+                <a16:creationId xmlns:a16="http://schemas.microsoft.com/office/drawing/2014/main" id="{3EDCABF4-5069-2748-8CAB-896F79944798}"/>
+              </a:ext>
+            </a:extLst>
+          </p:cNvPr>
+          <p:cNvSpPr txBox="1"/>
+          <p:nvPr/>
+        </p:nvSpPr>
+        <p:spPr>
+          <a:xfrm>
+            <a:off x="4457013" y="2027790"/>
+            <a:ext cx="1808252" cy="276999"/>
+          </a:xfrm>
+          <a:prstGeom prst="rect">
+            <a:avLst/>
+          </a:prstGeom>
+          <a:noFill/>
+        </p:spPr>
+        <p:txBody>
+          <a:bodyPr wrap="none" rtlCol="0">
+            <a:spAutoFit/>
+          </a:bodyPr>
+          <a:lstStyle/>
+          <a:p>
+            <a:r>
+              <a:rPr kumimoji="1" lang="en-US" altLang="ko-KR" sz="1200" dirty="0"/>
+              <a:t>1 </a:t>
+            </a:r>
+            <a:r>
+              <a:rPr kumimoji="1" lang="en-US" altLang="ko-KR" sz="1200" dirty="0">
+                <a:solidFill>
+                  <a:srgbClr val="C00000"/>
+                </a:solidFill>
+              </a:rPr>
+              <a:t>GET</a:t>
+            </a:r>
+            <a:r>
+              <a:rPr kumimoji="1" lang="en-US" altLang="ko-KR" sz="1200" dirty="0"/>
+              <a:t> /path/</a:t>
+            </a:r>
+            <a:r>
+              <a:rPr kumimoji="1" lang="en-US" altLang="ko-KR" sz="1200" dirty="0" err="1"/>
+              <a:t>index.html</a:t>
+            </a:r>
+            <a:endParaRPr kumimoji="1" lang="ko-KR" altLang="en-US" sz="1200" dirty="0"/>
+          </a:p>
+        </p:txBody>
+      </p:sp>
+      <p:sp>
+        <p:nvSpPr>
+          <p:cNvPr id="19" name="TextBox 18">
+            <a:extLst>
+              <a:ext uri="{FF2B5EF4-FFF2-40B4-BE49-F238E27FC236}">
+                <a16:creationId xmlns:a16="http://schemas.microsoft.com/office/drawing/2014/main" id="{8E7F9E71-8C0B-6842-904E-4E5894FFA1AB}"/>
+              </a:ext>
+            </a:extLst>
+          </p:cNvPr>
+          <p:cNvSpPr txBox="1"/>
+          <p:nvPr/>
+        </p:nvSpPr>
+        <p:spPr>
+          <a:xfrm>
+            <a:off x="4368567" y="2687496"/>
+            <a:ext cx="1920654" cy="276999"/>
+          </a:xfrm>
+          <a:prstGeom prst="rect">
+            <a:avLst/>
+          </a:prstGeom>
+          <a:noFill/>
+        </p:spPr>
+        <p:txBody>
+          <a:bodyPr wrap="none" rtlCol="0">
+            <a:spAutoFit/>
+          </a:bodyPr>
+          <a:lstStyle/>
+          <a:p>
+            <a:r>
+              <a:rPr kumimoji="1" lang="en-US" altLang="ko-KR" sz="1200" dirty="0"/>
+              <a:t>4 </a:t>
+            </a:r>
+            <a:r>
+              <a:rPr kumimoji="1" lang="en-US" altLang="ko-KR" sz="1200" dirty="0">
+                <a:solidFill>
+                  <a:srgbClr val="C00000"/>
+                </a:solidFill>
+              </a:rPr>
+              <a:t>STATUS </a:t>
+            </a:r>
+            <a:r>
+              <a:rPr kumimoji="1" lang="en-US" altLang="ko-KR" sz="1200" dirty="0"/>
+              <a:t>… file contents</a:t>
+            </a:r>
+            <a:endParaRPr kumimoji="1" lang="ko-KR" altLang="en-US" sz="1200" dirty="0"/>
+          </a:p>
+        </p:txBody>
+      </p:sp>
+      <p:cxnSp>
+        <p:nvCxnSpPr>
+          <p:cNvPr id="9" name="직선 화살표 연결선 8">
+            <a:extLst>
+              <a:ext uri="{FF2B5EF4-FFF2-40B4-BE49-F238E27FC236}">
+                <a16:creationId xmlns:a16="http://schemas.microsoft.com/office/drawing/2014/main" id="{7431D260-7CD7-C344-95A1-3C4EDC845766}"/>
+              </a:ext>
+            </a:extLst>
+          </p:cNvPr>
+          <p:cNvCxnSpPr/>
+          <p:nvPr/>
+        </p:nvCxnSpPr>
+        <p:spPr>
+          <a:xfrm>
+            <a:off x="7277622" y="3294345"/>
+            <a:ext cx="0" cy="563671"/>
+          </a:xfrm>
+          <a:prstGeom prst="straightConnector1">
+            <a:avLst/>
+          </a:prstGeom>
+          <a:ln>
+            <a:headEnd type="triangle"/>
+            <a:tailEnd type="none"/>
+          </a:ln>
+        </p:spPr>
+        <p:style>
+          <a:lnRef idx="1">
+            <a:schemeClr val="accent1"/>
+          </a:lnRef>
+          <a:fillRef idx="0">
+            <a:schemeClr val="accent1"/>
+          </a:fillRef>
+          <a:effectRef idx="0">
+            <a:schemeClr val="accent1"/>
+          </a:effectRef>
+          <a:fontRef idx="minor">
+            <a:schemeClr val="tx1"/>
+          </a:fontRef>
+        </p:style>
+      </p:cxnSp>
+      <p:cxnSp>
+        <p:nvCxnSpPr>
+          <p:cNvPr id="22" name="직선 화살표 연결선 21">
+            <a:extLst>
+              <a:ext uri="{FF2B5EF4-FFF2-40B4-BE49-F238E27FC236}">
+                <a16:creationId xmlns:a16="http://schemas.microsoft.com/office/drawing/2014/main" id="{DC398DC7-4757-614D-8E9A-AEEFA8B7048C}"/>
+              </a:ext>
+            </a:extLst>
+          </p:cNvPr>
+          <p:cNvCxnSpPr/>
+          <p:nvPr/>
+        </p:nvCxnSpPr>
+        <p:spPr>
+          <a:xfrm>
+            <a:off x="7705595" y="3294345"/>
+            <a:ext cx="0" cy="563671"/>
+          </a:xfrm>
+          <a:prstGeom prst="straightConnector1">
+            <a:avLst/>
+          </a:prstGeom>
+          <a:ln>
+            <a:tailEnd type="triangle"/>
+          </a:ln>
+        </p:spPr>
+        <p:style>
+          <a:lnRef idx="1">
+            <a:schemeClr val="accent1"/>
+          </a:lnRef>
+          <a:fillRef idx="0">
+            <a:schemeClr val="accent1"/>
+          </a:fillRef>
+          <a:effectRef idx="0">
+            <a:schemeClr val="accent1"/>
+          </a:effectRef>
+          <a:fontRef idx="minor">
+            <a:schemeClr val="tx1"/>
+          </a:fontRef>
+        </p:style>
+      </p:cxnSp>
+      <p:sp>
+        <p:nvSpPr>
+          <p:cNvPr id="23" name="TextBox 22">
+            <a:extLst>
+              <a:ext uri="{FF2B5EF4-FFF2-40B4-BE49-F238E27FC236}">
+                <a16:creationId xmlns:a16="http://schemas.microsoft.com/office/drawing/2014/main" id="{B9829F3C-6FBE-D847-B558-5CAB6269762C}"/>
+              </a:ext>
+            </a:extLst>
+          </p:cNvPr>
+          <p:cNvSpPr txBox="1"/>
+          <p:nvPr/>
+        </p:nvSpPr>
+        <p:spPr>
+          <a:xfrm>
+            <a:off x="6110777" y="3439202"/>
+            <a:ext cx="1183657" cy="276999"/>
+          </a:xfrm>
+          <a:prstGeom prst="rect">
+            <a:avLst/>
+          </a:prstGeom>
+          <a:noFill/>
+        </p:spPr>
+        <p:txBody>
+          <a:bodyPr wrap="none" rtlCol="0">
+            <a:spAutoFit/>
+          </a:bodyPr>
+          <a:lstStyle/>
+          <a:p>
+            <a:r>
+              <a:rPr kumimoji="1" lang="en-US" altLang="ko-KR" sz="1200" dirty="0"/>
+              <a:t>3 file contents</a:t>
+            </a:r>
+            <a:endParaRPr kumimoji="1" lang="ko-KR" altLang="en-US" sz="1200" dirty="0"/>
+          </a:p>
+        </p:txBody>
+      </p:sp>
+      <p:sp>
+        <p:nvSpPr>
+          <p:cNvPr id="25" name="TextBox 24">
+            <a:extLst>
+              <a:ext uri="{FF2B5EF4-FFF2-40B4-BE49-F238E27FC236}">
+                <a16:creationId xmlns:a16="http://schemas.microsoft.com/office/drawing/2014/main" id="{9C59DC96-5A43-1249-BCAB-1404357F957A}"/>
+              </a:ext>
+            </a:extLst>
+          </p:cNvPr>
+          <p:cNvSpPr txBox="1"/>
+          <p:nvPr/>
+        </p:nvSpPr>
+        <p:spPr>
+          <a:xfrm>
+            <a:off x="7705595" y="3439202"/>
+            <a:ext cx="1845826" cy="276999"/>
+          </a:xfrm>
+          <a:prstGeom prst="rect">
+            <a:avLst/>
+          </a:prstGeom>
+          <a:noFill/>
+        </p:spPr>
+        <p:txBody>
+          <a:bodyPr wrap="none" rtlCol="0">
+            <a:spAutoFit/>
+          </a:bodyPr>
+          <a:lstStyle/>
+          <a:p>
+            <a:r>
+              <a:rPr kumimoji="1" lang="en-US" altLang="ko-KR" sz="1200" dirty="0"/>
+              <a:t>2 read /path/</a:t>
+            </a:r>
+            <a:r>
+              <a:rPr kumimoji="1" lang="en-US" altLang="ko-KR" sz="1200" dirty="0" err="1"/>
+              <a:t>index.html</a:t>
+            </a:r>
+            <a:endParaRPr kumimoji="1" lang="ko-KR" altLang="en-US" sz="1200" dirty="0"/>
+          </a:p>
+        </p:txBody>
+      </p:sp>
+    </p:spTree>
+    <p:extLst>
+      <p:ext uri="{BB962C8B-B14F-4D97-AF65-F5344CB8AC3E}">
+        <p14:creationId xmlns:p14="http://schemas.microsoft.com/office/powerpoint/2010/main" val="788463349"/>
+      </p:ext>
+    </p:extLst>
+  </p:cSld>
+  <p:clrMapOvr>
+    <a:masterClrMapping/>
+  </p:clrMapOvr>
+</p:sld>
+</file>
+
+<file path=ppt/slides/slide5.xml><?xml version="1.0" encoding="utf-8"?>
+<p:sld xmlns:a="http://schemas.openxmlformats.org/drawingml/2006/main" xmlns:r="http://schemas.openxmlformats.org/officeDocument/2006/relationships" xmlns:p="http://schemas.openxmlformats.org/presentationml/2006/main">
+  <p:cSld>
+    <p:spTree>
+      <p:nvGrpSpPr>
+        <p:cNvPr id="1" name=""/>
+        <p:cNvGrpSpPr/>
+        <p:nvPr/>
+      </p:nvGrpSpPr>
+      <p:grpSpPr>
+        <a:xfrm>
+          <a:off x="0" y="0"/>
+          <a:ext cx="0" cy="0"/>
+          <a:chOff x="0" y="0"/>
+          <a:chExt cx="0" cy="0"/>
+        </a:xfrm>
+      </p:grpSpPr>
+      <p:sp>
+        <p:nvSpPr>
+          <p:cNvPr id="38" name="TextBox 37">
+            <a:extLst>
+              <a:ext uri="{FF2B5EF4-FFF2-40B4-BE49-F238E27FC236}">
+                <a16:creationId xmlns:a16="http://schemas.microsoft.com/office/drawing/2014/main" id="{41C7FBC6-1ADE-614B-A639-CE04E73D33B6}"/>
+              </a:ext>
+            </a:extLst>
+          </p:cNvPr>
+          <p:cNvSpPr txBox="1"/>
+          <p:nvPr/>
+        </p:nvSpPr>
+        <p:spPr>
+          <a:xfrm>
+            <a:off x="163546" y="236746"/>
+            <a:ext cx="2457006" cy="276999"/>
+          </a:xfrm>
+          <a:prstGeom prst="rect">
+            <a:avLst/>
+          </a:prstGeom>
+          <a:noFill/>
+        </p:spPr>
+        <p:txBody>
+          <a:bodyPr wrap="square" rtlCol="0">
+            <a:spAutoFit/>
+          </a:bodyPr>
+          <a:lstStyle/>
+          <a:p>
+            <a:r>
+              <a:rPr kumimoji="1" lang="en-US" altLang="ko-KR" sz="1200" dirty="0"/>
+              <a:t>Static page</a:t>
+            </a:r>
+            <a:endParaRPr kumimoji="1" lang="ko-KR" altLang="en-US" sz="1200" dirty="0"/>
+          </a:p>
+        </p:txBody>
+      </p:sp>
+      <p:sp>
+        <p:nvSpPr>
+          <p:cNvPr id="12" name="직사각형 11">
+            <a:extLst>
+              <a:ext uri="{FF2B5EF4-FFF2-40B4-BE49-F238E27FC236}">
+                <a16:creationId xmlns:a16="http://schemas.microsoft.com/office/drawing/2014/main" id="{AB5B33CF-14FE-C642-BA76-79AB73D58D1C}"/>
+              </a:ext>
+            </a:extLst>
+          </p:cNvPr>
+          <p:cNvSpPr/>
+          <p:nvPr/>
+        </p:nvSpPr>
+        <p:spPr>
+          <a:xfrm>
+            <a:off x="2400097" y="1773743"/>
+            <a:ext cx="1534632" cy="3573543"/>
+          </a:xfrm>
+          <a:prstGeom prst="rect">
+            <a:avLst/>
+          </a:prstGeom>
+          <a:noFill/>
+          <a:ln>
+            <a:solidFill>
+              <a:schemeClr val="tx1"/>
+            </a:solidFill>
+          </a:ln>
+        </p:spPr>
+        <p:style>
+          <a:lnRef idx="2">
+            <a:schemeClr val="accent1">
+              <a:shade val="50000"/>
+            </a:schemeClr>
+          </a:lnRef>
+          <a:fillRef idx="1">
+            <a:schemeClr val="accent1"/>
+          </a:fillRef>
+          <a:effectRef idx="0">
+            <a:schemeClr val="accent1"/>
+          </a:effectRef>
+          <a:fontRef idx="minor">
+            <a:schemeClr val="lt1"/>
+          </a:fontRef>
+        </p:style>
+        <p:txBody>
+          <a:bodyPr rtlCol="0" anchor="ctr"/>
+          <a:lstStyle/>
+          <a:p>
+            <a:pPr algn="ctr"/>
+            <a:r>
+              <a:rPr kumimoji="1" lang="en-US" altLang="ko-KR" dirty="0">
+                <a:solidFill>
+                  <a:schemeClr val="tx1"/>
+                </a:solidFill>
+              </a:rPr>
+              <a:t>Client</a:t>
+            </a:r>
+            <a:endParaRPr kumimoji="1" lang="ko-KR" altLang="en-US" dirty="0">
+              <a:solidFill>
+                <a:schemeClr val="tx1"/>
+              </a:solidFill>
+            </a:endParaRPr>
+          </a:p>
+        </p:txBody>
+      </p:sp>
+      <p:sp>
+        <p:nvSpPr>
+          <p:cNvPr id="13" name="직사각형 12">
+            <a:extLst>
+              <a:ext uri="{FF2B5EF4-FFF2-40B4-BE49-F238E27FC236}">
+                <a16:creationId xmlns:a16="http://schemas.microsoft.com/office/drawing/2014/main" id="{7785B331-657E-9D43-B42C-7E5ADC7DFADA}"/>
+              </a:ext>
+            </a:extLst>
+          </p:cNvPr>
+          <p:cNvSpPr/>
+          <p:nvPr/>
+        </p:nvSpPr>
+        <p:spPr>
+          <a:xfrm>
+            <a:off x="6184022" y="1773743"/>
+            <a:ext cx="3736591" cy="3573495"/>
+          </a:xfrm>
+          <a:prstGeom prst="rect">
+            <a:avLst/>
+          </a:prstGeom>
+          <a:noFill/>
+          <a:ln>
+            <a:solidFill>
+              <a:schemeClr val="tx1"/>
+            </a:solidFill>
+          </a:ln>
+        </p:spPr>
+        <p:style>
+          <a:lnRef idx="2">
+            <a:schemeClr val="accent1">
+              <a:shade val="50000"/>
+            </a:schemeClr>
+          </a:lnRef>
+          <a:fillRef idx="1">
+            <a:schemeClr val="accent1"/>
+          </a:fillRef>
+          <a:effectRef idx="0">
+            <a:schemeClr val="accent1"/>
+          </a:effectRef>
+          <a:fontRef idx="minor">
+            <a:schemeClr val="lt1"/>
+          </a:fontRef>
+        </p:style>
+        <p:txBody>
+          <a:bodyPr rtlCol="0" anchor="t"/>
+          <a:lstStyle/>
+          <a:p>
+            <a:pPr algn="ctr"/>
+            <a:r>
+              <a:rPr kumimoji="1" lang="en-US" altLang="ko-KR" dirty="0">
+                <a:solidFill>
+                  <a:schemeClr val="tx1"/>
+                </a:solidFill>
+              </a:rPr>
+              <a:t>Web Application Server</a:t>
+            </a:r>
+            <a:endParaRPr kumimoji="1" lang="ko-KR" altLang="en-US" dirty="0">
+              <a:solidFill>
+                <a:schemeClr val="tx1"/>
+              </a:solidFill>
+            </a:endParaRPr>
+          </a:p>
+        </p:txBody>
+      </p:sp>
+      <p:cxnSp>
+        <p:nvCxnSpPr>
+          <p:cNvPr id="5" name="직선 화살표 연결선 4">
+            <a:extLst>
+              <a:ext uri="{FF2B5EF4-FFF2-40B4-BE49-F238E27FC236}">
+                <a16:creationId xmlns:a16="http://schemas.microsoft.com/office/drawing/2014/main" id="{1F92AF77-6861-2448-A5D5-C78A8C93E025}"/>
+              </a:ext>
+            </a:extLst>
+          </p:cNvPr>
+          <p:cNvCxnSpPr/>
+          <p:nvPr/>
+        </p:nvCxnSpPr>
+        <p:spPr>
+          <a:xfrm>
+            <a:off x="4208745" y="2304789"/>
+            <a:ext cx="2304789" cy="0"/>
+          </a:xfrm>
+          <a:prstGeom prst="straightConnector1">
+            <a:avLst/>
+          </a:prstGeom>
+          <a:ln>
+            <a:tailEnd type="triangle"/>
+          </a:ln>
+        </p:spPr>
+        <p:style>
+          <a:lnRef idx="1">
+            <a:schemeClr val="accent1"/>
+          </a:lnRef>
+          <a:fillRef idx="0">
+            <a:schemeClr val="accent1"/>
+          </a:fillRef>
+          <a:effectRef idx="0">
+            <a:schemeClr val="accent1"/>
+          </a:effectRef>
+          <a:fontRef idx="minor">
+            <a:schemeClr val="tx1"/>
+          </a:fontRef>
+        </p:style>
+      </p:cxnSp>
+      <p:cxnSp>
+        <p:nvCxnSpPr>
+          <p:cNvPr id="17" name="직선 화살표 연결선 16">
+            <a:extLst>
+              <a:ext uri="{FF2B5EF4-FFF2-40B4-BE49-F238E27FC236}">
+                <a16:creationId xmlns:a16="http://schemas.microsoft.com/office/drawing/2014/main" id="{CD36AD62-3684-3F48-977A-A4049DA5758C}"/>
+              </a:ext>
+            </a:extLst>
+          </p:cNvPr>
+          <p:cNvCxnSpPr/>
+          <p:nvPr/>
+        </p:nvCxnSpPr>
+        <p:spPr>
+          <a:xfrm>
+            <a:off x="4208745" y="2507294"/>
+            <a:ext cx="2304789" cy="0"/>
+          </a:xfrm>
+          <a:prstGeom prst="straightConnector1">
+            <a:avLst/>
+          </a:prstGeom>
+          <a:ln>
+            <a:headEnd type="triangle"/>
+            <a:tailEnd type="none"/>
+          </a:ln>
+        </p:spPr>
+        <p:style>
+          <a:lnRef idx="1">
+            <a:schemeClr val="accent1"/>
+          </a:lnRef>
+          <a:fillRef idx="0">
+            <a:schemeClr val="accent1"/>
+          </a:fillRef>
+          <a:effectRef idx="0">
+            <a:schemeClr val="accent1"/>
+          </a:effectRef>
+          <a:fontRef idx="minor">
+            <a:schemeClr val="tx1"/>
+          </a:fontRef>
+        </p:style>
+      </p:cxnSp>
+      <p:sp>
+        <p:nvSpPr>
+          <p:cNvPr id="7" name="TextBox 6">
+            <a:extLst>
+              <a:ext uri="{FF2B5EF4-FFF2-40B4-BE49-F238E27FC236}">
+                <a16:creationId xmlns:a16="http://schemas.microsoft.com/office/drawing/2014/main" id="{3EDCABF4-5069-2748-8CAB-896F79944798}"/>
+              </a:ext>
+            </a:extLst>
+          </p:cNvPr>
+          <p:cNvSpPr txBox="1"/>
+          <p:nvPr/>
+        </p:nvSpPr>
+        <p:spPr>
+          <a:xfrm>
+            <a:off x="4031295" y="2027790"/>
+            <a:ext cx="2043636" cy="276999"/>
+          </a:xfrm>
+          <a:prstGeom prst="rect">
+            <a:avLst/>
+          </a:prstGeom>
+          <a:noFill/>
+        </p:spPr>
+        <p:txBody>
+          <a:bodyPr wrap="none" rtlCol="0">
+            <a:spAutoFit/>
+          </a:bodyPr>
+          <a:lstStyle/>
+          <a:p>
+            <a:r>
+              <a:rPr kumimoji="1" lang="en-US" altLang="ko-KR" sz="1200" dirty="0">
+                <a:solidFill>
+                  <a:srgbClr val="C00000"/>
+                </a:solidFill>
+              </a:rPr>
+              <a:t>GET</a:t>
+            </a:r>
+            <a:r>
+              <a:rPr kumimoji="1" lang="en-US" altLang="ko-KR" sz="1200" dirty="0"/>
+              <a:t> /</a:t>
+            </a:r>
+            <a:r>
+              <a:rPr kumimoji="1" lang="en-US" altLang="ko-KR" sz="1200" dirty="0" err="1"/>
+              <a:t>url.Servlet?uid</a:t>
+            </a:r>
+            <a:r>
+              <a:rPr kumimoji="1" lang="en-US" altLang="ko-KR" sz="1200" dirty="0"/>
+              <a:t>=Hong</a:t>
+            </a:r>
+            <a:endParaRPr kumimoji="1" lang="ko-KR" altLang="en-US" sz="1200" dirty="0"/>
+          </a:p>
+        </p:txBody>
+      </p:sp>
+      <p:sp>
+        <p:nvSpPr>
+          <p:cNvPr id="19" name="TextBox 18">
+            <a:extLst>
+              <a:ext uri="{FF2B5EF4-FFF2-40B4-BE49-F238E27FC236}">
+                <a16:creationId xmlns:a16="http://schemas.microsoft.com/office/drawing/2014/main" id="{8E7F9E71-8C0B-6842-904E-4E5894FFA1AB}"/>
+              </a:ext>
+            </a:extLst>
+          </p:cNvPr>
+          <p:cNvSpPr txBox="1"/>
+          <p:nvPr/>
+        </p:nvSpPr>
+        <p:spPr>
+          <a:xfrm>
+            <a:off x="4005313" y="2524658"/>
+            <a:ext cx="2242665" cy="276999"/>
+          </a:xfrm>
+          <a:prstGeom prst="rect">
+            <a:avLst/>
+          </a:prstGeom>
+          <a:noFill/>
+        </p:spPr>
+        <p:txBody>
+          <a:bodyPr wrap="none" rtlCol="0">
+            <a:spAutoFit/>
+          </a:bodyPr>
+          <a:lstStyle/>
+          <a:p>
+            <a:r>
+              <a:rPr kumimoji="1" lang="en-US" altLang="ko-KR" sz="1200" dirty="0">
+                <a:solidFill>
+                  <a:srgbClr val="C00000"/>
+                </a:solidFill>
+              </a:rPr>
+              <a:t>STATUS </a:t>
+            </a:r>
+            <a:r>
+              <a:rPr kumimoji="1" lang="en-US" altLang="ko-KR" sz="1200" dirty="0"/>
+              <a:t>… &lt;Response Hong&gt;</a:t>
+            </a:r>
+            <a:endParaRPr kumimoji="1" lang="ko-KR" altLang="en-US" sz="1200" dirty="0"/>
+          </a:p>
+        </p:txBody>
+      </p:sp>
+      <p:cxnSp>
+        <p:nvCxnSpPr>
+          <p:cNvPr id="15" name="직선 화살표 연결선 14">
+            <a:extLst>
+              <a:ext uri="{FF2B5EF4-FFF2-40B4-BE49-F238E27FC236}">
+                <a16:creationId xmlns:a16="http://schemas.microsoft.com/office/drawing/2014/main" id="{186DCED9-7330-8249-A539-37363EC20513}"/>
+              </a:ext>
+            </a:extLst>
+          </p:cNvPr>
+          <p:cNvCxnSpPr/>
+          <p:nvPr/>
+        </p:nvCxnSpPr>
+        <p:spPr>
+          <a:xfrm>
+            <a:off x="4208745" y="4498931"/>
+            <a:ext cx="2304789" cy="0"/>
+          </a:xfrm>
+          <a:prstGeom prst="straightConnector1">
+            <a:avLst/>
+          </a:prstGeom>
+          <a:ln>
+            <a:tailEnd type="triangle"/>
+          </a:ln>
+        </p:spPr>
+        <p:style>
+          <a:lnRef idx="1">
+            <a:schemeClr val="accent1"/>
+          </a:lnRef>
+          <a:fillRef idx="0">
+            <a:schemeClr val="accent1"/>
+          </a:fillRef>
+          <a:effectRef idx="0">
+            <a:schemeClr val="accent1"/>
+          </a:effectRef>
+          <a:fontRef idx="minor">
+            <a:schemeClr val="tx1"/>
+          </a:fontRef>
+        </p:style>
+      </p:cxnSp>
+      <p:cxnSp>
+        <p:nvCxnSpPr>
+          <p:cNvPr id="16" name="직선 화살표 연결선 15">
+            <a:extLst>
+              <a:ext uri="{FF2B5EF4-FFF2-40B4-BE49-F238E27FC236}">
+                <a16:creationId xmlns:a16="http://schemas.microsoft.com/office/drawing/2014/main" id="{F1428BF3-C731-754A-9326-D6B078B340D8}"/>
+              </a:ext>
+            </a:extLst>
+          </p:cNvPr>
+          <p:cNvCxnSpPr/>
+          <p:nvPr/>
+        </p:nvCxnSpPr>
+        <p:spPr>
+          <a:xfrm>
+            <a:off x="4208745" y="4701436"/>
+            <a:ext cx="2304789" cy="0"/>
+          </a:xfrm>
+          <a:prstGeom prst="straightConnector1">
+            <a:avLst/>
+          </a:prstGeom>
+          <a:ln>
+            <a:headEnd type="triangle"/>
+            <a:tailEnd type="none"/>
+          </a:ln>
+        </p:spPr>
+        <p:style>
+          <a:lnRef idx="1">
+            <a:schemeClr val="accent1"/>
+          </a:lnRef>
+          <a:fillRef idx="0">
+            <a:schemeClr val="accent1"/>
+          </a:fillRef>
+          <a:effectRef idx="0">
+            <a:schemeClr val="accent1"/>
+          </a:effectRef>
+          <a:fontRef idx="minor">
+            <a:schemeClr val="tx1"/>
+          </a:fontRef>
+        </p:style>
+      </p:cxnSp>
+      <p:sp>
+        <p:nvSpPr>
+          <p:cNvPr id="18" name="TextBox 17">
+            <a:extLst>
+              <a:ext uri="{FF2B5EF4-FFF2-40B4-BE49-F238E27FC236}">
+                <a16:creationId xmlns:a16="http://schemas.microsoft.com/office/drawing/2014/main" id="{96AB95EC-BF8B-A343-AC39-DE1A527EC329}"/>
+              </a:ext>
+            </a:extLst>
+          </p:cNvPr>
+          <p:cNvSpPr txBox="1"/>
+          <p:nvPr/>
+        </p:nvSpPr>
+        <p:spPr>
+          <a:xfrm>
+            <a:off x="4031295" y="4221932"/>
+            <a:ext cx="1976310" cy="276999"/>
+          </a:xfrm>
+          <a:prstGeom prst="rect">
+            <a:avLst/>
+          </a:prstGeom>
+          <a:noFill/>
+        </p:spPr>
+        <p:txBody>
+          <a:bodyPr wrap="none" rtlCol="0">
+            <a:spAutoFit/>
+          </a:bodyPr>
+          <a:lstStyle/>
+          <a:p>
+            <a:r>
+              <a:rPr kumimoji="1" lang="en-US" altLang="ko-KR" sz="1200" dirty="0">
+                <a:solidFill>
+                  <a:srgbClr val="C00000"/>
+                </a:solidFill>
+              </a:rPr>
+              <a:t>GET</a:t>
+            </a:r>
+            <a:r>
+              <a:rPr kumimoji="1" lang="en-US" altLang="ko-KR" sz="1200" dirty="0"/>
+              <a:t> /</a:t>
+            </a:r>
+            <a:r>
+              <a:rPr kumimoji="1" lang="en-US" altLang="ko-KR" sz="1200" dirty="0" err="1"/>
+              <a:t>url.Servlet?uid</a:t>
+            </a:r>
+            <a:r>
+              <a:rPr kumimoji="1" lang="en-US" altLang="ko-KR" sz="1200" dirty="0"/>
+              <a:t>=</a:t>
+            </a:r>
+            <a:r>
+              <a:rPr kumimoji="1" lang="en-US" altLang="ko-KR" sz="1200" dirty="0" err="1"/>
+              <a:t>Mun</a:t>
+            </a:r>
+            <a:endParaRPr kumimoji="1" lang="ko-KR" altLang="en-US" sz="1200" dirty="0"/>
+          </a:p>
+        </p:txBody>
+      </p:sp>
+      <p:sp>
+        <p:nvSpPr>
+          <p:cNvPr id="20" name="TextBox 19">
+            <a:extLst>
+              <a:ext uri="{FF2B5EF4-FFF2-40B4-BE49-F238E27FC236}">
+                <a16:creationId xmlns:a16="http://schemas.microsoft.com/office/drawing/2014/main" id="{6378752B-7F52-634A-A98A-F108CBABF546}"/>
+              </a:ext>
+            </a:extLst>
+          </p:cNvPr>
+          <p:cNvSpPr txBox="1"/>
+          <p:nvPr/>
+        </p:nvSpPr>
+        <p:spPr>
+          <a:xfrm>
+            <a:off x="4005313" y="4718800"/>
+            <a:ext cx="2175339" cy="276999"/>
+          </a:xfrm>
+          <a:prstGeom prst="rect">
+            <a:avLst/>
+          </a:prstGeom>
+          <a:noFill/>
+        </p:spPr>
+        <p:txBody>
+          <a:bodyPr wrap="none" rtlCol="0">
+            <a:spAutoFit/>
+          </a:bodyPr>
+          <a:lstStyle/>
+          <a:p>
+            <a:r>
+              <a:rPr kumimoji="1" lang="en-US" altLang="ko-KR" sz="1200" dirty="0">
+                <a:solidFill>
+                  <a:srgbClr val="C00000"/>
+                </a:solidFill>
+              </a:rPr>
+              <a:t>STATUS </a:t>
+            </a:r>
+            <a:r>
+              <a:rPr kumimoji="1" lang="en-US" altLang="ko-KR" sz="1200" dirty="0"/>
+              <a:t>… &lt;Response </a:t>
+            </a:r>
+            <a:r>
+              <a:rPr kumimoji="1" lang="en-US" altLang="ko-KR" sz="1200" dirty="0" err="1"/>
+              <a:t>Mun</a:t>
+            </a:r>
+            <a:r>
+              <a:rPr kumimoji="1" lang="en-US" altLang="ko-KR" sz="1200" dirty="0"/>
+              <a:t>&gt;</a:t>
+            </a:r>
+            <a:endParaRPr kumimoji="1" lang="ko-KR" altLang="en-US" sz="1200" dirty="0"/>
+          </a:p>
+        </p:txBody>
+      </p:sp>
+      <p:cxnSp>
+        <p:nvCxnSpPr>
+          <p:cNvPr id="3" name="직선 화살표 연결선 2">
+            <a:extLst>
+              <a:ext uri="{FF2B5EF4-FFF2-40B4-BE49-F238E27FC236}">
+                <a16:creationId xmlns:a16="http://schemas.microsoft.com/office/drawing/2014/main" id="{0962B24E-148B-C84D-B6E4-60747FDF9DA2}"/>
+              </a:ext>
+            </a:extLst>
+          </p:cNvPr>
+          <p:cNvCxnSpPr/>
+          <p:nvPr/>
+        </p:nvCxnSpPr>
+        <p:spPr>
+          <a:xfrm>
+            <a:off x="9507255" y="1965160"/>
+            <a:ext cx="651353" cy="0"/>
+          </a:xfrm>
+          <a:prstGeom prst="straightConnector1">
+            <a:avLst/>
+          </a:prstGeom>
+          <a:ln>
+            <a:tailEnd type="triangle"/>
+          </a:ln>
+        </p:spPr>
+        <p:style>
+          <a:lnRef idx="1">
+            <a:schemeClr val="accent1"/>
+          </a:lnRef>
+          <a:fillRef idx="0">
+            <a:schemeClr val="accent1"/>
+          </a:fillRef>
+          <a:effectRef idx="0">
+            <a:schemeClr val="accent1"/>
+          </a:effectRef>
+          <a:fontRef idx="minor">
+            <a:schemeClr val="tx1"/>
+          </a:fontRef>
+        </p:style>
+      </p:cxnSp>
+      <p:sp>
+        <p:nvSpPr>
+          <p:cNvPr id="4" name="TextBox 3">
+            <a:extLst>
+              <a:ext uri="{FF2B5EF4-FFF2-40B4-BE49-F238E27FC236}">
+                <a16:creationId xmlns:a16="http://schemas.microsoft.com/office/drawing/2014/main" id="{3D4D2724-9EB1-7F41-9CE5-55EB5FEE7588}"/>
+              </a:ext>
+            </a:extLst>
+          </p:cNvPr>
+          <p:cNvSpPr txBox="1"/>
+          <p:nvPr/>
+        </p:nvSpPr>
+        <p:spPr>
+          <a:xfrm>
+            <a:off x="10158608" y="1759791"/>
+            <a:ext cx="1311513" cy="369332"/>
+          </a:xfrm>
+          <a:prstGeom prst="rect">
+            <a:avLst/>
+          </a:prstGeom>
+          <a:noFill/>
+        </p:spPr>
+        <p:txBody>
+          <a:bodyPr wrap="none" rtlCol="0">
+            <a:spAutoFit/>
+          </a:bodyPr>
+          <a:lstStyle/>
+          <a:p>
+            <a:r>
+              <a:rPr kumimoji="1" lang="en-US" altLang="ko-KR" dirty="0"/>
+              <a:t>Ex) Tomcat</a:t>
+            </a:r>
+            <a:endParaRPr kumimoji="1" lang="ko-KR" altLang="en-US" dirty="0"/>
+          </a:p>
+        </p:txBody>
+      </p:sp>
+      <p:sp>
+        <p:nvSpPr>
+          <p:cNvPr id="24" name="직사각형 23">
+            <a:extLst>
+              <a:ext uri="{FF2B5EF4-FFF2-40B4-BE49-F238E27FC236}">
+                <a16:creationId xmlns:a16="http://schemas.microsoft.com/office/drawing/2014/main" id="{53CC2167-A80B-DB45-8759-7CFE7A9BD25B}"/>
+              </a:ext>
+            </a:extLst>
+          </p:cNvPr>
+          <p:cNvSpPr/>
+          <p:nvPr/>
+        </p:nvSpPr>
+        <p:spPr>
+          <a:xfrm>
+            <a:off x="8166969" y="2404998"/>
+            <a:ext cx="1540702" cy="2414010"/>
+          </a:xfrm>
+          <a:prstGeom prst="rect">
+            <a:avLst/>
+          </a:prstGeom>
+          <a:noFill/>
+          <a:ln>
+            <a:solidFill>
+              <a:schemeClr val="tx1"/>
+            </a:solidFill>
+          </a:ln>
+        </p:spPr>
+        <p:style>
+          <a:lnRef idx="2">
+            <a:schemeClr val="accent1">
+              <a:shade val="50000"/>
+            </a:schemeClr>
+          </a:lnRef>
+          <a:fillRef idx="1">
+            <a:schemeClr val="accent1"/>
+          </a:fillRef>
+          <a:effectRef idx="0">
+            <a:schemeClr val="accent1"/>
+          </a:effectRef>
+          <a:fontRef idx="minor">
+            <a:schemeClr val="lt1"/>
+          </a:fontRef>
+        </p:style>
+        <p:txBody>
+          <a:bodyPr rtlCol="0" anchor="t"/>
+          <a:lstStyle/>
+          <a:p>
+            <a:pPr algn="ctr"/>
+            <a:r>
+              <a:rPr kumimoji="1" lang="en-US" altLang="ko-KR" dirty="0">
+                <a:solidFill>
+                  <a:schemeClr val="tx1"/>
+                </a:solidFill>
+              </a:rPr>
+              <a:t>JVM</a:t>
+            </a:r>
+            <a:endParaRPr kumimoji="1" lang="ko-KR" altLang="en-US" dirty="0">
+              <a:solidFill>
+                <a:schemeClr val="tx1"/>
+              </a:solidFill>
+            </a:endParaRPr>
+          </a:p>
+        </p:txBody>
+      </p:sp>
+      <p:sp>
+        <p:nvSpPr>
+          <p:cNvPr id="26" name="직사각형 25">
+            <a:extLst>
+              <a:ext uri="{FF2B5EF4-FFF2-40B4-BE49-F238E27FC236}">
+                <a16:creationId xmlns:a16="http://schemas.microsoft.com/office/drawing/2014/main" id="{9FED5A62-8E57-1A4E-85DE-26B22CED70B5}"/>
+              </a:ext>
+            </a:extLst>
+          </p:cNvPr>
+          <p:cNvSpPr/>
+          <p:nvPr/>
+        </p:nvSpPr>
+        <p:spPr>
+          <a:xfrm>
+            <a:off x="8358599" y="3031299"/>
+            <a:ext cx="1157441" cy="1190634"/>
+          </a:xfrm>
+          <a:prstGeom prst="rect">
+            <a:avLst/>
+          </a:prstGeom>
+          <a:noFill/>
+          <a:ln>
+            <a:solidFill>
+              <a:schemeClr val="tx1"/>
+            </a:solidFill>
+          </a:ln>
+        </p:spPr>
+        <p:style>
+          <a:lnRef idx="2">
+            <a:schemeClr val="accent1">
+              <a:shade val="50000"/>
+            </a:schemeClr>
+          </a:lnRef>
+          <a:fillRef idx="1">
+            <a:schemeClr val="accent1"/>
+          </a:fillRef>
+          <a:effectRef idx="0">
+            <a:schemeClr val="accent1"/>
+          </a:effectRef>
+          <a:fontRef idx="minor">
+            <a:schemeClr val="lt1"/>
+          </a:fontRef>
+        </p:style>
+        <p:txBody>
+          <a:bodyPr rtlCol="0" anchor="ctr"/>
+          <a:lstStyle/>
+          <a:p>
+            <a:pPr algn="ctr"/>
+            <a:r>
+              <a:rPr kumimoji="1" lang="en-US" altLang="ko-KR" dirty="0">
+                <a:solidFill>
+                  <a:schemeClr val="tx1"/>
+                </a:solidFill>
+              </a:rPr>
+              <a:t>Servlet</a:t>
+            </a:r>
+            <a:endParaRPr kumimoji="1" lang="ko-KR" altLang="en-US" dirty="0">
+              <a:solidFill>
+                <a:schemeClr val="tx1"/>
+              </a:solidFill>
+            </a:endParaRPr>
+          </a:p>
+        </p:txBody>
+      </p:sp>
+      <p:cxnSp>
+        <p:nvCxnSpPr>
+          <p:cNvPr id="10" name="직선 화살표 연결선 9">
+            <a:extLst>
+              <a:ext uri="{FF2B5EF4-FFF2-40B4-BE49-F238E27FC236}">
+                <a16:creationId xmlns:a16="http://schemas.microsoft.com/office/drawing/2014/main" id="{04F46EA2-B358-9340-B888-C9B8DA9CC2B3}"/>
+              </a:ext>
+            </a:extLst>
+          </p:cNvPr>
+          <p:cNvCxnSpPr/>
+          <p:nvPr/>
+        </p:nvCxnSpPr>
+        <p:spPr>
+          <a:xfrm>
+            <a:off x="6676373" y="2304789"/>
+            <a:ext cx="1778695" cy="914400"/>
+          </a:xfrm>
+          <a:prstGeom prst="straightConnector1">
+            <a:avLst/>
+          </a:prstGeom>
+          <a:ln>
+            <a:tailEnd type="triangle"/>
+          </a:ln>
+        </p:spPr>
+        <p:style>
+          <a:lnRef idx="1">
+            <a:schemeClr val="accent1"/>
+          </a:lnRef>
+          <a:fillRef idx="0">
+            <a:schemeClr val="accent1"/>
+          </a:fillRef>
+          <a:effectRef idx="0">
+            <a:schemeClr val="accent1"/>
+          </a:effectRef>
+          <a:fontRef idx="minor">
+            <a:schemeClr val="tx1"/>
+          </a:fontRef>
+        </p:style>
+      </p:cxnSp>
+      <p:cxnSp>
+        <p:nvCxnSpPr>
+          <p:cNvPr id="21" name="직선 화살표 연결선 20">
+            <a:extLst>
+              <a:ext uri="{FF2B5EF4-FFF2-40B4-BE49-F238E27FC236}">
+                <a16:creationId xmlns:a16="http://schemas.microsoft.com/office/drawing/2014/main" id="{934F4AF1-B20C-5E4B-8760-F95CA8EEA975}"/>
+              </a:ext>
+            </a:extLst>
+          </p:cNvPr>
+          <p:cNvCxnSpPr/>
+          <p:nvPr/>
+        </p:nvCxnSpPr>
+        <p:spPr>
+          <a:xfrm flipH="1" flipV="1">
+            <a:off x="6651321" y="2524658"/>
+            <a:ext cx="1803747" cy="904342"/>
+          </a:xfrm>
+          <a:prstGeom prst="straightConnector1">
+            <a:avLst/>
+          </a:prstGeom>
+          <a:ln>
+            <a:tailEnd type="triangle"/>
+          </a:ln>
+        </p:spPr>
+        <p:style>
+          <a:lnRef idx="1">
+            <a:schemeClr val="accent1"/>
+          </a:lnRef>
+          <a:fillRef idx="0">
+            <a:schemeClr val="accent1"/>
+          </a:fillRef>
+          <a:effectRef idx="0">
+            <a:schemeClr val="accent1"/>
+          </a:effectRef>
+          <a:fontRef idx="minor">
+            <a:schemeClr val="tx1"/>
+          </a:fontRef>
+        </p:style>
+      </p:cxnSp>
+      <p:cxnSp>
+        <p:nvCxnSpPr>
+          <p:cNvPr id="28" name="직선 화살표 연결선 27">
+            <a:extLst>
+              <a:ext uri="{FF2B5EF4-FFF2-40B4-BE49-F238E27FC236}">
+                <a16:creationId xmlns:a16="http://schemas.microsoft.com/office/drawing/2014/main" id="{B632130F-55FA-684B-9BA1-496CB93FE2DA}"/>
+              </a:ext>
+            </a:extLst>
+          </p:cNvPr>
+          <p:cNvCxnSpPr/>
+          <p:nvPr/>
+        </p:nvCxnSpPr>
+        <p:spPr>
+          <a:xfrm flipV="1">
+            <a:off x="6676373" y="3845490"/>
+            <a:ext cx="1778695" cy="653441"/>
+          </a:xfrm>
+          <a:prstGeom prst="straightConnector1">
+            <a:avLst/>
+          </a:prstGeom>
+          <a:ln>
+            <a:tailEnd type="triangle"/>
+          </a:ln>
+        </p:spPr>
+        <p:style>
+          <a:lnRef idx="1">
+            <a:schemeClr val="accent1"/>
+          </a:lnRef>
+          <a:fillRef idx="0">
+            <a:schemeClr val="accent1"/>
+          </a:fillRef>
+          <a:effectRef idx="0">
+            <a:schemeClr val="accent1"/>
+          </a:effectRef>
+          <a:fontRef idx="minor">
+            <a:schemeClr val="tx1"/>
+          </a:fontRef>
+        </p:style>
+      </p:cxnSp>
+      <p:cxnSp>
+        <p:nvCxnSpPr>
+          <p:cNvPr id="32" name="직선 화살표 연결선 31">
+            <a:extLst>
+              <a:ext uri="{FF2B5EF4-FFF2-40B4-BE49-F238E27FC236}">
+                <a16:creationId xmlns:a16="http://schemas.microsoft.com/office/drawing/2014/main" id="{2F296498-620D-AD43-8AFA-5FA330CBA443}"/>
+              </a:ext>
+            </a:extLst>
+          </p:cNvPr>
+          <p:cNvCxnSpPr/>
+          <p:nvPr/>
+        </p:nvCxnSpPr>
+        <p:spPr>
+          <a:xfrm flipH="1">
+            <a:off x="6676373" y="4055301"/>
+            <a:ext cx="1778695" cy="646135"/>
+          </a:xfrm>
+          <a:prstGeom prst="straightConnector1">
+            <a:avLst/>
+          </a:prstGeom>
+          <a:ln>
+            <a:tailEnd type="triangle"/>
+          </a:ln>
+        </p:spPr>
+        <p:style>
+          <a:lnRef idx="1">
+            <a:schemeClr val="accent1"/>
+          </a:lnRef>
+          <a:fillRef idx="0">
+            <a:schemeClr val="accent1"/>
+          </a:fillRef>
+          <a:effectRef idx="0">
+            <a:schemeClr val="accent1"/>
+          </a:effectRef>
+          <a:fontRef idx="minor">
+            <a:schemeClr val="tx1"/>
+          </a:fontRef>
+        </p:style>
+      </p:cxnSp>
+      <p:sp>
+        <p:nvSpPr>
+          <p:cNvPr id="33" name="TextBox 32">
+            <a:extLst>
+              <a:ext uri="{FF2B5EF4-FFF2-40B4-BE49-F238E27FC236}">
+                <a16:creationId xmlns:a16="http://schemas.microsoft.com/office/drawing/2014/main" id="{443862AD-8408-0B44-B869-2032E10B21BB}"/>
+              </a:ext>
+            </a:extLst>
+          </p:cNvPr>
+          <p:cNvSpPr txBox="1"/>
+          <p:nvPr/>
+        </p:nvSpPr>
+        <p:spPr>
+          <a:xfrm rot="1638701">
+            <a:off x="6906291" y="2499501"/>
+            <a:ext cx="1395382" cy="276999"/>
+          </a:xfrm>
+          <a:prstGeom prst="rect">
+            <a:avLst/>
+          </a:prstGeom>
+          <a:noFill/>
+        </p:spPr>
+        <p:txBody>
+          <a:bodyPr wrap="none" rtlCol="0">
+            <a:spAutoFit/>
+          </a:bodyPr>
+          <a:lstStyle/>
+          <a:p>
+            <a:r>
+              <a:rPr kumimoji="1" lang="en-US" altLang="ko-KR" sz="1200" dirty="0"/>
+              <a:t>1. </a:t>
+            </a:r>
+            <a:r>
+              <a:rPr kumimoji="1" lang="en-US" altLang="ko-KR" sz="1200" dirty="0" err="1"/>
+              <a:t>doGet</a:t>
+            </a:r>
+            <a:r>
+              <a:rPr kumimoji="1" lang="en-US" altLang="ko-KR" sz="1200" dirty="0"/>
+              <a:t>(</a:t>
+            </a:r>
+            <a:r>
+              <a:rPr kumimoji="1" lang="en-US" altLang="ko-KR" sz="1200" dirty="0" err="1"/>
+              <a:t>req</a:t>
+            </a:r>
+            <a:r>
+              <a:rPr kumimoji="1" lang="en-US" altLang="ko-KR" sz="1200" dirty="0"/>
+              <a:t>, res)</a:t>
+            </a:r>
+            <a:endParaRPr kumimoji="1" lang="ko-KR" altLang="en-US" sz="1200" dirty="0"/>
+          </a:p>
+        </p:txBody>
+      </p:sp>
+      <p:sp>
+        <p:nvSpPr>
+          <p:cNvPr id="35" name="TextBox 34">
+            <a:extLst>
+              <a:ext uri="{FF2B5EF4-FFF2-40B4-BE49-F238E27FC236}">
+                <a16:creationId xmlns:a16="http://schemas.microsoft.com/office/drawing/2014/main" id="{A9BD0C25-9560-0247-ABDC-866AAAABFE07}"/>
+              </a:ext>
+            </a:extLst>
+          </p:cNvPr>
+          <p:cNvSpPr txBox="1"/>
+          <p:nvPr/>
+        </p:nvSpPr>
+        <p:spPr>
+          <a:xfrm rot="1515601">
+            <a:off x="6675020" y="2960097"/>
+            <a:ext cx="1641219" cy="276999"/>
+          </a:xfrm>
+          <a:prstGeom prst="rect">
+            <a:avLst/>
+          </a:prstGeom>
+          <a:noFill/>
+        </p:spPr>
+        <p:txBody>
+          <a:bodyPr wrap="none" rtlCol="0">
+            <a:spAutoFit/>
+          </a:bodyPr>
+          <a:lstStyle/>
+          <a:p>
+            <a:r>
+              <a:rPr kumimoji="1" lang="en-US" altLang="ko-KR" sz="1200" dirty="0"/>
+              <a:t>2. &lt;response Hong&gt;</a:t>
+            </a:r>
+            <a:endParaRPr kumimoji="1" lang="ko-KR" altLang="en-US" sz="1200" dirty="0"/>
+          </a:p>
+        </p:txBody>
+      </p:sp>
+      <p:sp>
+        <p:nvSpPr>
+          <p:cNvPr id="39" name="TextBox 38">
+            <a:extLst>
+              <a:ext uri="{FF2B5EF4-FFF2-40B4-BE49-F238E27FC236}">
+                <a16:creationId xmlns:a16="http://schemas.microsoft.com/office/drawing/2014/main" id="{D61F10AF-69CD-D844-AEAB-805CAA6400E8}"/>
+              </a:ext>
+            </a:extLst>
+          </p:cNvPr>
+          <p:cNvSpPr txBox="1"/>
+          <p:nvPr/>
+        </p:nvSpPr>
+        <p:spPr>
+          <a:xfrm rot="20360747">
+            <a:off x="6734590" y="3953084"/>
+            <a:ext cx="1395382" cy="276999"/>
+          </a:xfrm>
+          <a:prstGeom prst="rect">
+            <a:avLst/>
+          </a:prstGeom>
+          <a:noFill/>
+        </p:spPr>
+        <p:txBody>
+          <a:bodyPr wrap="none" rtlCol="0">
+            <a:spAutoFit/>
+          </a:bodyPr>
+          <a:lstStyle/>
+          <a:p>
+            <a:r>
+              <a:rPr kumimoji="1" lang="en-US" altLang="ko-KR" sz="1200" dirty="0"/>
+              <a:t>1. </a:t>
+            </a:r>
+            <a:r>
+              <a:rPr kumimoji="1" lang="en-US" altLang="ko-KR" sz="1200" dirty="0" err="1"/>
+              <a:t>doGet</a:t>
+            </a:r>
+            <a:r>
+              <a:rPr kumimoji="1" lang="en-US" altLang="ko-KR" sz="1200" dirty="0"/>
+              <a:t>(res, </a:t>
+            </a:r>
+            <a:r>
+              <a:rPr kumimoji="1" lang="en-US" altLang="ko-KR" sz="1200" dirty="0" err="1"/>
+              <a:t>req</a:t>
+            </a:r>
+            <a:r>
+              <a:rPr kumimoji="1" lang="en-US" altLang="ko-KR" sz="1200" dirty="0"/>
+              <a:t>)</a:t>
+            </a:r>
+            <a:endParaRPr kumimoji="1" lang="ko-KR" altLang="en-US" sz="1200" dirty="0"/>
+          </a:p>
+        </p:txBody>
+      </p:sp>
+      <p:sp>
+        <p:nvSpPr>
+          <p:cNvPr id="40" name="TextBox 39">
+            <a:extLst>
+              <a:ext uri="{FF2B5EF4-FFF2-40B4-BE49-F238E27FC236}">
+                <a16:creationId xmlns:a16="http://schemas.microsoft.com/office/drawing/2014/main" id="{0A8828C4-E0D7-6B44-A75A-60E01DDC79B4}"/>
+              </a:ext>
+            </a:extLst>
+          </p:cNvPr>
+          <p:cNvSpPr txBox="1"/>
+          <p:nvPr/>
+        </p:nvSpPr>
+        <p:spPr>
+          <a:xfrm rot="20360747">
+            <a:off x="6757746" y="4379133"/>
+            <a:ext cx="1573892" cy="276999"/>
+          </a:xfrm>
+          <a:prstGeom prst="rect">
+            <a:avLst/>
+          </a:prstGeom>
+          <a:noFill/>
+        </p:spPr>
+        <p:txBody>
+          <a:bodyPr wrap="none" rtlCol="0">
+            <a:spAutoFit/>
+          </a:bodyPr>
+          <a:lstStyle/>
+          <a:p>
+            <a:r>
+              <a:rPr kumimoji="1" lang="en-US" altLang="ko-KR" sz="1200" dirty="0"/>
+              <a:t>2. &lt;response </a:t>
+            </a:r>
+            <a:r>
+              <a:rPr kumimoji="1" lang="en-US" altLang="ko-KR" sz="1200" dirty="0" err="1"/>
+              <a:t>Mun</a:t>
+            </a:r>
+            <a:r>
+              <a:rPr kumimoji="1" lang="en-US" altLang="ko-KR" sz="1200" dirty="0"/>
+              <a:t>&gt;</a:t>
+            </a:r>
+            <a:endParaRPr kumimoji="1" lang="ko-KR" altLang="en-US" sz="1200" dirty="0"/>
+          </a:p>
+        </p:txBody>
+      </p:sp>
+    </p:spTree>
+    <p:extLst>
+      <p:ext uri="{BB962C8B-B14F-4D97-AF65-F5344CB8AC3E}">
+        <p14:creationId xmlns:p14="http://schemas.microsoft.com/office/powerpoint/2010/main" val="4121840714"/>
       </p:ext>
     </p:extLst>
   </p:cSld>

--- a/images.pptx
+++ b/images.pptx
@@ -10,6 +10,9 @@
     <p:sldId id="259" r:id="rId4"/>
     <p:sldId id="260" r:id="rId5"/>
     <p:sldId id="261" r:id="rId6"/>
+    <p:sldId id="262" r:id="rId7"/>
+    <p:sldId id="263" r:id="rId8"/>
+    <p:sldId id="264" r:id="rId9"/>
   </p:sldIdLst>
   <p:sldSz cx="12192000" cy="6858000"/>
   <p:notesSz cx="6858000" cy="9144000"/>
@@ -109,6 +112,33 @@
     </a:lvl9pPr>
   </p:defaultTextStyle>
 </p:presentation>
+</file>
+
+<file path=ppt/ink/ink1.xml><?xml version="1.0" encoding="utf-8"?>
+<inkml:ink xmlns:inkml="http://www.w3.org/2003/InkML">
+  <inkml:definitions>
+    <inkml:context xml:id="ctx0">
+      <inkml:inkSource xml:id="inkSrc0">
+        <inkml:traceFormat>
+          <inkml:channel name="X" type="integer" min="-2.14748E9" max="2.14748E9" units="cm"/>
+          <inkml:channel name="Y" type="integer" min="-2.14748E9" max="2.14748E9" units="cm"/>
+          <inkml:channel name="F" type="integer" max="32767" units="dev"/>
+        </inkml:traceFormat>
+        <inkml:channelProperties>
+          <inkml:channelProperty channel="X" name="resolution" value="1000" units="1/cm"/>
+          <inkml:channelProperty channel="Y" name="resolution" value="1000" units="1/cm"/>
+          <inkml:channelProperty channel="F" name="resolution" value="0" units="1/dev"/>
+        </inkml:channelProperties>
+      </inkml:inkSource>
+      <inkml:timestamp xml:id="ts0" timeString="2019-05-10T10:31:45.841"/>
+    </inkml:context>
+    <inkml:brush xml:id="br0">
+      <inkml:brushProperty name="width" value="0.05" units="cm"/>
+      <inkml:brushProperty name="height" value="0.05" units="cm"/>
+    </inkml:brush>
+  </inkml:definitions>
+  <inkml:trace contextRef="#ctx0" brushRef="#br0">0 0 24575,'0'0'0</inkml:trace>
+</inkml:ink>
 </file>
 
 <file path=ppt/slideLayouts/slideLayout1.xml><?xml version="1.0" encoding="utf-8"?>
@@ -3175,14 +3205,14 @@
           <a:p>
             <a:pPr algn="ctr"/>
             <a:r>
-              <a:rPr kumimoji="1" lang="en-US" altLang="ko-KR" dirty="0">
+              <a:rPr kumimoji="1" lang="en-US" altLang="ko-KR" sz="1600" dirty="0">
                 <a:solidFill>
                   <a:schemeClr val="tx1"/>
                 </a:solidFill>
               </a:rPr>
-              <a:t>(Brower)</a:t>
-            </a:r>
-            <a:endParaRPr kumimoji="1" lang="ko-KR" altLang="en-US" dirty="0">
+              <a:t>(Browser)</a:t>
+            </a:r>
+            <a:endParaRPr kumimoji="1" lang="ko-KR" altLang="en-US" sz="1600" dirty="0">
               <a:solidFill>
                 <a:schemeClr val="tx1"/>
               </a:solidFill>
@@ -3997,7 +4027,7 @@
                   <a:schemeClr val="tx1"/>
                 </a:solidFill>
               </a:rPr>
-              <a:t>Brower</a:t>
+              <a:t>Browser</a:t>
             </a:r>
           </a:p>
           <a:p>
@@ -6225,7 +6255,7 @@
           <a:p>
             <a:r>
               <a:rPr kumimoji="1" lang="en-US" altLang="ko-KR" sz="1200" dirty="0"/>
-              <a:t>Static page</a:t>
+              <a:t>dynamic page</a:t>
             </a:r>
             <a:endParaRPr kumimoji="1" lang="ko-KR" altLang="en-US" sz="1200" dirty="0"/>
           </a:p>
@@ -6245,7 +6275,7 @@
         </p:nvSpPr>
         <p:spPr>
           <a:xfrm>
-            <a:off x="2400097" y="1773743"/>
+            <a:off x="2312075" y="683978"/>
             <a:ext cx="1534632" cy="3573543"/>
           </a:xfrm>
           <a:prstGeom prst="rect">
@@ -6309,7 +6339,7 @@
         </p:nvSpPr>
         <p:spPr>
           <a:xfrm>
-            <a:off x="6184022" y="1773743"/>
+            <a:off x="6096000" y="683978"/>
             <a:ext cx="3736591" cy="3573495"/>
           </a:xfrm>
           <a:prstGeom prst="rect">
@@ -6373,7 +6403,7 @@
         </p:nvCxnSpPr>
         <p:spPr>
           <a:xfrm>
-            <a:off x="4208745" y="2304789"/>
+            <a:off x="4120723" y="1215024"/>
             <a:ext cx="2304789" cy="0"/>
           </a:xfrm>
           <a:prstGeom prst="straightConnector1">
@@ -6412,7 +6442,7 @@
         </p:nvCxnSpPr>
         <p:spPr>
           <a:xfrm>
-            <a:off x="4208745" y="2507294"/>
+            <a:off x="4120723" y="1417529"/>
             <a:ext cx="2304789" cy="0"/>
           </a:xfrm>
           <a:prstGeom prst="straightConnector1">
@@ -6452,7 +6482,7 @@
         </p:nvSpPr>
         <p:spPr>
           <a:xfrm>
-            <a:off x="4031295" y="2027790"/>
+            <a:off x="3943273" y="938025"/>
             <a:ext cx="2043636" cy="276999"/>
           </a:xfrm>
           <a:prstGeom prst="rect">
@@ -6504,7 +6534,7 @@
         </p:nvSpPr>
         <p:spPr>
           <a:xfrm>
-            <a:off x="4005313" y="2524658"/>
+            <a:off x="3917291" y="1434893"/>
             <a:ext cx="2242665" cy="276999"/>
           </a:xfrm>
           <a:prstGeom prst="rect">
@@ -6548,7 +6578,7 @@
         </p:nvCxnSpPr>
         <p:spPr>
           <a:xfrm>
-            <a:off x="4208745" y="4498931"/>
+            <a:off x="4120723" y="3409166"/>
             <a:ext cx="2304789" cy="0"/>
           </a:xfrm>
           <a:prstGeom prst="straightConnector1">
@@ -6587,7 +6617,7 @@
         </p:nvCxnSpPr>
         <p:spPr>
           <a:xfrm>
-            <a:off x="4208745" y="4701436"/>
+            <a:off x="4120723" y="3611671"/>
             <a:ext cx="2304789" cy="0"/>
           </a:xfrm>
           <a:prstGeom prst="straightConnector1">
@@ -6627,7 +6657,7 @@
         </p:nvSpPr>
         <p:spPr>
           <a:xfrm>
-            <a:off x="4031295" y="4221932"/>
+            <a:off x="3943273" y="3132167"/>
             <a:ext cx="1976310" cy="276999"/>
           </a:xfrm>
           <a:prstGeom prst="rect">
@@ -6683,7 +6713,7 @@
         </p:nvSpPr>
         <p:spPr>
           <a:xfrm>
-            <a:off x="4005313" y="4718800"/>
+            <a:off x="3917291" y="3629035"/>
             <a:ext cx="2175339" cy="276999"/>
           </a:xfrm>
           <a:prstGeom prst="rect">
@@ -6735,7 +6765,7 @@
         </p:nvCxnSpPr>
         <p:spPr>
           <a:xfrm>
-            <a:off x="9507255" y="1965160"/>
+            <a:off x="9419233" y="875395"/>
             <a:ext cx="651353" cy="0"/>
           </a:xfrm>
           <a:prstGeom prst="straightConnector1">
@@ -6774,7 +6804,7 @@
         </p:nvSpPr>
         <p:spPr>
           <a:xfrm>
-            <a:off x="10158608" y="1759791"/>
+            <a:off x="10070586" y="670026"/>
             <a:ext cx="1311513" cy="369332"/>
           </a:xfrm>
           <a:prstGeom prst="rect">
@@ -6810,7 +6840,7 @@
         </p:nvSpPr>
         <p:spPr>
           <a:xfrm>
-            <a:off x="8166969" y="2404998"/>
+            <a:off x="8078947" y="1315233"/>
             <a:ext cx="1540702" cy="2414010"/>
           </a:xfrm>
           <a:prstGeom prst="rect">
@@ -6874,7 +6904,7 @@
         </p:nvSpPr>
         <p:spPr>
           <a:xfrm>
-            <a:off x="8358599" y="3031299"/>
+            <a:off x="8270577" y="1941534"/>
             <a:ext cx="1157441" cy="1190634"/>
           </a:xfrm>
           <a:prstGeom prst="rect">
@@ -6938,7 +6968,7 @@
         </p:nvCxnSpPr>
         <p:spPr>
           <a:xfrm>
-            <a:off x="6676373" y="2304789"/>
+            <a:off x="6588351" y="1215024"/>
             <a:ext cx="1778695" cy="914400"/>
           </a:xfrm>
           <a:prstGeom prst="straightConnector1">
@@ -6977,7 +7007,7 @@
         </p:nvCxnSpPr>
         <p:spPr>
           <a:xfrm flipH="1" flipV="1">
-            <a:off x="6651321" y="2524658"/>
+            <a:off x="6563299" y="1434893"/>
             <a:ext cx="1803747" cy="904342"/>
           </a:xfrm>
           <a:prstGeom prst="straightConnector1">
@@ -7016,7 +7046,7 @@
         </p:nvCxnSpPr>
         <p:spPr>
           <a:xfrm flipV="1">
-            <a:off x="6676373" y="3845490"/>
+            <a:off x="6588351" y="2755725"/>
             <a:ext cx="1778695" cy="653441"/>
           </a:xfrm>
           <a:prstGeom prst="straightConnector1">
@@ -7055,7 +7085,7 @@
         </p:nvCxnSpPr>
         <p:spPr>
           <a:xfrm flipH="1">
-            <a:off x="6676373" y="4055301"/>
+            <a:off x="6588351" y="2965536"/>
             <a:ext cx="1778695" cy="646135"/>
           </a:xfrm>
           <a:prstGeom prst="straightConnector1">
@@ -7094,7 +7124,7 @@
         </p:nvSpPr>
         <p:spPr>
           <a:xfrm rot="1638701">
-            <a:off x="6906291" y="2499501"/>
+            <a:off x="6818269" y="1409736"/>
             <a:ext cx="1395382" cy="276999"/>
           </a:xfrm>
           <a:prstGeom prst="rect">
@@ -7146,7 +7176,7 @@
         </p:nvSpPr>
         <p:spPr>
           <a:xfrm rot="1515601">
-            <a:off x="6675020" y="2960097"/>
+            <a:off x="6586998" y="1870332"/>
             <a:ext cx="1641219" cy="276999"/>
           </a:xfrm>
           <a:prstGeom prst="rect">
@@ -7182,7 +7212,7 @@
         </p:nvSpPr>
         <p:spPr>
           <a:xfrm rot="20360747">
-            <a:off x="6734590" y="3953084"/>
+            <a:off x="6646568" y="2863319"/>
             <a:ext cx="1395382" cy="276999"/>
           </a:xfrm>
           <a:prstGeom prst="rect">
@@ -7234,7 +7264,7 @@
         </p:nvSpPr>
         <p:spPr>
           <a:xfrm rot="20360747">
-            <a:off x="6757746" y="4379133"/>
+            <a:off x="6669724" y="3289368"/>
             <a:ext cx="1573892" cy="276999"/>
           </a:xfrm>
           <a:prstGeom prst="rect">
@@ -7264,10 +7294,5147 @@
           </a:p>
         </p:txBody>
       </p:sp>
+      <p:sp>
+        <p:nvSpPr>
+          <p:cNvPr id="46" name="직사각형 45">
+            <a:extLst>
+              <a:ext uri="{FF2B5EF4-FFF2-40B4-BE49-F238E27FC236}">
+                <a16:creationId xmlns:a16="http://schemas.microsoft.com/office/drawing/2014/main" id="{7F30C6ED-55C7-034A-BB5E-2E50B69B9AA9}"/>
+              </a:ext>
+            </a:extLst>
+          </p:cNvPr>
+          <p:cNvSpPr/>
+          <p:nvPr/>
+        </p:nvSpPr>
+        <p:spPr>
+          <a:xfrm>
+            <a:off x="7278644" y="5068757"/>
+            <a:ext cx="1534632" cy="1368056"/>
+          </a:xfrm>
+          <a:prstGeom prst="rect">
+            <a:avLst/>
+          </a:prstGeom>
+          <a:noFill/>
+          <a:ln>
+            <a:solidFill>
+              <a:schemeClr val="tx1"/>
+            </a:solidFill>
+          </a:ln>
+        </p:spPr>
+        <p:style>
+          <a:lnRef idx="2">
+            <a:schemeClr val="accent1">
+              <a:shade val="50000"/>
+            </a:schemeClr>
+          </a:lnRef>
+          <a:fillRef idx="1">
+            <a:schemeClr val="accent1"/>
+          </a:fillRef>
+          <a:effectRef idx="0">
+            <a:schemeClr val="accent1"/>
+          </a:effectRef>
+          <a:fontRef idx="minor">
+            <a:schemeClr val="lt1"/>
+          </a:fontRef>
+        </p:style>
+        <p:txBody>
+          <a:bodyPr rtlCol="0" anchor="ctr"/>
+          <a:lstStyle/>
+          <a:p>
+            <a:pPr algn="ctr"/>
+            <a:r>
+              <a:rPr kumimoji="1" lang="en-US" altLang="ko-KR" dirty="0">
+                <a:solidFill>
+                  <a:schemeClr val="tx1"/>
+                </a:solidFill>
+              </a:rPr>
+              <a:t>DB</a:t>
+            </a:r>
+            <a:endParaRPr kumimoji="1" lang="ko-KR" altLang="en-US" dirty="0">
+              <a:solidFill>
+                <a:schemeClr val="tx1"/>
+              </a:solidFill>
+            </a:endParaRPr>
+          </a:p>
+        </p:txBody>
+      </p:sp>
+      <p:cxnSp>
+        <p:nvCxnSpPr>
+          <p:cNvPr id="47" name="직선 화살표 연결선 46">
+            <a:extLst>
+              <a:ext uri="{FF2B5EF4-FFF2-40B4-BE49-F238E27FC236}">
+                <a16:creationId xmlns:a16="http://schemas.microsoft.com/office/drawing/2014/main" id="{3193069E-3C03-4D4D-88F9-F1F314EE0142}"/>
+              </a:ext>
+            </a:extLst>
+          </p:cNvPr>
+          <p:cNvCxnSpPr/>
+          <p:nvPr/>
+        </p:nvCxnSpPr>
+        <p:spPr>
+          <a:xfrm>
+            <a:off x="7833625" y="4383854"/>
+            <a:ext cx="0" cy="563671"/>
+          </a:xfrm>
+          <a:prstGeom prst="straightConnector1">
+            <a:avLst/>
+          </a:prstGeom>
+          <a:ln>
+            <a:headEnd type="triangle"/>
+            <a:tailEnd type="none"/>
+          </a:ln>
+        </p:spPr>
+        <p:style>
+          <a:lnRef idx="1">
+            <a:schemeClr val="accent1"/>
+          </a:lnRef>
+          <a:fillRef idx="0">
+            <a:schemeClr val="accent1"/>
+          </a:fillRef>
+          <a:effectRef idx="0">
+            <a:schemeClr val="accent1"/>
+          </a:effectRef>
+          <a:fontRef idx="minor">
+            <a:schemeClr val="tx1"/>
+          </a:fontRef>
+        </p:style>
+      </p:cxnSp>
+      <p:cxnSp>
+        <p:nvCxnSpPr>
+          <p:cNvPr id="48" name="직선 화살표 연결선 47">
+            <a:extLst>
+              <a:ext uri="{FF2B5EF4-FFF2-40B4-BE49-F238E27FC236}">
+                <a16:creationId xmlns:a16="http://schemas.microsoft.com/office/drawing/2014/main" id="{AFAE53EC-8C74-344E-A6D8-4F44573BC4F7}"/>
+              </a:ext>
+            </a:extLst>
+          </p:cNvPr>
+          <p:cNvCxnSpPr/>
+          <p:nvPr/>
+        </p:nvCxnSpPr>
+        <p:spPr>
+          <a:xfrm>
+            <a:off x="8261598" y="4383854"/>
+            <a:ext cx="0" cy="563671"/>
+          </a:xfrm>
+          <a:prstGeom prst="straightConnector1">
+            <a:avLst/>
+          </a:prstGeom>
+          <a:ln>
+            <a:tailEnd type="triangle"/>
+          </a:ln>
+        </p:spPr>
+        <p:style>
+          <a:lnRef idx="1">
+            <a:schemeClr val="accent1"/>
+          </a:lnRef>
+          <a:fillRef idx="0">
+            <a:schemeClr val="accent1"/>
+          </a:fillRef>
+          <a:effectRef idx="0">
+            <a:schemeClr val="accent1"/>
+          </a:effectRef>
+          <a:fontRef idx="minor">
+            <a:schemeClr val="tx1"/>
+          </a:fontRef>
+        </p:style>
+      </p:cxnSp>
     </p:spTree>
     <p:extLst>
       <p:ext uri="{BB962C8B-B14F-4D97-AF65-F5344CB8AC3E}">
         <p14:creationId xmlns:p14="http://schemas.microsoft.com/office/powerpoint/2010/main" val="4121840714"/>
+      </p:ext>
+    </p:extLst>
+  </p:cSld>
+  <p:clrMapOvr>
+    <a:masterClrMapping/>
+  </p:clrMapOvr>
+</p:sld>
+</file>
+
+<file path=ppt/slides/slide6.xml><?xml version="1.0" encoding="utf-8"?>
+<p:sld xmlns:a="http://schemas.openxmlformats.org/drawingml/2006/main" xmlns:r="http://schemas.openxmlformats.org/officeDocument/2006/relationships" xmlns:p="http://schemas.openxmlformats.org/presentationml/2006/main">
+  <p:cSld>
+    <p:spTree>
+      <p:nvGrpSpPr>
+        <p:cNvPr id="1" name=""/>
+        <p:cNvGrpSpPr/>
+        <p:nvPr/>
+      </p:nvGrpSpPr>
+      <p:grpSpPr>
+        <a:xfrm>
+          <a:off x="0" y="0"/>
+          <a:ext cx="0" cy="0"/>
+          <a:chOff x="0" y="0"/>
+          <a:chExt cx="0" cy="0"/>
+        </a:xfrm>
+      </p:grpSpPr>
+      <p:sp>
+        <p:nvSpPr>
+          <p:cNvPr id="38" name="TextBox 37">
+            <a:extLst>
+              <a:ext uri="{FF2B5EF4-FFF2-40B4-BE49-F238E27FC236}">
+                <a16:creationId xmlns:a16="http://schemas.microsoft.com/office/drawing/2014/main" id="{41C7FBC6-1ADE-614B-A639-CE04E73D33B6}"/>
+              </a:ext>
+            </a:extLst>
+          </p:cNvPr>
+          <p:cNvSpPr txBox="1"/>
+          <p:nvPr/>
+        </p:nvSpPr>
+        <p:spPr>
+          <a:xfrm>
+            <a:off x="163546" y="236746"/>
+            <a:ext cx="2457006" cy="276999"/>
+          </a:xfrm>
+          <a:prstGeom prst="rect">
+            <a:avLst/>
+          </a:prstGeom>
+          <a:noFill/>
+        </p:spPr>
+        <p:txBody>
+          <a:bodyPr wrap="square" rtlCol="0">
+            <a:spAutoFit/>
+          </a:bodyPr>
+          <a:lstStyle/>
+          <a:p>
+            <a:r>
+              <a:rPr kumimoji="1" lang="en-US" altLang="ko-KR" sz="1200" dirty="0"/>
+              <a:t>Web service architecture</a:t>
+            </a:r>
+            <a:endParaRPr kumimoji="1" lang="ko-KR" altLang="en-US" sz="1200" dirty="0"/>
+          </a:p>
+        </p:txBody>
+      </p:sp>
+      <p:sp>
+        <p:nvSpPr>
+          <p:cNvPr id="12" name="직사각형 11">
+            <a:extLst>
+              <a:ext uri="{FF2B5EF4-FFF2-40B4-BE49-F238E27FC236}">
+                <a16:creationId xmlns:a16="http://schemas.microsoft.com/office/drawing/2014/main" id="{AB5B33CF-14FE-C642-BA76-79AB73D58D1C}"/>
+              </a:ext>
+            </a:extLst>
+          </p:cNvPr>
+          <p:cNvSpPr/>
+          <p:nvPr/>
+        </p:nvSpPr>
+        <p:spPr>
+          <a:xfrm>
+            <a:off x="1260591" y="2061842"/>
+            <a:ext cx="1534632" cy="3573543"/>
+          </a:xfrm>
+          <a:prstGeom prst="rect">
+            <a:avLst/>
+          </a:prstGeom>
+          <a:noFill/>
+          <a:ln>
+            <a:solidFill>
+              <a:schemeClr val="tx1"/>
+            </a:solidFill>
+          </a:ln>
+        </p:spPr>
+        <p:style>
+          <a:lnRef idx="2">
+            <a:schemeClr val="accent1">
+              <a:shade val="50000"/>
+            </a:schemeClr>
+          </a:lnRef>
+          <a:fillRef idx="1">
+            <a:schemeClr val="accent1"/>
+          </a:fillRef>
+          <a:effectRef idx="0">
+            <a:schemeClr val="accent1"/>
+          </a:effectRef>
+          <a:fontRef idx="minor">
+            <a:schemeClr val="lt1"/>
+          </a:fontRef>
+        </p:style>
+        <p:txBody>
+          <a:bodyPr rtlCol="0" anchor="ctr"/>
+          <a:lstStyle/>
+          <a:p>
+            <a:pPr algn="ctr"/>
+            <a:r>
+              <a:rPr kumimoji="1" lang="en-US" altLang="ko-KR" dirty="0">
+                <a:solidFill>
+                  <a:schemeClr val="tx1"/>
+                </a:solidFill>
+              </a:rPr>
+              <a:t>Client</a:t>
+            </a:r>
+          </a:p>
+          <a:p>
+            <a:pPr algn="ctr"/>
+            <a:endParaRPr kumimoji="1" lang="en-US" altLang="ko-KR" dirty="0">
+              <a:solidFill>
+                <a:schemeClr val="tx1"/>
+              </a:solidFill>
+            </a:endParaRPr>
+          </a:p>
+          <a:p>
+            <a:pPr algn="ctr"/>
+            <a:r>
+              <a:rPr kumimoji="1" lang="en-US" altLang="ko-KR" dirty="0">
+                <a:solidFill>
+                  <a:schemeClr val="tx1"/>
+                </a:solidFill>
+              </a:rPr>
+              <a:t>(browser,</a:t>
+            </a:r>
+          </a:p>
+          <a:p>
+            <a:pPr algn="ctr"/>
+            <a:r>
+              <a:rPr kumimoji="1" lang="en-US" altLang="ko-KR" dirty="0">
+                <a:solidFill>
+                  <a:schemeClr val="tx1"/>
+                </a:solidFill>
+              </a:rPr>
+              <a:t>Mobile App)</a:t>
+            </a:r>
+            <a:endParaRPr kumimoji="1" lang="ko-KR" altLang="en-US" dirty="0">
+              <a:solidFill>
+                <a:schemeClr val="tx1"/>
+              </a:solidFill>
+            </a:endParaRPr>
+          </a:p>
+        </p:txBody>
+      </p:sp>
+      <p:sp>
+        <p:nvSpPr>
+          <p:cNvPr id="13" name="직사각형 12">
+            <a:extLst>
+              <a:ext uri="{FF2B5EF4-FFF2-40B4-BE49-F238E27FC236}">
+                <a16:creationId xmlns:a16="http://schemas.microsoft.com/office/drawing/2014/main" id="{7785B331-657E-9D43-B42C-7E5ADC7DFADA}"/>
+              </a:ext>
+            </a:extLst>
+          </p:cNvPr>
+          <p:cNvSpPr/>
+          <p:nvPr/>
+        </p:nvSpPr>
+        <p:spPr>
+          <a:xfrm>
+            <a:off x="4227705" y="2061842"/>
+            <a:ext cx="3736591" cy="3573495"/>
+          </a:xfrm>
+          <a:prstGeom prst="rect">
+            <a:avLst/>
+          </a:prstGeom>
+          <a:noFill/>
+          <a:ln>
+            <a:solidFill>
+              <a:schemeClr val="tx1"/>
+            </a:solidFill>
+          </a:ln>
+        </p:spPr>
+        <p:style>
+          <a:lnRef idx="2">
+            <a:schemeClr val="accent1">
+              <a:shade val="50000"/>
+            </a:schemeClr>
+          </a:lnRef>
+          <a:fillRef idx="1">
+            <a:schemeClr val="accent1"/>
+          </a:fillRef>
+          <a:effectRef idx="0">
+            <a:schemeClr val="accent1"/>
+          </a:effectRef>
+          <a:fontRef idx="minor">
+            <a:schemeClr val="lt1"/>
+          </a:fontRef>
+        </p:style>
+        <p:txBody>
+          <a:bodyPr rtlCol="0" anchor="t"/>
+          <a:lstStyle/>
+          <a:p>
+            <a:pPr algn="ctr"/>
+            <a:endParaRPr kumimoji="1" lang="ko-KR" altLang="en-US" dirty="0">
+              <a:solidFill>
+                <a:schemeClr val="tx1"/>
+              </a:solidFill>
+            </a:endParaRPr>
+          </a:p>
+        </p:txBody>
+      </p:sp>
+      <p:cxnSp>
+        <p:nvCxnSpPr>
+          <p:cNvPr id="15" name="직선 화살표 연결선 14">
+            <a:extLst>
+              <a:ext uri="{FF2B5EF4-FFF2-40B4-BE49-F238E27FC236}">
+                <a16:creationId xmlns:a16="http://schemas.microsoft.com/office/drawing/2014/main" id="{186DCED9-7330-8249-A539-37363EC20513}"/>
+              </a:ext>
+            </a:extLst>
+          </p:cNvPr>
+          <p:cNvCxnSpPr>
+            <a:cxnSpLocks/>
+          </p:cNvCxnSpPr>
+          <p:nvPr/>
+        </p:nvCxnSpPr>
+        <p:spPr>
+          <a:xfrm>
+            <a:off x="3003990" y="3218161"/>
+            <a:ext cx="1014948" cy="0"/>
+          </a:xfrm>
+          <a:prstGeom prst="straightConnector1">
+            <a:avLst/>
+          </a:prstGeom>
+          <a:ln>
+            <a:tailEnd type="triangle"/>
+          </a:ln>
+        </p:spPr>
+        <p:style>
+          <a:lnRef idx="1">
+            <a:schemeClr val="accent1"/>
+          </a:lnRef>
+          <a:fillRef idx="0">
+            <a:schemeClr val="accent1"/>
+          </a:fillRef>
+          <a:effectRef idx="0">
+            <a:schemeClr val="accent1"/>
+          </a:effectRef>
+          <a:fontRef idx="minor">
+            <a:schemeClr val="tx1"/>
+          </a:fontRef>
+        </p:style>
+      </p:cxnSp>
+      <p:cxnSp>
+        <p:nvCxnSpPr>
+          <p:cNvPr id="16" name="직선 화살표 연결선 15">
+            <a:extLst>
+              <a:ext uri="{FF2B5EF4-FFF2-40B4-BE49-F238E27FC236}">
+                <a16:creationId xmlns:a16="http://schemas.microsoft.com/office/drawing/2014/main" id="{F1428BF3-C731-754A-9326-D6B078B340D8}"/>
+              </a:ext>
+            </a:extLst>
+          </p:cNvPr>
+          <p:cNvCxnSpPr>
+            <a:cxnSpLocks/>
+          </p:cNvCxnSpPr>
+          <p:nvPr/>
+        </p:nvCxnSpPr>
+        <p:spPr>
+          <a:xfrm>
+            <a:off x="3003990" y="4247384"/>
+            <a:ext cx="1014948" cy="0"/>
+          </a:xfrm>
+          <a:prstGeom prst="straightConnector1">
+            <a:avLst/>
+          </a:prstGeom>
+          <a:ln>
+            <a:headEnd type="triangle"/>
+            <a:tailEnd type="none"/>
+          </a:ln>
+        </p:spPr>
+        <p:style>
+          <a:lnRef idx="1">
+            <a:schemeClr val="accent1"/>
+          </a:lnRef>
+          <a:fillRef idx="0">
+            <a:schemeClr val="accent1"/>
+          </a:fillRef>
+          <a:effectRef idx="0">
+            <a:schemeClr val="accent1"/>
+          </a:effectRef>
+          <a:fontRef idx="minor">
+            <a:schemeClr val="tx1"/>
+          </a:fontRef>
+        </p:style>
+      </p:cxnSp>
+      <p:sp>
+        <p:nvSpPr>
+          <p:cNvPr id="4" name="TextBox 3">
+            <a:extLst>
+              <a:ext uri="{FF2B5EF4-FFF2-40B4-BE49-F238E27FC236}">
+                <a16:creationId xmlns:a16="http://schemas.microsoft.com/office/drawing/2014/main" id="{3D4D2724-9EB1-7F41-9CE5-55EB5FEE7588}"/>
+              </a:ext>
+            </a:extLst>
+          </p:cNvPr>
+          <p:cNvSpPr txBox="1"/>
+          <p:nvPr/>
+        </p:nvSpPr>
+        <p:spPr>
+          <a:xfrm>
+            <a:off x="4411180" y="1606966"/>
+            <a:ext cx="3369640" cy="369332"/>
+          </a:xfrm>
+          <a:prstGeom prst="rect">
+            <a:avLst/>
+          </a:prstGeom>
+          <a:noFill/>
+        </p:spPr>
+        <p:txBody>
+          <a:bodyPr wrap="none" rtlCol="0">
+            <a:spAutoFit/>
+          </a:bodyPr>
+          <a:lstStyle/>
+          <a:p>
+            <a:r>
+              <a:rPr kumimoji="1" lang="en-US" altLang="ko-KR" dirty="0"/>
+              <a:t>WAS(Web Application Service)</a:t>
+            </a:r>
+            <a:endParaRPr kumimoji="1" lang="ko-KR" altLang="en-US" dirty="0"/>
+          </a:p>
+        </p:txBody>
+      </p:sp>
+      <p:sp>
+        <p:nvSpPr>
+          <p:cNvPr id="24" name="직사각형 23">
+            <a:extLst>
+              <a:ext uri="{FF2B5EF4-FFF2-40B4-BE49-F238E27FC236}">
+                <a16:creationId xmlns:a16="http://schemas.microsoft.com/office/drawing/2014/main" id="{53CC2167-A80B-DB45-8759-7CFE7A9BD25B}"/>
+              </a:ext>
+            </a:extLst>
+          </p:cNvPr>
+          <p:cNvSpPr/>
+          <p:nvPr/>
+        </p:nvSpPr>
+        <p:spPr>
+          <a:xfrm>
+            <a:off x="4506974" y="2827660"/>
+            <a:ext cx="1353290" cy="2574189"/>
+          </a:xfrm>
+          <a:prstGeom prst="rect">
+            <a:avLst/>
+          </a:prstGeom>
+          <a:noFill/>
+          <a:ln>
+            <a:solidFill>
+              <a:schemeClr val="tx1"/>
+            </a:solidFill>
+          </a:ln>
+        </p:spPr>
+        <p:style>
+          <a:lnRef idx="2">
+            <a:schemeClr val="accent1">
+              <a:shade val="50000"/>
+            </a:schemeClr>
+          </a:lnRef>
+          <a:fillRef idx="1">
+            <a:schemeClr val="accent1"/>
+          </a:fillRef>
+          <a:effectRef idx="0">
+            <a:schemeClr val="accent1"/>
+          </a:effectRef>
+          <a:fontRef idx="minor">
+            <a:schemeClr val="lt1"/>
+          </a:fontRef>
+        </p:style>
+        <p:txBody>
+          <a:bodyPr rtlCol="0" anchor="t"/>
+          <a:lstStyle/>
+          <a:p>
+            <a:pPr algn="ctr"/>
+            <a:endParaRPr kumimoji="1" lang="en-US" altLang="ko-KR" dirty="0">
+              <a:solidFill>
+                <a:schemeClr val="tx1"/>
+              </a:solidFill>
+            </a:endParaRPr>
+          </a:p>
+          <a:p>
+            <a:pPr algn="ctr"/>
+            <a:r>
+              <a:rPr kumimoji="1" lang="en-US" altLang="ko-KR" dirty="0">
+                <a:solidFill>
+                  <a:schemeClr val="tx1"/>
+                </a:solidFill>
+              </a:rPr>
+              <a:t>Send Request to Container</a:t>
+            </a:r>
+          </a:p>
+          <a:p>
+            <a:pPr algn="ctr"/>
+            <a:endParaRPr kumimoji="1" lang="en-US" altLang="ko-KR" dirty="0">
+              <a:solidFill>
+                <a:schemeClr val="tx1"/>
+              </a:solidFill>
+            </a:endParaRPr>
+          </a:p>
+          <a:p>
+            <a:pPr algn="ctr"/>
+            <a:r>
+              <a:rPr kumimoji="1" lang="en-US" altLang="ko-KR" dirty="0">
+                <a:solidFill>
+                  <a:schemeClr val="tx1"/>
+                </a:solidFill>
+              </a:rPr>
+              <a:t>Transfer result to client</a:t>
+            </a:r>
+          </a:p>
+          <a:p>
+            <a:pPr algn="ctr"/>
+            <a:endParaRPr kumimoji="1" lang="ko-KR" altLang="en-US" dirty="0">
+              <a:solidFill>
+                <a:schemeClr val="tx1"/>
+              </a:solidFill>
+            </a:endParaRPr>
+          </a:p>
+        </p:txBody>
+      </p:sp>
+      <p:sp>
+        <p:nvSpPr>
+          <p:cNvPr id="46" name="직사각형 45">
+            <a:extLst>
+              <a:ext uri="{FF2B5EF4-FFF2-40B4-BE49-F238E27FC236}">
+                <a16:creationId xmlns:a16="http://schemas.microsoft.com/office/drawing/2014/main" id="{7F30C6ED-55C7-034A-BB5E-2E50B69B9AA9}"/>
+              </a:ext>
+            </a:extLst>
+          </p:cNvPr>
+          <p:cNvSpPr/>
+          <p:nvPr/>
+        </p:nvSpPr>
+        <p:spPr>
+          <a:xfrm>
+            <a:off x="9356075" y="3285695"/>
+            <a:ext cx="1534632" cy="1368056"/>
+          </a:xfrm>
+          <a:prstGeom prst="rect">
+            <a:avLst/>
+          </a:prstGeom>
+          <a:noFill/>
+          <a:ln>
+            <a:solidFill>
+              <a:schemeClr val="tx1"/>
+            </a:solidFill>
+          </a:ln>
+        </p:spPr>
+        <p:style>
+          <a:lnRef idx="2">
+            <a:schemeClr val="accent1">
+              <a:shade val="50000"/>
+            </a:schemeClr>
+          </a:lnRef>
+          <a:fillRef idx="1">
+            <a:schemeClr val="accent1"/>
+          </a:fillRef>
+          <a:effectRef idx="0">
+            <a:schemeClr val="accent1"/>
+          </a:effectRef>
+          <a:fontRef idx="minor">
+            <a:schemeClr val="lt1"/>
+          </a:fontRef>
+        </p:style>
+        <p:txBody>
+          <a:bodyPr rtlCol="0" anchor="ctr"/>
+          <a:lstStyle/>
+          <a:p>
+            <a:pPr algn="ctr"/>
+            <a:r>
+              <a:rPr kumimoji="1" lang="en-US" altLang="ko-KR" dirty="0">
+                <a:solidFill>
+                  <a:schemeClr val="tx1"/>
+                </a:solidFill>
+              </a:rPr>
+              <a:t>DB</a:t>
+            </a:r>
+          </a:p>
+          <a:p>
+            <a:pPr algn="ctr"/>
+            <a:r>
+              <a:rPr kumimoji="1" lang="en-US" altLang="ko-KR" dirty="0">
+                <a:solidFill>
+                  <a:schemeClr val="tx1"/>
+                </a:solidFill>
+              </a:rPr>
+              <a:t>e.g. MySQL</a:t>
+            </a:r>
+            <a:endParaRPr kumimoji="1" lang="ko-KR" altLang="en-US" dirty="0">
+              <a:solidFill>
+                <a:schemeClr val="tx1"/>
+              </a:solidFill>
+            </a:endParaRPr>
+          </a:p>
+        </p:txBody>
+      </p:sp>
+      <p:sp>
+        <p:nvSpPr>
+          <p:cNvPr id="41" name="TextBox 40">
+            <a:extLst>
+              <a:ext uri="{FF2B5EF4-FFF2-40B4-BE49-F238E27FC236}">
+                <a16:creationId xmlns:a16="http://schemas.microsoft.com/office/drawing/2014/main" id="{E29F984B-4649-A049-B7F2-CF305FB1731B}"/>
+              </a:ext>
+            </a:extLst>
+          </p:cNvPr>
+          <p:cNvSpPr txBox="1"/>
+          <p:nvPr/>
+        </p:nvSpPr>
+        <p:spPr>
+          <a:xfrm>
+            <a:off x="4341209" y="2260085"/>
+            <a:ext cx="1684820" cy="369332"/>
+          </a:xfrm>
+          <a:prstGeom prst="rect">
+            <a:avLst/>
+          </a:prstGeom>
+          <a:noFill/>
+        </p:spPr>
+        <p:txBody>
+          <a:bodyPr wrap="square" rtlCol="0">
+            <a:spAutoFit/>
+          </a:bodyPr>
+          <a:lstStyle/>
+          <a:p>
+            <a:pPr algn="ctr"/>
+            <a:r>
+              <a:rPr kumimoji="1" lang="en-US" altLang="ko-KR" dirty="0"/>
+              <a:t>Web Server</a:t>
+            </a:r>
+            <a:endParaRPr kumimoji="1" lang="ko-KR" altLang="en-US" dirty="0"/>
+          </a:p>
+        </p:txBody>
+      </p:sp>
+      <p:sp>
+        <p:nvSpPr>
+          <p:cNvPr id="42" name="직사각형 41">
+            <a:extLst>
+              <a:ext uri="{FF2B5EF4-FFF2-40B4-BE49-F238E27FC236}">
+                <a16:creationId xmlns:a16="http://schemas.microsoft.com/office/drawing/2014/main" id="{838DE5F8-7DA8-B44A-BFD6-5E07FF09A881}"/>
+              </a:ext>
+            </a:extLst>
+          </p:cNvPr>
+          <p:cNvSpPr/>
+          <p:nvPr/>
+        </p:nvSpPr>
+        <p:spPr>
+          <a:xfrm>
+            <a:off x="6346480" y="2827660"/>
+            <a:ext cx="1353290" cy="2574189"/>
+          </a:xfrm>
+          <a:prstGeom prst="rect">
+            <a:avLst/>
+          </a:prstGeom>
+          <a:noFill/>
+          <a:ln>
+            <a:solidFill>
+              <a:schemeClr val="tx1"/>
+            </a:solidFill>
+          </a:ln>
+        </p:spPr>
+        <p:style>
+          <a:lnRef idx="2">
+            <a:schemeClr val="accent1">
+              <a:shade val="50000"/>
+            </a:schemeClr>
+          </a:lnRef>
+          <a:fillRef idx="1">
+            <a:schemeClr val="accent1"/>
+          </a:fillRef>
+          <a:effectRef idx="0">
+            <a:schemeClr val="accent1"/>
+          </a:effectRef>
+          <a:fontRef idx="minor">
+            <a:schemeClr val="lt1"/>
+          </a:fontRef>
+        </p:style>
+        <p:txBody>
+          <a:bodyPr rtlCol="0" anchor="t"/>
+          <a:lstStyle/>
+          <a:p>
+            <a:pPr algn="ctr"/>
+            <a:endParaRPr kumimoji="1" lang="en-US" altLang="ko-KR" dirty="0">
+              <a:solidFill>
+                <a:schemeClr val="tx1"/>
+              </a:solidFill>
+            </a:endParaRPr>
+          </a:p>
+          <a:p>
+            <a:pPr algn="ctr"/>
+            <a:endParaRPr kumimoji="1" lang="en-US" altLang="ko-KR" sz="1200" dirty="0">
+              <a:solidFill>
+                <a:schemeClr val="tx1"/>
+              </a:solidFill>
+            </a:endParaRPr>
+          </a:p>
+          <a:p>
+            <a:pPr algn="ctr"/>
+            <a:endParaRPr kumimoji="1" lang="en-US" altLang="ko-KR" sz="1200" dirty="0">
+              <a:solidFill>
+                <a:schemeClr val="tx1"/>
+              </a:solidFill>
+            </a:endParaRPr>
+          </a:p>
+          <a:p>
+            <a:pPr algn="ctr"/>
+            <a:r>
+              <a:rPr kumimoji="1" lang="en-US" altLang="ko-KR" dirty="0">
+                <a:solidFill>
+                  <a:schemeClr val="tx1"/>
+                </a:solidFill>
+              </a:rPr>
+              <a:t>JSP, Servlet</a:t>
+            </a:r>
+          </a:p>
+          <a:p>
+            <a:pPr algn="ctr"/>
+            <a:endParaRPr kumimoji="1" lang="en-US" altLang="ko-KR" dirty="0">
+              <a:solidFill>
+                <a:schemeClr val="tx1"/>
+              </a:solidFill>
+            </a:endParaRPr>
+          </a:p>
+          <a:p>
+            <a:pPr algn="ctr"/>
+            <a:r>
+              <a:rPr kumimoji="1" lang="en-US" altLang="ko-KR" dirty="0">
+                <a:solidFill>
+                  <a:schemeClr val="tx1"/>
+                </a:solidFill>
+              </a:rPr>
+              <a:t>(Dynamic</a:t>
+            </a:r>
+          </a:p>
+          <a:p>
+            <a:pPr algn="ctr"/>
+            <a:r>
+              <a:rPr kumimoji="1" lang="en-US" altLang="ko-KR" dirty="0">
+                <a:solidFill>
+                  <a:schemeClr val="tx1"/>
+                </a:solidFill>
+              </a:rPr>
+              <a:t>Processing)</a:t>
+            </a:r>
+            <a:endParaRPr kumimoji="1" lang="ko-KR" altLang="en-US" dirty="0">
+              <a:solidFill>
+                <a:schemeClr val="tx1"/>
+              </a:solidFill>
+            </a:endParaRPr>
+          </a:p>
+        </p:txBody>
+      </p:sp>
+      <p:sp>
+        <p:nvSpPr>
+          <p:cNvPr id="43" name="TextBox 42">
+            <a:extLst>
+              <a:ext uri="{FF2B5EF4-FFF2-40B4-BE49-F238E27FC236}">
+                <a16:creationId xmlns:a16="http://schemas.microsoft.com/office/drawing/2014/main" id="{FA022935-D62E-D14B-926D-4C50B4E714FF}"/>
+              </a:ext>
+            </a:extLst>
+          </p:cNvPr>
+          <p:cNvSpPr txBox="1"/>
+          <p:nvPr/>
+        </p:nvSpPr>
+        <p:spPr>
+          <a:xfrm>
+            <a:off x="6180715" y="2138557"/>
+            <a:ext cx="1684820" cy="646331"/>
+          </a:xfrm>
+          <a:prstGeom prst="rect">
+            <a:avLst/>
+          </a:prstGeom>
+          <a:noFill/>
+        </p:spPr>
+        <p:txBody>
+          <a:bodyPr wrap="square" rtlCol="0">
+            <a:spAutoFit/>
+          </a:bodyPr>
+          <a:lstStyle/>
+          <a:p>
+            <a:pPr algn="ctr"/>
+            <a:r>
+              <a:rPr kumimoji="1" lang="en-US" altLang="ko-KR" dirty="0"/>
+              <a:t>Servlet Container</a:t>
+            </a:r>
+            <a:endParaRPr kumimoji="1" lang="ko-KR" altLang="en-US" dirty="0"/>
+          </a:p>
+        </p:txBody>
+      </p:sp>
+      <p:sp>
+        <p:nvSpPr>
+          <p:cNvPr id="44" name="TextBox 43">
+            <a:extLst>
+              <a:ext uri="{FF2B5EF4-FFF2-40B4-BE49-F238E27FC236}">
+                <a16:creationId xmlns:a16="http://schemas.microsoft.com/office/drawing/2014/main" id="{E3A84C1A-75F2-454B-8922-5A07C9573E64}"/>
+              </a:ext>
+            </a:extLst>
+          </p:cNvPr>
+          <p:cNvSpPr txBox="1"/>
+          <p:nvPr/>
+        </p:nvSpPr>
+        <p:spPr>
+          <a:xfrm>
+            <a:off x="3094843" y="2908297"/>
+            <a:ext cx="833241" cy="307777"/>
+          </a:xfrm>
+          <a:prstGeom prst="rect">
+            <a:avLst/>
+          </a:prstGeom>
+          <a:noFill/>
+        </p:spPr>
+        <p:txBody>
+          <a:bodyPr wrap="none" rtlCol="0">
+            <a:spAutoFit/>
+          </a:bodyPr>
+          <a:lstStyle/>
+          <a:p>
+            <a:r>
+              <a:rPr kumimoji="1" lang="en-US" altLang="ko-KR" sz="1400" dirty="0"/>
+              <a:t>Request</a:t>
+            </a:r>
+            <a:endParaRPr kumimoji="1" lang="ko-KR" altLang="en-US" sz="1400" dirty="0"/>
+          </a:p>
+        </p:txBody>
+      </p:sp>
+      <p:sp>
+        <p:nvSpPr>
+          <p:cNvPr id="45" name="TextBox 44">
+            <a:extLst>
+              <a:ext uri="{FF2B5EF4-FFF2-40B4-BE49-F238E27FC236}">
+                <a16:creationId xmlns:a16="http://schemas.microsoft.com/office/drawing/2014/main" id="{8E2D8668-73D1-344B-B1B0-1461A20C1E10}"/>
+              </a:ext>
+            </a:extLst>
+          </p:cNvPr>
+          <p:cNvSpPr txBox="1"/>
+          <p:nvPr/>
+        </p:nvSpPr>
+        <p:spPr>
+          <a:xfrm>
+            <a:off x="3069791" y="4245296"/>
+            <a:ext cx="956672" cy="307777"/>
+          </a:xfrm>
+          <a:prstGeom prst="rect">
+            <a:avLst/>
+          </a:prstGeom>
+          <a:noFill/>
+        </p:spPr>
+        <p:txBody>
+          <a:bodyPr wrap="none" rtlCol="0">
+            <a:spAutoFit/>
+          </a:bodyPr>
+          <a:lstStyle/>
+          <a:p>
+            <a:r>
+              <a:rPr kumimoji="1" lang="en-US" altLang="ko-KR" sz="1400" dirty="0"/>
+              <a:t>Response</a:t>
+            </a:r>
+            <a:endParaRPr kumimoji="1" lang="ko-KR" altLang="en-US" sz="1400" dirty="0"/>
+          </a:p>
+        </p:txBody>
+      </p:sp>
+      <p:cxnSp>
+        <p:nvCxnSpPr>
+          <p:cNvPr id="49" name="직선 화살표 연결선 48">
+            <a:extLst>
+              <a:ext uri="{FF2B5EF4-FFF2-40B4-BE49-F238E27FC236}">
+                <a16:creationId xmlns:a16="http://schemas.microsoft.com/office/drawing/2014/main" id="{4F5B87C4-CB2D-6849-BD8E-A2B0FE567464}"/>
+              </a:ext>
+            </a:extLst>
+          </p:cNvPr>
+          <p:cNvCxnSpPr>
+            <a:cxnSpLocks/>
+          </p:cNvCxnSpPr>
+          <p:nvPr/>
+        </p:nvCxnSpPr>
+        <p:spPr>
+          <a:xfrm>
+            <a:off x="8152712" y="3971810"/>
+            <a:ext cx="1014948" cy="0"/>
+          </a:xfrm>
+          <a:prstGeom prst="straightConnector1">
+            <a:avLst/>
+          </a:prstGeom>
+          <a:ln w="31750">
+            <a:headEnd type="triangle"/>
+            <a:tailEnd type="triangle"/>
+          </a:ln>
+        </p:spPr>
+        <p:style>
+          <a:lnRef idx="1">
+            <a:schemeClr val="accent1"/>
+          </a:lnRef>
+          <a:fillRef idx="0">
+            <a:schemeClr val="accent1"/>
+          </a:fillRef>
+          <a:effectRef idx="0">
+            <a:schemeClr val="accent1"/>
+          </a:effectRef>
+          <a:fontRef idx="minor">
+            <a:schemeClr val="tx1"/>
+          </a:fontRef>
+        </p:style>
+      </p:cxnSp>
+      <p:sp>
+        <p:nvSpPr>
+          <p:cNvPr id="50" name="TextBox 49">
+            <a:extLst>
+              <a:ext uri="{FF2B5EF4-FFF2-40B4-BE49-F238E27FC236}">
+                <a16:creationId xmlns:a16="http://schemas.microsoft.com/office/drawing/2014/main" id="{DC4E040A-F3BC-4849-ADED-5E5C02923595}"/>
+              </a:ext>
+            </a:extLst>
+          </p:cNvPr>
+          <p:cNvSpPr txBox="1"/>
+          <p:nvPr/>
+        </p:nvSpPr>
+        <p:spPr>
+          <a:xfrm>
+            <a:off x="8102982" y="3429000"/>
+            <a:ext cx="1114408" cy="523220"/>
+          </a:xfrm>
+          <a:prstGeom prst="rect">
+            <a:avLst/>
+          </a:prstGeom>
+          <a:noFill/>
+        </p:spPr>
+        <p:txBody>
+          <a:bodyPr wrap="none" rtlCol="0">
+            <a:spAutoFit/>
+          </a:bodyPr>
+          <a:lstStyle/>
+          <a:p>
+            <a:pPr algn="ctr"/>
+            <a:r>
+              <a:rPr kumimoji="1" lang="en-US" altLang="ko-KR" sz="1400" dirty="0"/>
+              <a:t>DB</a:t>
+            </a:r>
+          </a:p>
+          <a:p>
+            <a:pPr algn="ctr"/>
+            <a:r>
+              <a:rPr kumimoji="1" lang="en-US" altLang="ko-KR" sz="1400" dirty="0"/>
+              <a:t>Connection</a:t>
+            </a:r>
+            <a:endParaRPr kumimoji="1" lang="ko-KR" altLang="en-US" sz="1400" dirty="0"/>
+          </a:p>
+        </p:txBody>
+      </p:sp>
+      <p:cxnSp>
+        <p:nvCxnSpPr>
+          <p:cNvPr id="51" name="직선 화살표 연결선 50">
+            <a:extLst>
+              <a:ext uri="{FF2B5EF4-FFF2-40B4-BE49-F238E27FC236}">
+                <a16:creationId xmlns:a16="http://schemas.microsoft.com/office/drawing/2014/main" id="{41161EBB-DEC7-E041-8115-2622B6AE4FE1}"/>
+              </a:ext>
+            </a:extLst>
+          </p:cNvPr>
+          <p:cNvCxnSpPr/>
+          <p:nvPr/>
+        </p:nvCxnSpPr>
+        <p:spPr>
+          <a:xfrm>
+            <a:off x="7740745" y="1812335"/>
+            <a:ext cx="651353" cy="0"/>
+          </a:xfrm>
+          <a:prstGeom prst="straightConnector1">
+            <a:avLst/>
+          </a:prstGeom>
+          <a:ln>
+            <a:tailEnd type="triangle"/>
+          </a:ln>
+        </p:spPr>
+        <p:style>
+          <a:lnRef idx="1">
+            <a:schemeClr val="accent1"/>
+          </a:lnRef>
+          <a:fillRef idx="0">
+            <a:schemeClr val="accent1"/>
+          </a:fillRef>
+          <a:effectRef idx="0">
+            <a:schemeClr val="accent1"/>
+          </a:effectRef>
+          <a:fontRef idx="minor">
+            <a:schemeClr val="tx1"/>
+          </a:fontRef>
+        </p:style>
+      </p:cxnSp>
+      <p:sp>
+        <p:nvSpPr>
+          <p:cNvPr id="52" name="TextBox 51">
+            <a:extLst>
+              <a:ext uri="{FF2B5EF4-FFF2-40B4-BE49-F238E27FC236}">
+                <a16:creationId xmlns:a16="http://schemas.microsoft.com/office/drawing/2014/main" id="{522254AC-EEEF-4D40-82B5-1FAD53485F66}"/>
+              </a:ext>
+            </a:extLst>
+          </p:cNvPr>
+          <p:cNvSpPr txBox="1"/>
+          <p:nvPr/>
+        </p:nvSpPr>
+        <p:spPr>
+          <a:xfrm>
+            <a:off x="8392098" y="1606966"/>
+            <a:ext cx="1380443" cy="369332"/>
+          </a:xfrm>
+          <a:prstGeom prst="rect">
+            <a:avLst/>
+          </a:prstGeom>
+          <a:noFill/>
+        </p:spPr>
+        <p:txBody>
+          <a:bodyPr wrap="none" rtlCol="0">
+            <a:spAutoFit/>
+          </a:bodyPr>
+          <a:lstStyle/>
+          <a:p>
+            <a:r>
+              <a:rPr kumimoji="1" lang="en-US" altLang="ko-KR" dirty="0"/>
+              <a:t>e.g. Tomcat</a:t>
+            </a:r>
+            <a:endParaRPr kumimoji="1" lang="ko-KR" altLang="en-US" dirty="0"/>
+          </a:p>
+        </p:txBody>
+      </p:sp>
+    </p:spTree>
+    <p:extLst>
+      <p:ext uri="{BB962C8B-B14F-4D97-AF65-F5344CB8AC3E}">
+        <p14:creationId xmlns:p14="http://schemas.microsoft.com/office/powerpoint/2010/main" val="3869495584"/>
+      </p:ext>
+    </p:extLst>
+  </p:cSld>
+  <p:clrMapOvr>
+    <a:masterClrMapping/>
+  </p:clrMapOvr>
+</p:sld>
+</file>
+
+<file path=ppt/slides/slide7.xml><?xml version="1.0" encoding="utf-8"?>
+<p:sld xmlns:a="http://schemas.openxmlformats.org/drawingml/2006/main" xmlns:r="http://schemas.openxmlformats.org/officeDocument/2006/relationships" xmlns:p="http://schemas.openxmlformats.org/presentationml/2006/main">
+  <p:cSld>
+    <p:spTree>
+      <p:nvGrpSpPr>
+        <p:cNvPr id="1" name=""/>
+        <p:cNvGrpSpPr/>
+        <p:nvPr/>
+      </p:nvGrpSpPr>
+      <p:grpSpPr>
+        <a:xfrm>
+          <a:off x="0" y="0"/>
+          <a:ext cx="0" cy="0"/>
+          <a:chOff x="0" y="0"/>
+          <a:chExt cx="0" cy="0"/>
+        </a:xfrm>
+      </p:grpSpPr>
+      <p:sp>
+        <p:nvSpPr>
+          <p:cNvPr id="38" name="TextBox 37">
+            <a:extLst>
+              <a:ext uri="{FF2B5EF4-FFF2-40B4-BE49-F238E27FC236}">
+                <a16:creationId xmlns:a16="http://schemas.microsoft.com/office/drawing/2014/main" id="{41C7FBC6-1ADE-614B-A639-CE04E73D33B6}"/>
+              </a:ext>
+            </a:extLst>
+          </p:cNvPr>
+          <p:cNvSpPr txBox="1"/>
+          <p:nvPr/>
+        </p:nvSpPr>
+        <p:spPr>
+          <a:xfrm>
+            <a:off x="163546" y="236746"/>
+            <a:ext cx="2457006" cy="276999"/>
+          </a:xfrm>
+          <a:prstGeom prst="rect">
+            <a:avLst/>
+          </a:prstGeom>
+          <a:noFill/>
+        </p:spPr>
+        <p:txBody>
+          <a:bodyPr wrap="square" rtlCol="0">
+            <a:spAutoFit/>
+          </a:bodyPr>
+          <a:lstStyle/>
+          <a:p>
+            <a:r>
+              <a:rPr kumimoji="1" lang="en-US" altLang="ko-KR" sz="1200" dirty="0"/>
+              <a:t>Servlet program</a:t>
+            </a:r>
+            <a:endParaRPr kumimoji="1" lang="ko-KR" altLang="en-US" sz="1200" dirty="0"/>
+          </a:p>
+        </p:txBody>
+      </p:sp>
+      <p:sp>
+        <p:nvSpPr>
+          <p:cNvPr id="20" name="직사각형 19">
+            <a:extLst>
+              <a:ext uri="{FF2B5EF4-FFF2-40B4-BE49-F238E27FC236}">
+                <a16:creationId xmlns:a16="http://schemas.microsoft.com/office/drawing/2014/main" id="{244F8023-0525-8D4F-9D00-B006095432B3}"/>
+              </a:ext>
+            </a:extLst>
+          </p:cNvPr>
+          <p:cNvSpPr/>
+          <p:nvPr/>
+        </p:nvSpPr>
+        <p:spPr>
+          <a:xfrm>
+            <a:off x="979642" y="1685406"/>
+            <a:ext cx="1645447" cy="2952921"/>
+          </a:xfrm>
+          <a:prstGeom prst="rect">
+            <a:avLst/>
+          </a:prstGeom>
+          <a:noFill/>
+          <a:ln>
+            <a:solidFill>
+              <a:schemeClr val="tx1"/>
+            </a:solidFill>
+          </a:ln>
+        </p:spPr>
+        <p:style>
+          <a:lnRef idx="2">
+            <a:schemeClr val="accent1">
+              <a:shade val="50000"/>
+            </a:schemeClr>
+          </a:lnRef>
+          <a:fillRef idx="1">
+            <a:schemeClr val="accent1"/>
+          </a:fillRef>
+          <a:effectRef idx="0">
+            <a:schemeClr val="accent1"/>
+          </a:effectRef>
+          <a:fontRef idx="minor">
+            <a:schemeClr val="lt1"/>
+          </a:fontRef>
+        </p:style>
+        <p:txBody>
+          <a:bodyPr rtlCol="0" anchor="ctr"/>
+          <a:lstStyle/>
+          <a:p>
+            <a:pPr algn="ctr"/>
+            <a:r>
+              <a:rPr kumimoji="1" lang="en-US" altLang="ko-KR" dirty="0">
+                <a:solidFill>
+                  <a:schemeClr val="tx1"/>
+                </a:solidFill>
+              </a:rPr>
+              <a:t>Servlet</a:t>
+            </a:r>
+          </a:p>
+          <a:p>
+            <a:pPr algn="ctr"/>
+            <a:r>
+              <a:rPr kumimoji="1" lang="en-US" altLang="ko-KR" dirty="0">
+                <a:solidFill>
+                  <a:schemeClr val="tx1"/>
+                </a:solidFill>
+              </a:rPr>
+              <a:t>Container</a:t>
+            </a:r>
+            <a:endParaRPr kumimoji="1" lang="ko-KR" altLang="en-US" dirty="0">
+              <a:solidFill>
+                <a:schemeClr val="tx1"/>
+              </a:solidFill>
+            </a:endParaRPr>
+          </a:p>
+        </p:txBody>
+      </p:sp>
+      <p:sp>
+        <p:nvSpPr>
+          <p:cNvPr id="21" name="직사각형 20">
+            <a:extLst>
+              <a:ext uri="{FF2B5EF4-FFF2-40B4-BE49-F238E27FC236}">
+                <a16:creationId xmlns:a16="http://schemas.microsoft.com/office/drawing/2014/main" id="{3760A8D9-855C-6947-81E6-6D1EA58FE13B}"/>
+              </a:ext>
+            </a:extLst>
+          </p:cNvPr>
+          <p:cNvSpPr/>
+          <p:nvPr/>
+        </p:nvSpPr>
+        <p:spPr>
+          <a:xfrm>
+            <a:off x="731209" y="1061192"/>
+            <a:ext cx="7686277" cy="3811433"/>
+          </a:xfrm>
+          <a:prstGeom prst="rect">
+            <a:avLst/>
+          </a:prstGeom>
+          <a:noFill/>
+          <a:ln>
+            <a:solidFill>
+              <a:schemeClr val="tx1"/>
+            </a:solidFill>
+          </a:ln>
+        </p:spPr>
+        <p:style>
+          <a:lnRef idx="2">
+            <a:schemeClr val="accent1">
+              <a:shade val="50000"/>
+            </a:schemeClr>
+          </a:lnRef>
+          <a:fillRef idx="1">
+            <a:schemeClr val="accent1"/>
+          </a:fillRef>
+          <a:effectRef idx="0">
+            <a:schemeClr val="accent1"/>
+          </a:effectRef>
+          <a:fontRef idx="minor">
+            <a:schemeClr val="lt1"/>
+          </a:fontRef>
+        </p:style>
+        <p:txBody>
+          <a:bodyPr rtlCol="0" anchor="t"/>
+          <a:lstStyle/>
+          <a:p>
+            <a:r>
+              <a:rPr kumimoji="1" lang="en-US" altLang="ko-KR" dirty="0">
+                <a:solidFill>
+                  <a:schemeClr val="tx1"/>
+                </a:solidFill>
+              </a:rPr>
+              <a:t>JVM(Java Virtual Machine)</a:t>
+            </a:r>
+            <a:endParaRPr kumimoji="1" lang="ko-KR" altLang="en-US" dirty="0">
+              <a:solidFill>
+                <a:schemeClr val="tx1"/>
+              </a:solidFill>
+            </a:endParaRPr>
+          </a:p>
+        </p:txBody>
+      </p:sp>
+      <p:sp>
+        <p:nvSpPr>
+          <p:cNvPr id="22" name="직사각형 21">
+            <a:extLst>
+              <a:ext uri="{FF2B5EF4-FFF2-40B4-BE49-F238E27FC236}">
+                <a16:creationId xmlns:a16="http://schemas.microsoft.com/office/drawing/2014/main" id="{29259B9B-D92A-BA4B-A84B-659BCE2331AC}"/>
+              </a:ext>
+            </a:extLst>
+          </p:cNvPr>
+          <p:cNvSpPr/>
+          <p:nvPr/>
+        </p:nvSpPr>
+        <p:spPr>
+          <a:xfrm>
+            <a:off x="979642" y="5169552"/>
+            <a:ext cx="1645447" cy="920574"/>
+          </a:xfrm>
+          <a:prstGeom prst="rect">
+            <a:avLst/>
+          </a:prstGeom>
+          <a:noFill/>
+          <a:ln>
+            <a:solidFill>
+              <a:schemeClr val="tx1"/>
+            </a:solidFill>
+          </a:ln>
+        </p:spPr>
+        <p:style>
+          <a:lnRef idx="2">
+            <a:schemeClr val="accent1">
+              <a:shade val="50000"/>
+            </a:schemeClr>
+          </a:lnRef>
+          <a:fillRef idx="1">
+            <a:schemeClr val="accent1"/>
+          </a:fillRef>
+          <a:effectRef idx="0">
+            <a:schemeClr val="accent1"/>
+          </a:effectRef>
+          <a:fontRef idx="minor">
+            <a:schemeClr val="lt1"/>
+          </a:fontRef>
+        </p:style>
+        <p:txBody>
+          <a:bodyPr rtlCol="0" anchor="ctr"/>
+          <a:lstStyle/>
+          <a:p>
+            <a:pPr algn="ctr"/>
+            <a:r>
+              <a:rPr kumimoji="1" lang="en-US" altLang="ko-KR" dirty="0">
+                <a:solidFill>
+                  <a:schemeClr val="tx1"/>
+                </a:solidFill>
+              </a:rPr>
+              <a:t>Web Server</a:t>
+            </a:r>
+            <a:endParaRPr kumimoji="1" lang="ko-KR" altLang="en-US" dirty="0">
+              <a:solidFill>
+                <a:schemeClr val="tx1"/>
+              </a:solidFill>
+            </a:endParaRPr>
+          </a:p>
+        </p:txBody>
+      </p:sp>
+      <p:cxnSp>
+        <p:nvCxnSpPr>
+          <p:cNvPr id="3" name="직선 화살표 연결선 2">
+            <a:extLst>
+              <a:ext uri="{FF2B5EF4-FFF2-40B4-BE49-F238E27FC236}">
+                <a16:creationId xmlns:a16="http://schemas.microsoft.com/office/drawing/2014/main" id="{CAEDDB48-52AA-2B44-89C3-6F0BACA61661}"/>
+              </a:ext>
+            </a:extLst>
+          </p:cNvPr>
+          <p:cNvCxnSpPr/>
+          <p:nvPr/>
+        </p:nvCxnSpPr>
+        <p:spPr>
+          <a:xfrm flipV="1">
+            <a:off x="1478071" y="4647156"/>
+            <a:ext cx="0" cy="513567"/>
+          </a:xfrm>
+          <a:prstGeom prst="straightConnector1">
+            <a:avLst/>
+          </a:prstGeom>
+          <a:ln>
+            <a:tailEnd type="triangle"/>
+          </a:ln>
+        </p:spPr>
+        <p:style>
+          <a:lnRef idx="1">
+            <a:schemeClr val="accent1"/>
+          </a:lnRef>
+          <a:fillRef idx="0">
+            <a:schemeClr val="accent1"/>
+          </a:fillRef>
+          <a:effectRef idx="0">
+            <a:schemeClr val="accent1"/>
+          </a:effectRef>
+          <a:fontRef idx="minor">
+            <a:schemeClr val="tx1"/>
+          </a:fontRef>
+        </p:style>
+      </p:cxnSp>
+      <p:cxnSp>
+        <p:nvCxnSpPr>
+          <p:cNvPr id="25" name="직선 화살표 연결선 24">
+            <a:extLst>
+              <a:ext uri="{FF2B5EF4-FFF2-40B4-BE49-F238E27FC236}">
+                <a16:creationId xmlns:a16="http://schemas.microsoft.com/office/drawing/2014/main" id="{A0D3DF98-9447-954A-BE89-03C894C3341B}"/>
+              </a:ext>
+            </a:extLst>
+          </p:cNvPr>
+          <p:cNvCxnSpPr/>
+          <p:nvPr/>
+        </p:nvCxnSpPr>
+        <p:spPr>
+          <a:xfrm flipV="1">
+            <a:off x="1818361" y="4647156"/>
+            <a:ext cx="0" cy="513567"/>
+          </a:xfrm>
+          <a:prstGeom prst="straightConnector1">
+            <a:avLst/>
+          </a:prstGeom>
+          <a:ln>
+            <a:tailEnd type="triangle"/>
+          </a:ln>
+        </p:spPr>
+        <p:style>
+          <a:lnRef idx="1">
+            <a:schemeClr val="accent1"/>
+          </a:lnRef>
+          <a:fillRef idx="0">
+            <a:schemeClr val="accent1"/>
+          </a:fillRef>
+          <a:effectRef idx="0">
+            <a:schemeClr val="accent1"/>
+          </a:effectRef>
+          <a:fontRef idx="minor">
+            <a:schemeClr val="tx1"/>
+          </a:fontRef>
+        </p:style>
+      </p:cxnSp>
+      <p:cxnSp>
+        <p:nvCxnSpPr>
+          <p:cNvPr id="26" name="직선 화살표 연결선 25">
+            <a:extLst>
+              <a:ext uri="{FF2B5EF4-FFF2-40B4-BE49-F238E27FC236}">
+                <a16:creationId xmlns:a16="http://schemas.microsoft.com/office/drawing/2014/main" id="{87864574-802C-424C-BCDF-4E417F0093D7}"/>
+              </a:ext>
+            </a:extLst>
+          </p:cNvPr>
+          <p:cNvCxnSpPr/>
+          <p:nvPr/>
+        </p:nvCxnSpPr>
+        <p:spPr>
+          <a:xfrm flipV="1">
+            <a:off x="2156563" y="4647156"/>
+            <a:ext cx="0" cy="513567"/>
+          </a:xfrm>
+          <a:prstGeom prst="straightConnector1">
+            <a:avLst/>
+          </a:prstGeom>
+          <a:ln>
+            <a:tailEnd type="triangle"/>
+          </a:ln>
+        </p:spPr>
+        <p:style>
+          <a:lnRef idx="1">
+            <a:schemeClr val="accent1"/>
+          </a:lnRef>
+          <a:fillRef idx="0">
+            <a:schemeClr val="accent1"/>
+          </a:fillRef>
+          <a:effectRef idx="0">
+            <a:schemeClr val="accent1"/>
+          </a:effectRef>
+          <a:fontRef idx="minor">
+            <a:schemeClr val="tx1"/>
+          </a:fontRef>
+        </p:style>
+      </p:cxnSp>
+      <p:sp>
+        <p:nvSpPr>
+          <p:cNvPr id="5" name="TextBox 4">
+            <a:extLst>
+              <a:ext uri="{FF2B5EF4-FFF2-40B4-BE49-F238E27FC236}">
+                <a16:creationId xmlns:a16="http://schemas.microsoft.com/office/drawing/2014/main" id="{4527E447-ECD9-5D48-A2E5-EA96DE3B938E}"/>
+              </a:ext>
+            </a:extLst>
+          </p:cNvPr>
+          <p:cNvSpPr txBox="1"/>
+          <p:nvPr/>
+        </p:nvSpPr>
+        <p:spPr>
+          <a:xfrm>
+            <a:off x="2849369" y="5448822"/>
+            <a:ext cx="3202608" cy="369332"/>
+          </a:xfrm>
+          <a:prstGeom prst="rect">
+            <a:avLst/>
+          </a:prstGeom>
+          <a:noFill/>
+        </p:spPr>
+        <p:txBody>
+          <a:bodyPr wrap="none" rtlCol="0">
+            <a:spAutoFit/>
+          </a:bodyPr>
+          <a:lstStyle/>
+          <a:p>
+            <a:r>
+              <a:rPr kumimoji="1" lang="en-US" altLang="ko-KR" dirty="0"/>
+              <a:t>Request to Servlet Container</a:t>
+            </a:r>
+            <a:endParaRPr kumimoji="1" lang="ko-KR" altLang="en-US" dirty="0"/>
+          </a:p>
+        </p:txBody>
+      </p:sp>
+      <p:cxnSp>
+        <p:nvCxnSpPr>
+          <p:cNvPr id="7" name="직선 화살표 연결선 6">
+            <a:extLst>
+              <a:ext uri="{FF2B5EF4-FFF2-40B4-BE49-F238E27FC236}">
+                <a16:creationId xmlns:a16="http://schemas.microsoft.com/office/drawing/2014/main" id="{2EB0C21E-B165-EF4C-B2FA-0767F58E37EF}"/>
+              </a:ext>
+            </a:extLst>
+          </p:cNvPr>
+          <p:cNvCxnSpPr>
+            <a:cxnSpLocks/>
+          </p:cNvCxnSpPr>
+          <p:nvPr/>
+        </p:nvCxnSpPr>
+        <p:spPr>
+          <a:xfrm>
+            <a:off x="2755726" y="2279737"/>
+            <a:ext cx="576197" cy="0"/>
+          </a:xfrm>
+          <a:prstGeom prst="straightConnector1">
+            <a:avLst/>
+          </a:prstGeom>
+          <a:ln>
+            <a:tailEnd type="triangle"/>
+          </a:ln>
+        </p:spPr>
+        <p:style>
+          <a:lnRef idx="1">
+            <a:schemeClr val="accent1"/>
+          </a:lnRef>
+          <a:fillRef idx="0">
+            <a:schemeClr val="accent1"/>
+          </a:fillRef>
+          <a:effectRef idx="0">
+            <a:schemeClr val="accent1"/>
+          </a:effectRef>
+          <a:fontRef idx="minor">
+            <a:schemeClr val="tx1"/>
+          </a:fontRef>
+        </p:style>
+      </p:cxnSp>
+      <p:sp>
+        <p:nvSpPr>
+          <p:cNvPr id="8" name="타원 7">
+            <a:extLst>
+              <a:ext uri="{FF2B5EF4-FFF2-40B4-BE49-F238E27FC236}">
+                <a16:creationId xmlns:a16="http://schemas.microsoft.com/office/drawing/2014/main" id="{A28DC89B-BED4-4B40-B0BC-73B290D13C6A}"/>
+              </a:ext>
+            </a:extLst>
+          </p:cNvPr>
+          <p:cNvSpPr/>
+          <p:nvPr/>
+        </p:nvSpPr>
+        <p:spPr>
+          <a:xfrm>
+            <a:off x="3393590" y="2004164"/>
+            <a:ext cx="1645447" cy="551145"/>
+          </a:xfrm>
+          <a:prstGeom prst="ellipse">
+            <a:avLst/>
+          </a:prstGeom>
+          <a:noFill/>
+          <a:ln>
+            <a:solidFill>
+              <a:schemeClr val="tx1"/>
+            </a:solidFill>
+          </a:ln>
+        </p:spPr>
+        <p:style>
+          <a:lnRef idx="2">
+            <a:schemeClr val="accent1">
+              <a:shade val="50000"/>
+            </a:schemeClr>
+          </a:lnRef>
+          <a:fillRef idx="1">
+            <a:schemeClr val="accent1"/>
+          </a:fillRef>
+          <a:effectRef idx="0">
+            <a:schemeClr val="accent1"/>
+          </a:effectRef>
+          <a:fontRef idx="minor">
+            <a:schemeClr val="lt1"/>
+          </a:fontRef>
+        </p:style>
+        <p:txBody>
+          <a:bodyPr rtlCol="0" anchor="ctr"/>
+          <a:lstStyle/>
+          <a:p>
+            <a:pPr algn="ctr"/>
+            <a:r>
+              <a:rPr kumimoji="1" lang="en-US" altLang="ko-KR" dirty="0">
+                <a:solidFill>
+                  <a:schemeClr val="tx1"/>
+                </a:solidFill>
+              </a:rPr>
+              <a:t>Thread A</a:t>
+            </a:r>
+            <a:endParaRPr kumimoji="1" lang="ko-KR" altLang="en-US" dirty="0">
+              <a:solidFill>
+                <a:schemeClr val="tx1"/>
+              </a:solidFill>
+            </a:endParaRPr>
+          </a:p>
+        </p:txBody>
+      </p:sp>
+      <p:cxnSp>
+        <p:nvCxnSpPr>
+          <p:cNvPr id="34" name="직선 화살표 연결선 33">
+            <a:extLst>
+              <a:ext uri="{FF2B5EF4-FFF2-40B4-BE49-F238E27FC236}">
+                <a16:creationId xmlns:a16="http://schemas.microsoft.com/office/drawing/2014/main" id="{DC4470BE-B401-304D-AC4D-EE320B6FDBE2}"/>
+              </a:ext>
+            </a:extLst>
+          </p:cNvPr>
+          <p:cNvCxnSpPr>
+            <a:cxnSpLocks/>
+          </p:cNvCxnSpPr>
+          <p:nvPr/>
+        </p:nvCxnSpPr>
+        <p:spPr>
+          <a:xfrm>
+            <a:off x="2755726" y="3083491"/>
+            <a:ext cx="576197" cy="0"/>
+          </a:xfrm>
+          <a:prstGeom prst="straightConnector1">
+            <a:avLst/>
+          </a:prstGeom>
+          <a:ln>
+            <a:tailEnd type="triangle"/>
+          </a:ln>
+        </p:spPr>
+        <p:style>
+          <a:lnRef idx="1">
+            <a:schemeClr val="accent1"/>
+          </a:lnRef>
+          <a:fillRef idx="0">
+            <a:schemeClr val="accent1"/>
+          </a:fillRef>
+          <a:effectRef idx="0">
+            <a:schemeClr val="accent1"/>
+          </a:effectRef>
+          <a:fontRef idx="minor">
+            <a:schemeClr val="tx1"/>
+          </a:fontRef>
+        </p:style>
+      </p:cxnSp>
+      <p:cxnSp>
+        <p:nvCxnSpPr>
+          <p:cNvPr id="35" name="직선 화살표 연결선 34">
+            <a:extLst>
+              <a:ext uri="{FF2B5EF4-FFF2-40B4-BE49-F238E27FC236}">
+                <a16:creationId xmlns:a16="http://schemas.microsoft.com/office/drawing/2014/main" id="{072D413E-2565-8C49-A091-DE98963C1C1B}"/>
+              </a:ext>
+            </a:extLst>
+          </p:cNvPr>
+          <p:cNvCxnSpPr>
+            <a:cxnSpLocks/>
+          </p:cNvCxnSpPr>
+          <p:nvPr/>
+        </p:nvCxnSpPr>
+        <p:spPr>
+          <a:xfrm>
+            <a:off x="2755726" y="3860104"/>
+            <a:ext cx="576197" cy="0"/>
+          </a:xfrm>
+          <a:prstGeom prst="straightConnector1">
+            <a:avLst/>
+          </a:prstGeom>
+          <a:ln>
+            <a:tailEnd type="triangle"/>
+          </a:ln>
+        </p:spPr>
+        <p:style>
+          <a:lnRef idx="1">
+            <a:schemeClr val="accent1"/>
+          </a:lnRef>
+          <a:fillRef idx="0">
+            <a:schemeClr val="accent1"/>
+          </a:fillRef>
+          <a:effectRef idx="0">
+            <a:schemeClr val="accent1"/>
+          </a:effectRef>
+          <a:fontRef idx="minor">
+            <a:schemeClr val="tx1"/>
+          </a:fontRef>
+        </p:style>
+      </p:cxnSp>
+      <p:sp>
+        <p:nvSpPr>
+          <p:cNvPr id="36" name="타원 35">
+            <a:extLst>
+              <a:ext uri="{FF2B5EF4-FFF2-40B4-BE49-F238E27FC236}">
+                <a16:creationId xmlns:a16="http://schemas.microsoft.com/office/drawing/2014/main" id="{04711AB0-8C0C-E140-9755-60DE433685A9}"/>
+              </a:ext>
+            </a:extLst>
+          </p:cNvPr>
+          <p:cNvSpPr/>
+          <p:nvPr/>
+        </p:nvSpPr>
+        <p:spPr>
+          <a:xfrm>
+            <a:off x="3393590" y="2807918"/>
+            <a:ext cx="1645447" cy="551145"/>
+          </a:xfrm>
+          <a:prstGeom prst="ellipse">
+            <a:avLst/>
+          </a:prstGeom>
+          <a:noFill/>
+          <a:ln>
+            <a:solidFill>
+              <a:schemeClr val="tx1"/>
+            </a:solidFill>
+          </a:ln>
+        </p:spPr>
+        <p:style>
+          <a:lnRef idx="2">
+            <a:schemeClr val="accent1">
+              <a:shade val="50000"/>
+            </a:schemeClr>
+          </a:lnRef>
+          <a:fillRef idx="1">
+            <a:schemeClr val="accent1"/>
+          </a:fillRef>
+          <a:effectRef idx="0">
+            <a:schemeClr val="accent1"/>
+          </a:effectRef>
+          <a:fontRef idx="minor">
+            <a:schemeClr val="lt1"/>
+          </a:fontRef>
+        </p:style>
+        <p:txBody>
+          <a:bodyPr rtlCol="0" anchor="ctr"/>
+          <a:lstStyle/>
+          <a:p>
+            <a:pPr algn="ctr"/>
+            <a:r>
+              <a:rPr kumimoji="1" lang="en-US" altLang="ko-KR" dirty="0">
+                <a:solidFill>
+                  <a:schemeClr val="tx1"/>
+                </a:solidFill>
+              </a:rPr>
+              <a:t>Thread B</a:t>
+            </a:r>
+            <a:endParaRPr kumimoji="1" lang="ko-KR" altLang="en-US" dirty="0">
+              <a:solidFill>
+                <a:schemeClr val="tx1"/>
+              </a:solidFill>
+            </a:endParaRPr>
+          </a:p>
+        </p:txBody>
+      </p:sp>
+      <p:sp>
+        <p:nvSpPr>
+          <p:cNvPr id="37" name="타원 36">
+            <a:extLst>
+              <a:ext uri="{FF2B5EF4-FFF2-40B4-BE49-F238E27FC236}">
+                <a16:creationId xmlns:a16="http://schemas.microsoft.com/office/drawing/2014/main" id="{EFFBBB2B-CA40-5D46-B91B-DD0C1BEA8FDE}"/>
+              </a:ext>
+            </a:extLst>
+          </p:cNvPr>
+          <p:cNvSpPr/>
+          <p:nvPr/>
+        </p:nvSpPr>
+        <p:spPr>
+          <a:xfrm>
+            <a:off x="3373075" y="3611672"/>
+            <a:ext cx="1645447" cy="551145"/>
+          </a:xfrm>
+          <a:prstGeom prst="ellipse">
+            <a:avLst/>
+          </a:prstGeom>
+          <a:noFill/>
+          <a:ln>
+            <a:solidFill>
+              <a:schemeClr val="tx1"/>
+            </a:solidFill>
+          </a:ln>
+        </p:spPr>
+        <p:style>
+          <a:lnRef idx="2">
+            <a:schemeClr val="accent1">
+              <a:shade val="50000"/>
+            </a:schemeClr>
+          </a:lnRef>
+          <a:fillRef idx="1">
+            <a:schemeClr val="accent1"/>
+          </a:fillRef>
+          <a:effectRef idx="0">
+            <a:schemeClr val="accent1"/>
+          </a:effectRef>
+          <a:fontRef idx="minor">
+            <a:schemeClr val="lt1"/>
+          </a:fontRef>
+        </p:style>
+        <p:txBody>
+          <a:bodyPr rtlCol="0" anchor="ctr"/>
+          <a:lstStyle/>
+          <a:p>
+            <a:pPr algn="ctr"/>
+            <a:r>
+              <a:rPr kumimoji="1" lang="en-US" altLang="ko-KR" dirty="0">
+                <a:solidFill>
+                  <a:schemeClr val="tx1"/>
+                </a:solidFill>
+              </a:rPr>
+              <a:t>Thread C</a:t>
+            </a:r>
+            <a:endParaRPr kumimoji="1" lang="ko-KR" altLang="en-US" dirty="0">
+              <a:solidFill>
+                <a:schemeClr val="tx1"/>
+              </a:solidFill>
+            </a:endParaRPr>
+          </a:p>
+        </p:txBody>
+      </p:sp>
+      <p:sp>
+        <p:nvSpPr>
+          <p:cNvPr id="10" name="타원 9">
+            <a:extLst>
+              <a:ext uri="{FF2B5EF4-FFF2-40B4-BE49-F238E27FC236}">
+                <a16:creationId xmlns:a16="http://schemas.microsoft.com/office/drawing/2014/main" id="{55067CDD-0AA2-AB43-8575-F5939D490BF4}"/>
+              </a:ext>
+            </a:extLst>
+          </p:cNvPr>
+          <p:cNvSpPr/>
+          <p:nvPr/>
+        </p:nvSpPr>
+        <p:spPr>
+          <a:xfrm>
+            <a:off x="6860683" y="1357315"/>
+            <a:ext cx="288099" cy="275572"/>
+          </a:xfrm>
+          <a:prstGeom prst="ellipse">
+            <a:avLst/>
+          </a:prstGeom>
+        </p:spPr>
+        <p:style>
+          <a:lnRef idx="2">
+            <a:schemeClr val="accent1">
+              <a:shade val="50000"/>
+            </a:schemeClr>
+          </a:lnRef>
+          <a:fillRef idx="1">
+            <a:schemeClr val="accent1"/>
+          </a:fillRef>
+          <a:effectRef idx="0">
+            <a:schemeClr val="accent1"/>
+          </a:effectRef>
+          <a:fontRef idx="minor">
+            <a:schemeClr val="lt1"/>
+          </a:fontRef>
+        </p:style>
+        <p:txBody>
+          <a:bodyPr rtlCol="0" anchor="ctr"/>
+          <a:lstStyle/>
+          <a:p>
+            <a:pPr algn="ctr"/>
+            <a:endParaRPr kumimoji="1" lang="ko-KR" altLang="en-US"/>
+          </a:p>
+        </p:txBody>
+      </p:sp>
+      <p:sp>
+        <p:nvSpPr>
+          <p:cNvPr id="11" name="직사각형 10">
+            <a:extLst>
+              <a:ext uri="{FF2B5EF4-FFF2-40B4-BE49-F238E27FC236}">
+                <a16:creationId xmlns:a16="http://schemas.microsoft.com/office/drawing/2014/main" id="{0240C5C7-C454-2E4A-B68C-289AC033AC47}"/>
+              </a:ext>
+            </a:extLst>
+          </p:cNvPr>
+          <p:cNvSpPr/>
+          <p:nvPr/>
+        </p:nvSpPr>
+        <p:spPr>
+          <a:xfrm>
+            <a:off x="6265696" y="2048004"/>
+            <a:ext cx="1478072" cy="463463"/>
+          </a:xfrm>
+          <a:prstGeom prst="rect">
+            <a:avLst/>
+          </a:prstGeom>
+          <a:noFill/>
+          <a:ln>
+            <a:solidFill>
+              <a:schemeClr val="tx1"/>
+            </a:solidFill>
+          </a:ln>
+        </p:spPr>
+        <p:style>
+          <a:lnRef idx="2">
+            <a:schemeClr val="accent1">
+              <a:shade val="50000"/>
+            </a:schemeClr>
+          </a:lnRef>
+          <a:fillRef idx="1">
+            <a:schemeClr val="accent1"/>
+          </a:fillRef>
+          <a:effectRef idx="0">
+            <a:schemeClr val="accent1"/>
+          </a:effectRef>
+          <a:fontRef idx="minor">
+            <a:schemeClr val="lt1"/>
+          </a:fontRef>
+        </p:style>
+        <p:txBody>
+          <a:bodyPr rtlCol="0" anchor="ctr"/>
+          <a:lstStyle/>
+          <a:p>
+            <a:pPr algn="ctr"/>
+            <a:r>
+              <a:rPr kumimoji="1" lang="en-US" altLang="ko-KR" dirty="0" err="1">
+                <a:solidFill>
+                  <a:schemeClr val="tx1"/>
+                </a:solidFill>
+              </a:rPr>
+              <a:t>init</a:t>
+            </a:r>
+            <a:r>
+              <a:rPr kumimoji="1" lang="en-US" altLang="ko-KR" dirty="0">
+                <a:solidFill>
+                  <a:schemeClr val="tx1"/>
+                </a:solidFill>
+              </a:rPr>
+              <a:t>()</a:t>
+            </a:r>
+            <a:endParaRPr kumimoji="1" lang="ko-KR" altLang="en-US" dirty="0">
+              <a:solidFill>
+                <a:schemeClr val="tx1"/>
+              </a:solidFill>
+            </a:endParaRPr>
+          </a:p>
+        </p:txBody>
+      </p:sp>
+      <p:sp>
+        <p:nvSpPr>
+          <p:cNvPr id="48" name="직사각형 47">
+            <a:extLst>
+              <a:ext uri="{FF2B5EF4-FFF2-40B4-BE49-F238E27FC236}">
+                <a16:creationId xmlns:a16="http://schemas.microsoft.com/office/drawing/2014/main" id="{CCBE37E6-6A87-E14B-8203-FE04907231E1}"/>
+              </a:ext>
+            </a:extLst>
+          </p:cNvPr>
+          <p:cNvSpPr/>
+          <p:nvPr/>
+        </p:nvSpPr>
+        <p:spPr>
+          <a:xfrm>
+            <a:off x="6265696" y="2846301"/>
+            <a:ext cx="1478072" cy="463463"/>
+          </a:xfrm>
+          <a:prstGeom prst="rect">
+            <a:avLst/>
+          </a:prstGeom>
+          <a:noFill/>
+          <a:ln>
+            <a:solidFill>
+              <a:schemeClr val="tx1"/>
+            </a:solidFill>
+          </a:ln>
+        </p:spPr>
+        <p:style>
+          <a:lnRef idx="2">
+            <a:schemeClr val="accent1">
+              <a:shade val="50000"/>
+            </a:schemeClr>
+          </a:lnRef>
+          <a:fillRef idx="1">
+            <a:schemeClr val="accent1"/>
+          </a:fillRef>
+          <a:effectRef idx="0">
+            <a:schemeClr val="accent1"/>
+          </a:effectRef>
+          <a:fontRef idx="minor">
+            <a:schemeClr val="lt1"/>
+          </a:fontRef>
+        </p:style>
+        <p:txBody>
+          <a:bodyPr rtlCol="0" anchor="ctr"/>
+          <a:lstStyle/>
+          <a:p>
+            <a:pPr algn="ctr"/>
+            <a:r>
+              <a:rPr kumimoji="1" lang="en-US" altLang="ko-KR" dirty="0">
+                <a:solidFill>
+                  <a:schemeClr val="tx1"/>
+                </a:solidFill>
+              </a:rPr>
+              <a:t>service()</a:t>
+            </a:r>
+            <a:endParaRPr kumimoji="1" lang="ko-KR" altLang="en-US" dirty="0">
+              <a:solidFill>
+                <a:schemeClr val="tx1"/>
+              </a:solidFill>
+            </a:endParaRPr>
+          </a:p>
+        </p:txBody>
+      </p:sp>
+      <p:sp>
+        <p:nvSpPr>
+          <p:cNvPr id="53" name="직사각형 52">
+            <a:extLst>
+              <a:ext uri="{FF2B5EF4-FFF2-40B4-BE49-F238E27FC236}">
+                <a16:creationId xmlns:a16="http://schemas.microsoft.com/office/drawing/2014/main" id="{30F39F75-8A11-DD42-B175-A568269A8801}"/>
+              </a:ext>
+            </a:extLst>
+          </p:cNvPr>
+          <p:cNvSpPr/>
+          <p:nvPr/>
+        </p:nvSpPr>
+        <p:spPr>
+          <a:xfrm>
+            <a:off x="6265696" y="3655512"/>
+            <a:ext cx="1478072" cy="463463"/>
+          </a:xfrm>
+          <a:prstGeom prst="rect">
+            <a:avLst/>
+          </a:prstGeom>
+          <a:noFill/>
+          <a:ln>
+            <a:solidFill>
+              <a:schemeClr val="tx1"/>
+            </a:solidFill>
+          </a:ln>
+        </p:spPr>
+        <p:style>
+          <a:lnRef idx="2">
+            <a:schemeClr val="accent1">
+              <a:shade val="50000"/>
+            </a:schemeClr>
+          </a:lnRef>
+          <a:fillRef idx="1">
+            <a:schemeClr val="accent1"/>
+          </a:fillRef>
+          <a:effectRef idx="0">
+            <a:schemeClr val="accent1"/>
+          </a:effectRef>
+          <a:fontRef idx="minor">
+            <a:schemeClr val="lt1"/>
+          </a:fontRef>
+        </p:style>
+        <p:txBody>
+          <a:bodyPr rtlCol="0" anchor="ctr"/>
+          <a:lstStyle/>
+          <a:p>
+            <a:pPr algn="ctr"/>
+            <a:r>
+              <a:rPr kumimoji="1" lang="en-US" altLang="ko-KR" dirty="0">
+                <a:solidFill>
+                  <a:schemeClr val="tx1"/>
+                </a:solidFill>
+              </a:rPr>
+              <a:t>Destroy()</a:t>
+            </a:r>
+            <a:endParaRPr kumimoji="1" lang="ko-KR" altLang="en-US" dirty="0">
+              <a:solidFill>
+                <a:schemeClr val="tx1"/>
+              </a:solidFill>
+            </a:endParaRPr>
+          </a:p>
+        </p:txBody>
+      </p:sp>
+      <p:cxnSp>
+        <p:nvCxnSpPr>
+          <p:cNvPr id="17" name="직선 화살표 연결선 16">
+            <a:extLst>
+              <a:ext uri="{FF2B5EF4-FFF2-40B4-BE49-F238E27FC236}">
+                <a16:creationId xmlns:a16="http://schemas.microsoft.com/office/drawing/2014/main" id="{991BCE24-3A2E-154C-B2E7-676B7BC67D7E}"/>
+              </a:ext>
+            </a:extLst>
+          </p:cNvPr>
+          <p:cNvCxnSpPr>
+            <a:stCxn id="10" idx="4"/>
+            <a:endCxn id="11" idx="0"/>
+          </p:cNvCxnSpPr>
+          <p:nvPr/>
+        </p:nvCxnSpPr>
+        <p:spPr>
+          <a:xfrm flipH="1">
+            <a:off x="7004732" y="1632887"/>
+            <a:ext cx="1" cy="415117"/>
+          </a:xfrm>
+          <a:prstGeom prst="straightConnector1">
+            <a:avLst/>
+          </a:prstGeom>
+          <a:ln>
+            <a:tailEnd type="triangle"/>
+          </a:ln>
+        </p:spPr>
+        <p:style>
+          <a:lnRef idx="1">
+            <a:schemeClr val="accent1"/>
+          </a:lnRef>
+          <a:fillRef idx="0">
+            <a:schemeClr val="accent1"/>
+          </a:fillRef>
+          <a:effectRef idx="0">
+            <a:schemeClr val="accent1"/>
+          </a:effectRef>
+          <a:fontRef idx="minor">
+            <a:schemeClr val="tx1"/>
+          </a:fontRef>
+        </p:style>
+      </p:cxnSp>
+      <p:cxnSp>
+        <p:nvCxnSpPr>
+          <p:cNvPr id="54" name="직선 화살표 연결선 53">
+            <a:extLst>
+              <a:ext uri="{FF2B5EF4-FFF2-40B4-BE49-F238E27FC236}">
+                <a16:creationId xmlns:a16="http://schemas.microsoft.com/office/drawing/2014/main" id="{41DF8422-C8ED-6C42-AD9E-0AF9D3596197}"/>
+              </a:ext>
+            </a:extLst>
+          </p:cNvPr>
+          <p:cNvCxnSpPr>
+            <a:cxnSpLocks/>
+            <a:stCxn id="11" idx="2"/>
+            <a:endCxn id="48" idx="0"/>
+          </p:cNvCxnSpPr>
+          <p:nvPr/>
+        </p:nvCxnSpPr>
+        <p:spPr>
+          <a:xfrm>
+            <a:off x="7004732" y="2511467"/>
+            <a:ext cx="0" cy="334834"/>
+          </a:xfrm>
+          <a:prstGeom prst="straightConnector1">
+            <a:avLst/>
+          </a:prstGeom>
+          <a:ln>
+            <a:tailEnd type="triangle"/>
+          </a:ln>
+        </p:spPr>
+        <p:style>
+          <a:lnRef idx="1">
+            <a:schemeClr val="accent1"/>
+          </a:lnRef>
+          <a:fillRef idx="0">
+            <a:schemeClr val="accent1"/>
+          </a:fillRef>
+          <a:effectRef idx="0">
+            <a:schemeClr val="accent1"/>
+          </a:effectRef>
+          <a:fontRef idx="minor">
+            <a:schemeClr val="tx1"/>
+          </a:fontRef>
+        </p:style>
+      </p:cxnSp>
+      <p:cxnSp>
+        <p:nvCxnSpPr>
+          <p:cNvPr id="55" name="직선 화살표 연결선 54">
+            <a:extLst>
+              <a:ext uri="{FF2B5EF4-FFF2-40B4-BE49-F238E27FC236}">
+                <a16:creationId xmlns:a16="http://schemas.microsoft.com/office/drawing/2014/main" id="{DE0BA17E-A3D0-0144-AF22-1133ACB4C753}"/>
+              </a:ext>
+            </a:extLst>
+          </p:cNvPr>
+          <p:cNvCxnSpPr>
+            <a:cxnSpLocks/>
+          </p:cNvCxnSpPr>
+          <p:nvPr/>
+        </p:nvCxnSpPr>
+        <p:spPr>
+          <a:xfrm>
+            <a:off x="6996976" y="3309764"/>
+            <a:ext cx="0" cy="334834"/>
+          </a:xfrm>
+          <a:prstGeom prst="straightConnector1">
+            <a:avLst/>
+          </a:prstGeom>
+          <a:ln>
+            <a:tailEnd type="triangle"/>
+          </a:ln>
+        </p:spPr>
+        <p:style>
+          <a:lnRef idx="1">
+            <a:schemeClr val="accent1"/>
+          </a:lnRef>
+          <a:fillRef idx="0">
+            <a:schemeClr val="accent1"/>
+          </a:fillRef>
+          <a:effectRef idx="0">
+            <a:schemeClr val="accent1"/>
+          </a:effectRef>
+          <a:fontRef idx="minor">
+            <a:schemeClr val="tx1"/>
+          </a:fontRef>
+        </p:style>
+      </p:cxnSp>
+      <p:sp>
+        <p:nvSpPr>
+          <p:cNvPr id="56" name="타원 55">
+            <a:extLst>
+              <a:ext uri="{FF2B5EF4-FFF2-40B4-BE49-F238E27FC236}">
+                <a16:creationId xmlns:a16="http://schemas.microsoft.com/office/drawing/2014/main" id="{2795EA66-6422-AB47-A0D9-074E14384A39}"/>
+              </a:ext>
+            </a:extLst>
+          </p:cNvPr>
+          <p:cNvSpPr/>
+          <p:nvPr/>
+        </p:nvSpPr>
+        <p:spPr>
+          <a:xfrm>
+            <a:off x="6860683" y="4463439"/>
+            <a:ext cx="288099" cy="275572"/>
+          </a:xfrm>
+          <a:prstGeom prst="ellipse">
+            <a:avLst/>
+          </a:prstGeom>
+        </p:spPr>
+        <p:style>
+          <a:lnRef idx="2">
+            <a:schemeClr val="accent1">
+              <a:shade val="50000"/>
+            </a:schemeClr>
+          </a:lnRef>
+          <a:fillRef idx="1">
+            <a:schemeClr val="accent1"/>
+          </a:fillRef>
+          <a:effectRef idx="0">
+            <a:schemeClr val="accent1"/>
+          </a:effectRef>
+          <a:fontRef idx="minor">
+            <a:schemeClr val="lt1"/>
+          </a:fontRef>
+        </p:style>
+        <p:txBody>
+          <a:bodyPr rtlCol="0" anchor="ctr"/>
+          <a:lstStyle/>
+          <a:p>
+            <a:pPr algn="ctr"/>
+            <a:endParaRPr kumimoji="1" lang="ko-KR" altLang="en-US"/>
+          </a:p>
+        </p:txBody>
+      </p:sp>
+      <p:cxnSp>
+        <p:nvCxnSpPr>
+          <p:cNvPr id="57" name="직선 화살표 연결선 56">
+            <a:extLst>
+              <a:ext uri="{FF2B5EF4-FFF2-40B4-BE49-F238E27FC236}">
+                <a16:creationId xmlns:a16="http://schemas.microsoft.com/office/drawing/2014/main" id="{8919ECB6-AA19-A84F-AF9C-BF31B8DAB74D}"/>
+              </a:ext>
+            </a:extLst>
+          </p:cNvPr>
+          <p:cNvCxnSpPr>
+            <a:cxnSpLocks/>
+            <a:endCxn id="56" idx="0"/>
+          </p:cNvCxnSpPr>
+          <p:nvPr/>
+        </p:nvCxnSpPr>
+        <p:spPr>
+          <a:xfrm flipH="1">
+            <a:off x="7004733" y="4129889"/>
+            <a:ext cx="2" cy="333550"/>
+          </a:xfrm>
+          <a:prstGeom prst="straightConnector1">
+            <a:avLst/>
+          </a:prstGeom>
+          <a:ln>
+            <a:tailEnd type="triangle"/>
+          </a:ln>
+        </p:spPr>
+        <p:style>
+          <a:lnRef idx="1">
+            <a:schemeClr val="accent1"/>
+          </a:lnRef>
+          <a:fillRef idx="0">
+            <a:schemeClr val="accent1"/>
+          </a:fillRef>
+          <a:effectRef idx="0">
+            <a:schemeClr val="accent1"/>
+          </a:effectRef>
+          <a:fontRef idx="minor">
+            <a:schemeClr val="tx1"/>
+          </a:fontRef>
+        </p:style>
+      </p:cxnSp>
+      <p:cxnSp>
+        <p:nvCxnSpPr>
+          <p:cNvPr id="29" name="직선 화살표 연결선 28">
+            <a:extLst>
+              <a:ext uri="{FF2B5EF4-FFF2-40B4-BE49-F238E27FC236}">
+                <a16:creationId xmlns:a16="http://schemas.microsoft.com/office/drawing/2014/main" id="{3311B437-C07D-CC49-8F21-197C36162A21}"/>
+              </a:ext>
+            </a:extLst>
+          </p:cNvPr>
+          <p:cNvCxnSpPr>
+            <a:cxnSpLocks/>
+          </p:cNvCxnSpPr>
+          <p:nvPr/>
+        </p:nvCxnSpPr>
+        <p:spPr>
+          <a:xfrm>
+            <a:off x="5187269" y="2279735"/>
+            <a:ext cx="1078427" cy="687173"/>
+          </a:xfrm>
+          <a:prstGeom prst="straightConnector1">
+            <a:avLst/>
+          </a:prstGeom>
+          <a:ln>
+            <a:tailEnd type="triangle"/>
+          </a:ln>
+        </p:spPr>
+        <p:style>
+          <a:lnRef idx="1">
+            <a:schemeClr val="accent1"/>
+          </a:lnRef>
+          <a:fillRef idx="0">
+            <a:schemeClr val="accent1"/>
+          </a:fillRef>
+          <a:effectRef idx="0">
+            <a:schemeClr val="accent1"/>
+          </a:effectRef>
+          <a:fontRef idx="minor">
+            <a:schemeClr val="tx1"/>
+          </a:fontRef>
+        </p:style>
+      </p:cxnSp>
+      <p:cxnSp>
+        <p:nvCxnSpPr>
+          <p:cNvPr id="39" name="직선 화살표 연결선 38">
+            <a:extLst>
+              <a:ext uri="{FF2B5EF4-FFF2-40B4-BE49-F238E27FC236}">
+                <a16:creationId xmlns:a16="http://schemas.microsoft.com/office/drawing/2014/main" id="{AC33ECA4-7DDF-3F49-8735-72B4832AD7CE}"/>
+              </a:ext>
+            </a:extLst>
+          </p:cNvPr>
+          <p:cNvCxnSpPr>
+            <a:endCxn id="48" idx="1"/>
+          </p:cNvCxnSpPr>
+          <p:nvPr/>
+        </p:nvCxnSpPr>
+        <p:spPr>
+          <a:xfrm>
+            <a:off x="5187269" y="3078032"/>
+            <a:ext cx="1078427" cy="1"/>
+          </a:xfrm>
+          <a:prstGeom prst="straightConnector1">
+            <a:avLst/>
+          </a:prstGeom>
+          <a:ln>
+            <a:tailEnd type="triangle"/>
+          </a:ln>
+        </p:spPr>
+        <p:style>
+          <a:lnRef idx="1">
+            <a:schemeClr val="accent1"/>
+          </a:lnRef>
+          <a:fillRef idx="0">
+            <a:schemeClr val="accent1"/>
+          </a:fillRef>
+          <a:effectRef idx="0">
+            <a:schemeClr val="accent1"/>
+          </a:effectRef>
+          <a:fontRef idx="minor">
+            <a:schemeClr val="tx1"/>
+          </a:fontRef>
+        </p:style>
+      </p:cxnSp>
+      <p:cxnSp>
+        <p:nvCxnSpPr>
+          <p:cNvPr id="59" name="직선 화살표 연결선 58">
+            <a:extLst>
+              <a:ext uri="{FF2B5EF4-FFF2-40B4-BE49-F238E27FC236}">
+                <a16:creationId xmlns:a16="http://schemas.microsoft.com/office/drawing/2014/main" id="{67183982-AD27-064E-9C84-9BEE1B79D0AE}"/>
+              </a:ext>
+            </a:extLst>
+          </p:cNvPr>
+          <p:cNvCxnSpPr/>
+          <p:nvPr/>
+        </p:nvCxnSpPr>
+        <p:spPr>
+          <a:xfrm flipV="1">
+            <a:off x="5187269" y="3198639"/>
+            <a:ext cx="1078427" cy="687322"/>
+          </a:xfrm>
+          <a:prstGeom prst="straightConnector1">
+            <a:avLst/>
+          </a:prstGeom>
+          <a:ln>
+            <a:tailEnd type="triangle"/>
+          </a:ln>
+        </p:spPr>
+        <p:style>
+          <a:lnRef idx="1">
+            <a:schemeClr val="accent1"/>
+          </a:lnRef>
+          <a:fillRef idx="0">
+            <a:schemeClr val="accent1"/>
+          </a:fillRef>
+          <a:effectRef idx="0">
+            <a:schemeClr val="accent1"/>
+          </a:effectRef>
+          <a:fontRef idx="minor">
+            <a:schemeClr val="tx1"/>
+          </a:fontRef>
+        </p:style>
+      </p:cxnSp>
+      <p:cxnSp>
+        <p:nvCxnSpPr>
+          <p:cNvPr id="61" name="직선 화살표 연결선 60">
+            <a:extLst>
+              <a:ext uri="{FF2B5EF4-FFF2-40B4-BE49-F238E27FC236}">
+                <a16:creationId xmlns:a16="http://schemas.microsoft.com/office/drawing/2014/main" id="{B06DB95E-22A3-2046-AEB3-2BE63DC496E6}"/>
+              </a:ext>
+            </a:extLst>
+          </p:cNvPr>
+          <p:cNvCxnSpPr/>
+          <p:nvPr/>
+        </p:nvCxnSpPr>
+        <p:spPr>
+          <a:xfrm>
+            <a:off x="7004732" y="1840445"/>
+            <a:ext cx="1750961" cy="0"/>
+          </a:xfrm>
+          <a:prstGeom prst="straightConnector1">
+            <a:avLst/>
+          </a:prstGeom>
+          <a:ln>
+            <a:tailEnd type="none"/>
+          </a:ln>
+        </p:spPr>
+        <p:style>
+          <a:lnRef idx="1">
+            <a:schemeClr val="accent1"/>
+          </a:lnRef>
+          <a:fillRef idx="0">
+            <a:schemeClr val="accent1"/>
+          </a:fillRef>
+          <a:effectRef idx="0">
+            <a:schemeClr val="accent1"/>
+          </a:effectRef>
+          <a:fontRef idx="minor">
+            <a:schemeClr val="tx1"/>
+          </a:fontRef>
+        </p:style>
+      </p:cxnSp>
+      <p:sp>
+        <p:nvSpPr>
+          <p:cNvPr id="62" name="TextBox 61">
+            <a:extLst>
+              <a:ext uri="{FF2B5EF4-FFF2-40B4-BE49-F238E27FC236}">
+                <a16:creationId xmlns:a16="http://schemas.microsoft.com/office/drawing/2014/main" id="{72F29907-CF96-7D40-9A84-EA5222EB5F7A}"/>
+              </a:ext>
+            </a:extLst>
+          </p:cNvPr>
+          <p:cNvSpPr txBox="1"/>
+          <p:nvPr/>
+        </p:nvSpPr>
+        <p:spPr>
+          <a:xfrm>
+            <a:off x="8755693" y="1701945"/>
+            <a:ext cx="1743106" cy="276999"/>
+          </a:xfrm>
+          <a:prstGeom prst="rect">
+            <a:avLst/>
+          </a:prstGeom>
+          <a:noFill/>
+        </p:spPr>
+        <p:txBody>
+          <a:bodyPr wrap="none" rtlCol="0">
+            <a:spAutoFit/>
+          </a:bodyPr>
+          <a:lstStyle/>
+          <a:p>
+            <a:r>
+              <a:rPr kumimoji="1" lang="en-US" altLang="ko-KR" sz="1200" dirty="0"/>
+              <a:t>Instantiate &amp; call </a:t>
+            </a:r>
+            <a:r>
+              <a:rPr kumimoji="1" lang="en-US" altLang="ko-KR" sz="1200" dirty="0" err="1"/>
+              <a:t>init</a:t>
+            </a:r>
+            <a:r>
+              <a:rPr kumimoji="1" lang="en-US" altLang="ko-KR" sz="1200" dirty="0"/>
+              <a:t>()</a:t>
+            </a:r>
+            <a:endParaRPr kumimoji="1" lang="ko-KR" altLang="en-US" sz="1200" dirty="0"/>
+          </a:p>
+        </p:txBody>
+      </p:sp>
+      <p:cxnSp>
+        <p:nvCxnSpPr>
+          <p:cNvPr id="63" name="직선 화살표 연결선 62">
+            <a:extLst>
+              <a:ext uri="{FF2B5EF4-FFF2-40B4-BE49-F238E27FC236}">
+                <a16:creationId xmlns:a16="http://schemas.microsoft.com/office/drawing/2014/main" id="{ADB4EA69-A04A-964B-A10F-466AD8B1127A}"/>
+              </a:ext>
+            </a:extLst>
+          </p:cNvPr>
+          <p:cNvCxnSpPr/>
+          <p:nvPr/>
+        </p:nvCxnSpPr>
+        <p:spPr>
+          <a:xfrm>
+            <a:off x="7004732" y="2669419"/>
+            <a:ext cx="1750961" cy="0"/>
+          </a:xfrm>
+          <a:prstGeom prst="straightConnector1">
+            <a:avLst/>
+          </a:prstGeom>
+          <a:ln>
+            <a:tailEnd type="none"/>
+          </a:ln>
+        </p:spPr>
+        <p:style>
+          <a:lnRef idx="1">
+            <a:schemeClr val="accent1"/>
+          </a:lnRef>
+          <a:fillRef idx="0">
+            <a:schemeClr val="accent1"/>
+          </a:fillRef>
+          <a:effectRef idx="0">
+            <a:schemeClr val="accent1"/>
+          </a:effectRef>
+          <a:fontRef idx="minor">
+            <a:schemeClr val="tx1"/>
+          </a:fontRef>
+        </p:style>
+      </p:cxnSp>
+      <p:sp>
+        <p:nvSpPr>
+          <p:cNvPr id="64" name="TextBox 63">
+            <a:extLst>
+              <a:ext uri="{FF2B5EF4-FFF2-40B4-BE49-F238E27FC236}">
+                <a16:creationId xmlns:a16="http://schemas.microsoft.com/office/drawing/2014/main" id="{7632CABC-F72E-2446-8D40-61078793A695}"/>
+              </a:ext>
+            </a:extLst>
+          </p:cNvPr>
+          <p:cNvSpPr txBox="1"/>
+          <p:nvPr/>
+        </p:nvSpPr>
+        <p:spPr>
+          <a:xfrm>
+            <a:off x="8755693" y="2530919"/>
+            <a:ext cx="1798056" cy="276999"/>
+          </a:xfrm>
+          <a:prstGeom prst="rect">
+            <a:avLst/>
+          </a:prstGeom>
+          <a:noFill/>
+        </p:spPr>
+        <p:txBody>
+          <a:bodyPr wrap="none" rtlCol="0">
+            <a:spAutoFit/>
+          </a:bodyPr>
+          <a:lstStyle/>
+          <a:p>
+            <a:r>
+              <a:rPr kumimoji="1" lang="en-US" altLang="ko-KR" sz="1200" dirty="0"/>
+              <a:t>Ready to serve request</a:t>
+            </a:r>
+            <a:endParaRPr kumimoji="1" lang="ko-KR" altLang="en-US" sz="1200" dirty="0"/>
+          </a:p>
+        </p:txBody>
+      </p:sp>
+      <p:sp>
+        <p:nvSpPr>
+          <p:cNvPr id="68" name="호 67">
+            <a:extLst>
+              <a:ext uri="{FF2B5EF4-FFF2-40B4-BE49-F238E27FC236}">
+                <a16:creationId xmlns:a16="http://schemas.microsoft.com/office/drawing/2014/main" id="{D2E70B6B-BE35-0047-B35C-DF91B2907A4D}"/>
+              </a:ext>
+            </a:extLst>
+          </p:cNvPr>
+          <p:cNvSpPr/>
+          <p:nvPr/>
+        </p:nvSpPr>
+        <p:spPr>
+          <a:xfrm rot="19006965">
+            <a:off x="7641695" y="2715364"/>
+            <a:ext cx="789140" cy="687322"/>
+          </a:xfrm>
+          <a:prstGeom prst="arc">
+            <a:avLst>
+              <a:gd name="adj1" fmla="val 16200000"/>
+              <a:gd name="adj2" fmla="val 10067975"/>
+            </a:avLst>
+          </a:prstGeom>
+          <a:ln>
+            <a:headEnd type="none"/>
+            <a:tailEnd type="triangle"/>
+          </a:ln>
+        </p:spPr>
+        <p:style>
+          <a:lnRef idx="1">
+            <a:schemeClr val="accent1"/>
+          </a:lnRef>
+          <a:fillRef idx="0">
+            <a:schemeClr val="accent1"/>
+          </a:fillRef>
+          <a:effectRef idx="0">
+            <a:schemeClr val="accent1"/>
+          </a:effectRef>
+          <a:fontRef idx="minor">
+            <a:schemeClr val="tx1"/>
+          </a:fontRef>
+        </p:style>
+        <p:txBody>
+          <a:bodyPr rtlCol="0" anchor="ctr"/>
+          <a:lstStyle/>
+          <a:p>
+            <a:pPr algn="ctr"/>
+            <a:endParaRPr kumimoji="1" lang="ko-KR" altLang="en-US"/>
+          </a:p>
+        </p:txBody>
+      </p:sp>
+      <p:cxnSp>
+        <p:nvCxnSpPr>
+          <p:cNvPr id="69" name="직선 화살표 연결선 68">
+            <a:extLst>
+              <a:ext uri="{FF2B5EF4-FFF2-40B4-BE49-F238E27FC236}">
+                <a16:creationId xmlns:a16="http://schemas.microsoft.com/office/drawing/2014/main" id="{EFC78F5B-9148-D247-9844-A69A598234FE}"/>
+              </a:ext>
+            </a:extLst>
+          </p:cNvPr>
+          <p:cNvCxnSpPr>
+            <a:cxnSpLocks/>
+          </p:cNvCxnSpPr>
+          <p:nvPr/>
+        </p:nvCxnSpPr>
+        <p:spPr>
+          <a:xfrm>
+            <a:off x="8479153" y="3044319"/>
+            <a:ext cx="276540" cy="0"/>
+          </a:xfrm>
+          <a:prstGeom prst="straightConnector1">
+            <a:avLst/>
+          </a:prstGeom>
+          <a:ln>
+            <a:tailEnd type="none"/>
+          </a:ln>
+        </p:spPr>
+        <p:style>
+          <a:lnRef idx="1">
+            <a:schemeClr val="accent1"/>
+          </a:lnRef>
+          <a:fillRef idx="0">
+            <a:schemeClr val="accent1"/>
+          </a:fillRef>
+          <a:effectRef idx="0">
+            <a:schemeClr val="accent1"/>
+          </a:effectRef>
+          <a:fontRef idx="minor">
+            <a:schemeClr val="tx1"/>
+          </a:fontRef>
+        </p:style>
+      </p:cxnSp>
+      <p:sp>
+        <p:nvSpPr>
+          <p:cNvPr id="70" name="TextBox 69">
+            <a:extLst>
+              <a:ext uri="{FF2B5EF4-FFF2-40B4-BE49-F238E27FC236}">
+                <a16:creationId xmlns:a16="http://schemas.microsoft.com/office/drawing/2014/main" id="{40590A11-B2FA-804D-BF23-8A36B2009173}"/>
+              </a:ext>
+            </a:extLst>
+          </p:cNvPr>
+          <p:cNvSpPr txBox="1"/>
+          <p:nvPr/>
+        </p:nvSpPr>
+        <p:spPr>
+          <a:xfrm>
+            <a:off x="8755693" y="2826012"/>
+            <a:ext cx="2223973" cy="461665"/>
+          </a:xfrm>
+          <a:prstGeom prst="rect">
+            <a:avLst/>
+          </a:prstGeom>
+          <a:noFill/>
+        </p:spPr>
+        <p:txBody>
+          <a:bodyPr wrap="square" rtlCol="0">
+            <a:spAutoFit/>
+          </a:bodyPr>
+          <a:lstStyle/>
+          <a:p>
+            <a:r>
+              <a:rPr kumimoji="1" lang="en-US" altLang="ko-KR" sz="1200" dirty="0"/>
+              <a:t>Handle multiple request and send response</a:t>
+            </a:r>
+            <a:endParaRPr kumimoji="1" lang="ko-KR" altLang="en-US" sz="1200" dirty="0"/>
+          </a:p>
+        </p:txBody>
+      </p:sp>
+      <p:sp>
+        <p:nvSpPr>
+          <p:cNvPr id="72" name="타원 71">
+            <a:extLst>
+              <a:ext uri="{FF2B5EF4-FFF2-40B4-BE49-F238E27FC236}">
+                <a16:creationId xmlns:a16="http://schemas.microsoft.com/office/drawing/2014/main" id="{673853D1-8235-524B-991A-ECA18BA37CA2}"/>
+              </a:ext>
+            </a:extLst>
+          </p:cNvPr>
+          <p:cNvSpPr/>
+          <p:nvPr/>
+        </p:nvSpPr>
+        <p:spPr>
+          <a:xfrm>
+            <a:off x="1090597" y="4785030"/>
+            <a:ext cx="315981" cy="300447"/>
+          </a:xfrm>
+          <a:prstGeom prst="ellipse">
+            <a:avLst/>
+          </a:prstGeom>
+          <a:solidFill>
+            <a:schemeClr val="accent6">
+              <a:lumMod val="75000"/>
+            </a:schemeClr>
+          </a:solidFill>
+        </p:spPr>
+        <p:style>
+          <a:lnRef idx="2">
+            <a:schemeClr val="accent1">
+              <a:shade val="50000"/>
+            </a:schemeClr>
+          </a:lnRef>
+          <a:fillRef idx="1">
+            <a:schemeClr val="accent1"/>
+          </a:fillRef>
+          <a:effectRef idx="0">
+            <a:schemeClr val="accent1"/>
+          </a:effectRef>
+          <a:fontRef idx="minor">
+            <a:schemeClr val="lt1"/>
+          </a:fontRef>
+        </p:style>
+        <p:txBody>
+          <a:bodyPr rtlCol="0" anchor="ctr"/>
+          <a:lstStyle/>
+          <a:p>
+            <a:pPr algn="ctr"/>
+            <a:r>
+              <a:rPr kumimoji="1" lang="en-US" altLang="ko-KR" dirty="0">
+                <a:solidFill>
+                  <a:schemeClr val="bg1"/>
+                </a:solidFill>
+              </a:rPr>
+              <a:t>1</a:t>
+            </a:r>
+            <a:endParaRPr kumimoji="1" lang="ko-KR" altLang="en-US" dirty="0">
+              <a:solidFill>
+                <a:schemeClr val="bg1"/>
+              </a:solidFill>
+            </a:endParaRPr>
+          </a:p>
+        </p:txBody>
+      </p:sp>
+      <p:sp>
+        <p:nvSpPr>
+          <p:cNvPr id="73" name="타원 72">
+            <a:extLst>
+              <a:ext uri="{FF2B5EF4-FFF2-40B4-BE49-F238E27FC236}">
+                <a16:creationId xmlns:a16="http://schemas.microsoft.com/office/drawing/2014/main" id="{A1A864D5-DFF1-A44F-B098-C12B10480DCC}"/>
+              </a:ext>
+            </a:extLst>
+          </p:cNvPr>
+          <p:cNvSpPr/>
+          <p:nvPr/>
+        </p:nvSpPr>
+        <p:spPr>
+          <a:xfrm>
+            <a:off x="7309162" y="1344473"/>
+            <a:ext cx="315981" cy="300447"/>
+          </a:xfrm>
+          <a:prstGeom prst="ellipse">
+            <a:avLst/>
+          </a:prstGeom>
+          <a:solidFill>
+            <a:schemeClr val="accent6">
+              <a:lumMod val="75000"/>
+            </a:schemeClr>
+          </a:solidFill>
+        </p:spPr>
+        <p:style>
+          <a:lnRef idx="2">
+            <a:schemeClr val="accent1">
+              <a:shade val="50000"/>
+            </a:schemeClr>
+          </a:lnRef>
+          <a:fillRef idx="1">
+            <a:schemeClr val="accent1"/>
+          </a:fillRef>
+          <a:effectRef idx="0">
+            <a:schemeClr val="accent1"/>
+          </a:effectRef>
+          <a:fontRef idx="minor">
+            <a:schemeClr val="lt1"/>
+          </a:fontRef>
+        </p:style>
+        <p:txBody>
+          <a:bodyPr rtlCol="0" anchor="ctr"/>
+          <a:lstStyle/>
+          <a:p>
+            <a:pPr algn="ctr"/>
+            <a:r>
+              <a:rPr kumimoji="1" lang="en-US" altLang="ko-KR" dirty="0">
+                <a:solidFill>
+                  <a:schemeClr val="bg1"/>
+                </a:solidFill>
+              </a:rPr>
+              <a:t>2</a:t>
+            </a:r>
+            <a:endParaRPr kumimoji="1" lang="ko-KR" altLang="en-US" dirty="0">
+              <a:solidFill>
+                <a:schemeClr val="bg1"/>
+              </a:solidFill>
+            </a:endParaRPr>
+          </a:p>
+        </p:txBody>
+      </p:sp>
+      <p:sp>
+        <p:nvSpPr>
+          <p:cNvPr id="74" name="타원 73">
+            <a:extLst>
+              <a:ext uri="{FF2B5EF4-FFF2-40B4-BE49-F238E27FC236}">
+                <a16:creationId xmlns:a16="http://schemas.microsoft.com/office/drawing/2014/main" id="{CB45C66F-40EB-B34D-8CD6-A7E5991AC7D7}"/>
+              </a:ext>
+            </a:extLst>
+          </p:cNvPr>
+          <p:cNvSpPr/>
+          <p:nvPr/>
+        </p:nvSpPr>
+        <p:spPr>
+          <a:xfrm>
+            <a:off x="5568121" y="2714956"/>
+            <a:ext cx="315981" cy="300447"/>
+          </a:xfrm>
+          <a:prstGeom prst="ellipse">
+            <a:avLst/>
+          </a:prstGeom>
+          <a:solidFill>
+            <a:schemeClr val="accent6">
+              <a:lumMod val="75000"/>
+            </a:schemeClr>
+          </a:solidFill>
+        </p:spPr>
+        <p:style>
+          <a:lnRef idx="2">
+            <a:schemeClr val="accent1">
+              <a:shade val="50000"/>
+            </a:schemeClr>
+          </a:lnRef>
+          <a:fillRef idx="1">
+            <a:schemeClr val="accent1"/>
+          </a:fillRef>
+          <a:effectRef idx="0">
+            <a:schemeClr val="accent1"/>
+          </a:effectRef>
+          <a:fontRef idx="minor">
+            <a:schemeClr val="lt1"/>
+          </a:fontRef>
+        </p:style>
+        <p:txBody>
+          <a:bodyPr rtlCol="0" anchor="ctr"/>
+          <a:lstStyle/>
+          <a:p>
+            <a:pPr algn="ctr"/>
+            <a:r>
+              <a:rPr kumimoji="1" lang="en-US" altLang="ko-KR" dirty="0">
+                <a:solidFill>
+                  <a:schemeClr val="bg1"/>
+                </a:solidFill>
+              </a:rPr>
+              <a:t>3</a:t>
+            </a:r>
+            <a:endParaRPr kumimoji="1" lang="ko-KR" altLang="en-US" dirty="0">
+              <a:solidFill>
+                <a:schemeClr val="bg1"/>
+              </a:solidFill>
+            </a:endParaRPr>
+          </a:p>
+        </p:txBody>
+      </p:sp>
+      <p:sp>
+        <p:nvSpPr>
+          <p:cNvPr id="75" name="TextBox 74">
+            <a:extLst>
+              <a:ext uri="{FF2B5EF4-FFF2-40B4-BE49-F238E27FC236}">
+                <a16:creationId xmlns:a16="http://schemas.microsoft.com/office/drawing/2014/main" id="{55276B7F-3979-B941-97F1-CAD2236BC55D}"/>
+              </a:ext>
+            </a:extLst>
+          </p:cNvPr>
+          <p:cNvSpPr txBox="1"/>
+          <p:nvPr/>
+        </p:nvSpPr>
+        <p:spPr>
+          <a:xfrm>
+            <a:off x="8755693" y="1247198"/>
+            <a:ext cx="1971181" cy="369332"/>
+          </a:xfrm>
+          <a:prstGeom prst="rect">
+            <a:avLst/>
+          </a:prstGeom>
+          <a:noFill/>
+        </p:spPr>
+        <p:txBody>
+          <a:bodyPr wrap="none" rtlCol="0">
+            <a:spAutoFit/>
+          </a:bodyPr>
+          <a:lstStyle/>
+          <a:p>
+            <a:r>
+              <a:rPr kumimoji="1" lang="en-US" altLang="ko-KR" dirty="0"/>
+              <a:t>Servlet Life Cycle</a:t>
+            </a:r>
+            <a:endParaRPr kumimoji="1" lang="ko-KR" altLang="en-US" dirty="0"/>
+          </a:p>
+        </p:txBody>
+      </p:sp>
+    </p:spTree>
+    <p:extLst>
+      <p:ext uri="{BB962C8B-B14F-4D97-AF65-F5344CB8AC3E}">
+        <p14:creationId xmlns:p14="http://schemas.microsoft.com/office/powerpoint/2010/main" val="2931959815"/>
+      </p:ext>
+    </p:extLst>
+  </p:cSld>
+  <p:clrMapOvr>
+    <a:masterClrMapping/>
+  </p:clrMapOvr>
+</p:sld>
+</file>
+
+<file path=ppt/slides/slide8.xml><?xml version="1.0" encoding="utf-8"?>
+<p:sld xmlns:a="http://schemas.openxmlformats.org/drawingml/2006/main" xmlns:r="http://schemas.openxmlformats.org/officeDocument/2006/relationships" xmlns:p="http://schemas.openxmlformats.org/presentationml/2006/main">
+  <p:cSld>
+    <p:spTree>
+      <p:nvGrpSpPr>
+        <p:cNvPr id="1" name=""/>
+        <p:cNvGrpSpPr/>
+        <p:nvPr/>
+      </p:nvGrpSpPr>
+      <p:grpSpPr>
+        <a:xfrm>
+          <a:off x="0" y="0"/>
+          <a:ext cx="0" cy="0"/>
+          <a:chOff x="0" y="0"/>
+          <a:chExt cx="0" cy="0"/>
+        </a:xfrm>
+      </p:grpSpPr>
+      <p:sp>
+        <p:nvSpPr>
+          <p:cNvPr id="38" name="TextBox 37">
+            <a:extLst>
+              <a:ext uri="{FF2B5EF4-FFF2-40B4-BE49-F238E27FC236}">
+                <a16:creationId xmlns:a16="http://schemas.microsoft.com/office/drawing/2014/main" id="{41C7FBC6-1ADE-614B-A639-CE04E73D33B6}"/>
+              </a:ext>
+            </a:extLst>
+          </p:cNvPr>
+          <p:cNvSpPr txBox="1"/>
+          <p:nvPr/>
+        </p:nvSpPr>
+        <p:spPr>
+          <a:xfrm>
+            <a:off x="163546" y="236746"/>
+            <a:ext cx="2457006" cy="276999"/>
+          </a:xfrm>
+          <a:prstGeom prst="rect">
+            <a:avLst/>
+          </a:prstGeom>
+          <a:noFill/>
+        </p:spPr>
+        <p:txBody>
+          <a:bodyPr wrap="square" rtlCol="0">
+            <a:spAutoFit/>
+          </a:bodyPr>
+          <a:lstStyle/>
+          <a:p>
+            <a:r>
+              <a:rPr kumimoji="1" lang="en-US" altLang="ko-KR" sz="1200" dirty="0" err="1"/>
+              <a:t>Mvc</a:t>
+            </a:r>
+            <a:r>
+              <a:rPr kumimoji="1" lang="en-US" altLang="ko-KR" sz="1200" dirty="0"/>
+              <a:t> flow of control</a:t>
+            </a:r>
+            <a:endParaRPr kumimoji="1" lang="ko-KR" altLang="en-US" sz="1200" dirty="0"/>
+          </a:p>
+        </p:txBody>
+      </p:sp>
+      <p:sp>
+        <p:nvSpPr>
+          <p:cNvPr id="40" name="직사각형 39">
+            <a:extLst>
+              <a:ext uri="{FF2B5EF4-FFF2-40B4-BE49-F238E27FC236}">
+                <a16:creationId xmlns:a16="http://schemas.microsoft.com/office/drawing/2014/main" id="{479430C6-EAD5-684E-AFAD-ED7C29CAE5BF}"/>
+              </a:ext>
+            </a:extLst>
+          </p:cNvPr>
+          <p:cNvSpPr/>
+          <p:nvPr/>
+        </p:nvSpPr>
+        <p:spPr>
+          <a:xfrm>
+            <a:off x="792796" y="3519139"/>
+            <a:ext cx="1412829" cy="918097"/>
+          </a:xfrm>
+          <a:prstGeom prst="rect">
+            <a:avLst/>
+          </a:prstGeom>
+          <a:noFill/>
+          <a:ln>
+            <a:solidFill>
+              <a:schemeClr val="tx1"/>
+            </a:solidFill>
+          </a:ln>
+        </p:spPr>
+        <p:style>
+          <a:lnRef idx="2">
+            <a:schemeClr val="accent1">
+              <a:shade val="50000"/>
+            </a:schemeClr>
+          </a:lnRef>
+          <a:fillRef idx="1">
+            <a:schemeClr val="accent1"/>
+          </a:fillRef>
+          <a:effectRef idx="0">
+            <a:schemeClr val="accent1"/>
+          </a:effectRef>
+          <a:fontRef idx="minor">
+            <a:schemeClr val="lt1"/>
+          </a:fontRef>
+        </p:style>
+        <p:txBody>
+          <a:bodyPr rtlCol="0" anchor="ctr"/>
+          <a:lstStyle/>
+          <a:p>
+            <a:pPr algn="ctr"/>
+            <a:r>
+              <a:rPr kumimoji="1" lang="en-US" altLang="ko-KR" dirty="0">
+                <a:solidFill>
+                  <a:schemeClr val="tx1"/>
+                </a:solidFill>
+              </a:rPr>
+              <a:t>Form</a:t>
+            </a:r>
+          </a:p>
+          <a:p>
+            <a:pPr algn="ctr"/>
+            <a:r>
+              <a:rPr kumimoji="1" lang="en-US" altLang="ko-KR" dirty="0">
+                <a:solidFill>
+                  <a:schemeClr val="tx1"/>
+                </a:solidFill>
+              </a:rPr>
+              <a:t>(User)</a:t>
+            </a:r>
+            <a:endParaRPr kumimoji="1" lang="ko-KR" altLang="en-US" dirty="0">
+              <a:solidFill>
+                <a:schemeClr val="tx1"/>
+              </a:solidFill>
+            </a:endParaRPr>
+          </a:p>
+        </p:txBody>
+      </p:sp>
+      <p:sp>
+        <p:nvSpPr>
+          <p:cNvPr id="41" name="직사각형 40">
+            <a:extLst>
+              <a:ext uri="{FF2B5EF4-FFF2-40B4-BE49-F238E27FC236}">
+                <a16:creationId xmlns:a16="http://schemas.microsoft.com/office/drawing/2014/main" id="{DEC12514-DD00-074D-B9CF-2E016E1014C2}"/>
+              </a:ext>
+            </a:extLst>
+          </p:cNvPr>
+          <p:cNvSpPr/>
+          <p:nvPr/>
+        </p:nvSpPr>
+        <p:spPr>
+          <a:xfrm>
+            <a:off x="792795" y="1456848"/>
+            <a:ext cx="1412829" cy="918097"/>
+          </a:xfrm>
+          <a:prstGeom prst="rect">
+            <a:avLst/>
+          </a:prstGeom>
+          <a:noFill/>
+          <a:ln>
+            <a:solidFill>
+              <a:schemeClr val="tx1"/>
+            </a:solidFill>
+          </a:ln>
+        </p:spPr>
+        <p:style>
+          <a:lnRef idx="2">
+            <a:schemeClr val="accent1">
+              <a:shade val="50000"/>
+            </a:schemeClr>
+          </a:lnRef>
+          <a:fillRef idx="1">
+            <a:schemeClr val="accent1"/>
+          </a:fillRef>
+          <a:effectRef idx="0">
+            <a:schemeClr val="accent1"/>
+          </a:effectRef>
+          <a:fontRef idx="minor">
+            <a:schemeClr val="lt1"/>
+          </a:fontRef>
+        </p:style>
+        <p:txBody>
+          <a:bodyPr rtlCol="0" anchor="ctr"/>
+          <a:lstStyle/>
+          <a:p>
+            <a:pPr algn="ctr"/>
+            <a:r>
+              <a:rPr kumimoji="1" lang="en-US" altLang="ko-KR" dirty="0">
+                <a:solidFill>
+                  <a:schemeClr val="tx1"/>
+                </a:solidFill>
+              </a:rPr>
+              <a:t>HTML</a:t>
+            </a:r>
+          </a:p>
+          <a:p>
+            <a:pPr algn="ctr"/>
+            <a:r>
+              <a:rPr kumimoji="1" lang="en-US" altLang="ko-KR" dirty="0">
+                <a:solidFill>
+                  <a:schemeClr val="tx1"/>
+                </a:solidFill>
+              </a:rPr>
+              <a:t>or</a:t>
+            </a:r>
+          </a:p>
+          <a:p>
+            <a:pPr algn="ctr"/>
+            <a:r>
+              <a:rPr kumimoji="1" lang="en-US" altLang="ko-KR" dirty="0">
+                <a:solidFill>
+                  <a:schemeClr val="tx1"/>
+                </a:solidFill>
+              </a:rPr>
+              <a:t>JSP</a:t>
+            </a:r>
+          </a:p>
+        </p:txBody>
+      </p:sp>
+      <p:sp>
+        <p:nvSpPr>
+          <p:cNvPr id="42" name="직사각형 41">
+            <a:extLst>
+              <a:ext uri="{FF2B5EF4-FFF2-40B4-BE49-F238E27FC236}">
+                <a16:creationId xmlns:a16="http://schemas.microsoft.com/office/drawing/2014/main" id="{A6077DF0-E7E9-6E42-BF0F-FDB3DBD8A313}"/>
+              </a:ext>
+            </a:extLst>
+          </p:cNvPr>
+          <p:cNvSpPr/>
+          <p:nvPr/>
+        </p:nvSpPr>
+        <p:spPr>
+          <a:xfrm>
+            <a:off x="4237191" y="3519139"/>
+            <a:ext cx="1412830" cy="918097"/>
+          </a:xfrm>
+          <a:prstGeom prst="rect">
+            <a:avLst/>
+          </a:prstGeom>
+          <a:noFill/>
+          <a:ln>
+            <a:solidFill>
+              <a:schemeClr val="tx1"/>
+            </a:solidFill>
+          </a:ln>
+        </p:spPr>
+        <p:style>
+          <a:lnRef idx="2">
+            <a:schemeClr val="accent1">
+              <a:shade val="50000"/>
+            </a:schemeClr>
+          </a:lnRef>
+          <a:fillRef idx="1">
+            <a:schemeClr val="accent1"/>
+          </a:fillRef>
+          <a:effectRef idx="0">
+            <a:schemeClr val="accent1"/>
+          </a:effectRef>
+          <a:fontRef idx="minor">
+            <a:schemeClr val="lt1"/>
+          </a:fontRef>
+        </p:style>
+        <p:txBody>
+          <a:bodyPr rtlCol="0" anchor="ctr"/>
+          <a:lstStyle/>
+          <a:p>
+            <a:pPr algn="ctr"/>
+            <a:r>
+              <a:rPr kumimoji="1" lang="en-US" altLang="ko-KR" dirty="0">
+                <a:solidFill>
+                  <a:schemeClr val="tx1"/>
+                </a:solidFill>
+              </a:rPr>
+              <a:t>Servlet</a:t>
+            </a:r>
+            <a:endParaRPr kumimoji="1" lang="ko-KR" altLang="en-US" dirty="0">
+              <a:solidFill>
+                <a:schemeClr val="tx1"/>
+              </a:solidFill>
+            </a:endParaRPr>
+          </a:p>
+        </p:txBody>
+      </p:sp>
+      <p:sp>
+        <p:nvSpPr>
+          <p:cNvPr id="44" name="직사각형 43">
+            <a:extLst>
+              <a:ext uri="{FF2B5EF4-FFF2-40B4-BE49-F238E27FC236}">
+                <a16:creationId xmlns:a16="http://schemas.microsoft.com/office/drawing/2014/main" id="{C0BDFB42-C377-594E-B6FE-9DBE44B95F1B}"/>
+              </a:ext>
+            </a:extLst>
+          </p:cNvPr>
+          <p:cNvSpPr/>
+          <p:nvPr/>
+        </p:nvSpPr>
+        <p:spPr>
+          <a:xfrm>
+            <a:off x="4084530" y="1456847"/>
+            <a:ext cx="1718152" cy="918097"/>
+          </a:xfrm>
+          <a:prstGeom prst="rect">
+            <a:avLst/>
+          </a:prstGeom>
+          <a:noFill/>
+          <a:ln>
+            <a:solidFill>
+              <a:schemeClr val="tx1"/>
+            </a:solidFill>
+          </a:ln>
+        </p:spPr>
+        <p:style>
+          <a:lnRef idx="2">
+            <a:schemeClr val="accent1">
+              <a:shade val="50000"/>
+            </a:schemeClr>
+          </a:lnRef>
+          <a:fillRef idx="1">
+            <a:schemeClr val="accent1"/>
+          </a:fillRef>
+          <a:effectRef idx="0">
+            <a:schemeClr val="accent1"/>
+          </a:effectRef>
+          <a:fontRef idx="minor">
+            <a:schemeClr val="lt1"/>
+          </a:fontRef>
+        </p:style>
+        <p:txBody>
+          <a:bodyPr rtlCol="0" anchor="ctr"/>
+          <a:lstStyle/>
+          <a:p>
+            <a:pPr algn="ctr"/>
+            <a:r>
+              <a:rPr kumimoji="1" lang="en-US" altLang="ko-KR" dirty="0">
+                <a:solidFill>
+                  <a:schemeClr val="tx1"/>
+                </a:solidFill>
+              </a:rPr>
+              <a:t>Java Code</a:t>
+            </a:r>
+          </a:p>
+          <a:p>
+            <a:pPr algn="ctr"/>
+            <a:r>
+              <a:rPr kumimoji="1" lang="en-US" altLang="ko-KR" dirty="0">
+                <a:solidFill>
+                  <a:schemeClr val="tx1"/>
+                </a:solidFill>
+              </a:rPr>
+              <a:t>(business logic)</a:t>
+            </a:r>
+          </a:p>
+        </p:txBody>
+      </p:sp>
+      <p:cxnSp>
+        <p:nvCxnSpPr>
+          <p:cNvPr id="4" name="직선 화살표 연결선 3">
+            <a:extLst>
+              <a:ext uri="{FF2B5EF4-FFF2-40B4-BE49-F238E27FC236}">
+                <a16:creationId xmlns:a16="http://schemas.microsoft.com/office/drawing/2014/main" id="{E69DC724-0C9E-3740-B18E-2AE75467B294}"/>
+              </a:ext>
+            </a:extLst>
+          </p:cNvPr>
+          <p:cNvCxnSpPr/>
+          <p:nvPr/>
+        </p:nvCxnSpPr>
+        <p:spPr>
+          <a:xfrm flipV="1">
+            <a:off x="1427967" y="2454426"/>
+            <a:ext cx="0" cy="989557"/>
+          </a:xfrm>
+          <a:prstGeom prst="straightConnector1">
+            <a:avLst/>
+          </a:prstGeom>
+          <a:ln>
+            <a:tailEnd type="triangle"/>
+          </a:ln>
+        </p:spPr>
+        <p:style>
+          <a:lnRef idx="1">
+            <a:schemeClr val="accent1"/>
+          </a:lnRef>
+          <a:fillRef idx="0">
+            <a:schemeClr val="accent1"/>
+          </a:fillRef>
+          <a:effectRef idx="0">
+            <a:schemeClr val="accent1"/>
+          </a:effectRef>
+          <a:fontRef idx="minor">
+            <a:schemeClr val="tx1"/>
+          </a:fontRef>
+        </p:style>
+      </p:cxnSp>
+      <p:cxnSp>
+        <p:nvCxnSpPr>
+          <p:cNvPr id="47" name="직선 화살표 연결선 46">
+            <a:extLst>
+              <a:ext uri="{FF2B5EF4-FFF2-40B4-BE49-F238E27FC236}">
+                <a16:creationId xmlns:a16="http://schemas.microsoft.com/office/drawing/2014/main" id="{78360B23-31C9-AF4E-AADA-84260548B980}"/>
+              </a:ext>
+            </a:extLst>
+          </p:cNvPr>
+          <p:cNvCxnSpPr/>
+          <p:nvPr/>
+        </p:nvCxnSpPr>
+        <p:spPr>
+          <a:xfrm flipV="1">
+            <a:off x="1555315" y="2456514"/>
+            <a:ext cx="0" cy="989557"/>
+          </a:xfrm>
+          <a:prstGeom prst="straightConnector1">
+            <a:avLst/>
+          </a:prstGeom>
+          <a:ln>
+            <a:headEnd type="triangle"/>
+            <a:tailEnd type="none"/>
+          </a:ln>
+        </p:spPr>
+        <p:style>
+          <a:lnRef idx="1">
+            <a:schemeClr val="accent1"/>
+          </a:lnRef>
+          <a:fillRef idx="0">
+            <a:schemeClr val="accent1"/>
+          </a:fillRef>
+          <a:effectRef idx="0">
+            <a:schemeClr val="accent1"/>
+          </a:effectRef>
+          <a:fontRef idx="minor">
+            <a:schemeClr val="tx1"/>
+          </a:fontRef>
+        </p:style>
+      </p:cxnSp>
+      <p:cxnSp>
+        <p:nvCxnSpPr>
+          <p:cNvPr id="49" name="직선 화살표 연결선 48">
+            <a:extLst>
+              <a:ext uri="{FF2B5EF4-FFF2-40B4-BE49-F238E27FC236}">
+                <a16:creationId xmlns:a16="http://schemas.microsoft.com/office/drawing/2014/main" id="{36FD21B5-1E8F-264F-8AD1-AC06FCB59AF4}"/>
+              </a:ext>
+            </a:extLst>
+          </p:cNvPr>
+          <p:cNvCxnSpPr/>
+          <p:nvPr/>
+        </p:nvCxnSpPr>
+        <p:spPr>
+          <a:xfrm flipV="1">
+            <a:off x="4878888" y="2452338"/>
+            <a:ext cx="0" cy="989557"/>
+          </a:xfrm>
+          <a:prstGeom prst="straightConnector1">
+            <a:avLst/>
+          </a:prstGeom>
+          <a:ln>
+            <a:tailEnd type="triangle"/>
+          </a:ln>
+        </p:spPr>
+        <p:style>
+          <a:lnRef idx="1">
+            <a:schemeClr val="accent1"/>
+          </a:lnRef>
+          <a:fillRef idx="0">
+            <a:schemeClr val="accent1"/>
+          </a:fillRef>
+          <a:effectRef idx="0">
+            <a:schemeClr val="accent1"/>
+          </a:effectRef>
+          <a:fontRef idx="minor">
+            <a:schemeClr val="tx1"/>
+          </a:fontRef>
+        </p:style>
+      </p:cxnSp>
+      <p:cxnSp>
+        <p:nvCxnSpPr>
+          <p:cNvPr id="50" name="직선 화살표 연결선 49">
+            <a:extLst>
+              <a:ext uri="{FF2B5EF4-FFF2-40B4-BE49-F238E27FC236}">
+                <a16:creationId xmlns:a16="http://schemas.microsoft.com/office/drawing/2014/main" id="{5D4CB37E-627D-E14B-9BCE-B512D1215C1C}"/>
+              </a:ext>
+            </a:extLst>
+          </p:cNvPr>
+          <p:cNvCxnSpPr/>
+          <p:nvPr/>
+        </p:nvCxnSpPr>
+        <p:spPr>
+          <a:xfrm flipV="1">
+            <a:off x="5006236" y="2454426"/>
+            <a:ext cx="0" cy="989557"/>
+          </a:xfrm>
+          <a:prstGeom prst="straightConnector1">
+            <a:avLst/>
+          </a:prstGeom>
+          <a:ln>
+            <a:headEnd type="triangle"/>
+            <a:tailEnd type="none"/>
+          </a:ln>
+        </p:spPr>
+        <p:style>
+          <a:lnRef idx="1">
+            <a:schemeClr val="accent1"/>
+          </a:lnRef>
+          <a:fillRef idx="0">
+            <a:schemeClr val="accent1"/>
+          </a:fillRef>
+          <a:effectRef idx="0">
+            <a:schemeClr val="accent1"/>
+          </a:effectRef>
+          <a:fontRef idx="minor">
+            <a:schemeClr val="tx1"/>
+          </a:fontRef>
+        </p:style>
+      </p:cxnSp>
+      <p:cxnSp>
+        <p:nvCxnSpPr>
+          <p:cNvPr id="9" name="직선 화살표 연결선 8">
+            <a:extLst>
+              <a:ext uri="{FF2B5EF4-FFF2-40B4-BE49-F238E27FC236}">
+                <a16:creationId xmlns:a16="http://schemas.microsoft.com/office/drawing/2014/main" id="{D68A8E93-6B56-E448-BF81-10199AB8C4D8}"/>
+              </a:ext>
+            </a:extLst>
+          </p:cNvPr>
+          <p:cNvCxnSpPr/>
+          <p:nvPr/>
+        </p:nvCxnSpPr>
+        <p:spPr>
+          <a:xfrm>
+            <a:off x="2330884" y="3970075"/>
+            <a:ext cx="1777653" cy="0"/>
+          </a:xfrm>
+          <a:prstGeom prst="straightConnector1">
+            <a:avLst/>
+          </a:prstGeom>
+          <a:ln>
+            <a:tailEnd type="triangle"/>
+          </a:ln>
+        </p:spPr>
+        <p:style>
+          <a:lnRef idx="1">
+            <a:schemeClr val="accent1"/>
+          </a:lnRef>
+          <a:fillRef idx="0">
+            <a:schemeClr val="accent1"/>
+          </a:fillRef>
+          <a:effectRef idx="0">
+            <a:schemeClr val="accent1"/>
+          </a:effectRef>
+          <a:fontRef idx="minor">
+            <a:schemeClr val="tx1"/>
+          </a:fontRef>
+        </p:style>
+      </p:cxnSp>
+      <p:sp>
+        <p:nvSpPr>
+          <p:cNvPr id="12" name="TextBox 11">
+            <a:extLst>
+              <a:ext uri="{FF2B5EF4-FFF2-40B4-BE49-F238E27FC236}">
+                <a16:creationId xmlns:a16="http://schemas.microsoft.com/office/drawing/2014/main" id="{5048F89D-56AB-1649-B713-53C666AAC19A}"/>
+              </a:ext>
+            </a:extLst>
+          </p:cNvPr>
+          <p:cNvSpPr txBox="1"/>
+          <p:nvPr/>
+        </p:nvSpPr>
+        <p:spPr>
+          <a:xfrm>
+            <a:off x="1555315" y="2762376"/>
+            <a:ext cx="311304" cy="369332"/>
+          </a:xfrm>
+          <a:prstGeom prst="rect">
+            <a:avLst/>
+          </a:prstGeom>
+          <a:noFill/>
+        </p:spPr>
+        <p:txBody>
+          <a:bodyPr wrap="none" rtlCol="0">
+            <a:spAutoFit/>
+          </a:bodyPr>
+          <a:lstStyle/>
+          <a:p>
+            <a:r>
+              <a:rPr kumimoji="1" lang="en-US" altLang="ko-KR" dirty="0">
+                <a:solidFill>
+                  <a:schemeClr val="accent2">
+                    <a:lumMod val="60000"/>
+                    <a:lumOff val="40000"/>
+                  </a:schemeClr>
+                </a:solidFill>
+              </a:rPr>
+              <a:t>0</a:t>
+            </a:r>
+            <a:endParaRPr kumimoji="1" lang="ko-KR" altLang="en-US" dirty="0">
+              <a:solidFill>
+                <a:schemeClr val="accent2">
+                  <a:lumMod val="60000"/>
+                  <a:lumOff val="40000"/>
+                </a:schemeClr>
+              </a:solidFill>
+            </a:endParaRPr>
+          </a:p>
+        </p:txBody>
+      </p:sp>
+      <p:sp>
+        <p:nvSpPr>
+          <p:cNvPr id="60" name="TextBox 59">
+            <a:extLst>
+              <a:ext uri="{FF2B5EF4-FFF2-40B4-BE49-F238E27FC236}">
+                <a16:creationId xmlns:a16="http://schemas.microsoft.com/office/drawing/2014/main" id="{E0ADE976-C25E-A741-B0F1-2A3FD915C371}"/>
+              </a:ext>
+            </a:extLst>
+          </p:cNvPr>
+          <p:cNvSpPr txBox="1"/>
+          <p:nvPr/>
+        </p:nvSpPr>
+        <p:spPr>
+          <a:xfrm>
+            <a:off x="3114925" y="3382228"/>
+            <a:ext cx="311304" cy="369332"/>
+          </a:xfrm>
+          <a:prstGeom prst="rect">
+            <a:avLst/>
+          </a:prstGeom>
+          <a:noFill/>
+        </p:spPr>
+        <p:txBody>
+          <a:bodyPr wrap="none" rtlCol="0">
+            <a:spAutoFit/>
+          </a:bodyPr>
+          <a:lstStyle/>
+          <a:p>
+            <a:r>
+              <a:rPr kumimoji="1" lang="en-US" altLang="ko-KR" dirty="0">
+                <a:solidFill>
+                  <a:schemeClr val="accent2">
+                    <a:lumMod val="60000"/>
+                    <a:lumOff val="40000"/>
+                  </a:schemeClr>
+                </a:solidFill>
+              </a:rPr>
+              <a:t>1</a:t>
+            </a:r>
+            <a:endParaRPr kumimoji="1" lang="ko-KR" altLang="en-US" dirty="0">
+              <a:solidFill>
+                <a:schemeClr val="accent2">
+                  <a:lumMod val="60000"/>
+                  <a:lumOff val="40000"/>
+                </a:schemeClr>
+              </a:solidFill>
+            </a:endParaRPr>
+          </a:p>
+        </p:txBody>
+      </p:sp>
+      <p:sp>
+        <p:nvSpPr>
+          <p:cNvPr id="65" name="TextBox 64">
+            <a:extLst>
+              <a:ext uri="{FF2B5EF4-FFF2-40B4-BE49-F238E27FC236}">
+                <a16:creationId xmlns:a16="http://schemas.microsoft.com/office/drawing/2014/main" id="{3465AC2F-0B56-6140-BAEB-674BF41ED783}"/>
+              </a:ext>
+            </a:extLst>
+          </p:cNvPr>
+          <p:cNvSpPr txBox="1"/>
+          <p:nvPr/>
+        </p:nvSpPr>
+        <p:spPr>
+          <a:xfrm>
+            <a:off x="2666245" y="3662198"/>
+            <a:ext cx="1208664" cy="307777"/>
+          </a:xfrm>
+          <a:prstGeom prst="rect">
+            <a:avLst/>
+          </a:prstGeom>
+          <a:noFill/>
+        </p:spPr>
+        <p:txBody>
+          <a:bodyPr wrap="none" rtlCol="0">
+            <a:spAutoFit/>
+          </a:bodyPr>
+          <a:lstStyle/>
+          <a:p>
+            <a:r>
+              <a:rPr kumimoji="1" lang="en-US" altLang="ko-KR" sz="1400" dirty="0"/>
+              <a:t>Submit form</a:t>
+            </a:r>
+            <a:endParaRPr kumimoji="1" lang="ko-KR" altLang="en-US" sz="1400" dirty="0"/>
+          </a:p>
+        </p:txBody>
+      </p:sp>
+      <p:sp>
+        <p:nvSpPr>
+          <p:cNvPr id="66" name="TextBox 65">
+            <a:extLst>
+              <a:ext uri="{FF2B5EF4-FFF2-40B4-BE49-F238E27FC236}">
+                <a16:creationId xmlns:a16="http://schemas.microsoft.com/office/drawing/2014/main" id="{7CD6963A-B57C-B84F-BF21-7013DC3ECE0F}"/>
+              </a:ext>
+            </a:extLst>
+          </p:cNvPr>
+          <p:cNvSpPr txBox="1"/>
+          <p:nvPr/>
+        </p:nvSpPr>
+        <p:spPr>
+          <a:xfrm>
+            <a:off x="4284585" y="2374944"/>
+            <a:ext cx="532518" cy="369332"/>
+          </a:xfrm>
+          <a:prstGeom prst="rect">
+            <a:avLst/>
+          </a:prstGeom>
+          <a:noFill/>
+        </p:spPr>
+        <p:txBody>
+          <a:bodyPr wrap="none" rtlCol="0">
+            <a:spAutoFit/>
+          </a:bodyPr>
+          <a:lstStyle/>
+          <a:p>
+            <a:r>
+              <a:rPr kumimoji="1" lang="en-US" altLang="ko-KR" dirty="0">
+                <a:solidFill>
+                  <a:schemeClr val="accent2">
+                    <a:lumMod val="60000"/>
+                    <a:lumOff val="40000"/>
+                  </a:schemeClr>
+                </a:solidFill>
+              </a:rPr>
+              <a:t>2-1</a:t>
+            </a:r>
+            <a:endParaRPr kumimoji="1" lang="ko-KR" altLang="en-US" dirty="0">
+              <a:solidFill>
+                <a:schemeClr val="accent2">
+                  <a:lumMod val="60000"/>
+                  <a:lumOff val="40000"/>
+                </a:schemeClr>
+              </a:solidFill>
+            </a:endParaRPr>
+          </a:p>
+        </p:txBody>
+      </p:sp>
+      <p:sp>
+        <p:nvSpPr>
+          <p:cNvPr id="71" name="TextBox 70">
+            <a:extLst>
+              <a:ext uri="{FF2B5EF4-FFF2-40B4-BE49-F238E27FC236}">
+                <a16:creationId xmlns:a16="http://schemas.microsoft.com/office/drawing/2014/main" id="{E3BF654C-F65B-FD40-8BF9-34ADCBCD5472}"/>
+              </a:ext>
+            </a:extLst>
+          </p:cNvPr>
+          <p:cNvSpPr txBox="1"/>
+          <p:nvPr/>
+        </p:nvSpPr>
+        <p:spPr>
+          <a:xfrm>
+            <a:off x="5043633" y="2374944"/>
+            <a:ext cx="532518" cy="369332"/>
+          </a:xfrm>
+          <a:prstGeom prst="rect">
+            <a:avLst/>
+          </a:prstGeom>
+          <a:noFill/>
+        </p:spPr>
+        <p:txBody>
+          <a:bodyPr wrap="none" rtlCol="0">
+            <a:spAutoFit/>
+          </a:bodyPr>
+          <a:lstStyle/>
+          <a:p>
+            <a:r>
+              <a:rPr kumimoji="1" lang="en-US" altLang="ko-KR" dirty="0">
+                <a:solidFill>
+                  <a:schemeClr val="accent2">
+                    <a:lumMod val="60000"/>
+                    <a:lumOff val="40000"/>
+                  </a:schemeClr>
+                </a:solidFill>
+              </a:rPr>
+              <a:t>2-2</a:t>
+            </a:r>
+            <a:endParaRPr kumimoji="1" lang="ko-KR" altLang="en-US" dirty="0">
+              <a:solidFill>
+                <a:schemeClr val="accent2">
+                  <a:lumMod val="60000"/>
+                  <a:lumOff val="40000"/>
+                </a:schemeClr>
+              </a:solidFill>
+            </a:endParaRPr>
+          </a:p>
+        </p:txBody>
+      </p:sp>
+      <p:sp>
+        <p:nvSpPr>
+          <p:cNvPr id="76" name="TextBox 75">
+            <a:extLst>
+              <a:ext uri="{FF2B5EF4-FFF2-40B4-BE49-F238E27FC236}">
+                <a16:creationId xmlns:a16="http://schemas.microsoft.com/office/drawing/2014/main" id="{5CA02DDE-D7E4-7341-BDBB-A55F0FE0CBD3}"/>
+              </a:ext>
+            </a:extLst>
+          </p:cNvPr>
+          <p:cNvSpPr txBox="1"/>
+          <p:nvPr/>
+        </p:nvSpPr>
+        <p:spPr>
+          <a:xfrm>
+            <a:off x="3747168" y="2681717"/>
+            <a:ext cx="1131720" cy="523220"/>
+          </a:xfrm>
+          <a:prstGeom prst="rect">
+            <a:avLst/>
+          </a:prstGeom>
+          <a:noFill/>
+        </p:spPr>
+        <p:txBody>
+          <a:bodyPr wrap="none" rtlCol="0">
+            <a:spAutoFit/>
+          </a:bodyPr>
+          <a:lstStyle/>
+          <a:p>
+            <a:pPr algn="ctr"/>
+            <a:r>
+              <a:rPr kumimoji="1" lang="en-US" altLang="ko-KR" sz="1400" dirty="0"/>
+              <a:t>Arguments</a:t>
+            </a:r>
+          </a:p>
+          <a:p>
+            <a:pPr algn="ctr"/>
+            <a:r>
+              <a:rPr kumimoji="1" lang="en-US" altLang="ko-KR" sz="1400" dirty="0"/>
+              <a:t>(Form data)</a:t>
+            </a:r>
+          </a:p>
+        </p:txBody>
+      </p:sp>
+      <p:sp>
+        <p:nvSpPr>
+          <p:cNvPr id="77" name="TextBox 76">
+            <a:extLst>
+              <a:ext uri="{FF2B5EF4-FFF2-40B4-BE49-F238E27FC236}">
+                <a16:creationId xmlns:a16="http://schemas.microsoft.com/office/drawing/2014/main" id="{2A8502F0-55DB-1941-A045-70A28BCC7AF3}"/>
+              </a:ext>
+            </a:extLst>
+          </p:cNvPr>
+          <p:cNvSpPr txBox="1"/>
+          <p:nvPr/>
+        </p:nvSpPr>
+        <p:spPr>
+          <a:xfrm>
+            <a:off x="5060154" y="2681717"/>
+            <a:ext cx="769763" cy="523220"/>
+          </a:xfrm>
+          <a:prstGeom prst="rect">
+            <a:avLst/>
+          </a:prstGeom>
+          <a:noFill/>
+        </p:spPr>
+        <p:txBody>
+          <a:bodyPr wrap="none" rtlCol="0">
+            <a:spAutoFit/>
+          </a:bodyPr>
+          <a:lstStyle/>
+          <a:p>
+            <a:pPr algn="ctr"/>
+            <a:r>
+              <a:rPr kumimoji="1" lang="en-US" altLang="ko-KR" sz="1400" dirty="0"/>
+              <a:t>Result</a:t>
+            </a:r>
+          </a:p>
+          <a:p>
+            <a:pPr algn="ctr"/>
+            <a:r>
+              <a:rPr kumimoji="1" lang="en-US" altLang="ko-KR" sz="1400" dirty="0"/>
+              <a:t>(Beans)</a:t>
+            </a:r>
+          </a:p>
+        </p:txBody>
+      </p:sp>
+      <p:sp>
+        <p:nvSpPr>
+          <p:cNvPr id="78" name="TextBox 77">
+            <a:extLst>
+              <a:ext uri="{FF2B5EF4-FFF2-40B4-BE49-F238E27FC236}">
+                <a16:creationId xmlns:a16="http://schemas.microsoft.com/office/drawing/2014/main" id="{055368D0-70C1-FC41-A395-4A4026764475}"/>
+              </a:ext>
+            </a:extLst>
+          </p:cNvPr>
+          <p:cNvSpPr txBox="1"/>
+          <p:nvPr/>
+        </p:nvSpPr>
+        <p:spPr>
+          <a:xfrm>
+            <a:off x="4722150" y="4917923"/>
+            <a:ext cx="532518" cy="369332"/>
+          </a:xfrm>
+          <a:prstGeom prst="rect">
+            <a:avLst/>
+          </a:prstGeom>
+          <a:noFill/>
+        </p:spPr>
+        <p:txBody>
+          <a:bodyPr wrap="none" rtlCol="0">
+            <a:spAutoFit/>
+          </a:bodyPr>
+          <a:lstStyle/>
+          <a:p>
+            <a:r>
+              <a:rPr kumimoji="1" lang="en-US" altLang="ko-KR" dirty="0">
+                <a:solidFill>
+                  <a:schemeClr val="accent2">
+                    <a:lumMod val="60000"/>
+                    <a:lumOff val="40000"/>
+                  </a:schemeClr>
+                </a:solidFill>
+              </a:rPr>
+              <a:t>2-3</a:t>
+            </a:r>
+            <a:endParaRPr kumimoji="1" lang="ko-KR" altLang="en-US" dirty="0">
+              <a:solidFill>
+                <a:schemeClr val="accent2">
+                  <a:lumMod val="60000"/>
+                  <a:lumOff val="40000"/>
+                </a:schemeClr>
+              </a:solidFill>
+            </a:endParaRPr>
+          </a:p>
+        </p:txBody>
+      </p:sp>
+      <p:sp>
+        <p:nvSpPr>
+          <p:cNvPr id="79" name="TextBox 78">
+            <a:extLst>
+              <a:ext uri="{FF2B5EF4-FFF2-40B4-BE49-F238E27FC236}">
+                <a16:creationId xmlns:a16="http://schemas.microsoft.com/office/drawing/2014/main" id="{FFCCE73D-0D85-9A43-A634-C24F740889D4}"/>
+              </a:ext>
+            </a:extLst>
+          </p:cNvPr>
+          <p:cNvSpPr txBox="1"/>
+          <p:nvPr/>
+        </p:nvSpPr>
+        <p:spPr>
+          <a:xfrm>
+            <a:off x="3628983" y="4455596"/>
+            <a:ext cx="2629246" cy="523220"/>
+          </a:xfrm>
+          <a:prstGeom prst="rect">
+            <a:avLst/>
+          </a:prstGeom>
+          <a:noFill/>
+        </p:spPr>
+        <p:txBody>
+          <a:bodyPr wrap="none" rtlCol="0">
+            <a:spAutoFit/>
+          </a:bodyPr>
+          <a:lstStyle/>
+          <a:p>
+            <a:pPr algn="ctr"/>
+            <a:r>
+              <a:rPr kumimoji="1" lang="en-US" altLang="ko-KR" sz="1400" dirty="0"/>
+              <a:t>Request</a:t>
+            </a:r>
+            <a:r>
+              <a:rPr kumimoji="1" lang="ko-KR" altLang="en-US" sz="1400" dirty="0"/>
+              <a:t>에 </a:t>
+            </a:r>
+            <a:r>
+              <a:rPr kumimoji="1" lang="en-US" altLang="ko-KR" sz="1400" dirty="0"/>
+              <a:t>Bean</a:t>
+            </a:r>
+            <a:r>
+              <a:rPr kumimoji="1" lang="ko-KR" altLang="en-US" sz="1400" dirty="0"/>
+              <a:t> 저장</a:t>
+            </a:r>
+            <a:endParaRPr kumimoji="1" lang="en-US" altLang="ko-KR" sz="1400" dirty="0"/>
+          </a:p>
+          <a:p>
+            <a:pPr algn="ctr"/>
+            <a:r>
+              <a:rPr kumimoji="1" lang="en-US" altLang="ko-KR" sz="1400" dirty="0"/>
+              <a:t>(Session or application scope)</a:t>
+            </a:r>
+          </a:p>
+        </p:txBody>
+      </p:sp>
+      <p:graphicFrame>
+        <p:nvGraphicFramePr>
+          <p:cNvPr id="13" name="표 12">
+            <a:extLst>
+              <a:ext uri="{FF2B5EF4-FFF2-40B4-BE49-F238E27FC236}">
+                <a16:creationId xmlns:a16="http://schemas.microsoft.com/office/drawing/2014/main" id="{B4E8E8D9-222F-AB40-BFDB-CD501411DB9D}"/>
+              </a:ext>
+            </a:extLst>
+          </p:cNvPr>
+          <p:cNvGraphicFramePr>
+            <a:graphicFrameLocks noGrp="1"/>
+          </p:cNvGraphicFramePr>
+          <p:nvPr>
+            <p:extLst>
+              <p:ext uri="{D42A27DB-BD31-4B8C-83A1-F6EECF244321}">
+                <p14:modId xmlns:p14="http://schemas.microsoft.com/office/powerpoint/2010/main" val="1038486208"/>
+              </p:ext>
+            </p:extLst>
+          </p:nvPr>
+        </p:nvGraphicFramePr>
+        <p:xfrm>
+          <a:off x="7153809" y="3263402"/>
+          <a:ext cx="1324826" cy="1483360"/>
+        </p:xfrm>
+        <a:graphic>
+          <a:graphicData uri="http://schemas.openxmlformats.org/drawingml/2006/table">
+            <a:tbl>
+              <a:tblPr firstRow="1" bandRow="1">
+                <a:tableStyleId>{2D5ABB26-0587-4C30-8999-92F81FD0307C}</a:tableStyleId>
+              </a:tblPr>
+              <a:tblGrid>
+                <a:gridCol w="1324826">
+                  <a:extLst>
+                    <a:ext uri="{9D8B030D-6E8A-4147-A177-3AD203B41FA5}">
+                      <a16:colId xmlns:a16="http://schemas.microsoft.com/office/drawing/2014/main" val="1392866777"/>
+                    </a:ext>
+                  </a:extLst>
+                </a:gridCol>
+              </a:tblGrid>
+              <a:tr h="370840">
+                <a:tc>
+                  <a:txBody>
+                    <a:bodyPr/>
+                    <a:lstStyle/>
+                    <a:p>
+                      <a:pPr latinLnBrk="1"/>
+                      <a:endParaRPr lang="ko-KR" altLang="en-US" dirty="0"/>
+                    </a:p>
+                  </a:txBody>
+                  <a:tcPr>
+                    <a:lnL w="12700" cap="flat" cmpd="sng" algn="ctr">
+                      <a:solidFill>
+                        <a:schemeClr val="tx1"/>
+                      </a:solidFill>
+                      <a:prstDash val="solid"/>
+                      <a:round/>
+                      <a:headEnd type="none" w="med" len="med"/>
+                      <a:tailEnd type="none" w="med" len="med"/>
+                    </a:lnL>
+                    <a:lnR w="12700" cap="flat" cmpd="sng" algn="ctr">
+                      <a:solidFill>
+                        <a:schemeClr val="tx1"/>
+                      </a:solidFill>
+                      <a:prstDash val="solid"/>
+                      <a:round/>
+                      <a:headEnd type="none" w="med" len="med"/>
+                      <a:tailEnd type="none" w="med" len="med"/>
+                    </a:lnR>
+                    <a:lnT w="12700" cap="flat" cmpd="sng" algn="ctr">
+                      <a:solidFill>
+                        <a:schemeClr val="tx1"/>
+                      </a:solidFill>
+                      <a:prstDash val="solid"/>
+                      <a:round/>
+                      <a:headEnd type="none" w="med" len="med"/>
+                      <a:tailEnd type="none" w="med" len="med"/>
+                    </a:lnT>
+                    <a:lnB w="12700" cap="flat" cmpd="sng" algn="ctr">
+                      <a:solidFill>
+                        <a:schemeClr val="tx1"/>
+                      </a:solidFill>
+                      <a:prstDash val="solid"/>
+                      <a:round/>
+                      <a:headEnd type="none" w="med" len="med"/>
+                      <a:tailEnd type="none" w="med" len="med"/>
+                    </a:lnB>
+                  </a:tcPr>
+                </a:tc>
+                <a:extLst>
+                  <a:ext uri="{0D108BD9-81ED-4DB2-BD59-A6C34878D82A}">
+                    <a16:rowId xmlns:a16="http://schemas.microsoft.com/office/drawing/2014/main" val="3689013456"/>
+                  </a:ext>
+                </a:extLst>
+              </a:tr>
+              <a:tr h="370840">
+                <a:tc>
+                  <a:txBody>
+                    <a:bodyPr/>
+                    <a:lstStyle/>
+                    <a:p>
+                      <a:pPr latinLnBrk="1"/>
+                      <a:endParaRPr lang="ko-KR" altLang="en-US" dirty="0"/>
+                    </a:p>
+                  </a:txBody>
+                  <a:tcPr>
+                    <a:lnL w="12700" cap="flat" cmpd="sng" algn="ctr">
+                      <a:solidFill>
+                        <a:schemeClr val="tx1"/>
+                      </a:solidFill>
+                      <a:prstDash val="solid"/>
+                      <a:round/>
+                      <a:headEnd type="none" w="med" len="med"/>
+                      <a:tailEnd type="none" w="med" len="med"/>
+                    </a:lnL>
+                    <a:lnR w="12700" cap="flat" cmpd="sng" algn="ctr">
+                      <a:solidFill>
+                        <a:schemeClr val="tx1"/>
+                      </a:solidFill>
+                      <a:prstDash val="solid"/>
+                      <a:round/>
+                      <a:headEnd type="none" w="med" len="med"/>
+                      <a:tailEnd type="none" w="med" len="med"/>
+                    </a:lnR>
+                    <a:lnT w="12700" cap="flat" cmpd="sng" algn="ctr">
+                      <a:solidFill>
+                        <a:schemeClr val="tx1"/>
+                      </a:solidFill>
+                      <a:prstDash val="solid"/>
+                      <a:round/>
+                      <a:headEnd type="none" w="med" len="med"/>
+                      <a:tailEnd type="none" w="med" len="med"/>
+                    </a:lnT>
+                    <a:lnB w="12700" cap="flat" cmpd="sng" algn="ctr">
+                      <a:solidFill>
+                        <a:schemeClr val="tx1"/>
+                      </a:solidFill>
+                      <a:prstDash val="solid"/>
+                      <a:round/>
+                      <a:headEnd type="none" w="med" len="med"/>
+                      <a:tailEnd type="none" w="med" len="med"/>
+                    </a:lnB>
+                  </a:tcPr>
+                </a:tc>
+                <a:extLst>
+                  <a:ext uri="{0D108BD9-81ED-4DB2-BD59-A6C34878D82A}">
+                    <a16:rowId xmlns:a16="http://schemas.microsoft.com/office/drawing/2014/main" val="2292175513"/>
+                  </a:ext>
+                </a:extLst>
+              </a:tr>
+              <a:tr h="370840">
+                <a:tc>
+                  <a:txBody>
+                    <a:bodyPr/>
+                    <a:lstStyle/>
+                    <a:p>
+                      <a:pPr latinLnBrk="1"/>
+                      <a:endParaRPr lang="ko-KR" altLang="en-US" dirty="0"/>
+                    </a:p>
+                  </a:txBody>
+                  <a:tcPr>
+                    <a:lnL w="12700" cap="flat" cmpd="sng" algn="ctr">
+                      <a:solidFill>
+                        <a:schemeClr val="tx1"/>
+                      </a:solidFill>
+                      <a:prstDash val="solid"/>
+                      <a:round/>
+                      <a:headEnd type="none" w="med" len="med"/>
+                      <a:tailEnd type="none" w="med" len="med"/>
+                    </a:lnL>
+                    <a:lnR w="12700" cap="flat" cmpd="sng" algn="ctr">
+                      <a:solidFill>
+                        <a:schemeClr val="tx1"/>
+                      </a:solidFill>
+                      <a:prstDash val="solid"/>
+                      <a:round/>
+                      <a:headEnd type="none" w="med" len="med"/>
+                      <a:tailEnd type="none" w="med" len="med"/>
+                    </a:lnR>
+                    <a:lnT w="12700" cap="flat" cmpd="sng" algn="ctr">
+                      <a:solidFill>
+                        <a:schemeClr val="tx1"/>
+                      </a:solidFill>
+                      <a:prstDash val="solid"/>
+                      <a:round/>
+                      <a:headEnd type="none" w="med" len="med"/>
+                      <a:tailEnd type="none" w="med" len="med"/>
+                    </a:lnT>
+                    <a:lnB w="12700" cap="flat" cmpd="sng" algn="ctr">
+                      <a:solidFill>
+                        <a:schemeClr val="tx1"/>
+                      </a:solidFill>
+                      <a:prstDash val="solid"/>
+                      <a:round/>
+                      <a:headEnd type="none" w="med" len="med"/>
+                      <a:tailEnd type="none" w="med" len="med"/>
+                    </a:lnB>
+                  </a:tcPr>
+                </a:tc>
+                <a:extLst>
+                  <a:ext uri="{0D108BD9-81ED-4DB2-BD59-A6C34878D82A}">
+                    <a16:rowId xmlns:a16="http://schemas.microsoft.com/office/drawing/2014/main" val="2084075255"/>
+                  </a:ext>
+                </a:extLst>
+              </a:tr>
+              <a:tr h="370840">
+                <a:tc>
+                  <a:txBody>
+                    <a:bodyPr/>
+                    <a:lstStyle/>
+                    <a:p>
+                      <a:pPr algn="ctr" latinLnBrk="1"/>
+                      <a:r>
+                        <a:rPr lang="en-US" altLang="ko-KR" dirty="0"/>
+                        <a:t>…</a:t>
+                      </a:r>
+                      <a:endParaRPr lang="ko-KR" altLang="en-US" dirty="0"/>
+                    </a:p>
+                  </a:txBody>
+                  <a:tcPr>
+                    <a:lnL w="12700" cap="flat" cmpd="sng" algn="ctr">
+                      <a:solidFill>
+                        <a:schemeClr val="tx1"/>
+                      </a:solidFill>
+                      <a:prstDash val="solid"/>
+                      <a:round/>
+                      <a:headEnd type="none" w="med" len="med"/>
+                      <a:tailEnd type="none" w="med" len="med"/>
+                    </a:lnL>
+                    <a:lnR w="12700" cap="flat" cmpd="sng" algn="ctr">
+                      <a:solidFill>
+                        <a:schemeClr val="tx1"/>
+                      </a:solidFill>
+                      <a:prstDash val="solid"/>
+                      <a:round/>
+                      <a:headEnd type="none" w="med" len="med"/>
+                      <a:tailEnd type="none" w="med" len="med"/>
+                    </a:lnR>
+                    <a:lnT w="12700" cap="flat" cmpd="sng" algn="ctr">
+                      <a:solidFill>
+                        <a:schemeClr val="tx1"/>
+                      </a:solidFill>
+                      <a:prstDash val="solid"/>
+                      <a:round/>
+                      <a:headEnd type="none" w="med" len="med"/>
+                      <a:tailEnd type="none" w="med" len="med"/>
+                    </a:lnT>
+                    <a:lnB w="12700" cap="flat" cmpd="sng" algn="ctr">
+                      <a:solidFill>
+                        <a:schemeClr val="tx1"/>
+                      </a:solidFill>
+                      <a:prstDash val="solid"/>
+                      <a:round/>
+                      <a:headEnd type="none" w="med" len="med"/>
+                      <a:tailEnd type="none" w="med" len="med"/>
+                    </a:lnB>
+                  </a:tcPr>
+                </a:tc>
+                <a:extLst>
+                  <a:ext uri="{0D108BD9-81ED-4DB2-BD59-A6C34878D82A}">
+                    <a16:rowId xmlns:a16="http://schemas.microsoft.com/office/drawing/2014/main" val="2271223307"/>
+                  </a:ext>
+                </a:extLst>
+              </a:tr>
+            </a:tbl>
+          </a:graphicData>
+        </a:graphic>
+      </p:graphicFrame>
+      <p:sp>
+        <p:nvSpPr>
+          <p:cNvPr id="80" name="TextBox 79">
+            <a:extLst>
+              <a:ext uri="{FF2B5EF4-FFF2-40B4-BE49-F238E27FC236}">
+                <a16:creationId xmlns:a16="http://schemas.microsoft.com/office/drawing/2014/main" id="{9C1400B7-53B4-124B-B15E-15C85A4D8558}"/>
+              </a:ext>
+            </a:extLst>
+          </p:cNvPr>
+          <p:cNvSpPr txBox="1"/>
+          <p:nvPr/>
+        </p:nvSpPr>
+        <p:spPr>
+          <a:xfrm>
+            <a:off x="7257703" y="2797403"/>
+            <a:ext cx="1117037" cy="369332"/>
+          </a:xfrm>
+          <a:prstGeom prst="rect">
+            <a:avLst/>
+          </a:prstGeom>
+          <a:noFill/>
+        </p:spPr>
+        <p:txBody>
+          <a:bodyPr wrap="none" rtlCol="0">
+            <a:spAutoFit/>
+          </a:bodyPr>
+          <a:lstStyle/>
+          <a:p>
+            <a:pPr algn="ctr"/>
+            <a:r>
+              <a:rPr kumimoji="1" lang="en-US" altLang="ko-KR" dirty="0"/>
+              <a:t>Requests</a:t>
+            </a:r>
+          </a:p>
+        </p:txBody>
+      </p:sp>
+      <p:sp>
+        <p:nvSpPr>
+          <p:cNvPr id="14" name="타원 13">
+            <a:extLst>
+              <a:ext uri="{FF2B5EF4-FFF2-40B4-BE49-F238E27FC236}">
+                <a16:creationId xmlns:a16="http://schemas.microsoft.com/office/drawing/2014/main" id="{83C65451-45F4-8A40-BE80-F71F703544DA}"/>
+              </a:ext>
+            </a:extLst>
+          </p:cNvPr>
+          <p:cNvSpPr/>
+          <p:nvPr/>
+        </p:nvSpPr>
+        <p:spPr>
+          <a:xfrm>
+            <a:off x="7678435" y="3319598"/>
+            <a:ext cx="276091" cy="262170"/>
+          </a:xfrm>
+          <a:prstGeom prst="ellipse">
+            <a:avLst/>
+          </a:prstGeom>
+        </p:spPr>
+        <p:style>
+          <a:lnRef idx="2">
+            <a:schemeClr val="accent1">
+              <a:shade val="50000"/>
+            </a:schemeClr>
+          </a:lnRef>
+          <a:fillRef idx="1">
+            <a:schemeClr val="accent1"/>
+          </a:fillRef>
+          <a:effectRef idx="0">
+            <a:schemeClr val="accent1"/>
+          </a:effectRef>
+          <a:fontRef idx="minor">
+            <a:schemeClr val="lt1"/>
+          </a:fontRef>
+        </p:style>
+        <p:txBody>
+          <a:bodyPr rtlCol="0" anchor="ctr"/>
+          <a:lstStyle/>
+          <a:p>
+            <a:pPr algn="ctr"/>
+            <a:endParaRPr kumimoji="1" lang="ko-KR" altLang="en-US"/>
+          </a:p>
+        </p:txBody>
+      </p:sp>
+      <p:sp>
+        <p:nvSpPr>
+          <p:cNvPr id="81" name="타원 80">
+            <a:extLst>
+              <a:ext uri="{FF2B5EF4-FFF2-40B4-BE49-F238E27FC236}">
+                <a16:creationId xmlns:a16="http://schemas.microsoft.com/office/drawing/2014/main" id="{70190315-FDE9-8940-AE24-31AB2DE23381}"/>
+              </a:ext>
+            </a:extLst>
+          </p:cNvPr>
+          <p:cNvSpPr/>
+          <p:nvPr/>
+        </p:nvSpPr>
+        <p:spPr>
+          <a:xfrm>
+            <a:off x="7678435" y="3685001"/>
+            <a:ext cx="276091" cy="262170"/>
+          </a:xfrm>
+          <a:prstGeom prst="ellipse">
+            <a:avLst/>
+          </a:prstGeom>
+        </p:spPr>
+        <p:style>
+          <a:lnRef idx="2">
+            <a:schemeClr val="accent1">
+              <a:shade val="50000"/>
+            </a:schemeClr>
+          </a:lnRef>
+          <a:fillRef idx="1">
+            <a:schemeClr val="accent1"/>
+          </a:fillRef>
+          <a:effectRef idx="0">
+            <a:schemeClr val="accent1"/>
+          </a:effectRef>
+          <a:fontRef idx="minor">
+            <a:schemeClr val="lt1"/>
+          </a:fontRef>
+        </p:style>
+        <p:txBody>
+          <a:bodyPr rtlCol="0" anchor="ctr"/>
+          <a:lstStyle/>
+          <a:p>
+            <a:pPr algn="ctr"/>
+            <a:endParaRPr kumimoji="1" lang="ko-KR" altLang="en-US"/>
+          </a:p>
+        </p:txBody>
+      </p:sp>
+      <p:sp>
+        <p:nvSpPr>
+          <p:cNvPr id="82" name="타원 81">
+            <a:extLst>
+              <a:ext uri="{FF2B5EF4-FFF2-40B4-BE49-F238E27FC236}">
+                <a16:creationId xmlns:a16="http://schemas.microsoft.com/office/drawing/2014/main" id="{82732CD8-6A4B-D34D-ABED-BC46B1325C00}"/>
+              </a:ext>
+            </a:extLst>
+          </p:cNvPr>
+          <p:cNvSpPr/>
+          <p:nvPr/>
+        </p:nvSpPr>
+        <p:spPr>
+          <a:xfrm>
+            <a:off x="7678435" y="4064578"/>
+            <a:ext cx="276091" cy="262170"/>
+          </a:xfrm>
+          <a:prstGeom prst="ellipse">
+            <a:avLst/>
+          </a:prstGeom>
+        </p:spPr>
+        <p:style>
+          <a:lnRef idx="2">
+            <a:schemeClr val="accent1">
+              <a:shade val="50000"/>
+            </a:schemeClr>
+          </a:lnRef>
+          <a:fillRef idx="1">
+            <a:schemeClr val="accent1"/>
+          </a:fillRef>
+          <a:effectRef idx="0">
+            <a:schemeClr val="accent1"/>
+          </a:effectRef>
+          <a:fontRef idx="minor">
+            <a:schemeClr val="lt1"/>
+          </a:fontRef>
+        </p:style>
+        <p:txBody>
+          <a:bodyPr rtlCol="0" anchor="ctr"/>
+          <a:lstStyle/>
+          <a:p>
+            <a:pPr algn="ctr"/>
+            <a:endParaRPr kumimoji="1" lang="ko-KR" altLang="en-US"/>
+          </a:p>
+        </p:txBody>
+      </p:sp>
+      <p:cxnSp>
+        <p:nvCxnSpPr>
+          <p:cNvPr id="16" name="직선 화살표 연결선 15">
+            <a:extLst>
+              <a:ext uri="{FF2B5EF4-FFF2-40B4-BE49-F238E27FC236}">
+                <a16:creationId xmlns:a16="http://schemas.microsoft.com/office/drawing/2014/main" id="{6E841DB0-A090-A447-A26E-CA72608064C0}"/>
+              </a:ext>
+            </a:extLst>
+          </p:cNvPr>
+          <p:cNvCxnSpPr>
+            <a:cxnSpLocks/>
+          </p:cNvCxnSpPr>
+          <p:nvPr/>
+        </p:nvCxnSpPr>
+        <p:spPr>
+          <a:xfrm flipV="1">
+            <a:off x="7977055" y="2931091"/>
+            <a:ext cx="737374" cy="453978"/>
+          </a:xfrm>
+          <a:prstGeom prst="straightConnector1">
+            <a:avLst/>
+          </a:prstGeom>
+          <a:ln>
+            <a:tailEnd type="triangle"/>
+          </a:ln>
+        </p:spPr>
+        <p:style>
+          <a:lnRef idx="1">
+            <a:schemeClr val="accent1"/>
+          </a:lnRef>
+          <a:fillRef idx="0">
+            <a:schemeClr val="accent1"/>
+          </a:fillRef>
+          <a:effectRef idx="0">
+            <a:schemeClr val="accent1"/>
+          </a:effectRef>
+          <a:fontRef idx="minor">
+            <a:schemeClr val="tx1"/>
+          </a:fontRef>
+        </p:style>
+      </p:cxnSp>
+      <p:sp>
+        <p:nvSpPr>
+          <p:cNvPr id="84" name="TextBox 83">
+            <a:extLst>
+              <a:ext uri="{FF2B5EF4-FFF2-40B4-BE49-F238E27FC236}">
+                <a16:creationId xmlns:a16="http://schemas.microsoft.com/office/drawing/2014/main" id="{F06CD2D2-09A1-064B-A432-EF4D6ABDF1D6}"/>
+              </a:ext>
+            </a:extLst>
+          </p:cNvPr>
+          <p:cNvSpPr txBox="1"/>
+          <p:nvPr/>
+        </p:nvSpPr>
+        <p:spPr>
+          <a:xfrm>
+            <a:off x="8691025" y="2777201"/>
+            <a:ext cx="660758" cy="307777"/>
+          </a:xfrm>
+          <a:prstGeom prst="rect">
+            <a:avLst/>
+          </a:prstGeom>
+          <a:noFill/>
+        </p:spPr>
+        <p:txBody>
+          <a:bodyPr wrap="none" rtlCol="0">
+            <a:spAutoFit/>
+          </a:bodyPr>
+          <a:lstStyle/>
+          <a:p>
+            <a:pPr algn="ctr"/>
+            <a:r>
+              <a:rPr kumimoji="1" lang="en-US" altLang="ko-KR" sz="1400" dirty="0"/>
+              <a:t>Beans</a:t>
+            </a:r>
+          </a:p>
+        </p:txBody>
+      </p:sp>
+      <p:cxnSp>
+        <p:nvCxnSpPr>
+          <p:cNvPr id="85" name="직선 화살표 연결선 84">
+            <a:extLst>
+              <a:ext uri="{FF2B5EF4-FFF2-40B4-BE49-F238E27FC236}">
+                <a16:creationId xmlns:a16="http://schemas.microsoft.com/office/drawing/2014/main" id="{811E2BA4-4DF1-6642-A4B3-2D707B32A4D1}"/>
+              </a:ext>
+            </a:extLst>
+          </p:cNvPr>
+          <p:cNvCxnSpPr>
+            <a:cxnSpLocks/>
+          </p:cNvCxnSpPr>
+          <p:nvPr/>
+        </p:nvCxnSpPr>
+        <p:spPr>
+          <a:xfrm>
+            <a:off x="5829925" y="3992878"/>
+            <a:ext cx="1184650" cy="0"/>
+          </a:xfrm>
+          <a:prstGeom prst="straightConnector1">
+            <a:avLst/>
+          </a:prstGeom>
+          <a:ln>
+            <a:tailEnd type="triangle"/>
+          </a:ln>
+        </p:spPr>
+        <p:style>
+          <a:lnRef idx="1">
+            <a:schemeClr val="accent1"/>
+          </a:lnRef>
+          <a:fillRef idx="0">
+            <a:schemeClr val="accent1"/>
+          </a:fillRef>
+          <a:effectRef idx="0">
+            <a:schemeClr val="accent1"/>
+          </a:effectRef>
+          <a:fontRef idx="minor">
+            <a:schemeClr val="tx1"/>
+          </a:fontRef>
+        </p:style>
+      </p:cxnSp>
+      <p:sp>
+        <p:nvSpPr>
+          <p:cNvPr id="86" name="TextBox 85">
+            <a:extLst>
+              <a:ext uri="{FF2B5EF4-FFF2-40B4-BE49-F238E27FC236}">
+                <a16:creationId xmlns:a16="http://schemas.microsoft.com/office/drawing/2014/main" id="{25FBE43A-5416-1F4C-A2DB-D82406678970}"/>
+              </a:ext>
+            </a:extLst>
+          </p:cNvPr>
+          <p:cNvSpPr txBox="1"/>
+          <p:nvPr/>
+        </p:nvSpPr>
+        <p:spPr>
+          <a:xfrm>
+            <a:off x="6246263" y="3662198"/>
+            <a:ext cx="311304" cy="369332"/>
+          </a:xfrm>
+          <a:prstGeom prst="rect">
+            <a:avLst/>
+          </a:prstGeom>
+          <a:noFill/>
+        </p:spPr>
+        <p:txBody>
+          <a:bodyPr wrap="none" rtlCol="0">
+            <a:spAutoFit/>
+          </a:bodyPr>
+          <a:lstStyle/>
+          <a:p>
+            <a:r>
+              <a:rPr kumimoji="1" lang="en-US" altLang="ko-KR" dirty="0">
+                <a:solidFill>
+                  <a:schemeClr val="accent2">
+                    <a:lumMod val="60000"/>
+                    <a:lumOff val="40000"/>
+                  </a:schemeClr>
+                </a:solidFill>
+              </a:rPr>
+              <a:t>3</a:t>
+            </a:r>
+            <a:endParaRPr kumimoji="1" lang="ko-KR" altLang="en-US" dirty="0">
+              <a:solidFill>
+                <a:schemeClr val="accent2">
+                  <a:lumMod val="60000"/>
+                  <a:lumOff val="40000"/>
+                </a:schemeClr>
+              </a:solidFill>
+            </a:endParaRPr>
+          </a:p>
+        </p:txBody>
+      </p:sp>
+      <p:graphicFrame>
+        <p:nvGraphicFramePr>
+          <p:cNvPr id="88" name="표 87">
+            <a:extLst>
+              <a:ext uri="{FF2B5EF4-FFF2-40B4-BE49-F238E27FC236}">
+                <a16:creationId xmlns:a16="http://schemas.microsoft.com/office/drawing/2014/main" id="{6256BADF-026E-A142-A6E0-CE69B07F546B}"/>
+              </a:ext>
+            </a:extLst>
+          </p:cNvPr>
+          <p:cNvGraphicFramePr>
+            <a:graphicFrameLocks noGrp="1"/>
+          </p:cNvGraphicFramePr>
+          <p:nvPr>
+            <p:extLst>
+              <p:ext uri="{D42A27DB-BD31-4B8C-83A1-F6EECF244321}">
+                <p14:modId xmlns:p14="http://schemas.microsoft.com/office/powerpoint/2010/main" val="1658126012"/>
+              </p:ext>
+            </p:extLst>
+          </p:nvPr>
+        </p:nvGraphicFramePr>
+        <p:xfrm>
+          <a:off x="10007758" y="3251198"/>
+          <a:ext cx="1324826" cy="1483360"/>
+        </p:xfrm>
+        <a:graphic>
+          <a:graphicData uri="http://schemas.openxmlformats.org/drawingml/2006/table">
+            <a:tbl>
+              <a:tblPr firstRow="1" bandRow="1">
+                <a:tableStyleId>{2D5ABB26-0587-4C30-8999-92F81FD0307C}</a:tableStyleId>
+              </a:tblPr>
+              <a:tblGrid>
+                <a:gridCol w="1324826">
+                  <a:extLst>
+                    <a:ext uri="{9D8B030D-6E8A-4147-A177-3AD203B41FA5}">
+                      <a16:colId xmlns:a16="http://schemas.microsoft.com/office/drawing/2014/main" val="1392866777"/>
+                    </a:ext>
+                  </a:extLst>
+                </a:gridCol>
+              </a:tblGrid>
+              <a:tr h="370840">
+                <a:tc>
+                  <a:txBody>
+                    <a:bodyPr/>
+                    <a:lstStyle/>
+                    <a:p>
+                      <a:pPr algn="ctr" latinLnBrk="1"/>
+                      <a:r>
+                        <a:rPr lang="en-US" altLang="ko-KR" dirty="0"/>
+                        <a:t>JSP1</a:t>
+                      </a:r>
+                      <a:endParaRPr lang="ko-KR" altLang="en-US" dirty="0"/>
+                    </a:p>
+                  </a:txBody>
+                  <a:tcPr>
+                    <a:lnL w="12700" cap="flat" cmpd="sng" algn="ctr">
+                      <a:solidFill>
+                        <a:schemeClr val="tx1"/>
+                      </a:solidFill>
+                      <a:prstDash val="solid"/>
+                      <a:round/>
+                      <a:headEnd type="none" w="med" len="med"/>
+                      <a:tailEnd type="none" w="med" len="med"/>
+                    </a:lnL>
+                    <a:lnR w="12700" cap="flat" cmpd="sng" algn="ctr">
+                      <a:solidFill>
+                        <a:schemeClr val="tx1"/>
+                      </a:solidFill>
+                      <a:prstDash val="solid"/>
+                      <a:round/>
+                      <a:headEnd type="none" w="med" len="med"/>
+                      <a:tailEnd type="none" w="med" len="med"/>
+                    </a:lnR>
+                    <a:lnT w="12700" cap="flat" cmpd="sng" algn="ctr">
+                      <a:solidFill>
+                        <a:schemeClr val="tx1"/>
+                      </a:solidFill>
+                      <a:prstDash val="solid"/>
+                      <a:round/>
+                      <a:headEnd type="none" w="med" len="med"/>
+                      <a:tailEnd type="none" w="med" len="med"/>
+                    </a:lnT>
+                    <a:lnB w="12700" cap="flat" cmpd="sng" algn="ctr">
+                      <a:solidFill>
+                        <a:schemeClr val="tx1"/>
+                      </a:solidFill>
+                      <a:prstDash val="solid"/>
+                      <a:round/>
+                      <a:headEnd type="none" w="med" len="med"/>
+                      <a:tailEnd type="none" w="med" len="med"/>
+                    </a:lnB>
+                  </a:tcPr>
+                </a:tc>
+                <a:extLst>
+                  <a:ext uri="{0D108BD9-81ED-4DB2-BD59-A6C34878D82A}">
+                    <a16:rowId xmlns:a16="http://schemas.microsoft.com/office/drawing/2014/main" val="3689013456"/>
+                  </a:ext>
+                </a:extLst>
+              </a:tr>
+              <a:tr h="370840">
+                <a:tc>
+                  <a:txBody>
+                    <a:bodyPr/>
+                    <a:lstStyle/>
+                    <a:p>
+                      <a:pPr algn="ctr" latinLnBrk="1"/>
+                      <a:r>
+                        <a:rPr lang="en-US" altLang="ko-KR" dirty="0"/>
+                        <a:t>JSP2</a:t>
+                      </a:r>
+                      <a:endParaRPr lang="ko-KR" altLang="en-US" dirty="0"/>
+                    </a:p>
+                  </a:txBody>
+                  <a:tcPr>
+                    <a:lnL w="12700" cap="flat" cmpd="sng" algn="ctr">
+                      <a:solidFill>
+                        <a:schemeClr val="tx1"/>
+                      </a:solidFill>
+                      <a:prstDash val="solid"/>
+                      <a:round/>
+                      <a:headEnd type="none" w="med" len="med"/>
+                      <a:tailEnd type="none" w="med" len="med"/>
+                    </a:lnL>
+                    <a:lnR w="12700" cap="flat" cmpd="sng" algn="ctr">
+                      <a:solidFill>
+                        <a:schemeClr val="tx1"/>
+                      </a:solidFill>
+                      <a:prstDash val="solid"/>
+                      <a:round/>
+                      <a:headEnd type="none" w="med" len="med"/>
+                      <a:tailEnd type="none" w="med" len="med"/>
+                    </a:lnR>
+                    <a:lnT w="12700" cap="flat" cmpd="sng" algn="ctr">
+                      <a:solidFill>
+                        <a:schemeClr val="tx1"/>
+                      </a:solidFill>
+                      <a:prstDash val="solid"/>
+                      <a:round/>
+                      <a:headEnd type="none" w="med" len="med"/>
+                      <a:tailEnd type="none" w="med" len="med"/>
+                    </a:lnT>
+                    <a:lnB w="12700" cap="flat" cmpd="sng" algn="ctr">
+                      <a:solidFill>
+                        <a:schemeClr val="tx1"/>
+                      </a:solidFill>
+                      <a:prstDash val="solid"/>
+                      <a:round/>
+                      <a:headEnd type="none" w="med" len="med"/>
+                      <a:tailEnd type="none" w="med" len="med"/>
+                    </a:lnB>
+                  </a:tcPr>
+                </a:tc>
+                <a:extLst>
+                  <a:ext uri="{0D108BD9-81ED-4DB2-BD59-A6C34878D82A}">
+                    <a16:rowId xmlns:a16="http://schemas.microsoft.com/office/drawing/2014/main" val="2292175513"/>
+                  </a:ext>
+                </a:extLst>
+              </a:tr>
+              <a:tr h="370840">
+                <a:tc>
+                  <a:txBody>
+                    <a:bodyPr/>
+                    <a:lstStyle/>
+                    <a:p>
+                      <a:pPr algn="ctr" latinLnBrk="1"/>
+                      <a:r>
+                        <a:rPr lang="en-US" altLang="ko-KR" dirty="0"/>
+                        <a:t>JSP3</a:t>
+                      </a:r>
+                      <a:endParaRPr lang="ko-KR" altLang="en-US" dirty="0"/>
+                    </a:p>
+                  </a:txBody>
+                  <a:tcPr>
+                    <a:lnL w="12700" cap="flat" cmpd="sng" algn="ctr">
+                      <a:solidFill>
+                        <a:schemeClr val="tx1"/>
+                      </a:solidFill>
+                      <a:prstDash val="solid"/>
+                      <a:round/>
+                      <a:headEnd type="none" w="med" len="med"/>
+                      <a:tailEnd type="none" w="med" len="med"/>
+                    </a:lnL>
+                    <a:lnR w="12700" cap="flat" cmpd="sng" algn="ctr">
+                      <a:solidFill>
+                        <a:schemeClr val="tx1"/>
+                      </a:solidFill>
+                      <a:prstDash val="solid"/>
+                      <a:round/>
+                      <a:headEnd type="none" w="med" len="med"/>
+                      <a:tailEnd type="none" w="med" len="med"/>
+                    </a:lnR>
+                    <a:lnT w="12700" cap="flat" cmpd="sng" algn="ctr">
+                      <a:solidFill>
+                        <a:schemeClr val="tx1"/>
+                      </a:solidFill>
+                      <a:prstDash val="solid"/>
+                      <a:round/>
+                      <a:headEnd type="none" w="med" len="med"/>
+                      <a:tailEnd type="none" w="med" len="med"/>
+                    </a:lnT>
+                    <a:lnB w="12700" cap="flat" cmpd="sng" algn="ctr">
+                      <a:solidFill>
+                        <a:schemeClr val="tx1"/>
+                      </a:solidFill>
+                      <a:prstDash val="solid"/>
+                      <a:round/>
+                      <a:headEnd type="none" w="med" len="med"/>
+                      <a:tailEnd type="none" w="med" len="med"/>
+                    </a:lnB>
+                  </a:tcPr>
+                </a:tc>
+                <a:extLst>
+                  <a:ext uri="{0D108BD9-81ED-4DB2-BD59-A6C34878D82A}">
+                    <a16:rowId xmlns:a16="http://schemas.microsoft.com/office/drawing/2014/main" val="2084075255"/>
+                  </a:ext>
+                </a:extLst>
+              </a:tr>
+              <a:tr h="370840">
+                <a:tc>
+                  <a:txBody>
+                    <a:bodyPr/>
+                    <a:lstStyle/>
+                    <a:p>
+                      <a:pPr algn="ctr" latinLnBrk="1"/>
+                      <a:r>
+                        <a:rPr lang="en-US" altLang="ko-KR" dirty="0"/>
+                        <a:t>…</a:t>
+                      </a:r>
+                      <a:endParaRPr lang="ko-KR" altLang="en-US" dirty="0"/>
+                    </a:p>
+                  </a:txBody>
+                  <a:tcPr>
+                    <a:lnL w="12700" cap="flat" cmpd="sng" algn="ctr">
+                      <a:solidFill>
+                        <a:schemeClr val="tx1"/>
+                      </a:solidFill>
+                      <a:prstDash val="solid"/>
+                      <a:round/>
+                      <a:headEnd type="none" w="med" len="med"/>
+                      <a:tailEnd type="none" w="med" len="med"/>
+                    </a:lnL>
+                    <a:lnR w="12700" cap="flat" cmpd="sng" algn="ctr">
+                      <a:solidFill>
+                        <a:schemeClr val="tx1"/>
+                      </a:solidFill>
+                      <a:prstDash val="solid"/>
+                      <a:round/>
+                      <a:headEnd type="none" w="med" len="med"/>
+                      <a:tailEnd type="none" w="med" len="med"/>
+                    </a:lnR>
+                    <a:lnT w="12700" cap="flat" cmpd="sng" algn="ctr">
+                      <a:solidFill>
+                        <a:schemeClr val="tx1"/>
+                      </a:solidFill>
+                      <a:prstDash val="solid"/>
+                      <a:round/>
+                      <a:headEnd type="none" w="med" len="med"/>
+                      <a:tailEnd type="none" w="med" len="med"/>
+                    </a:lnT>
+                    <a:lnB w="12700" cap="flat" cmpd="sng" algn="ctr">
+                      <a:solidFill>
+                        <a:schemeClr val="tx1"/>
+                      </a:solidFill>
+                      <a:prstDash val="solid"/>
+                      <a:round/>
+                      <a:headEnd type="none" w="med" len="med"/>
+                      <a:tailEnd type="none" w="med" len="med"/>
+                    </a:lnB>
+                  </a:tcPr>
+                </a:tc>
+                <a:extLst>
+                  <a:ext uri="{0D108BD9-81ED-4DB2-BD59-A6C34878D82A}">
+                    <a16:rowId xmlns:a16="http://schemas.microsoft.com/office/drawing/2014/main" val="2271223307"/>
+                  </a:ext>
+                </a:extLst>
+              </a:tr>
+            </a:tbl>
+          </a:graphicData>
+        </a:graphic>
+      </p:graphicFrame>
+      <p:cxnSp>
+        <p:nvCxnSpPr>
+          <p:cNvPr id="90" name="직선 화살표 연결선 89">
+            <a:extLst>
+              <a:ext uri="{FF2B5EF4-FFF2-40B4-BE49-F238E27FC236}">
+                <a16:creationId xmlns:a16="http://schemas.microsoft.com/office/drawing/2014/main" id="{62C9BB83-D3AE-1E46-8BDC-5E03814CEF96}"/>
+              </a:ext>
+            </a:extLst>
+          </p:cNvPr>
+          <p:cNvCxnSpPr>
+            <a:cxnSpLocks/>
+          </p:cNvCxnSpPr>
+          <p:nvPr/>
+        </p:nvCxnSpPr>
+        <p:spPr>
+          <a:xfrm>
+            <a:off x="8612079" y="3991804"/>
+            <a:ext cx="1184650" cy="0"/>
+          </a:xfrm>
+          <a:prstGeom prst="straightConnector1">
+            <a:avLst/>
+          </a:prstGeom>
+          <a:ln>
+            <a:tailEnd type="triangle"/>
+          </a:ln>
+        </p:spPr>
+        <p:style>
+          <a:lnRef idx="1">
+            <a:schemeClr val="accent1"/>
+          </a:lnRef>
+          <a:fillRef idx="0">
+            <a:schemeClr val="accent1"/>
+          </a:fillRef>
+          <a:effectRef idx="0">
+            <a:schemeClr val="accent1"/>
+          </a:effectRef>
+          <a:fontRef idx="minor">
+            <a:schemeClr val="tx1"/>
+          </a:fontRef>
+        </p:style>
+      </p:cxnSp>
+      <p:sp>
+        <p:nvSpPr>
+          <p:cNvPr id="92" name="TextBox 91">
+            <a:extLst>
+              <a:ext uri="{FF2B5EF4-FFF2-40B4-BE49-F238E27FC236}">
+                <a16:creationId xmlns:a16="http://schemas.microsoft.com/office/drawing/2014/main" id="{111FB3C7-E7DE-8240-AC20-D61B9B404400}"/>
+              </a:ext>
+            </a:extLst>
+          </p:cNvPr>
+          <p:cNvSpPr txBox="1"/>
+          <p:nvPr/>
+        </p:nvSpPr>
+        <p:spPr>
+          <a:xfrm>
+            <a:off x="9055102" y="3407280"/>
+            <a:ext cx="311304" cy="369332"/>
+          </a:xfrm>
+          <a:prstGeom prst="rect">
+            <a:avLst/>
+          </a:prstGeom>
+          <a:noFill/>
+        </p:spPr>
+        <p:txBody>
+          <a:bodyPr wrap="none" rtlCol="0">
+            <a:spAutoFit/>
+          </a:bodyPr>
+          <a:lstStyle/>
+          <a:p>
+            <a:r>
+              <a:rPr kumimoji="1" lang="en-US" altLang="ko-KR" dirty="0">
+                <a:solidFill>
+                  <a:schemeClr val="accent2">
+                    <a:lumMod val="60000"/>
+                    <a:lumOff val="40000"/>
+                  </a:schemeClr>
+                </a:solidFill>
+              </a:rPr>
+              <a:t>4</a:t>
+            </a:r>
+            <a:endParaRPr kumimoji="1" lang="ko-KR" altLang="en-US" dirty="0">
+              <a:solidFill>
+                <a:schemeClr val="accent2">
+                  <a:lumMod val="60000"/>
+                  <a:lumOff val="40000"/>
+                </a:schemeClr>
+              </a:solidFill>
+            </a:endParaRPr>
+          </a:p>
+        </p:txBody>
+      </p:sp>
+      <p:sp>
+        <p:nvSpPr>
+          <p:cNvPr id="93" name="TextBox 92">
+            <a:extLst>
+              <a:ext uri="{FF2B5EF4-FFF2-40B4-BE49-F238E27FC236}">
+                <a16:creationId xmlns:a16="http://schemas.microsoft.com/office/drawing/2014/main" id="{037FBA78-D2E7-D24E-96BF-894CD33EE442}"/>
+              </a:ext>
+            </a:extLst>
+          </p:cNvPr>
+          <p:cNvSpPr txBox="1"/>
+          <p:nvPr/>
+        </p:nvSpPr>
+        <p:spPr>
+          <a:xfrm>
+            <a:off x="8657249" y="3687534"/>
+            <a:ext cx="1103635" cy="307777"/>
+          </a:xfrm>
+          <a:prstGeom prst="rect">
+            <a:avLst/>
+          </a:prstGeom>
+          <a:noFill/>
+        </p:spPr>
+        <p:txBody>
+          <a:bodyPr wrap="none" rtlCol="0">
+            <a:spAutoFit/>
+          </a:bodyPr>
+          <a:lstStyle/>
+          <a:p>
+            <a:r>
+              <a:rPr kumimoji="1" lang="en-US" altLang="ko-KR" sz="1400" dirty="0"/>
+              <a:t>Forwarding</a:t>
+            </a:r>
+            <a:endParaRPr kumimoji="1" lang="ko-KR" altLang="en-US" sz="1400" dirty="0"/>
+          </a:p>
+        </p:txBody>
+      </p:sp>
+      <p:sp>
+        <p:nvSpPr>
+          <p:cNvPr id="94" name="TextBox 93">
+            <a:extLst>
+              <a:ext uri="{FF2B5EF4-FFF2-40B4-BE49-F238E27FC236}">
+                <a16:creationId xmlns:a16="http://schemas.microsoft.com/office/drawing/2014/main" id="{438E0B22-2AC9-2D40-8F1A-FFD3F42D1D04}"/>
+              </a:ext>
+            </a:extLst>
+          </p:cNvPr>
+          <p:cNvSpPr txBox="1"/>
+          <p:nvPr/>
+        </p:nvSpPr>
+        <p:spPr>
+          <a:xfrm>
+            <a:off x="9527871" y="4775413"/>
+            <a:ext cx="2284600" cy="523220"/>
+          </a:xfrm>
+          <a:prstGeom prst="rect">
+            <a:avLst/>
+          </a:prstGeom>
+          <a:noFill/>
+        </p:spPr>
+        <p:txBody>
+          <a:bodyPr wrap="none" rtlCol="0">
+            <a:spAutoFit/>
+          </a:bodyPr>
+          <a:lstStyle/>
+          <a:p>
+            <a:pPr algn="ctr"/>
+            <a:r>
+              <a:rPr kumimoji="1" lang="en-US" altLang="ko-KR" sz="1400" dirty="0"/>
+              <a:t>Beans</a:t>
+            </a:r>
+            <a:r>
+              <a:rPr kumimoji="1" lang="ko-KR" altLang="en-US" sz="1400" dirty="0"/>
+              <a:t>에서 데이터 추출 후</a:t>
+            </a:r>
+            <a:endParaRPr kumimoji="1" lang="en-US" altLang="ko-KR" sz="1400" dirty="0"/>
+          </a:p>
+          <a:p>
+            <a:pPr algn="ctr"/>
+            <a:r>
+              <a:rPr kumimoji="1" lang="en-US" altLang="ko-KR" sz="1400" dirty="0"/>
+              <a:t>Output</a:t>
+            </a:r>
+            <a:r>
+              <a:rPr kumimoji="1" lang="ko-KR" altLang="en-US" sz="1400" dirty="0"/>
+              <a:t>을 설정</a:t>
+            </a:r>
+            <a:endParaRPr kumimoji="1" lang="en-US" altLang="ko-KR" sz="1400" dirty="0"/>
+          </a:p>
+        </p:txBody>
+      </p:sp>
+      <p:cxnSp>
+        <p:nvCxnSpPr>
+          <p:cNvPr id="27" name="꺾인 연결선[E] 26">
+            <a:extLst>
+              <a:ext uri="{FF2B5EF4-FFF2-40B4-BE49-F238E27FC236}">
+                <a16:creationId xmlns:a16="http://schemas.microsoft.com/office/drawing/2014/main" id="{8A5C56BE-2926-6549-8F04-6E25BB999566}"/>
+              </a:ext>
+            </a:extLst>
+          </p:cNvPr>
+          <p:cNvCxnSpPr>
+            <a:cxnSpLocks/>
+          </p:cNvCxnSpPr>
+          <p:nvPr/>
+        </p:nvCxnSpPr>
+        <p:spPr>
+          <a:xfrm rot="5400000" flipH="1">
+            <a:off x="5653992" y="420241"/>
+            <a:ext cx="861397" cy="9170960"/>
+          </a:xfrm>
+          <a:prstGeom prst="bentConnector3">
+            <a:avLst>
+              <a:gd name="adj1" fmla="val -26538"/>
+            </a:avLst>
+          </a:prstGeom>
+          <a:ln>
+            <a:tailEnd type="triangle"/>
+          </a:ln>
+        </p:spPr>
+        <p:style>
+          <a:lnRef idx="1">
+            <a:schemeClr val="accent1"/>
+          </a:lnRef>
+          <a:fillRef idx="0">
+            <a:schemeClr val="accent1"/>
+          </a:fillRef>
+          <a:effectRef idx="0">
+            <a:schemeClr val="accent1"/>
+          </a:effectRef>
+          <a:fontRef idx="minor">
+            <a:schemeClr val="tx1"/>
+          </a:fontRef>
+        </p:style>
+      </p:cxnSp>
+      <p:sp>
+        <p:nvSpPr>
+          <p:cNvPr id="96" name="TextBox 95">
+            <a:extLst>
+              <a:ext uri="{FF2B5EF4-FFF2-40B4-BE49-F238E27FC236}">
+                <a16:creationId xmlns:a16="http://schemas.microsoft.com/office/drawing/2014/main" id="{868A2562-76EF-8841-8D40-3A9918DA813E}"/>
+              </a:ext>
+            </a:extLst>
+          </p:cNvPr>
+          <p:cNvSpPr txBox="1"/>
+          <p:nvPr/>
+        </p:nvSpPr>
+        <p:spPr>
+          <a:xfrm>
+            <a:off x="5340972" y="5689912"/>
+            <a:ext cx="1517723" cy="307777"/>
+          </a:xfrm>
+          <a:prstGeom prst="rect">
+            <a:avLst/>
+          </a:prstGeom>
+          <a:noFill/>
+        </p:spPr>
+        <p:txBody>
+          <a:bodyPr wrap="none" rtlCol="0">
+            <a:spAutoFit/>
+          </a:bodyPr>
+          <a:lstStyle/>
+          <a:p>
+            <a:pPr algn="ctr"/>
+            <a:r>
+              <a:rPr kumimoji="1" lang="ko-KR" altLang="en-US" sz="1400" dirty="0"/>
+              <a:t>최종 결과 </a:t>
+            </a:r>
+            <a:r>
+              <a:rPr kumimoji="1" lang="en-US" altLang="ko-KR" sz="1400" dirty="0"/>
+              <a:t>Result</a:t>
+            </a:r>
+          </a:p>
+        </p:txBody>
+      </p:sp>
+      <p:sp>
+        <p:nvSpPr>
+          <p:cNvPr id="98" name="TextBox 97">
+            <a:extLst>
+              <a:ext uri="{FF2B5EF4-FFF2-40B4-BE49-F238E27FC236}">
+                <a16:creationId xmlns:a16="http://schemas.microsoft.com/office/drawing/2014/main" id="{E782F77D-5B72-6F4B-86F9-8C1D9D3625D3}"/>
+              </a:ext>
+            </a:extLst>
+          </p:cNvPr>
+          <p:cNvSpPr txBox="1"/>
+          <p:nvPr/>
+        </p:nvSpPr>
+        <p:spPr>
+          <a:xfrm>
+            <a:off x="5946925" y="5933308"/>
+            <a:ext cx="311304" cy="369332"/>
+          </a:xfrm>
+          <a:prstGeom prst="rect">
+            <a:avLst/>
+          </a:prstGeom>
+          <a:noFill/>
+        </p:spPr>
+        <p:txBody>
+          <a:bodyPr wrap="none" rtlCol="0">
+            <a:spAutoFit/>
+          </a:bodyPr>
+          <a:lstStyle/>
+          <a:p>
+            <a:r>
+              <a:rPr kumimoji="1" lang="en-US" altLang="ko-KR" dirty="0">
+                <a:solidFill>
+                  <a:schemeClr val="accent2">
+                    <a:lumMod val="60000"/>
+                    <a:lumOff val="40000"/>
+                  </a:schemeClr>
+                </a:solidFill>
+              </a:rPr>
+              <a:t>5</a:t>
+            </a:r>
+            <a:endParaRPr kumimoji="1" lang="ko-KR" altLang="en-US" dirty="0">
+              <a:solidFill>
+                <a:schemeClr val="accent2">
+                  <a:lumMod val="60000"/>
+                  <a:lumOff val="40000"/>
+                </a:schemeClr>
+              </a:solidFill>
+            </a:endParaRPr>
+          </a:p>
+        </p:txBody>
+      </p:sp>
+      <mc:AlternateContent xmlns:mc="http://schemas.openxmlformats.org/markup-compatibility/2006">
+        <mc:Choice xmlns:p14="http://schemas.microsoft.com/office/powerpoint/2010/main" Requires="p14">
+          <p:contentPart p14:bwMode="auto" r:id="rId2">
+            <p14:nvContentPartPr>
+              <p14:cNvPr id="99" name="잉크 98">
+                <a:extLst>
+                  <a:ext uri="{FF2B5EF4-FFF2-40B4-BE49-F238E27FC236}">
+                    <a16:creationId xmlns:a16="http://schemas.microsoft.com/office/drawing/2014/main" id="{EBD90C02-FBBE-3F46-8DD7-FADBC36124BC}"/>
+                  </a:ext>
+                </a:extLst>
+              </p14:cNvPr>
+              <p14:cNvContentPartPr/>
+              <p14:nvPr/>
+            </p14:nvContentPartPr>
+            <p14:xfrm>
+              <a:off x="5874889" y="-326308"/>
+              <a:ext cx="360" cy="360"/>
+            </p14:xfrm>
+          </p:contentPart>
+        </mc:Choice>
+        <mc:Fallback>
+          <p:pic>
+            <p:nvPicPr>
+              <p:cNvPr id="99" name="잉크 98">
+                <a:extLst>
+                  <a:ext uri="{FF2B5EF4-FFF2-40B4-BE49-F238E27FC236}">
+                    <a16:creationId xmlns:a16="http://schemas.microsoft.com/office/drawing/2014/main" id="{EBD90C02-FBBE-3F46-8DD7-FADBC36124BC}"/>
+                  </a:ext>
+                </a:extLst>
+              </p:cNvPr>
+              <p:cNvPicPr/>
+              <p:nvPr/>
+            </p:nvPicPr>
+            <p:blipFill>
+              <a:blip r:embed="rId3"/>
+              <a:stretch>
+                <a:fillRect/>
+              </a:stretch>
+            </p:blipFill>
+            <p:spPr>
+              <a:xfrm>
+                <a:off x="5865889" y="-335308"/>
+                <a:ext cx="18000" cy="18000"/>
+              </a:xfrm>
+              <a:prstGeom prst="rect">
+                <a:avLst/>
+              </a:prstGeom>
+            </p:spPr>
+          </p:pic>
+        </mc:Fallback>
+      </mc:AlternateContent>
+    </p:spTree>
+    <p:extLst>
+      <p:ext uri="{BB962C8B-B14F-4D97-AF65-F5344CB8AC3E}">
+        <p14:creationId xmlns:p14="http://schemas.microsoft.com/office/powerpoint/2010/main" val="4073073301"/>
       </p:ext>
     </p:extLst>
   </p:cSld>

--- a/images.pptx
+++ b/images.pptx
@@ -130,6 +130,33 @@
           <inkml:channelProperty channel="F" name="resolution" value="0" units="1/dev"/>
         </inkml:channelProperties>
       </inkml:inkSource>
+      <inkml:timestamp xml:id="ts0" timeString="2019-05-11T03:30:36.746"/>
+    </inkml:context>
+    <inkml:brush xml:id="br0">
+      <inkml:brushProperty name="width" value="0.05" units="cm"/>
+      <inkml:brushProperty name="height" value="0.05" units="cm"/>
+    </inkml:brush>
+  </inkml:definitions>
+  <inkml:trace contextRef="#ctx0" brushRef="#br0">1 1 24575,'0'0'0</inkml:trace>
+</inkml:ink>
+</file>
+
+<file path=ppt/ink/ink2.xml><?xml version="1.0" encoding="utf-8"?>
+<inkml:ink xmlns:inkml="http://www.w3.org/2003/InkML">
+  <inkml:definitions>
+    <inkml:context xml:id="ctx0">
+      <inkml:inkSource xml:id="inkSrc0">
+        <inkml:traceFormat>
+          <inkml:channel name="X" type="integer" min="-2.14748E9" max="2.14748E9" units="cm"/>
+          <inkml:channel name="Y" type="integer" min="-2.14748E9" max="2.14748E9" units="cm"/>
+          <inkml:channel name="F" type="integer" max="32767" units="dev"/>
+        </inkml:traceFormat>
+        <inkml:channelProperties>
+          <inkml:channelProperty channel="X" name="resolution" value="1000" units="1/cm"/>
+          <inkml:channelProperty channel="Y" name="resolution" value="1000" units="1/cm"/>
+          <inkml:channelProperty channel="F" name="resolution" value="0" units="1/dev"/>
+        </inkml:channelProperties>
+      </inkml:inkSource>
       <inkml:timestamp xml:id="ts0" timeString="2019-05-10T10:31:45.841"/>
     </inkml:context>
     <inkml:brush xml:id="br0">
@@ -137,7 +164,8 @@
       <inkml:brushProperty name="height" value="0.05" units="cm"/>
     </inkml:brush>
   </inkml:definitions>
-  <inkml:trace contextRef="#ctx0" brushRef="#br0">0 0 24575,'0'0'0</inkml:trace>
+  <inkml:trace contextRef="#ctx0" brushRef="#br0">20034 6454 24575,'0'0'0</inkml:trace>
+  <inkml:trace contextRef="#ctx0" brushRef="#br0" timeOffset="-2.14748E6">19948 8831 21169,'-92'-40'0,"1"-1"0,-1 1 0,1-1 0,0 1 0,-1 0 0,1-1 0,-1 1 0,1-1 0,0 1 0,-1-1 0,1 1 0,-1-1 0,1 1 0,0 0 0,-1-1 0,1 1 0,-1-1 0,1 1 0,0-1 0,-1 1 0,1-1 0,-1 1 0,1-1 0,0 1 0,-1 0 0,1-1 0,-1 1 0,1-1 0,0 1 0,-1-1 0,1 1 0,-1-1 0,1 1 0,0-1 0,-1 1 0,1 0 0,-1-1 0,1 1 0,0-1 0,-1 1 0,1-1 0,0 1 0,-1-1 0,1 1 0,-1-1 0,1 1 0,0 0 0,-1-1 0,1 1 0,-1-1 0,1 1 0,0-1 0,-1 1 0,1-1 0,-1 1 0,1 0 0,0-1 0,-1 1 0,1-1 0,-1 1 0,1-1 0,0 1 0,-1-1 0,1 1 0,-1-1 0,1 1 0,0 0 0,-1-1 0,1 1 0,-1-1 0,1 1 0,0-1 0,-1 1 0,1-1 0,-1 1 0,1-1 0,0 1 0,-1 0 0,1-1 0,-1 1 0,1-1 0,0 1 0,-1-1 0,1 1 0,-1-1 0,1 1 0,0-1 0,-1 1 0,1 0 0,-1-1 0,1 1 0,0-1 0,-1 1 0,1-1 0,-1 1 0,1-1 0,0 1 0,0 0 0,1 0 0,-1 0 0,0-1 0,0 1 0,0 0 0,0 0 0,1-1 0,-1 1 0,0 0 0,0 0 0,0 0 0,0-1 0,1 1 0,-1 0 0,0 0 0,0-1 0,0 1 0,0 0 0,1 0 0,-1 0 0,0-1 0,0 1 0,0 0 0,0 0 0,1-1 0,-1 1 0,0 0 0,0 0 0,0 0 0,0-1 0,0 1 0,1 0 0,-1 0 0,0-1 0,0 1 0,0 0 0,0 0 0,1 0 0,-1-1 0,0 1 0,0 0 0,0 0 0,0-1 0,1 1 0,-1 0 0,0 0 0,0 0 0,0-1 0,0 1 0,1 0 0,-1 0 0,0-1 0,0 1 0,0 0 0,0 0 0,1 0 0,-1-1 0,0 1 0,0 0 0,0 0 0,0-1 0,1 1 0,-1 0 0,0 0 0,0 0 0,0-1 0,0 1 0,1 0 0,-1 0 0,0-1 0,0 1 0,0 0 0,0 0 0,1 0 0,-1-1 0,0 1 0,0 0 0,0 0 0,0-1 0,1 1 0,-1 0 0,0 0 0,0 0 0,0-1 0,0 1 0,1 0 0,-1 0 0,0-1 0,0 1 0,0 0 0,0 0 0,1 0 0,-1-1 0,0 1 0,0 0 0,0 0 0,0 0 0,1-1 0,-1 1 0,0 0 0,0 0 0,0-1 0,0 1 0,1 0 0,-1 0 0,0 0 0,0-1 0,0 1 0,0 0 0,0 0 0,1-1 0,-1 1 0,0 0 0,0 0 0,0 0 0,0-1 0,1 1 0,-1 0 0,0 0 0,0-1 0</inkml:trace>
 </inkml:ink>
 </file>
 
@@ -12384,10 +12412,10 @@
         <mc:Choice xmlns:p14="http://schemas.microsoft.com/office/powerpoint/2010/main" Requires="p14">
           <p:contentPart p14:bwMode="auto" r:id="rId2">
             <p14:nvContentPartPr>
-              <p14:cNvPr id="99" name="잉크 98">
+              <p14:cNvPr id="100" name="잉크 99">
                 <a:extLst>
                   <a:ext uri="{FF2B5EF4-FFF2-40B4-BE49-F238E27FC236}">
-                    <a16:creationId xmlns:a16="http://schemas.microsoft.com/office/drawing/2014/main" id="{EBD90C02-FBBE-3F46-8DD7-FADBC36124BC}"/>
+                    <a16:creationId xmlns:a16="http://schemas.microsoft.com/office/drawing/2014/main" id="{2142FCD2-8C0E-8946-946E-54FFAE2EC513}"/>
                   </a:ext>
                 </a:extLst>
               </p14:cNvPr>
@@ -12395,7 +12423,7 @@
               <p14:nvPr/>
             </p14:nvContentPartPr>
             <p14:xfrm>
-              <a:off x="5874889" y="-326308"/>
+              <a:off x="7106089" y="5328572"/>
               <a:ext cx="360" cy="360"/>
             </p14:xfrm>
           </p:contentPart>
@@ -12403,10 +12431,10 @@
         <mc:Fallback>
           <p:pic>
             <p:nvPicPr>
-              <p:cNvPr id="99" name="잉크 98">
+              <p:cNvPr id="100" name="잉크 99">
                 <a:extLst>
                   <a:ext uri="{FF2B5EF4-FFF2-40B4-BE49-F238E27FC236}">
-                    <a16:creationId xmlns:a16="http://schemas.microsoft.com/office/drawing/2014/main" id="{EBD90C02-FBBE-3F46-8DD7-FADBC36124BC}"/>
+                    <a16:creationId xmlns:a16="http://schemas.microsoft.com/office/drawing/2014/main" id="{2142FCD2-8C0E-8946-946E-54FFAE2EC513}"/>
                   </a:ext>
                 </a:extLst>
               </p:cNvPr>
@@ -12421,8 +12449,59 @@
             </p:blipFill>
             <p:spPr>
               <a:xfrm>
-                <a:off x="5865889" y="-335308"/>
+                <a:off x="7097449" y="5319932"/>
                 <a:ext cx="18000" cy="18000"/>
+              </a:xfrm>
+              <a:prstGeom prst="rect">
+                <a:avLst/>
+              </a:prstGeom>
+            </p:spPr>
+          </p:pic>
+        </mc:Fallback>
+      </mc:AlternateContent>
+      <mc:AlternateContent xmlns:mc="http://schemas.openxmlformats.org/markup-compatibility/2006">
+        <mc:Choice xmlns:p14="http://schemas.microsoft.com/office/powerpoint/2010/main" Requires="p14">
+          <p:contentPart p14:bwMode="auto" r:id="rId4">
+            <p14:nvContentPartPr>
+              <p14:cNvPr id="102" name="잉크 101">
+                <a:extLst>
+                  <a:ext uri="{FF2B5EF4-FFF2-40B4-BE49-F238E27FC236}">
+                    <a16:creationId xmlns:a16="http://schemas.microsoft.com/office/drawing/2014/main" id="{3FB40230-D431-A340-A589-97ACF24FAEC7}"/>
+                  </a:ext>
+                </a:extLst>
+              </p14:cNvPr>
+              <p14:cNvContentPartPr/>
+              <p14:nvPr/>
+            </p14:nvContentPartPr>
+            <p14:xfrm>
+              <a:off x="-1337351" y="-2649748"/>
+              <a:ext cx="7212600" cy="3179520"/>
+            </p14:xfrm>
+          </p:contentPart>
+        </mc:Choice>
+        <mc:Fallback>
+          <p:pic>
+            <p:nvPicPr>
+              <p:cNvPr id="102" name="잉크 101">
+                <a:extLst>
+                  <a:ext uri="{FF2B5EF4-FFF2-40B4-BE49-F238E27FC236}">
+                    <a16:creationId xmlns:a16="http://schemas.microsoft.com/office/drawing/2014/main" id="{3FB40230-D431-A340-A589-97ACF24FAEC7}"/>
+                  </a:ext>
+                </a:extLst>
+              </p:cNvPr>
+              <p:cNvPicPr/>
+              <p:nvPr/>
+            </p:nvPicPr>
+            <p:blipFill>
+              <a:blip r:embed="rId5"/>
+              <a:stretch>
+                <a:fillRect/>
+              </a:stretch>
+            </p:blipFill>
+            <p:spPr>
+              <a:xfrm>
+                <a:off x="-1346351" y="-2658748"/>
+                <a:ext cx="7230240" cy="3197160"/>
               </a:xfrm>
               <a:prstGeom prst="rect">
                 <a:avLst/>

--- a/images.pptx
+++ b/images.pptx
@@ -13,6 +13,8 @@
     <p:sldId id="262" r:id="rId7"/>
     <p:sldId id="263" r:id="rId8"/>
     <p:sldId id="264" r:id="rId9"/>
+    <p:sldId id="265" r:id="rId10"/>
+    <p:sldId id="266" r:id="rId11"/>
   </p:sldIdLst>
   <p:sldSz cx="12192000" cy="6858000"/>
   <p:notesSz cx="6858000" cy="9144000"/>
@@ -111,6 +113,11 @@
       </a:defRPr>
     </a:lvl9pPr>
   </p:defaultTextStyle>
+  <p:extLst>
+    <p:ext uri="{EFAFB233-063F-42B5-8137-9DF3F51BA10A}">
+      <p15:sldGuideLst xmlns:p15="http://schemas.microsoft.com/office/powerpoint/2012/main"/>
+    </p:ext>
+  </p:extLst>
 </p:presentation>
 </file>
 
@@ -165,7 +172,7 @@
     </inkml:brush>
   </inkml:definitions>
   <inkml:trace contextRef="#ctx0" brushRef="#br0">20034 6454 24575,'0'0'0</inkml:trace>
-  <inkml:trace contextRef="#ctx0" brushRef="#br0" timeOffset="-2.14748E6">19948 8831 21169,'-92'-40'0,"1"-1"0,-1 1 0,1-1 0,0 1 0,-1 0 0,1-1 0,-1 1 0,1-1 0,0 1 0,-1-1 0,1 1 0,-1-1 0,1 1 0,0 0 0,-1-1 0,1 1 0,-1-1 0,1 1 0,0-1 0,-1 1 0,1-1 0,-1 1 0,1-1 0,0 1 0,-1 0 0,1-1 0,-1 1 0,1-1 0,0 1 0,-1-1 0,1 1 0,-1-1 0,1 1 0,0-1 0,-1 1 0,1 0 0,-1-1 0,1 1 0,0-1 0,-1 1 0,1-1 0,0 1 0,-1-1 0,1 1 0,-1-1 0,1 1 0,0 0 0,-1-1 0,1 1 0,-1-1 0,1 1 0,0-1 0,-1 1 0,1-1 0,-1 1 0,1 0 0,0-1 0,-1 1 0,1-1 0,-1 1 0,1-1 0,0 1 0,-1-1 0,1 1 0,-1-1 0,1 1 0,0 0 0,-1-1 0,1 1 0,-1-1 0,1 1 0,0-1 0,-1 1 0,1-1 0,-1 1 0,1-1 0,0 1 0,-1 0 0,1-1 0,-1 1 0,1-1 0,0 1 0,-1-1 0,1 1 0,-1-1 0,1 1 0,0-1 0,-1 1 0,1 0 0,-1-1 0,1 1 0,0-1 0,-1 1 0,1-1 0,-1 1 0,1-1 0,0 1 0,0 0 0,1 0 0,-1 0 0,0-1 0,0 1 0,0 0 0,0 0 0,1-1 0,-1 1 0,0 0 0,0 0 0,0 0 0,0-1 0,1 1 0,-1 0 0,0 0 0,0-1 0,0 1 0,0 0 0,1 0 0,-1 0 0,0-1 0,0 1 0,0 0 0,0 0 0,1-1 0,-1 1 0,0 0 0,0 0 0,0 0 0,0-1 0,0 1 0,1 0 0,-1 0 0,0-1 0,0 1 0,0 0 0,0 0 0,1 0 0,-1-1 0,0 1 0,0 0 0,0 0 0,0-1 0,1 1 0,-1 0 0,0 0 0,0 0 0,0-1 0,0 1 0,1 0 0,-1 0 0,0-1 0,0 1 0,0 0 0,0 0 0,1 0 0,-1-1 0,0 1 0,0 0 0,0 0 0,0-1 0,1 1 0,-1 0 0,0 0 0,0 0 0,0-1 0,0 1 0,1 0 0,-1 0 0,0-1 0,0 1 0,0 0 0,0 0 0,1 0 0,-1-1 0,0 1 0,0 0 0,0 0 0,0-1 0,1 1 0,-1 0 0,0 0 0,0 0 0,0-1 0,0 1 0,1 0 0,-1 0 0,0-1 0,0 1 0,0 0 0,0 0 0,1 0 0,-1-1 0,0 1 0,0 0 0,0 0 0,0 0 0,1-1 0,-1 1 0,0 0 0,0 0 0,0-1 0,0 1 0,1 0 0,-1 0 0,0 0 0,0-1 0,0 1 0,0 0 0,0 0 0,1-1 0,-1 1 0,0 0 0,0 0 0,0 0 0,0-1 0,1 1 0,-1 0 0,0 0 0,0-1 0</inkml:trace>
+  <inkml:trace contextRef="#ctx0" brushRef="#br0" timeOffset="3.647">19948 8831 21169,'-92'-40'0,"1"-1"0,-1 1 0,1-1 0,0 1 0,-1 0 0,1-1 0,-1 1 0,1-1 0,0 1 0,-1-1 0,1 1 0,-1-1 0,1 1 0,0 0 0,-1-1 0,1 1 0,-1-1 0,1 1 0,0-1 0,-1 1 0,1-1 0,-1 1 0,1-1 0,0 1 0,-1 0 0,1-1 0,-1 1 0,1-1 0,0 1 0,-1-1 0,1 1 0,-1-1 0,1 1 0,0-1 0,-1 1 0,1 0 0,-1-1 0,1 1 0,0-1 0,-1 1 0,1-1 0,0 1 0,-1-1 0,1 1 0,-1-1 0,1 1 0,0 0 0,-1-1 0,1 1 0,-1-1 0,1 1 0,0-1 0,-1 1 0,1-1 0,-1 1 0,1 0 0,0-1 0,-1 1 0,1-1 0,-1 1 0,1-1 0,0 1 0,-1-1 0,1 1 0,-1-1 0,1 1 0,0 0 0,-1-1 0,1 1 0,-1-1 0,1 1 0,0-1 0,-1 1 0,1-1 0,-1 1 0,1-1 0,0 1 0,-1 0 0,1-1 0,-1 1 0,1-1 0,0 1 0,-1-1 0,1 1 0,-1-1 0,1 1 0,0-1 0,-1 1 0,1 0 0,-1-1 0,1 1 0,0-1 0,-1 1 0,1-1 0,-1 1 0,1-1 0,0 1 0,0 0 0,1 0 0,-1 0 0,0-1 0,0 1 0,0 0 0,0 0 0,1-1 0,-1 1 0,0 0 0,0 0 0,0 0 0,0-1 0,1 1 0,-1 0 0,0 0 0,0-1 0,0 1 0,0 0 0,1 0 0,-1 0 0,0-1 0,0 1 0,0 0 0,0 0 0,1-1 0,-1 1 0,0 0 0,0 0 0,0 0 0,0-1 0,0 1 0,1 0 0,-1 0 0,0-1 0,0 1 0,0 0 0,0 0 0,1 0 0,-1-1 0,0 1 0,0 0 0,0 0 0,0-1 0,1 1 0,-1 0 0,0 0 0,0 0 0,0-1 0,0 1 0,1 0 0,-1 0 0,0-1 0,0 1 0,0 0 0,0 0 0,1 0 0,-1-1 0,0 1 0,0 0 0,0 0 0,0-1 0,1 1 0,-1 0 0,0 0 0,0 0 0,0-1 0,0 1 0,1 0 0,-1 0 0,0-1 0,0 1 0,0 0 0,0 0 0,1 0 0,-1-1 0,0 1 0,0 0 0,0 0 0,0-1 0,1 1 0,-1 0 0,0 0 0,0 0 0,0-1 0,0 1 0,1 0 0,-1 0 0,0-1 0,0 1 0,0 0 0,0 0 0,1 0 0,-1-1 0,0 1 0,0 0 0,0 0 0,0 0 0,1-1 0,-1 1 0,0 0 0,0 0 0,0-1 0,0 1 0,1 0 0,-1 0 0,0 0 0,0-1 0,0 1 0,0 0 0,0 0 0,1-1 0,-1 1 0,0 0 0,0 0 0,0 0 0,0-1 0,1 1 0,-1 0 0,0 0 0,0-1 0</inkml:trace>
 </inkml:ink>
 </file>
 
@@ -316,7 +323,7 @@
           <a:p>
             <a:fld id="{D005858E-A575-1742-AF3B-2E63F300D8DE}" type="datetimeFigureOut">
               <a:rPr kumimoji="1" lang="ko-KR" altLang="en-US" smtClean="0"/>
-              <a:t>2019. 4. 29.</a:t>
+              <a:t>2019. 5. 22.</a:t>
             </a:fld>
             <a:endParaRPr kumimoji="1" lang="ko-KR" altLang="en-US"/>
           </a:p>
@@ -489,7 +496,7 @@
           <a:p>
             <a:fld id="{D005858E-A575-1742-AF3B-2E63F300D8DE}" type="datetimeFigureOut">
               <a:rPr kumimoji="1" lang="ko-KR" altLang="en-US" smtClean="0"/>
-              <a:t>2019. 4. 29.</a:t>
+              <a:t>2019. 5. 22.</a:t>
             </a:fld>
             <a:endParaRPr kumimoji="1" lang="ko-KR" altLang="en-US"/>
           </a:p>
@@ -672,7 +679,7 @@
           <a:p>
             <a:fld id="{D005858E-A575-1742-AF3B-2E63F300D8DE}" type="datetimeFigureOut">
               <a:rPr kumimoji="1" lang="ko-KR" altLang="en-US" smtClean="0"/>
-              <a:t>2019. 4. 29.</a:t>
+              <a:t>2019. 5. 22.</a:t>
             </a:fld>
             <a:endParaRPr kumimoji="1" lang="ko-KR" altLang="en-US"/>
           </a:p>
@@ -845,7 +852,7 @@
           <a:p>
             <a:fld id="{D005858E-A575-1742-AF3B-2E63F300D8DE}" type="datetimeFigureOut">
               <a:rPr kumimoji="1" lang="ko-KR" altLang="en-US" smtClean="0"/>
-              <a:t>2019. 4. 29.</a:t>
+              <a:t>2019. 5. 22.</a:t>
             </a:fld>
             <a:endParaRPr kumimoji="1" lang="ko-KR" altLang="en-US"/>
           </a:p>
@@ -1123,7 +1130,7 @@
           <a:p>
             <a:fld id="{D005858E-A575-1742-AF3B-2E63F300D8DE}" type="datetimeFigureOut">
               <a:rPr kumimoji="1" lang="ko-KR" altLang="en-US" smtClean="0"/>
-              <a:t>2019. 4. 29.</a:t>
+              <a:t>2019. 5. 22.</a:t>
             </a:fld>
             <a:endParaRPr kumimoji="1" lang="ko-KR" altLang="en-US"/>
           </a:p>
@@ -1338,7 +1345,7 @@
           <a:p>
             <a:fld id="{D005858E-A575-1742-AF3B-2E63F300D8DE}" type="datetimeFigureOut">
               <a:rPr kumimoji="1" lang="ko-KR" altLang="en-US" smtClean="0"/>
-              <a:t>2019. 4. 29.</a:t>
+              <a:t>2019. 5. 22.</a:t>
             </a:fld>
             <a:endParaRPr kumimoji="1" lang="ko-KR" altLang="en-US"/>
           </a:p>
@@ -1706,7 +1713,7 @@
           <a:p>
             <a:fld id="{D005858E-A575-1742-AF3B-2E63F300D8DE}" type="datetimeFigureOut">
               <a:rPr kumimoji="1" lang="ko-KR" altLang="en-US" smtClean="0"/>
-              <a:t>2019. 4. 29.</a:t>
+              <a:t>2019. 5. 22.</a:t>
             </a:fld>
             <a:endParaRPr kumimoji="1" lang="ko-KR" altLang="en-US"/>
           </a:p>
@@ -1847,7 +1854,7 @@
           <a:p>
             <a:fld id="{D005858E-A575-1742-AF3B-2E63F300D8DE}" type="datetimeFigureOut">
               <a:rPr kumimoji="1" lang="ko-KR" altLang="en-US" smtClean="0"/>
-              <a:t>2019. 4. 29.</a:t>
+              <a:t>2019. 5. 22.</a:t>
             </a:fld>
             <a:endParaRPr kumimoji="1" lang="ko-KR" altLang="en-US"/>
           </a:p>
@@ -1960,7 +1967,7 @@
           <a:p>
             <a:fld id="{D005858E-A575-1742-AF3B-2E63F300D8DE}" type="datetimeFigureOut">
               <a:rPr kumimoji="1" lang="ko-KR" altLang="en-US" smtClean="0"/>
-              <a:t>2019. 4. 29.</a:t>
+              <a:t>2019. 5. 22.</a:t>
             </a:fld>
             <a:endParaRPr kumimoji="1" lang="ko-KR" altLang="en-US"/>
           </a:p>
@@ -2249,7 +2256,7 @@
           <a:p>
             <a:fld id="{D005858E-A575-1742-AF3B-2E63F300D8DE}" type="datetimeFigureOut">
               <a:rPr kumimoji="1" lang="ko-KR" altLang="en-US" smtClean="0"/>
-              <a:t>2019. 4. 29.</a:t>
+              <a:t>2019. 5. 22.</a:t>
             </a:fld>
             <a:endParaRPr kumimoji="1" lang="ko-KR" altLang="en-US"/>
           </a:p>
@@ -2540,7 +2547,7 @@
           <a:p>
             <a:fld id="{D005858E-A575-1742-AF3B-2E63F300D8DE}" type="datetimeFigureOut">
               <a:rPr kumimoji="1" lang="ko-KR" altLang="en-US" smtClean="0"/>
-              <a:t>2019. 4. 29.</a:t>
+              <a:t>2019. 5. 22.</a:t>
             </a:fld>
             <a:endParaRPr kumimoji="1" lang="ko-KR" altLang="en-US"/>
           </a:p>
@@ -2756,7 +2763,7 @@
           <a:p>
             <a:fld id="{D005858E-A575-1742-AF3B-2E63F300D8DE}" type="datetimeFigureOut">
               <a:rPr kumimoji="1" lang="ko-KR" altLang="en-US" smtClean="0"/>
-              <a:t>2019. 4. 29.</a:t>
+              <a:t>2019. 5. 22.</a:t>
             </a:fld>
             <a:endParaRPr kumimoji="1" lang="ko-KR" altLang="en-US"/>
           </a:p>
@@ -3984,6 +3991,76 @@
 </p:sld>
 </file>
 
+<file path=ppt/slides/slide10.xml><?xml version="1.0" encoding="utf-8"?>
+<p:sld xmlns:a="http://schemas.openxmlformats.org/drawingml/2006/main" xmlns:r="http://schemas.openxmlformats.org/officeDocument/2006/relationships" xmlns:p="http://schemas.openxmlformats.org/presentationml/2006/main">
+  <p:cSld>
+    <p:spTree>
+      <p:nvGrpSpPr>
+        <p:cNvPr id="1" name=""/>
+        <p:cNvGrpSpPr/>
+        <p:nvPr/>
+      </p:nvGrpSpPr>
+      <p:grpSpPr>
+        <a:xfrm>
+          <a:off x="0" y="0"/>
+          <a:ext cx="0" cy="0"/>
+          <a:chOff x="0" y="0"/>
+          <a:chExt cx="0" cy="0"/>
+        </a:xfrm>
+      </p:grpSpPr>
+      <p:sp>
+        <p:nvSpPr>
+          <p:cNvPr id="38" name="TextBox 37">
+            <a:extLst>
+              <a:ext uri="{FF2B5EF4-FFF2-40B4-BE49-F238E27FC236}">
+                <a16:creationId xmlns:a16="http://schemas.microsoft.com/office/drawing/2014/main" id="{41C7FBC6-1ADE-614B-A639-CE04E73D33B6}"/>
+              </a:ext>
+            </a:extLst>
+          </p:cNvPr>
+          <p:cNvSpPr txBox="1"/>
+          <p:nvPr/>
+        </p:nvSpPr>
+        <p:spPr>
+          <a:xfrm>
+            <a:off x="163546" y="236746"/>
+            <a:ext cx="2457006" cy="276999"/>
+          </a:xfrm>
+          <a:prstGeom prst="rect">
+            <a:avLst/>
+          </a:prstGeom>
+          <a:noFill/>
+        </p:spPr>
+        <p:txBody>
+          <a:bodyPr wrap="square" rtlCol="0">
+            <a:spAutoFit/>
+          </a:bodyPr>
+          <a:lstStyle/>
+          <a:p>
+            <a:r>
+              <a:rPr kumimoji="1" lang="en-US" altLang="ko-KR" sz="1200" dirty="0" err="1"/>
+              <a:t>Mvc</a:t>
+            </a:r>
+            <a:r>
+              <a:rPr kumimoji="1" lang="en-US" altLang="ko-KR" sz="1200" dirty="0"/>
+              <a:t> flow of control</a:t>
+            </a:r>
+            <a:endParaRPr kumimoji="1" lang="ko-KR" altLang="en-US" sz="1200" dirty="0"/>
+          </a:p>
+        </p:txBody>
+      </p:sp>
+    </p:spTree>
+    <p:extLst>
+      <p:ext uri="{BB962C8B-B14F-4D97-AF65-F5344CB8AC3E}">
+        <p14:creationId xmlns:p14="http://schemas.microsoft.com/office/powerpoint/2010/main" val="495873685"/>
+      </p:ext>
+    </p:extLst>
+  </p:cSld>
+  <p:clrMapOvr>
+    <a:masterClrMapping/>
+  </p:clrMapOvr>
+</p:sld>
+</file>
+
 <file path=ppt/slides/slide2.xml><?xml version="1.0" encoding="utf-8"?>
 <p:sld xmlns:a="http://schemas.openxmlformats.org/drawingml/2006/main" xmlns:r="http://schemas.openxmlformats.org/officeDocument/2006/relationships" xmlns:p="http://schemas.openxmlformats.org/presentationml/2006/main">
   <p:cSld>
@@ -12408,8 +12485,8 @@
           </a:p>
         </p:txBody>
       </p:sp>
-      <mc:AlternateContent xmlns:mc="http://schemas.openxmlformats.org/markup-compatibility/2006">
-        <mc:Choice xmlns:p14="http://schemas.microsoft.com/office/powerpoint/2010/main" Requires="p14">
+      <mc:AlternateContent xmlns:mc="http://schemas.openxmlformats.org/markup-compatibility/2006" xmlns:p14="http://schemas.microsoft.com/office/powerpoint/2010/main">
+        <mc:Choice Requires="p14">
           <p:contentPart p14:bwMode="auto" r:id="rId2">
             <p14:nvContentPartPr>
               <p14:cNvPr id="100" name="잉크 99">
@@ -12428,7 +12505,7 @@
             </p14:xfrm>
           </p:contentPart>
         </mc:Choice>
-        <mc:Fallback>
+        <mc:Fallback xmlns="">
           <p:pic>
             <p:nvPicPr>
               <p:cNvPr id="100" name="잉크 99">
@@ -12459,8 +12536,8 @@
           </p:pic>
         </mc:Fallback>
       </mc:AlternateContent>
-      <mc:AlternateContent xmlns:mc="http://schemas.openxmlformats.org/markup-compatibility/2006">
-        <mc:Choice xmlns:p14="http://schemas.microsoft.com/office/powerpoint/2010/main" Requires="p14">
+      <mc:AlternateContent xmlns:mc="http://schemas.openxmlformats.org/markup-compatibility/2006" xmlns:p14="http://schemas.microsoft.com/office/powerpoint/2010/main">
+        <mc:Choice Requires="p14">
           <p:contentPart p14:bwMode="auto" r:id="rId4">
             <p14:nvContentPartPr>
               <p14:cNvPr id="102" name="잉크 101">
@@ -12479,7 +12556,7 @@
             </p14:xfrm>
           </p:contentPart>
         </mc:Choice>
-        <mc:Fallback>
+        <mc:Fallback xmlns="">
           <p:pic>
             <p:nvPicPr>
               <p:cNvPr id="102" name="잉크 101">
@@ -12514,6 +12591,333 @@
     <p:extLst>
       <p:ext uri="{BB962C8B-B14F-4D97-AF65-F5344CB8AC3E}">
         <p14:creationId xmlns:p14="http://schemas.microsoft.com/office/powerpoint/2010/main" val="4073073301"/>
+      </p:ext>
+    </p:extLst>
+  </p:cSld>
+  <p:clrMapOvr>
+    <a:masterClrMapping/>
+  </p:clrMapOvr>
+</p:sld>
+</file>
+
+<file path=ppt/slides/slide9.xml><?xml version="1.0" encoding="utf-8"?>
+<p:sld xmlns:a="http://schemas.openxmlformats.org/drawingml/2006/main" xmlns:r="http://schemas.openxmlformats.org/officeDocument/2006/relationships" xmlns:p="http://schemas.openxmlformats.org/presentationml/2006/main">
+  <p:cSld>
+    <p:spTree>
+      <p:nvGrpSpPr>
+        <p:cNvPr id="1" name=""/>
+        <p:cNvGrpSpPr/>
+        <p:nvPr/>
+      </p:nvGrpSpPr>
+      <p:grpSpPr>
+        <a:xfrm>
+          <a:off x="0" y="0"/>
+          <a:ext cx="0" cy="0"/>
+          <a:chOff x="0" y="0"/>
+          <a:chExt cx="0" cy="0"/>
+        </a:xfrm>
+      </p:grpSpPr>
+      <p:sp>
+        <p:nvSpPr>
+          <p:cNvPr id="38" name="TextBox 37">
+            <a:extLst>
+              <a:ext uri="{FF2B5EF4-FFF2-40B4-BE49-F238E27FC236}">
+                <a16:creationId xmlns:a16="http://schemas.microsoft.com/office/drawing/2014/main" id="{41C7FBC6-1ADE-614B-A639-CE04E73D33B6}"/>
+              </a:ext>
+            </a:extLst>
+          </p:cNvPr>
+          <p:cNvSpPr txBox="1"/>
+          <p:nvPr/>
+        </p:nvSpPr>
+        <p:spPr>
+          <a:xfrm>
+            <a:off x="163546" y="236746"/>
+            <a:ext cx="2457006" cy="276999"/>
+          </a:xfrm>
+          <a:prstGeom prst="rect">
+            <a:avLst/>
+          </a:prstGeom>
+          <a:noFill/>
+        </p:spPr>
+        <p:txBody>
+          <a:bodyPr wrap="square" rtlCol="0">
+            <a:spAutoFit/>
+          </a:bodyPr>
+          <a:lstStyle/>
+          <a:p>
+            <a:r>
+              <a:rPr kumimoji="1" lang="en-US" altLang="ko-KR" sz="1200"/>
+              <a:t>Proxy</a:t>
+            </a:r>
+            <a:endParaRPr kumimoji="1" lang="ko-KR" altLang="en-US" sz="1200" dirty="0"/>
+          </a:p>
+        </p:txBody>
+      </p:sp>
+      <p:sp>
+        <p:nvSpPr>
+          <p:cNvPr id="44" name="직사각형 43">
+            <a:extLst>
+              <a:ext uri="{FF2B5EF4-FFF2-40B4-BE49-F238E27FC236}">
+                <a16:creationId xmlns:a16="http://schemas.microsoft.com/office/drawing/2014/main" id="{C0BDFB42-C377-594E-B6FE-9DBE44B95F1B}"/>
+              </a:ext>
+            </a:extLst>
+          </p:cNvPr>
+          <p:cNvSpPr/>
+          <p:nvPr/>
+        </p:nvSpPr>
+        <p:spPr>
+          <a:xfrm>
+            <a:off x="2494879" y="2651275"/>
+            <a:ext cx="3268588" cy="2282533"/>
+          </a:xfrm>
+          <a:prstGeom prst="rect">
+            <a:avLst/>
+          </a:prstGeom>
+          <a:noFill/>
+          <a:ln>
+            <a:solidFill>
+              <a:schemeClr val="tx1"/>
+            </a:solidFill>
+          </a:ln>
+        </p:spPr>
+        <p:style>
+          <a:lnRef idx="2">
+            <a:schemeClr val="accent1">
+              <a:shade val="50000"/>
+            </a:schemeClr>
+          </a:lnRef>
+          <a:fillRef idx="1">
+            <a:schemeClr val="accent1"/>
+          </a:fillRef>
+          <a:effectRef idx="0">
+            <a:schemeClr val="accent1"/>
+          </a:effectRef>
+          <a:fontRef idx="minor">
+            <a:schemeClr val="lt1"/>
+          </a:fontRef>
+        </p:style>
+        <p:txBody>
+          <a:bodyPr rtlCol="0" anchor="ctr"/>
+          <a:lstStyle/>
+          <a:p>
+            <a:pPr algn="ctr"/>
+            <a:r>
+              <a:rPr kumimoji="1" lang="en-US" altLang="ko-KR" dirty="0">
+                <a:solidFill>
+                  <a:schemeClr val="tx1"/>
+                </a:solidFill>
+              </a:rPr>
+              <a:t>Proxy</a:t>
+            </a:r>
+          </a:p>
+          <a:p>
+            <a:pPr algn="ctr"/>
+            <a:endParaRPr kumimoji="1" lang="en-US" altLang="ko-KR" dirty="0">
+              <a:solidFill>
+                <a:schemeClr val="tx1"/>
+              </a:solidFill>
+            </a:endParaRPr>
+          </a:p>
+          <a:p>
+            <a:pPr algn="ctr"/>
+            <a:endParaRPr kumimoji="1" lang="en-US" altLang="ko-KR" dirty="0">
+              <a:solidFill>
+                <a:schemeClr val="tx1"/>
+              </a:solidFill>
+            </a:endParaRPr>
+          </a:p>
+          <a:p>
+            <a:pPr algn="ctr"/>
+            <a:endParaRPr kumimoji="1" lang="en-US" altLang="ko-KR" dirty="0">
+              <a:solidFill>
+                <a:schemeClr val="tx1"/>
+              </a:solidFill>
+            </a:endParaRPr>
+          </a:p>
+          <a:p>
+            <a:pPr algn="ctr"/>
+            <a:endParaRPr kumimoji="1" lang="en-US" altLang="ko-KR" dirty="0">
+              <a:solidFill>
+                <a:schemeClr val="tx1"/>
+              </a:solidFill>
+            </a:endParaRPr>
+          </a:p>
+          <a:p>
+            <a:pPr algn="ctr"/>
+            <a:endParaRPr kumimoji="1" lang="en-US" altLang="ko-KR" dirty="0">
+              <a:solidFill>
+                <a:schemeClr val="tx1"/>
+              </a:solidFill>
+            </a:endParaRPr>
+          </a:p>
+        </p:txBody>
+      </p:sp>
+      <p:sp>
+        <p:nvSpPr>
+          <p:cNvPr id="43" name="직사각형 42">
+            <a:extLst>
+              <a:ext uri="{FF2B5EF4-FFF2-40B4-BE49-F238E27FC236}">
+                <a16:creationId xmlns:a16="http://schemas.microsoft.com/office/drawing/2014/main" id="{0CFA07B5-4454-B847-AF9A-C97F69753A88}"/>
+              </a:ext>
+            </a:extLst>
+          </p:cNvPr>
+          <p:cNvSpPr/>
+          <p:nvPr/>
+        </p:nvSpPr>
+        <p:spPr>
+          <a:xfrm>
+            <a:off x="7336463" y="3091508"/>
+            <a:ext cx="2106096" cy="1402065"/>
+          </a:xfrm>
+          <a:prstGeom prst="rect">
+            <a:avLst/>
+          </a:prstGeom>
+          <a:noFill/>
+          <a:ln>
+            <a:solidFill>
+              <a:schemeClr val="tx1"/>
+            </a:solidFill>
+          </a:ln>
+        </p:spPr>
+        <p:style>
+          <a:lnRef idx="2">
+            <a:schemeClr val="accent1">
+              <a:shade val="50000"/>
+            </a:schemeClr>
+          </a:lnRef>
+          <a:fillRef idx="1">
+            <a:schemeClr val="accent1"/>
+          </a:fillRef>
+          <a:effectRef idx="0">
+            <a:schemeClr val="accent1"/>
+          </a:effectRef>
+          <a:fontRef idx="minor">
+            <a:schemeClr val="lt1"/>
+          </a:fontRef>
+        </p:style>
+        <p:txBody>
+          <a:bodyPr rtlCol="0" anchor="ctr"/>
+          <a:lstStyle/>
+          <a:p>
+            <a:pPr algn="ctr"/>
+            <a:r>
+              <a:rPr kumimoji="1" lang="en-US" altLang="ko-KR" dirty="0">
+                <a:solidFill>
+                  <a:schemeClr val="tx1"/>
+                </a:solidFill>
+              </a:rPr>
+              <a:t>Singleton</a:t>
+            </a:r>
+          </a:p>
+        </p:txBody>
+      </p:sp>
+      <p:sp>
+        <p:nvSpPr>
+          <p:cNvPr id="45" name="직사각형 44">
+            <a:extLst>
+              <a:ext uri="{FF2B5EF4-FFF2-40B4-BE49-F238E27FC236}">
+                <a16:creationId xmlns:a16="http://schemas.microsoft.com/office/drawing/2014/main" id="{A3C94757-2F75-B441-ABE9-4A5D02949BB5}"/>
+              </a:ext>
+            </a:extLst>
+          </p:cNvPr>
+          <p:cNvSpPr/>
+          <p:nvPr/>
+        </p:nvSpPr>
+        <p:spPr>
+          <a:xfrm>
+            <a:off x="3270097" y="3514060"/>
+            <a:ext cx="1718152" cy="918097"/>
+          </a:xfrm>
+          <a:prstGeom prst="rect">
+            <a:avLst/>
+          </a:prstGeom>
+          <a:noFill/>
+          <a:ln>
+            <a:solidFill>
+              <a:schemeClr val="tx1"/>
+            </a:solidFill>
+          </a:ln>
+        </p:spPr>
+        <p:style>
+          <a:lnRef idx="2">
+            <a:schemeClr val="accent1">
+              <a:shade val="50000"/>
+            </a:schemeClr>
+          </a:lnRef>
+          <a:fillRef idx="1">
+            <a:schemeClr val="accent1"/>
+          </a:fillRef>
+          <a:effectRef idx="0">
+            <a:schemeClr val="accent1"/>
+          </a:effectRef>
+          <a:fontRef idx="minor">
+            <a:schemeClr val="lt1"/>
+          </a:fontRef>
+        </p:style>
+        <p:txBody>
+          <a:bodyPr rtlCol="0" anchor="ctr"/>
+          <a:lstStyle/>
+          <a:p>
+            <a:pPr algn="ctr"/>
+            <a:r>
+              <a:rPr kumimoji="1" lang="en-US" altLang="ko-KR" dirty="0">
+                <a:solidFill>
+                  <a:schemeClr val="tx1"/>
+                </a:solidFill>
+              </a:rPr>
+              <a:t>Prototype</a:t>
+            </a:r>
+          </a:p>
+        </p:txBody>
+      </p:sp>
+      <p:cxnSp>
+        <p:nvCxnSpPr>
+          <p:cNvPr id="48" name="직선 화살표 연결선 47">
+            <a:extLst>
+              <a:ext uri="{FF2B5EF4-FFF2-40B4-BE49-F238E27FC236}">
+                <a16:creationId xmlns:a16="http://schemas.microsoft.com/office/drawing/2014/main" id="{51087F3C-A954-2B4F-B10B-15859DD2E455}"/>
+              </a:ext>
+            </a:extLst>
+          </p:cNvPr>
+          <p:cNvCxnSpPr>
+            <a:cxnSpLocks/>
+            <a:stCxn id="44" idx="3"/>
+            <a:endCxn id="43" idx="1"/>
+          </p:cNvCxnSpPr>
+          <p:nvPr/>
+        </p:nvCxnSpPr>
+        <p:spPr>
+          <a:xfrm flipV="1">
+            <a:off x="5763467" y="3792541"/>
+            <a:ext cx="1572996" cy="1"/>
+          </a:xfrm>
+          <a:prstGeom prst="straightConnector1">
+            <a:avLst/>
+          </a:prstGeom>
+          <a:ln w="34925">
+            <a:headEnd type="triangle"/>
+            <a:tailEnd type="none"/>
+          </a:ln>
+        </p:spPr>
+        <p:style>
+          <a:lnRef idx="1">
+            <a:schemeClr val="accent1"/>
+          </a:lnRef>
+          <a:fillRef idx="0">
+            <a:schemeClr val="accent1"/>
+          </a:fillRef>
+          <a:effectRef idx="0">
+            <a:schemeClr val="accent1"/>
+          </a:effectRef>
+          <a:fontRef idx="minor">
+            <a:schemeClr val="tx1"/>
+          </a:fontRef>
+        </p:style>
+      </p:cxnSp>
+    </p:spTree>
+    <p:extLst>
+      <p:ext uri="{BB962C8B-B14F-4D97-AF65-F5344CB8AC3E}">
+        <p14:creationId xmlns:p14="http://schemas.microsoft.com/office/powerpoint/2010/main" val="4218617275"/>
       </p:ext>
     </p:extLst>
   </p:cSld>

--- a/images.pptx
+++ b/images.pptx
@@ -15,6 +15,8 @@
     <p:sldId id="264" r:id="rId9"/>
     <p:sldId id="265" r:id="rId10"/>
     <p:sldId id="266" r:id="rId11"/>
+    <p:sldId id="267" r:id="rId12"/>
+    <p:sldId id="268" r:id="rId13"/>
   </p:sldIdLst>
   <p:sldSz cx="12192000" cy="6858000"/>
   <p:notesSz cx="6858000" cy="9144000"/>
@@ -4023,7 +4025,7 @@
         <p:spPr>
           <a:xfrm>
             <a:off x="163546" y="236746"/>
-            <a:ext cx="2457006" cy="276999"/>
+            <a:ext cx="2457006" cy="461665"/>
           </a:xfrm>
           <a:prstGeom prst="rect">
             <a:avLst/>
@@ -4037,21 +4039,1183 @@
           <a:lstStyle/>
           <a:p>
             <a:r>
-              <a:rPr kumimoji="1" lang="en-US" altLang="ko-KR" sz="1200" dirty="0" err="1"/>
-              <a:t>Mvc</a:t>
-            </a:r>
-            <a:r>
-              <a:rPr kumimoji="1" lang="en-US" altLang="ko-KR" sz="1200" dirty="0"/>
-              <a:t> flow of control</a:t>
-            </a:r>
-            <a:endParaRPr kumimoji="1" lang="ko-KR" altLang="en-US" sz="1200" dirty="0"/>
-          </a:p>
-        </p:txBody>
-      </p:sp>
+              <a:rPr lang="en-US" altLang="ko-KR" sz="1200" dirty="0" err="1"/>
+              <a:t>DefaultFormattingConversionService</a:t>
+            </a:r>
+            <a:endParaRPr lang="en-US" altLang="ko-KR" sz="1200" dirty="0"/>
+          </a:p>
+        </p:txBody>
+      </p:sp>
+      <p:sp>
+        <p:nvSpPr>
+          <p:cNvPr id="7" name="직사각형 6">
+            <a:extLst>
+              <a:ext uri="{FF2B5EF4-FFF2-40B4-BE49-F238E27FC236}">
+                <a16:creationId xmlns:a16="http://schemas.microsoft.com/office/drawing/2014/main" id="{54DB438E-71B1-364D-8968-D0DC3EDADE66}"/>
+              </a:ext>
+            </a:extLst>
+          </p:cNvPr>
+          <p:cNvSpPr/>
+          <p:nvPr/>
+        </p:nvSpPr>
+        <p:spPr>
+          <a:xfrm>
+            <a:off x="4047016" y="2947416"/>
+            <a:ext cx="2024600" cy="914400"/>
+          </a:xfrm>
+          <a:prstGeom prst="rect">
+            <a:avLst/>
+          </a:prstGeom>
+          <a:noFill/>
+          <a:ln>
+            <a:solidFill>
+              <a:schemeClr val="tx1"/>
+            </a:solidFill>
+          </a:ln>
+        </p:spPr>
+        <p:style>
+          <a:lnRef idx="2">
+            <a:schemeClr val="accent1">
+              <a:shade val="50000"/>
+            </a:schemeClr>
+          </a:lnRef>
+          <a:fillRef idx="1">
+            <a:schemeClr val="accent1"/>
+          </a:fillRef>
+          <a:effectRef idx="0">
+            <a:schemeClr val="accent1"/>
+          </a:effectRef>
+          <a:fontRef idx="minor">
+            <a:schemeClr val="lt1"/>
+          </a:fontRef>
+        </p:style>
+        <p:txBody>
+          <a:bodyPr rtlCol="0" anchor="ctr"/>
+          <a:lstStyle/>
+          <a:p>
+            <a:pPr algn="ctr"/>
+            <a:r>
+              <a:rPr kumimoji="1" lang="en-US" altLang="ko-KR" dirty="0">
+                <a:solidFill>
+                  <a:schemeClr val="tx1"/>
+                </a:solidFill>
+              </a:rPr>
+              <a:t>Conversion</a:t>
+            </a:r>
+          </a:p>
+          <a:p>
+            <a:pPr algn="ctr"/>
+            <a:r>
+              <a:rPr kumimoji="1" lang="en-US" altLang="ko-KR" dirty="0">
+                <a:solidFill>
+                  <a:schemeClr val="tx1"/>
+                </a:solidFill>
+              </a:rPr>
+              <a:t>Service</a:t>
+            </a:r>
+          </a:p>
+        </p:txBody>
+      </p:sp>
+      <p:sp>
+        <p:nvSpPr>
+          <p:cNvPr id="8" name="직사각형 7">
+            <a:extLst>
+              <a:ext uri="{FF2B5EF4-FFF2-40B4-BE49-F238E27FC236}">
+                <a16:creationId xmlns:a16="http://schemas.microsoft.com/office/drawing/2014/main" id="{DB6E7846-B735-FD4E-8CC6-8E641E42DBF2}"/>
+              </a:ext>
+            </a:extLst>
+          </p:cNvPr>
+          <p:cNvSpPr/>
+          <p:nvPr/>
+        </p:nvSpPr>
+        <p:spPr>
+          <a:xfrm>
+            <a:off x="6680490" y="2947416"/>
+            <a:ext cx="2024600" cy="914400"/>
+          </a:xfrm>
+          <a:prstGeom prst="rect">
+            <a:avLst/>
+          </a:prstGeom>
+          <a:noFill/>
+          <a:ln>
+            <a:solidFill>
+              <a:schemeClr val="tx1"/>
+            </a:solidFill>
+          </a:ln>
+        </p:spPr>
+        <p:style>
+          <a:lnRef idx="2">
+            <a:schemeClr val="accent1">
+              <a:shade val="50000"/>
+            </a:schemeClr>
+          </a:lnRef>
+          <a:fillRef idx="1">
+            <a:schemeClr val="accent1"/>
+          </a:fillRef>
+          <a:effectRef idx="0">
+            <a:schemeClr val="accent1"/>
+          </a:effectRef>
+          <a:fontRef idx="minor">
+            <a:schemeClr val="lt1"/>
+          </a:fontRef>
+        </p:style>
+        <p:txBody>
+          <a:bodyPr rtlCol="0" anchor="ctr"/>
+          <a:lstStyle/>
+          <a:p>
+            <a:pPr algn="ctr"/>
+            <a:r>
+              <a:rPr kumimoji="1" lang="en-US" altLang="ko-KR" dirty="0">
+                <a:solidFill>
+                  <a:schemeClr val="tx1"/>
+                </a:solidFill>
+              </a:rPr>
+              <a:t>Formatter</a:t>
+            </a:r>
+          </a:p>
+          <a:p>
+            <a:pPr algn="ctr"/>
+            <a:r>
+              <a:rPr kumimoji="1" lang="en-US" altLang="ko-KR" dirty="0">
+                <a:solidFill>
+                  <a:schemeClr val="tx1"/>
+                </a:solidFill>
+              </a:rPr>
+              <a:t>Registry</a:t>
+            </a:r>
+          </a:p>
+        </p:txBody>
+      </p:sp>
+      <p:sp>
+        <p:nvSpPr>
+          <p:cNvPr id="9" name="직사각형 8">
+            <a:extLst>
+              <a:ext uri="{FF2B5EF4-FFF2-40B4-BE49-F238E27FC236}">
+                <a16:creationId xmlns:a16="http://schemas.microsoft.com/office/drawing/2014/main" id="{30454B3F-F908-BC4D-90A1-B390A7D4A8C2}"/>
+              </a:ext>
+            </a:extLst>
+          </p:cNvPr>
+          <p:cNvSpPr/>
+          <p:nvPr/>
+        </p:nvSpPr>
+        <p:spPr>
+          <a:xfrm>
+            <a:off x="6680490" y="1636776"/>
+            <a:ext cx="2024600" cy="914400"/>
+          </a:xfrm>
+          <a:prstGeom prst="rect">
+            <a:avLst/>
+          </a:prstGeom>
+          <a:noFill/>
+          <a:ln>
+            <a:solidFill>
+              <a:schemeClr val="tx1"/>
+            </a:solidFill>
+          </a:ln>
+        </p:spPr>
+        <p:style>
+          <a:lnRef idx="2">
+            <a:schemeClr val="accent1">
+              <a:shade val="50000"/>
+            </a:schemeClr>
+          </a:lnRef>
+          <a:fillRef idx="1">
+            <a:schemeClr val="accent1"/>
+          </a:fillRef>
+          <a:effectRef idx="0">
+            <a:schemeClr val="accent1"/>
+          </a:effectRef>
+          <a:fontRef idx="minor">
+            <a:schemeClr val="lt1"/>
+          </a:fontRef>
+        </p:style>
+        <p:txBody>
+          <a:bodyPr rtlCol="0" anchor="ctr"/>
+          <a:lstStyle/>
+          <a:p>
+            <a:pPr algn="ctr"/>
+            <a:r>
+              <a:rPr kumimoji="1" lang="en-US" altLang="ko-KR" dirty="0">
+                <a:solidFill>
+                  <a:schemeClr val="tx1"/>
+                </a:solidFill>
+              </a:rPr>
+              <a:t>Converter</a:t>
+            </a:r>
+          </a:p>
+          <a:p>
+            <a:pPr algn="ctr"/>
+            <a:r>
+              <a:rPr kumimoji="1" lang="en-US" altLang="ko-KR" dirty="0">
+                <a:solidFill>
+                  <a:schemeClr val="tx1"/>
+                </a:solidFill>
+              </a:rPr>
+              <a:t>Registry</a:t>
+            </a:r>
+          </a:p>
+        </p:txBody>
+      </p:sp>
+      <p:sp>
+        <p:nvSpPr>
+          <p:cNvPr id="10" name="직사각형 9">
+            <a:extLst>
+              <a:ext uri="{FF2B5EF4-FFF2-40B4-BE49-F238E27FC236}">
+                <a16:creationId xmlns:a16="http://schemas.microsoft.com/office/drawing/2014/main" id="{BCC4D554-E0D9-1B41-9CAE-20C0E26F2203}"/>
+              </a:ext>
+            </a:extLst>
+          </p:cNvPr>
+          <p:cNvSpPr/>
+          <p:nvPr/>
+        </p:nvSpPr>
+        <p:spPr>
+          <a:xfrm>
+            <a:off x="4964467" y="4453128"/>
+            <a:ext cx="2871942" cy="914400"/>
+          </a:xfrm>
+          <a:prstGeom prst="rect">
+            <a:avLst/>
+          </a:prstGeom>
+          <a:noFill/>
+          <a:ln>
+            <a:solidFill>
+              <a:schemeClr val="tx1"/>
+            </a:solidFill>
+          </a:ln>
+        </p:spPr>
+        <p:style>
+          <a:lnRef idx="2">
+            <a:schemeClr val="accent1">
+              <a:shade val="50000"/>
+            </a:schemeClr>
+          </a:lnRef>
+          <a:fillRef idx="1">
+            <a:schemeClr val="accent1"/>
+          </a:fillRef>
+          <a:effectRef idx="0">
+            <a:schemeClr val="accent1"/>
+          </a:effectRef>
+          <a:fontRef idx="minor">
+            <a:schemeClr val="lt1"/>
+          </a:fontRef>
+        </p:style>
+        <p:txBody>
+          <a:bodyPr rtlCol="0" anchor="ctr"/>
+          <a:lstStyle/>
+          <a:p>
+            <a:pPr algn="ctr"/>
+            <a:r>
+              <a:rPr lang="en-US" altLang="ko-KR" dirty="0" err="1">
+                <a:solidFill>
+                  <a:schemeClr val="tx1"/>
+                </a:solidFill>
+              </a:rPr>
+              <a:t>DefaultFormatting</a:t>
+            </a:r>
+            <a:endParaRPr lang="en-US" altLang="ko-KR" dirty="0">
+              <a:solidFill>
+                <a:schemeClr val="tx1"/>
+              </a:solidFill>
+            </a:endParaRPr>
+          </a:p>
+          <a:p>
+            <a:pPr algn="ctr"/>
+            <a:r>
+              <a:rPr lang="en-US" altLang="ko-KR" dirty="0" err="1">
+                <a:solidFill>
+                  <a:schemeClr val="tx1"/>
+                </a:solidFill>
+              </a:rPr>
+              <a:t>ConversionService</a:t>
+            </a:r>
+            <a:endParaRPr lang="en-US" altLang="ko-KR" dirty="0">
+              <a:solidFill>
+                <a:schemeClr val="tx1"/>
+              </a:solidFill>
+            </a:endParaRPr>
+          </a:p>
+        </p:txBody>
+      </p:sp>
+      <p:cxnSp>
+        <p:nvCxnSpPr>
+          <p:cNvPr id="11" name="직선 화살표 연결선 10">
+            <a:extLst>
+              <a:ext uri="{FF2B5EF4-FFF2-40B4-BE49-F238E27FC236}">
+                <a16:creationId xmlns:a16="http://schemas.microsoft.com/office/drawing/2014/main" id="{BC2A93D4-83B7-3A4F-9F4F-6C0EBB99B33B}"/>
+              </a:ext>
+            </a:extLst>
+          </p:cNvPr>
+          <p:cNvCxnSpPr>
+            <a:cxnSpLocks/>
+            <a:stCxn id="10" idx="0"/>
+            <a:endCxn id="7" idx="2"/>
+          </p:cNvCxnSpPr>
+          <p:nvPr/>
+        </p:nvCxnSpPr>
+        <p:spPr>
+          <a:xfrm flipH="1" flipV="1">
+            <a:off x="5059316" y="3861816"/>
+            <a:ext cx="1341122" cy="591312"/>
+          </a:xfrm>
+          <a:prstGeom prst="straightConnector1">
+            <a:avLst/>
+          </a:prstGeom>
+          <a:ln>
+            <a:tailEnd type="triangle"/>
+          </a:ln>
+        </p:spPr>
+        <p:style>
+          <a:lnRef idx="1">
+            <a:schemeClr val="accent1"/>
+          </a:lnRef>
+          <a:fillRef idx="0">
+            <a:schemeClr val="accent1"/>
+          </a:fillRef>
+          <a:effectRef idx="0">
+            <a:schemeClr val="accent1"/>
+          </a:effectRef>
+          <a:fontRef idx="minor">
+            <a:schemeClr val="tx1"/>
+          </a:fontRef>
+        </p:style>
+      </p:cxnSp>
+      <p:cxnSp>
+        <p:nvCxnSpPr>
+          <p:cNvPr id="14" name="직선 화살표 연결선 13">
+            <a:extLst>
+              <a:ext uri="{FF2B5EF4-FFF2-40B4-BE49-F238E27FC236}">
+                <a16:creationId xmlns:a16="http://schemas.microsoft.com/office/drawing/2014/main" id="{1FB9D8DC-5B16-7348-BFD0-D3531A6AADF3}"/>
+              </a:ext>
+            </a:extLst>
+          </p:cNvPr>
+          <p:cNvCxnSpPr>
+            <a:cxnSpLocks/>
+            <a:stCxn id="10" idx="0"/>
+            <a:endCxn id="8" idx="2"/>
+          </p:cNvCxnSpPr>
+          <p:nvPr/>
+        </p:nvCxnSpPr>
+        <p:spPr>
+          <a:xfrm flipV="1">
+            <a:off x="6400438" y="3861816"/>
+            <a:ext cx="1292352" cy="591312"/>
+          </a:xfrm>
+          <a:prstGeom prst="straightConnector1">
+            <a:avLst/>
+          </a:prstGeom>
+          <a:ln>
+            <a:tailEnd type="triangle"/>
+          </a:ln>
+        </p:spPr>
+        <p:style>
+          <a:lnRef idx="1">
+            <a:schemeClr val="accent1"/>
+          </a:lnRef>
+          <a:fillRef idx="0">
+            <a:schemeClr val="accent1"/>
+          </a:fillRef>
+          <a:effectRef idx="0">
+            <a:schemeClr val="accent1"/>
+          </a:effectRef>
+          <a:fontRef idx="minor">
+            <a:schemeClr val="tx1"/>
+          </a:fontRef>
+        </p:style>
+      </p:cxnSp>
+      <p:cxnSp>
+        <p:nvCxnSpPr>
+          <p:cNvPr id="17" name="직선 화살표 연결선 16">
+            <a:extLst>
+              <a:ext uri="{FF2B5EF4-FFF2-40B4-BE49-F238E27FC236}">
+                <a16:creationId xmlns:a16="http://schemas.microsoft.com/office/drawing/2014/main" id="{5C25A0E7-412B-9742-9EF1-376C6ACF7BCC}"/>
+              </a:ext>
+            </a:extLst>
+          </p:cNvPr>
+          <p:cNvCxnSpPr>
+            <a:cxnSpLocks/>
+            <a:stCxn id="8" idx="0"/>
+            <a:endCxn id="9" idx="2"/>
+          </p:cNvCxnSpPr>
+          <p:nvPr/>
+        </p:nvCxnSpPr>
+        <p:spPr>
+          <a:xfrm flipV="1">
+            <a:off x="7692790" y="2551176"/>
+            <a:ext cx="0" cy="396240"/>
+          </a:xfrm>
+          <a:prstGeom prst="straightConnector1">
+            <a:avLst/>
+          </a:prstGeom>
+          <a:ln>
+            <a:tailEnd type="triangle"/>
+          </a:ln>
+        </p:spPr>
+        <p:style>
+          <a:lnRef idx="1">
+            <a:schemeClr val="accent1"/>
+          </a:lnRef>
+          <a:fillRef idx="0">
+            <a:schemeClr val="accent1"/>
+          </a:fillRef>
+          <a:effectRef idx="0">
+            <a:schemeClr val="accent1"/>
+          </a:effectRef>
+          <a:fontRef idx="minor">
+            <a:schemeClr val="tx1"/>
+          </a:fontRef>
+        </p:style>
+      </p:cxnSp>
     </p:spTree>
     <p:extLst>
       <p:ext uri="{BB962C8B-B14F-4D97-AF65-F5344CB8AC3E}">
         <p14:creationId xmlns:p14="http://schemas.microsoft.com/office/powerpoint/2010/main" val="495873685"/>
+      </p:ext>
+    </p:extLst>
+  </p:cSld>
+  <p:clrMapOvr>
+    <a:masterClrMapping/>
+  </p:clrMapOvr>
+</p:sld>
+</file>
+
+<file path=ppt/slides/slide11.xml><?xml version="1.0" encoding="utf-8"?>
+<p:sld xmlns:a="http://schemas.openxmlformats.org/drawingml/2006/main" xmlns:r="http://schemas.openxmlformats.org/officeDocument/2006/relationships" xmlns:p="http://schemas.openxmlformats.org/presentationml/2006/main">
+  <p:cSld>
+    <p:spTree>
+      <p:nvGrpSpPr>
+        <p:cNvPr id="1" name=""/>
+        <p:cNvGrpSpPr/>
+        <p:nvPr/>
+      </p:nvGrpSpPr>
+      <p:grpSpPr>
+        <a:xfrm>
+          <a:off x="0" y="0"/>
+          <a:ext cx="0" cy="0"/>
+          <a:chOff x="0" y="0"/>
+          <a:chExt cx="0" cy="0"/>
+        </a:xfrm>
+      </p:grpSpPr>
+      <p:sp>
+        <p:nvSpPr>
+          <p:cNvPr id="38" name="TextBox 37">
+            <a:extLst>
+              <a:ext uri="{FF2B5EF4-FFF2-40B4-BE49-F238E27FC236}">
+                <a16:creationId xmlns:a16="http://schemas.microsoft.com/office/drawing/2014/main" id="{41C7FBC6-1ADE-614B-A639-CE04E73D33B6}"/>
+              </a:ext>
+            </a:extLst>
+          </p:cNvPr>
+          <p:cNvSpPr txBox="1"/>
+          <p:nvPr/>
+        </p:nvSpPr>
+        <p:spPr>
+          <a:xfrm>
+            <a:off x="163546" y="236746"/>
+            <a:ext cx="2457006" cy="276999"/>
+          </a:xfrm>
+          <a:prstGeom prst="rect">
+            <a:avLst/>
+          </a:prstGeom>
+          <a:noFill/>
+        </p:spPr>
+        <p:txBody>
+          <a:bodyPr wrap="square" rtlCol="0">
+            <a:spAutoFit/>
+          </a:bodyPr>
+          <a:lstStyle/>
+          <a:p>
+            <a:r>
+              <a:rPr lang="en-US" altLang="ko-KR" sz="1200" dirty="0"/>
+              <a:t>AOP native approach</a:t>
+            </a:r>
+          </a:p>
+        </p:txBody>
+      </p:sp>
+      <p:sp>
+        <p:nvSpPr>
+          <p:cNvPr id="18" name="모서리가 둥근 직사각형 17">
+            <a:extLst>
+              <a:ext uri="{FF2B5EF4-FFF2-40B4-BE49-F238E27FC236}">
+                <a16:creationId xmlns:a16="http://schemas.microsoft.com/office/drawing/2014/main" id="{08473F11-2D11-214B-BBD6-034265118EB2}"/>
+              </a:ext>
+            </a:extLst>
+          </p:cNvPr>
+          <p:cNvSpPr/>
+          <p:nvPr/>
+        </p:nvSpPr>
+        <p:spPr>
+          <a:xfrm>
+            <a:off x="4105790" y="1548586"/>
+            <a:ext cx="892978" cy="2717054"/>
+          </a:xfrm>
+          <a:prstGeom prst="roundRect">
+            <a:avLst/>
+          </a:prstGeom>
+        </p:spPr>
+        <p:style>
+          <a:lnRef idx="2">
+            <a:schemeClr val="accent1">
+              <a:shade val="50000"/>
+            </a:schemeClr>
+          </a:lnRef>
+          <a:fillRef idx="1">
+            <a:schemeClr val="accent1"/>
+          </a:fillRef>
+          <a:effectRef idx="0">
+            <a:schemeClr val="accent1"/>
+          </a:effectRef>
+          <a:fontRef idx="minor">
+            <a:schemeClr val="lt1"/>
+          </a:fontRef>
+        </p:style>
+        <p:txBody>
+          <a:bodyPr rtlCol="0" anchor="t" anchorCtr="0"/>
+          <a:lstStyle/>
+          <a:p>
+            <a:pPr algn="ctr"/>
+            <a:endParaRPr lang="en-US" altLang="ko-KR" sz="1600" dirty="0"/>
+          </a:p>
+          <a:p>
+            <a:pPr algn="ctr"/>
+            <a:r>
+              <a:rPr lang="en-US" altLang="ko-KR" sz="1400" dirty="0"/>
+              <a:t>Class A</a:t>
+            </a:r>
+            <a:endParaRPr lang="ko-KR" altLang="en-US" sz="1400" dirty="0"/>
+          </a:p>
+        </p:txBody>
+      </p:sp>
+      <p:sp>
+        <p:nvSpPr>
+          <p:cNvPr id="19" name="모서리가 둥근 직사각형 18">
+            <a:extLst>
+              <a:ext uri="{FF2B5EF4-FFF2-40B4-BE49-F238E27FC236}">
+                <a16:creationId xmlns:a16="http://schemas.microsoft.com/office/drawing/2014/main" id="{8EBBC251-F163-6949-8D33-5F20942A7D8B}"/>
+              </a:ext>
+            </a:extLst>
+          </p:cNvPr>
+          <p:cNvSpPr/>
+          <p:nvPr/>
+        </p:nvSpPr>
+        <p:spPr>
+          <a:xfrm>
+            <a:off x="5154568" y="1548586"/>
+            <a:ext cx="892978" cy="2717054"/>
+          </a:xfrm>
+          <a:prstGeom prst="roundRect">
+            <a:avLst/>
+          </a:prstGeom>
+        </p:spPr>
+        <p:style>
+          <a:lnRef idx="2">
+            <a:schemeClr val="accent6">
+              <a:shade val="50000"/>
+            </a:schemeClr>
+          </a:lnRef>
+          <a:fillRef idx="1">
+            <a:schemeClr val="accent6"/>
+          </a:fillRef>
+          <a:effectRef idx="0">
+            <a:schemeClr val="accent6"/>
+          </a:effectRef>
+          <a:fontRef idx="minor">
+            <a:schemeClr val="lt1"/>
+          </a:fontRef>
+        </p:style>
+        <p:txBody>
+          <a:bodyPr rtlCol="0" anchor="t" anchorCtr="1"/>
+          <a:lstStyle/>
+          <a:p>
+            <a:pPr algn="ctr"/>
+            <a:endParaRPr lang="en-US" altLang="ko-KR" sz="1600" dirty="0"/>
+          </a:p>
+          <a:p>
+            <a:pPr algn="ctr"/>
+            <a:r>
+              <a:rPr lang="en-US" altLang="ko-KR" sz="1400" dirty="0"/>
+              <a:t>Class B</a:t>
+            </a:r>
+            <a:endParaRPr lang="ko-KR" altLang="en-US" sz="1400" dirty="0"/>
+          </a:p>
+        </p:txBody>
+      </p:sp>
+      <p:sp>
+        <p:nvSpPr>
+          <p:cNvPr id="20" name="모서리가 둥근 직사각형 19">
+            <a:extLst>
+              <a:ext uri="{FF2B5EF4-FFF2-40B4-BE49-F238E27FC236}">
+                <a16:creationId xmlns:a16="http://schemas.microsoft.com/office/drawing/2014/main" id="{D7DBFD9C-24CD-0A40-BC8F-6D97EB0D149C}"/>
+              </a:ext>
+            </a:extLst>
+          </p:cNvPr>
+          <p:cNvSpPr/>
+          <p:nvPr/>
+        </p:nvSpPr>
+        <p:spPr>
+          <a:xfrm>
+            <a:off x="6222904" y="1558509"/>
+            <a:ext cx="892978" cy="2717054"/>
+          </a:xfrm>
+          <a:prstGeom prst="roundRect">
+            <a:avLst/>
+          </a:prstGeom>
+        </p:spPr>
+        <p:style>
+          <a:lnRef idx="2">
+            <a:schemeClr val="accent3">
+              <a:shade val="50000"/>
+            </a:schemeClr>
+          </a:lnRef>
+          <a:fillRef idx="1">
+            <a:schemeClr val="accent3"/>
+          </a:fillRef>
+          <a:effectRef idx="0">
+            <a:schemeClr val="accent3"/>
+          </a:effectRef>
+          <a:fontRef idx="minor">
+            <a:schemeClr val="lt1"/>
+          </a:fontRef>
+        </p:style>
+        <p:txBody>
+          <a:bodyPr rtlCol="0" anchor="t" anchorCtr="1"/>
+          <a:lstStyle/>
+          <a:p>
+            <a:pPr algn="ctr"/>
+            <a:endParaRPr lang="en-US" altLang="ko-KR" sz="1600" dirty="0"/>
+          </a:p>
+          <a:p>
+            <a:pPr algn="ctr"/>
+            <a:r>
+              <a:rPr lang="en-US" altLang="ko-KR" sz="1400" dirty="0"/>
+              <a:t>Class C</a:t>
+            </a:r>
+            <a:endParaRPr lang="ko-KR" altLang="en-US" sz="1400" dirty="0"/>
+          </a:p>
+        </p:txBody>
+      </p:sp>
+      <p:sp>
+        <p:nvSpPr>
+          <p:cNvPr id="21" name="모서리가 둥근 직사각형 20">
+            <a:extLst>
+              <a:ext uri="{FF2B5EF4-FFF2-40B4-BE49-F238E27FC236}">
+                <a16:creationId xmlns:a16="http://schemas.microsoft.com/office/drawing/2014/main" id="{59AAA13C-27E2-814B-B7A8-BA1A64EDADE0}"/>
+              </a:ext>
+            </a:extLst>
+          </p:cNvPr>
+          <p:cNvSpPr/>
+          <p:nvPr/>
+        </p:nvSpPr>
+        <p:spPr>
+          <a:xfrm>
+            <a:off x="4109522" y="3775239"/>
+            <a:ext cx="3006362" cy="456361"/>
+          </a:xfrm>
+          <a:prstGeom prst="roundRect">
+            <a:avLst/>
+          </a:prstGeom>
+        </p:spPr>
+        <p:style>
+          <a:lnRef idx="1">
+            <a:schemeClr val="accent5"/>
+          </a:lnRef>
+          <a:fillRef idx="2">
+            <a:schemeClr val="accent5"/>
+          </a:fillRef>
+          <a:effectRef idx="1">
+            <a:schemeClr val="accent5"/>
+          </a:effectRef>
+          <a:fontRef idx="minor">
+            <a:schemeClr val="dk1"/>
+          </a:fontRef>
+        </p:style>
+        <p:txBody>
+          <a:bodyPr rtlCol="0" anchor="ctr"/>
+          <a:lstStyle/>
+          <a:p>
+            <a:pPr algn="ctr"/>
+            <a:r>
+              <a:rPr lang="en-US" altLang="ko-KR" sz="1600" dirty="0"/>
+              <a:t>Transaction</a:t>
+            </a:r>
+            <a:endParaRPr lang="ko-KR" altLang="en-US" sz="1600" dirty="0"/>
+          </a:p>
+        </p:txBody>
+      </p:sp>
+      <p:sp>
+        <p:nvSpPr>
+          <p:cNvPr id="22" name="모서리가 둥근 직사각형 21">
+            <a:extLst>
+              <a:ext uri="{FF2B5EF4-FFF2-40B4-BE49-F238E27FC236}">
+                <a16:creationId xmlns:a16="http://schemas.microsoft.com/office/drawing/2014/main" id="{E6C464FE-CDA3-6F48-B7A8-F997E9007B17}"/>
+              </a:ext>
+            </a:extLst>
+          </p:cNvPr>
+          <p:cNvSpPr/>
+          <p:nvPr/>
+        </p:nvSpPr>
+        <p:spPr>
+          <a:xfrm>
+            <a:off x="4105790" y="2634262"/>
+            <a:ext cx="3010092" cy="456361"/>
+          </a:xfrm>
+          <a:prstGeom prst="roundRect">
+            <a:avLst/>
+          </a:prstGeom>
+        </p:spPr>
+        <p:style>
+          <a:lnRef idx="1">
+            <a:schemeClr val="dk1"/>
+          </a:lnRef>
+          <a:fillRef idx="2">
+            <a:schemeClr val="dk1"/>
+          </a:fillRef>
+          <a:effectRef idx="1">
+            <a:schemeClr val="dk1"/>
+          </a:effectRef>
+          <a:fontRef idx="minor">
+            <a:schemeClr val="dk1"/>
+          </a:fontRef>
+        </p:style>
+        <p:txBody>
+          <a:bodyPr rtlCol="0" anchor="ctr"/>
+          <a:lstStyle/>
+          <a:p>
+            <a:pPr algn="ctr"/>
+            <a:r>
+              <a:rPr lang="en-US" altLang="ko-KR" sz="1600" dirty="0"/>
+              <a:t>Logging</a:t>
+            </a:r>
+            <a:endParaRPr lang="ko-KR" altLang="en-US" sz="1600" dirty="0"/>
+          </a:p>
+        </p:txBody>
+      </p:sp>
+      <p:sp>
+        <p:nvSpPr>
+          <p:cNvPr id="23" name="모서리가 둥근 직사각형 22">
+            <a:extLst>
+              <a:ext uri="{FF2B5EF4-FFF2-40B4-BE49-F238E27FC236}">
+                <a16:creationId xmlns:a16="http://schemas.microsoft.com/office/drawing/2014/main" id="{32E012BA-48AA-CE45-A1D6-467CA2884F48}"/>
+              </a:ext>
+            </a:extLst>
+          </p:cNvPr>
+          <p:cNvSpPr/>
+          <p:nvPr/>
+        </p:nvSpPr>
+        <p:spPr>
+          <a:xfrm>
+            <a:off x="4105791" y="3210326"/>
+            <a:ext cx="3010092" cy="456361"/>
+          </a:xfrm>
+          <a:prstGeom prst="roundRect">
+            <a:avLst/>
+          </a:prstGeom>
+        </p:spPr>
+        <p:style>
+          <a:lnRef idx="1">
+            <a:schemeClr val="accent4"/>
+          </a:lnRef>
+          <a:fillRef idx="2">
+            <a:schemeClr val="accent4"/>
+          </a:fillRef>
+          <a:effectRef idx="1">
+            <a:schemeClr val="accent4"/>
+          </a:effectRef>
+          <a:fontRef idx="minor">
+            <a:schemeClr val="dk1"/>
+          </a:fontRef>
+        </p:style>
+        <p:txBody>
+          <a:bodyPr rtlCol="0" anchor="ctr"/>
+          <a:lstStyle/>
+          <a:p>
+            <a:pPr algn="ctr"/>
+            <a:r>
+              <a:rPr lang="en-US" altLang="ko-KR" sz="1600" dirty="0"/>
+              <a:t>Security</a:t>
+            </a:r>
+            <a:endParaRPr lang="ko-KR" altLang="en-US" sz="1600" dirty="0"/>
+          </a:p>
+        </p:txBody>
+      </p:sp>
+    </p:spTree>
+    <p:extLst>
+      <p:ext uri="{BB962C8B-B14F-4D97-AF65-F5344CB8AC3E}">
+        <p14:creationId xmlns:p14="http://schemas.microsoft.com/office/powerpoint/2010/main" val="4248822940"/>
+      </p:ext>
+    </p:extLst>
+  </p:cSld>
+  <p:clrMapOvr>
+    <a:masterClrMapping/>
+  </p:clrMapOvr>
+</p:sld>
+</file>
+
+<file path=ppt/slides/slide12.xml><?xml version="1.0" encoding="utf-8"?>
+<p:sld xmlns:a="http://schemas.openxmlformats.org/drawingml/2006/main" xmlns:r="http://schemas.openxmlformats.org/officeDocument/2006/relationships" xmlns:p="http://schemas.openxmlformats.org/presentationml/2006/main">
+  <p:cSld>
+    <p:spTree>
+      <p:nvGrpSpPr>
+        <p:cNvPr id="1" name=""/>
+        <p:cNvGrpSpPr/>
+        <p:nvPr/>
+      </p:nvGrpSpPr>
+      <p:grpSpPr>
+        <a:xfrm>
+          <a:off x="0" y="0"/>
+          <a:ext cx="0" cy="0"/>
+          <a:chOff x="0" y="0"/>
+          <a:chExt cx="0" cy="0"/>
+        </a:xfrm>
+      </p:grpSpPr>
+      <p:sp>
+        <p:nvSpPr>
+          <p:cNvPr id="38" name="TextBox 37">
+            <a:extLst>
+              <a:ext uri="{FF2B5EF4-FFF2-40B4-BE49-F238E27FC236}">
+                <a16:creationId xmlns:a16="http://schemas.microsoft.com/office/drawing/2014/main" id="{41C7FBC6-1ADE-614B-A639-CE04E73D33B6}"/>
+              </a:ext>
+            </a:extLst>
+          </p:cNvPr>
+          <p:cNvSpPr txBox="1"/>
+          <p:nvPr/>
+        </p:nvSpPr>
+        <p:spPr>
+          <a:xfrm>
+            <a:off x="163546" y="236746"/>
+            <a:ext cx="2457006" cy="276999"/>
+          </a:xfrm>
+          <a:prstGeom prst="rect">
+            <a:avLst/>
+          </a:prstGeom>
+          <a:noFill/>
+        </p:spPr>
+        <p:txBody>
+          <a:bodyPr wrap="square" rtlCol="0">
+            <a:spAutoFit/>
+          </a:bodyPr>
+          <a:lstStyle/>
+          <a:p>
+            <a:r>
+              <a:rPr lang="en-US" altLang="ko-KR" sz="1200" dirty="0"/>
+              <a:t>AOP </a:t>
+            </a:r>
+            <a:r>
+              <a:rPr lang="en-US" altLang="ko-KR" sz="1200"/>
+              <a:t>crosscutting concerns</a:t>
+            </a:r>
+            <a:endParaRPr lang="en-US" altLang="ko-KR" sz="1200" dirty="0"/>
+          </a:p>
+        </p:txBody>
+      </p:sp>
+      <p:sp>
+        <p:nvSpPr>
+          <p:cNvPr id="18" name="모서리가 둥근 직사각형 17">
+            <a:extLst>
+              <a:ext uri="{FF2B5EF4-FFF2-40B4-BE49-F238E27FC236}">
+                <a16:creationId xmlns:a16="http://schemas.microsoft.com/office/drawing/2014/main" id="{08473F11-2D11-214B-BBD6-034265118EB2}"/>
+              </a:ext>
+            </a:extLst>
+          </p:cNvPr>
+          <p:cNvSpPr/>
+          <p:nvPr/>
+        </p:nvSpPr>
+        <p:spPr>
+          <a:xfrm>
+            <a:off x="4105790" y="1548586"/>
+            <a:ext cx="892978" cy="2717054"/>
+          </a:xfrm>
+          <a:prstGeom prst="roundRect">
+            <a:avLst/>
+          </a:prstGeom>
+        </p:spPr>
+        <p:style>
+          <a:lnRef idx="2">
+            <a:schemeClr val="accent1">
+              <a:shade val="50000"/>
+            </a:schemeClr>
+          </a:lnRef>
+          <a:fillRef idx="1">
+            <a:schemeClr val="accent1"/>
+          </a:fillRef>
+          <a:effectRef idx="0">
+            <a:schemeClr val="accent1"/>
+          </a:effectRef>
+          <a:fontRef idx="minor">
+            <a:schemeClr val="lt1"/>
+          </a:fontRef>
+        </p:style>
+        <p:txBody>
+          <a:bodyPr rtlCol="0" anchor="t" anchorCtr="0"/>
+          <a:lstStyle/>
+          <a:p>
+            <a:pPr algn="ctr"/>
+            <a:endParaRPr lang="en-US" altLang="ko-KR" sz="1600" dirty="0"/>
+          </a:p>
+          <a:p>
+            <a:pPr algn="ctr"/>
+            <a:r>
+              <a:rPr lang="en-US" altLang="ko-KR" sz="1400" dirty="0"/>
+              <a:t>Class A</a:t>
+            </a:r>
+            <a:endParaRPr lang="ko-KR" altLang="en-US" sz="1400" dirty="0"/>
+          </a:p>
+        </p:txBody>
+      </p:sp>
+      <p:sp>
+        <p:nvSpPr>
+          <p:cNvPr id="19" name="모서리가 둥근 직사각형 18">
+            <a:extLst>
+              <a:ext uri="{FF2B5EF4-FFF2-40B4-BE49-F238E27FC236}">
+                <a16:creationId xmlns:a16="http://schemas.microsoft.com/office/drawing/2014/main" id="{8EBBC251-F163-6949-8D33-5F20942A7D8B}"/>
+              </a:ext>
+            </a:extLst>
+          </p:cNvPr>
+          <p:cNvSpPr/>
+          <p:nvPr/>
+        </p:nvSpPr>
+        <p:spPr>
+          <a:xfrm>
+            <a:off x="5154568" y="1548586"/>
+            <a:ext cx="892978" cy="2717054"/>
+          </a:xfrm>
+          <a:prstGeom prst="roundRect">
+            <a:avLst/>
+          </a:prstGeom>
+        </p:spPr>
+        <p:style>
+          <a:lnRef idx="2">
+            <a:schemeClr val="accent6">
+              <a:shade val="50000"/>
+            </a:schemeClr>
+          </a:lnRef>
+          <a:fillRef idx="1">
+            <a:schemeClr val="accent6"/>
+          </a:fillRef>
+          <a:effectRef idx="0">
+            <a:schemeClr val="accent6"/>
+          </a:effectRef>
+          <a:fontRef idx="minor">
+            <a:schemeClr val="lt1"/>
+          </a:fontRef>
+        </p:style>
+        <p:txBody>
+          <a:bodyPr rtlCol="0" anchor="t" anchorCtr="1"/>
+          <a:lstStyle/>
+          <a:p>
+            <a:pPr algn="ctr"/>
+            <a:endParaRPr lang="en-US" altLang="ko-KR" sz="1600" dirty="0"/>
+          </a:p>
+          <a:p>
+            <a:pPr algn="ctr"/>
+            <a:r>
+              <a:rPr lang="en-US" altLang="ko-KR" sz="1400" dirty="0"/>
+              <a:t>Class B</a:t>
+            </a:r>
+            <a:endParaRPr lang="ko-KR" altLang="en-US" sz="1400" dirty="0"/>
+          </a:p>
+        </p:txBody>
+      </p:sp>
+      <p:sp>
+        <p:nvSpPr>
+          <p:cNvPr id="20" name="모서리가 둥근 직사각형 19">
+            <a:extLst>
+              <a:ext uri="{FF2B5EF4-FFF2-40B4-BE49-F238E27FC236}">
+                <a16:creationId xmlns:a16="http://schemas.microsoft.com/office/drawing/2014/main" id="{D7DBFD9C-24CD-0A40-BC8F-6D97EB0D149C}"/>
+              </a:ext>
+            </a:extLst>
+          </p:cNvPr>
+          <p:cNvSpPr/>
+          <p:nvPr/>
+        </p:nvSpPr>
+        <p:spPr>
+          <a:xfrm>
+            <a:off x="6222904" y="1558509"/>
+            <a:ext cx="892978" cy="2717054"/>
+          </a:xfrm>
+          <a:prstGeom prst="roundRect">
+            <a:avLst/>
+          </a:prstGeom>
+        </p:spPr>
+        <p:style>
+          <a:lnRef idx="2">
+            <a:schemeClr val="accent3">
+              <a:shade val="50000"/>
+            </a:schemeClr>
+          </a:lnRef>
+          <a:fillRef idx="1">
+            <a:schemeClr val="accent3"/>
+          </a:fillRef>
+          <a:effectRef idx="0">
+            <a:schemeClr val="accent3"/>
+          </a:effectRef>
+          <a:fontRef idx="minor">
+            <a:schemeClr val="lt1"/>
+          </a:fontRef>
+        </p:style>
+        <p:txBody>
+          <a:bodyPr rtlCol="0" anchor="t" anchorCtr="1"/>
+          <a:lstStyle/>
+          <a:p>
+            <a:pPr algn="ctr"/>
+            <a:endParaRPr lang="en-US" altLang="ko-KR" sz="1600" dirty="0"/>
+          </a:p>
+          <a:p>
+            <a:pPr algn="ctr"/>
+            <a:r>
+              <a:rPr lang="en-US" altLang="ko-KR" sz="1400" dirty="0"/>
+              <a:t>Class C</a:t>
+            </a:r>
+            <a:endParaRPr lang="ko-KR" altLang="en-US" sz="1400" dirty="0"/>
+          </a:p>
+        </p:txBody>
+      </p:sp>
+      <p:sp>
+        <p:nvSpPr>
+          <p:cNvPr id="21" name="모서리가 둥근 직사각형 20">
+            <a:extLst>
+              <a:ext uri="{FF2B5EF4-FFF2-40B4-BE49-F238E27FC236}">
+                <a16:creationId xmlns:a16="http://schemas.microsoft.com/office/drawing/2014/main" id="{59AAA13C-27E2-814B-B7A8-BA1A64EDADE0}"/>
+              </a:ext>
+            </a:extLst>
+          </p:cNvPr>
+          <p:cNvSpPr/>
+          <p:nvPr/>
+        </p:nvSpPr>
+        <p:spPr>
+          <a:xfrm>
+            <a:off x="4109522" y="3775239"/>
+            <a:ext cx="3006362" cy="456361"/>
+          </a:xfrm>
+          <a:prstGeom prst="roundRect">
+            <a:avLst/>
+          </a:prstGeom>
+        </p:spPr>
+        <p:style>
+          <a:lnRef idx="1">
+            <a:schemeClr val="accent5"/>
+          </a:lnRef>
+          <a:fillRef idx="2">
+            <a:schemeClr val="accent5"/>
+          </a:fillRef>
+          <a:effectRef idx="1">
+            <a:schemeClr val="accent5"/>
+          </a:effectRef>
+          <a:fontRef idx="minor">
+            <a:schemeClr val="dk1"/>
+          </a:fontRef>
+        </p:style>
+        <p:txBody>
+          <a:bodyPr rtlCol="0" anchor="ctr"/>
+          <a:lstStyle/>
+          <a:p>
+            <a:pPr algn="ctr"/>
+            <a:r>
+              <a:rPr lang="en-US" altLang="ko-KR" sz="1600" dirty="0"/>
+              <a:t>Transaction</a:t>
+            </a:r>
+            <a:endParaRPr lang="ko-KR" altLang="en-US" sz="1600" dirty="0"/>
+          </a:p>
+        </p:txBody>
+      </p:sp>
+      <p:sp>
+        <p:nvSpPr>
+          <p:cNvPr id="22" name="모서리가 둥근 직사각형 21">
+            <a:extLst>
+              <a:ext uri="{FF2B5EF4-FFF2-40B4-BE49-F238E27FC236}">
+                <a16:creationId xmlns:a16="http://schemas.microsoft.com/office/drawing/2014/main" id="{E6C464FE-CDA3-6F48-B7A8-F997E9007B17}"/>
+              </a:ext>
+            </a:extLst>
+          </p:cNvPr>
+          <p:cNvSpPr/>
+          <p:nvPr/>
+        </p:nvSpPr>
+        <p:spPr>
+          <a:xfrm>
+            <a:off x="4105790" y="2634262"/>
+            <a:ext cx="3010092" cy="456361"/>
+          </a:xfrm>
+          <a:prstGeom prst="roundRect">
+            <a:avLst/>
+          </a:prstGeom>
+        </p:spPr>
+        <p:style>
+          <a:lnRef idx="1">
+            <a:schemeClr val="dk1"/>
+          </a:lnRef>
+          <a:fillRef idx="2">
+            <a:schemeClr val="dk1"/>
+          </a:fillRef>
+          <a:effectRef idx="1">
+            <a:schemeClr val="dk1"/>
+          </a:effectRef>
+          <a:fontRef idx="minor">
+            <a:schemeClr val="dk1"/>
+          </a:fontRef>
+        </p:style>
+        <p:txBody>
+          <a:bodyPr rtlCol="0" anchor="ctr"/>
+          <a:lstStyle/>
+          <a:p>
+            <a:pPr algn="ctr"/>
+            <a:r>
+              <a:rPr lang="en-US" altLang="ko-KR" sz="1600" dirty="0"/>
+              <a:t>Logging</a:t>
+            </a:r>
+            <a:endParaRPr lang="ko-KR" altLang="en-US" sz="1600" dirty="0"/>
+          </a:p>
+        </p:txBody>
+      </p:sp>
+      <p:sp>
+        <p:nvSpPr>
+          <p:cNvPr id="23" name="모서리가 둥근 직사각형 22">
+            <a:extLst>
+              <a:ext uri="{FF2B5EF4-FFF2-40B4-BE49-F238E27FC236}">
+                <a16:creationId xmlns:a16="http://schemas.microsoft.com/office/drawing/2014/main" id="{32E012BA-48AA-CE45-A1D6-467CA2884F48}"/>
+              </a:ext>
+            </a:extLst>
+          </p:cNvPr>
+          <p:cNvSpPr/>
+          <p:nvPr/>
+        </p:nvSpPr>
+        <p:spPr>
+          <a:xfrm>
+            <a:off x="4105791" y="3210326"/>
+            <a:ext cx="3010092" cy="456361"/>
+          </a:xfrm>
+          <a:prstGeom prst="roundRect">
+            <a:avLst/>
+          </a:prstGeom>
+        </p:spPr>
+        <p:style>
+          <a:lnRef idx="1">
+            <a:schemeClr val="accent4"/>
+          </a:lnRef>
+          <a:fillRef idx="2">
+            <a:schemeClr val="accent4"/>
+          </a:fillRef>
+          <a:effectRef idx="1">
+            <a:schemeClr val="accent4"/>
+          </a:effectRef>
+          <a:fontRef idx="minor">
+            <a:schemeClr val="dk1"/>
+          </a:fontRef>
+        </p:style>
+        <p:txBody>
+          <a:bodyPr rtlCol="0" anchor="ctr"/>
+          <a:lstStyle/>
+          <a:p>
+            <a:pPr algn="ctr"/>
+            <a:r>
+              <a:rPr lang="en-US" altLang="ko-KR" sz="1600" dirty="0"/>
+              <a:t>Security</a:t>
+            </a:r>
+            <a:endParaRPr lang="ko-KR" altLang="en-US" sz="1600" dirty="0"/>
+          </a:p>
+        </p:txBody>
+      </p:sp>
+    </p:spTree>
+    <p:extLst>
+      <p:ext uri="{BB962C8B-B14F-4D97-AF65-F5344CB8AC3E}">
+        <p14:creationId xmlns:p14="http://schemas.microsoft.com/office/powerpoint/2010/main" val="3968970782"/>
       </p:ext>
     </p:extLst>
   </p:cSld>
@@ -12646,7 +13810,7 @@
           <a:lstStyle/>
           <a:p>
             <a:r>
-              <a:rPr kumimoji="1" lang="en-US" altLang="ko-KR" sz="1200"/>
+              <a:rPr kumimoji="1" lang="en-US" altLang="ko-KR" sz="1200" dirty="0"/>
               <a:t>Proxy</a:t>
             </a:r>
             <a:endParaRPr kumimoji="1" lang="ko-KR" altLang="en-US" sz="1200" dirty="0"/>

--- a/images.pptx
+++ b/images.pptx
@@ -17,6 +17,7 @@
     <p:sldId id="266" r:id="rId11"/>
     <p:sldId id="267" r:id="rId12"/>
     <p:sldId id="268" r:id="rId13"/>
+    <p:sldId id="269" r:id="rId14"/>
   </p:sldIdLst>
   <p:sldSz cx="12192000" cy="6858000"/>
   <p:notesSz cx="6858000" cy="9144000"/>
@@ -4836,6 +4837,201 @@
           </a:p>
         </p:txBody>
       </p:sp>
+      <p:sp>
+        <p:nvSpPr>
+          <p:cNvPr id="25" name="왼쪽 중괄호 4">
+            <a:extLst>
+              <a:ext uri="{FF2B5EF4-FFF2-40B4-BE49-F238E27FC236}">
+                <a16:creationId xmlns:a16="http://schemas.microsoft.com/office/drawing/2014/main" id="{AD82D045-8E90-C74D-A128-361F1C9F4DCF}"/>
+              </a:ext>
+            </a:extLst>
+          </p:cNvPr>
+          <p:cNvSpPr/>
+          <p:nvPr/>
+        </p:nvSpPr>
+        <p:spPr>
+          <a:xfrm>
+            <a:off x="3873112" y="2703443"/>
+            <a:ext cx="216024" cy="288032"/>
+          </a:xfrm>
+          <a:prstGeom prst="leftBrace">
+            <a:avLst/>
+          </a:prstGeom>
+        </p:spPr>
+        <p:style>
+          <a:lnRef idx="1">
+            <a:schemeClr val="accent1"/>
+          </a:lnRef>
+          <a:fillRef idx="0">
+            <a:schemeClr val="accent1"/>
+          </a:fillRef>
+          <a:effectRef idx="0">
+            <a:schemeClr val="accent1"/>
+          </a:effectRef>
+          <a:fontRef idx="minor">
+            <a:schemeClr val="tx1"/>
+          </a:fontRef>
+        </p:style>
+        <p:txBody>
+          <a:bodyPr rtlCol="0" anchor="ctr"/>
+          <a:lstStyle/>
+          <a:p>
+            <a:pPr algn="ctr"/>
+            <a:endParaRPr lang="ko-KR" altLang="en-US"/>
+          </a:p>
+        </p:txBody>
+      </p:sp>
+      <p:sp>
+        <p:nvSpPr>
+          <p:cNvPr id="26" name="왼쪽 중괄호 5">
+            <a:extLst>
+              <a:ext uri="{FF2B5EF4-FFF2-40B4-BE49-F238E27FC236}">
+                <a16:creationId xmlns:a16="http://schemas.microsoft.com/office/drawing/2014/main" id="{DFAA5C2F-0D3D-0947-810C-E6C057437589}"/>
+              </a:ext>
+            </a:extLst>
+          </p:cNvPr>
+          <p:cNvSpPr/>
+          <p:nvPr/>
+        </p:nvSpPr>
+        <p:spPr>
+          <a:xfrm>
+            <a:off x="3865380" y="3279507"/>
+            <a:ext cx="216024" cy="288032"/>
+          </a:xfrm>
+          <a:prstGeom prst="leftBrace">
+            <a:avLst/>
+          </a:prstGeom>
+          <a:ln>
+            <a:solidFill>
+              <a:srgbClr val="FF0000"/>
+            </a:solidFill>
+          </a:ln>
+        </p:spPr>
+        <p:style>
+          <a:lnRef idx="1">
+            <a:schemeClr val="accent1"/>
+          </a:lnRef>
+          <a:fillRef idx="0">
+            <a:schemeClr val="accent1"/>
+          </a:fillRef>
+          <a:effectRef idx="0">
+            <a:schemeClr val="accent1"/>
+          </a:effectRef>
+          <a:fontRef idx="minor">
+            <a:schemeClr val="tx1"/>
+          </a:fontRef>
+        </p:style>
+        <p:txBody>
+          <a:bodyPr rtlCol="0" anchor="ctr"/>
+          <a:lstStyle/>
+          <a:p>
+            <a:pPr algn="ctr"/>
+            <a:endParaRPr lang="ko-KR" altLang="en-US"/>
+          </a:p>
+        </p:txBody>
+      </p:sp>
+      <p:sp>
+        <p:nvSpPr>
+          <p:cNvPr id="27" name="왼쪽 중괄호 6">
+            <a:extLst>
+              <a:ext uri="{FF2B5EF4-FFF2-40B4-BE49-F238E27FC236}">
+                <a16:creationId xmlns:a16="http://schemas.microsoft.com/office/drawing/2014/main" id="{4A946C24-9A12-884D-9DBA-B522EC2A15E6}"/>
+              </a:ext>
+            </a:extLst>
+          </p:cNvPr>
+          <p:cNvSpPr/>
+          <p:nvPr/>
+        </p:nvSpPr>
+        <p:spPr>
+          <a:xfrm>
+            <a:off x="3870746" y="3844420"/>
+            <a:ext cx="216024" cy="288032"/>
+          </a:xfrm>
+          <a:prstGeom prst="leftBrace">
+            <a:avLst/>
+          </a:prstGeom>
+          <a:ln>
+            <a:solidFill>
+              <a:schemeClr val="accent6">
+                <a:lumMod val="75000"/>
+              </a:schemeClr>
+            </a:solidFill>
+          </a:ln>
+        </p:spPr>
+        <p:style>
+          <a:lnRef idx="1">
+            <a:schemeClr val="accent1"/>
+          </a:lnRef>
+          <a:fillRef idx="0">
+            <a:schemeClr val="accent1"/>
+          </a:fillRef>
+          <a:effectRef idx="0">
+            <a:schemeClr val="accent1"/>
+          </a:effectRef>
+          <a:fontRef idx="minor">
+            <a:schemeClr val="tx1"/>
+          </a:fontRef>
+        </p:style>
+        <p:txBody>
+          <a:bodyPr rtlCol="0" anchor="ctr"/>
+          <a:lstStyle/>
+          <a:p>
+            <a:pPr algn="ctr"/>
+            <a:endParaRPr lang="ko-KR" altLang="en-US"/>
+          </a:p>
+        </p:txBody>
+      </p:sp>
+      <p:sp>
+        <p:nvSpPr>
+          <p:cNvPr id="28" name="TextBox 27">
+            <a:extLst>
+              <a:ext uri="{FF2B5EF4-FFF2-40B4-BE49-F238E27FC236}">
+                <a16:creationId xmlns:a16="http://schemas.microsoft.com/office/drawing/2014/main" id="{4BC6CD6F-96B9-AA44-8270-B2354DF09E6B}"/>
+              </a:ext>
+            </a:extLst>
+          </p:cNvPr>
+          <p:cNvSpPr txBox="1"/>
+          <p:nvPr/>
+        </p:nvSpPr>
+        <p:spPr>
+          <a:xfrm>
+            <a:off x="2840295" y="3023007"/>
+            <a:ext cx="1011431" cy="830997"/>
+          </a:xfrm>
+          <a:prstGeom prst="rect">
+            <a:avLst/>
+          </a:prstGeom>
+          <a:noFill/>
+        </p:spPr>
+        <p:txBody>
+          <a:bodyPr wrap="none" rtlCol="0">
+            <a:spAutoFit/>
+          </a:bodyPr>
+          <a:lstStyle/>
+          <a:p>
+            <a:pPr algn="ctr"/>
+            <a:r>
+              <a:rPr lang="en-US" altLang="ko-KR" sz="1600" dirty="0"/>
+              <a:t>Cross</a:t>
+            </a:r>
+          </a:p>
+          <a:p>
+            <a:pPr algn="ctr"/>
+            <a:r>
+              <a:rPr lang="en-US" altLang="ko-KR" sz="1600" dirty="0"/>
+              <a:t>cutting</a:t>
+            </a:r>
+          </a:p>
+          <a:p>
+            <a:pPr algn="ctr"/>
+            <a:r>
+              <a:rPr lang="en-US" altLang="ko-KR" sz="1600" dirty="0"/>
+              <a:t>concerns</a:t>
+            </a:r>
+            <a:endParaRPr lang="ko-KR" altLang="en-US" sz="1600" dirty="0"/>
+          </a:p>
+        </p:txBody>
+      </p:sp>
     </p:spTree>
     <p:extLst>
       <p:ext uri="{BB962C8B-B14F-4D97-AF65-F5344CB8AC3E}">
@@ -4896,22 +5092,17 @@
           <a:p>
             <a:r>
               <a:rPr lang="en-US" altLang="ko-KR" sz="1200" dirty="0"/>
-              <a:t>AOP </a:t>
-            </a:r>
-            <a:r>
-              <a:rPr lang="en-US" altLang="ko-KR" sz="1200"/>
-              <a:t>crosscutting concerns</a:t>
-            </a:r>
-            <a:endParaRPr lang="en-US" altLang="ko-KR" sz="1200" dirty="0"/>
-          </a:p>
-        </p:txBody>
-      </p:sp>
-      <p:sp>
-        <p:nvSpPr>
-          <p:cNvPr id="18" name="모서리가 둥근 직사각형 17">
-            <a:extLst>
-              <a:ext uri="{FF2B5EF4-FFF2-40B4-BE49-F238E27FC236}">
-                <a16:creationId xmlns:a16="http://schemas.microsoft.com/office/drawing/2014/main" id="{08473F11-2D11-214B-BBD6-034265118EB2}"/>
+              <a:t>AOP crosscutting concerns</a:t>
+            </a:r>
+          </a:p>
+        </p:txBody>
+      </p:sp>
+      <p:sp>
+        <p:nvSpPr>
+          <p:cNvPr id="25" name="모서리가 둥근 직사각형 24">
+            <a:extLst>
+              <a:ext uri="{FF2B5EF4-FFF2-40B4-BE49-F238E27FC236}">
+                <a16:creationId xmlns:a16="http://schemas.microsoft.com/office/drawing/2014/main" id="{0BEACB94-1B78-5F43-A06C-6BB42A2C28CD}"/>
               </a:ext>
             </a:extLst>
           </p:cNvPr>
@@ -4920,8 +5111,152 @@
         </p:nvSpPr>
         <p:spPr>
           <a:xfrm>
-            <a:off x="4105790" y="1548586"/>
-            <a:ext cx="892978" cy="2717054"/>
+            <a:off x="5027666" y="4133227"/>
+            <a:ext cx="3029648" cy="456361"/>
+          </a:xfrm>
+          <a:prstGeom prst="roundRect">
+            <a:avLst/>
+          </a:prstGeom>
+        </p:spPr>
+        <p:style>
+          <a:lnRef idx="1">
+            <a:schemeClr val="accent5"/>
+          </a:lnRef>
+          <a:fillRef idx="2">
+            <a:schemeClr val="accent5"/>
+          </a:fillRef>
+          <a:effectRef idx="1">
+            <a:schemeClr val="accent5"/>
+          </a:effectRef>
+          <a:fontRef idx="minor">
+            <a:schemeClr val="dk1"/>
+          </a:fontRef>
+        </p:style>
+        <p:txBody>
+          <a:bodyPr rtlCol="0" anchor="ctr"/>
+          <a:lstStyle/>
+          <a:p>
+            <a:pPr algn="ctr"/>
+            <a:r>
+              <a:rPr lang="en-US" altLang="ko-KR" sz="1600" dirty="0"/>
+              <a:t>Aspect Transaction</a:t>
+            </a:r>
+            <a:endParaRPr lang="ko-KR" altLang="en-US" sz="1600" dirty="0"/>
+          </a:p>
+        </p:txBody>
+      </p:sp>
+      <p:sp>
+        <p:nvSpPr>
+          <p:cNvPr id="26" name="모서리가 둥근 직사각형 25">
+            <a:extLst>
+              <a:ext uri="{FF2B5EF4-FFF2-40B4-BE49-F238E27FC236}">
+                <a16:creationId xmlns:a16="http://schemas.microsoft.com/office/drawing/2014/main" id="{399449B3-3209-8244-B8D8-FB5CDC8813D1}"/>
+              </a:ext>
+            </a:extLst>
+          </p:cNvPr>
+          <p:cNvSpPr/>
+          <p:nvPr/>
+        </p:nvSpPr>
+        <p:spPr>
+          <a:xfrm>
+            <a:off x="5027666" y="2992250"/>
+            <a:ext cx="3029648" cy="456361"/>
+          </a:xfrm>
+          <a:prstGeom prst="roundRect">
+            <a:avLst/>
+          </a:prstGeom>
+        </p:spPr>
+        <p:style>
+          <a:lnRef idx="1">
+            <a:schemeClr val="dk1"/>
+          </a:lnRef>
+          <a:fillRef idx="2">
+            <a:schemeClr val="dk1"/>
+          </a:fillRef>
+          <a:effectRef idx="1">
+            <a:schemeClr val="dk1"/>
+          </a:effectRef>
+          <a:fontRef idx="minor">
+            <a:schemeClr val="dk1"/>
+          </a:fontRef>
+        </p:style>
+        <p:txBody>
+          <a:bodyPr rtlCol="0" anchor="ctr"/>
+          <a:lstStyle/>
+          <a:p>
+            <a:pPr algn="ctr"/>
+            <a:r>
+              <a:rPr lang="en-US" altLang="ko-KR" sz="1600" dirty="0"/>
+              <a:t>Aspect Logging</a:t>
+            </a:r>
+            <a:endParaRPr lang="ko-KR" altLang="en-US" sz="1600" dirty="0"/>
+          </a:p>
+        </p:txBody>
+      </p:sp>
+      <p:sp>
+        <p:nvSpPr>
+          <p:cNvPr id="27" name="모서리가 둥근 직사각형 26">
+            <a:extLst>
+              <a:ext uri="{FF2B5EF4-FFF2-40B4-BE49-F238E27FC236}">
+                <a16:creationId xmlns:a16="http://schemas.microsoft.com/office/drawing/2014/main" id="{ED87674A-3195-7641-90F6-45E3A69A8059}"/>
+              </a:ext>
+            </a:extLst>
+          </p:cNvPr>
+          <p:cNvSpPr/>
+          <p:nvPr/>
+        </p:nvSpPr>
+        <p:spPr>
+          <a:xfrm>
+            <a:off x="5027665" y="3568314"/>
+            <a:ext cx="3029649" cy="456361"/>
+          </a:xfrm>
+          <a:prstGeom prst="roundRect">
+            <a:avLst/>
+          </a:prstGeom>
+        </p:spPr>
+        <p:style>
+          <a:lnRef idx="1">
+            <a:schemeClr val="accent4"/>
+          </a:lnRef>
+          <a:fillRef idx="2">
+            <a:schemeClr val="accent4"/>
+          </a:fillRef>
+          <a:effectRef idx="1">
+            <a:schemeClr val="accent4"/>
+          </a:effectRef>
+          <a:fontRef idx="minor">
+            <a:schemeClr val="dk1"/>
+          </a:fontRef>
+        </p:style>
+        <p:txBody>
+          <a:bodyPr rtlCol="0" anchor="ctr"/>
+          <a:lstStyle/>
+          <a:p>
+            <a:pPr algn="ctr"/>
+            <a:r>
+              <a:rPr lang="en-US" altLang="ko-KR" sz="1600" dirty="0"/>
+              <a:t>Aspect Security</a:t>
+            </a:r>
+            <a:endParaRPr lang="ko-KR" altLang="en-US" sz="1600" dirty="0"/>
+          </a:p>
+        </p:txBody>
+      </p:sp>
+      <p:sp>
+        <p:nvSpPr>
+          <p:cNvPr id="28" name="모서리가 둥근 직사각형 27">
+            <a:extLst>
+              <a:ext uri="{FF2B5EF4-FFF2-40B4-BE49-F238E27FC236}">
+                <a16:creationId xmlns:a16="http://schemas.microsoft.com/office/drawing/2014/main" id="{D8A5CE7C-8CD2-E84F-A1DE-37C3ADE22EA2}"/>
+              </a:ext>
+            </a:extLst>
+          </p:cNvPr>
+          <p:cNvSpPr/>
+          <p:nvPr/>
+        </p:nvSpPr>
+        <p:spPr>
+          <a:xfrm>
+            <a:off x="5027665" y="1538563"/>
+            <a:ext cx="912535" cy="1368450"/>
           </a:xfrm>
           <a:prstGeom prst="roundRect">
             <a:avLst/>
@@ -4948,24 +5283,24 @@
           <a:lstStyle/>
           <a:p>
             <a:pPr algn="ctr"/>
-            <a:endParaRPr lang="en-US" altLang="ko-KR" sz="1600" dirty="0"/>
+            <a:endParaRPr lang="en-US" altLang="ko-KR" sz="1500" dirty="0"/>
           </a:p>
           <a:p>
             <a:pPr algn="ctr"/>
             <a:r>
-              <a:rPr lang="en-US" altLang="ko-KR" sz="1400" dirty="0"/>
+              <a:rPr lang="en-US" altLang="ko-KR" sz="1500" dirty="0"/>
               <a:t>Class A</a:t>
             </a:r>
-            <a:endParaRPr lang="ko-KR" altLang="en-US" sz="1400" dirty="0"/>
-          </a:p>
-        </p:txBody>
-      </p:sp>
-      <p:sp>
-        <p:nvSpPr>
-          <p:cNvPr id="19" name="모서리가 둥근 직사각형 18">
-            <a:extLst>
-              <a:ext uri="{FF2B5EF4-FFF2-40B4-BE49-F238E27FC236}">
-                <a16:creationId xmlns:a16="http://schemas.microsoft.com/office/drawing/2014/main" id="{8EBBC251-F163-6949-8D33-5F20942A7D8B}"/>
+            <a:endParaRPr lang="ko-KR" altLang="en-US" sz="1500" dirty="0"/>
+          </a:p>
+        </p:txBody>
+      </p:sp>
+      <p:sp>
+        <p:nvSpPr>
+          <p:cNvPr id="29" name="모서리가 둥근 직사각형 28">
+            <a:extLst>
+              <a:ext uri="{FF2B5EF4-FFF2-40B4-BE49-F238E27FC236}">
+                <a16:creationId xmlns:a16="http://schemas.microsoft.com/office/drawing/2014/main" id="{16DE4E71-F5DA-D840-88BE-24536E140F9A}"/>
               </a:ext>
             </a:extLst>
           </p:cNvPr>
@@ -4974,8 +5309,8 @@
         </p:nvSpPr>
         <p:spPr>
           <a:xfrm>
-            <a:off x="5154568" y="1548586"/>
-            <a:ext cx="892978" cy="2717054"/>
+            <a:off x="6096000" y="1526371"/>
+            <a:ext cx="892978" cy="1368450"/>
           </a:xfrm>
           <a:prstGeom prst="roundRect">
             <a:avLst/>
@@ -5002,24 +5337,24 @@
           <a:lstStyle/>
           <a:p>
             <a:pPr algn="ctr"/>
-            <a:endParaRPr lang="en-US" altLang="ko-KR" sz="1600" dirty="0"/>
+            <a:endParaRPr lang="en-US" altLang="ko-KR" sz="1500" dirty="0"/>
           </a:p>
           <a:p>
             <a:pPr algn="ctr"/>
             <a:r>
-              <a:rPr lang="en-US" altLang="ko-KR" sz="1400" dirty="0"/>
+              <a:rPr lang="en-US" altLang="ko-KR" sz="1500" dirty="0"/>
               <a:t>Class B</a:t>
             </a:r>
-            <a:endParaRPr lang="ko-KR" altLang="en-US" sz="1400" dirty="0"/>
-          </a:p>
-        </p:txBody>
-      </p:sp>
-      <p:sp>
-        <p:nvSpPr>
-          <p:cNvPr id="20" name="모서리가 둥근 직사각형 19">
-            <a:extLst>
-              <a:ext uri="{FF2B5EF4-FFF2-40B4-BE49-F238E27FC236}">
-                <a16:creationId xmlns:a16="http://schemas.microsoft.com/office/drawing/2014/main" id="{D7DBFD9C-24CD-0A40-BC8F-6D97EB0D149C}"/>
+            <a:endParaRPr lang="ko-KR" altLang="en-US" sz="1500" dirty="0"/>
+          </a:p>
+        </p:txBody>
+      </p:sp>
+      <p:sp>
+        <p:nvSpPr>
+          <p:cNvPr id="30" name="모서리가 둥근 직사각형 29">
+            <a:extLst>
+              <a:ext uri="{FF2B5EF4-FFF2-40B4-BE49-F238E27FC236}">
+                <a16:creationId xmlns:a16="http://schemas.microsoft.com/office/drawing/2014/main" id="{15C7E745-4EFB-A043-8748-81031DEB519D}"/>
               </a:ext>
             </a:extLst>
           </p:cNvPr>
@@ -5028,8 +5363,8 @@
         </p:nvSpPr>
         <p:spPr>
           <a:xfrm>
-            <a:off x="6222904" y="1558509"/>
-            <a:ext cx="892978" cy="2717054"/>
+            <a:off x="7164336" y="1536294"/>
+            <a:ext cx="892978" cy="1368450"/>
           </a:xfrm>
           <a:prstGeom prst="roundRect">
             <a:avLst/>
@@ -5056,159 +5391,15 @@
           <a:lstStyle/>
           <a:p>
             <a:pPr algn="ctr"/>
-            <a:endParaRPr lang="en-US" altLang="ko-KR" sz="1600" dirty="0"/>
+            <a:endParaRPr lang="en-US" altLang="ko-KR" sz="1500" dirty="0"/>
           </a:p>
           <a:p>
             <a:pPr algn="ctr"/>
             <a:r>
-              <a:rPr lang="en-US" altLang="ko-KR" sz="1400" dirty="0"/>
+              <a:rPr lang="en-US" altLang="ko-KR" sz="1500" dirty="0"/>
               <a:t>Class C</a:t>
             </a:r>
-            <a:endParaRPr lang="ko-KR" altLang="en-US" sz="1400" dirty="0"/>
-          </a:p>
-        </p:txBody>
-      </p:sp>
-      <p:sp>
-        <p:nvSpPr>
-          <p:cNvPr id="21" name="모서리가 둥근 직사각형 20">
-            <a:extLst>
-              <a:ext uri="{FF2B5EF4-FFF2-40B4-BE49-F238E27FC236}">
-                <a16:creationId xmlns:a16="http://schemas.microsoft.com/office/drawing/2014/main" id="{59AAA13C-27E2-814B-B7A8-BA1A64EDADE0}"/>
-              </a:ext>
-            </a:extLst>
-          </p:cNvPr>
-          <p:cNvSpPr/>
-          <p:nvPr/>
-        </p:nvSpPr>
-        <p:spPr>
-          <a:xfrm>
-            <a:off x="4109522" y="3775239"/>
-            <a:ext cx="3006362" cy="456361"/>
-          </a:xfrm>
-          <a:prstGeom prst="roundRect">
-            <a:avLst/>
-          </a:prstGeom>
-        </p:spPr>
-        <p:style>
-          <a:lnRef idx="1">
-            <a:schemeClr val="accent5"/>
-          </a:lnRef>
-          <a:fillRef idx="2">
-            <a:schemeClr val="accent5"/>
-          </a:fillRef>
-          <a:effectRef idx="1">
-            <a:schemeClr val="accent5"/>
-          </a:effectRef>
-          <a:fontRef idx="minor">
-            <a:schemeClr val="dk1"/>
-          </a:fontRef>
-        </p:style>
-        <p:txBody>
-          <a:bodyPr rtlCol="0" anchor="ctr"/>
-          <a:lstStyle/>
-          <a:p>
-            <a:pPr algn="ctr"/>
-            <a:r>
-              <a:rPr lang="en-US" altLang="ko-KR" sz="1600" dirty="0"/>
-              <a:t>Transaction</a:t>
-            </a:r>
-            <a:endParaRPr lang="ko-KR" altLang="en-US" sz="1600" dirty="0"/>
-          </a:p>
-        </p:txBody>
-      </p:sp>
-      <p:sp>
-        <p:nvSpPr>
-          <p:cNvPr id="22" name="모서리가 둥근 직사각형 21">
-            <a:extLst>
-              <a:ext uri="{FF2B5EF4-FFF2-40B4-BE49-F238E27FC236}">
-                <a16:creationId xmlns:a16="http://schemas.microsoft.com/office/drawing/2014/main" id="{E6C464FE-CDA3-6F48-B7A8-F997E9007B17}"/>
-              </a:ext>
-            </a:extLst>
-          </p:cNvPr>
-          <p:cNvSpPr/>
-          <p:nvPr/>
-        </p:nvSpPr>
-        <p:spPr>
-          <a:xfrm>
-            <a:off x="4105790" y="2634262"/>
-            <a:ext cx="3010092" cy="456361"/>
-          </a:xfrm>
-          <a:prstGeom prst="roundRect">
-            <a:avLst/>
-          </a:prstGeom>
-        </p:spPr>
-        <p:style>
-          <a:lnRef idx="1">
-            <a:schemeClr val="dk1"/>
-          </a:lnRef>
-          <a:fillRef idx="2">
-            <a:schemeClr val="dk1"/>
-          </a:fillRef>
-          <a:effectRef idx="1">
-            <a:schemeClr val="dk1"/>
-          </a:effectRef>
-          <a:fontRef idx="minor">
-            <a:schemeClr val="dk1"/>
-          </a:fontRef>
-        </p:style>
-        <p:txBody>
-          <a:bodyPr rtlCol="0" anchor="ctr"/>
-          <a:lstStyle/>
-          <a:p>
-            <a:pPr algn="ctr"/>
-            <a:r>
-              <a:rPr lang="en-US" altLang="ko-KR" sz="1600" dirty="0"/>
-              <a:t>Logging</a:t>
-            </a:r>
-            <a:endParaRPr lang="ko-KR" altLang="en-US" sz="1600" dirty="0"/>
-          </a:p>
-        </p:txBody>
-      </p:sp>
-      <p:sp>
-        <p:nvSpPr>
-          <p:cNvPr id="23" name="모서리가 둥근 직사각형 22">
-            <a:extLst>
-              <a:ext uri="{FF2B5EF4-FFF2-40B4-BE49-F238E27FC236}">
-                <a16:creationId xmlns:a16="http://schemas.microsoft.com/office/drawing/2014/main" id="{32E012BA-48AA-CE45-A1D6-467CA2884F48}"/>
-              </a:ext>
-            </a:extLst>
-          </p:cNvPr>
-          <p:cNvSpPr/>
-          <p:nvPr/>
-        </p:nvSpPr>
-        <p:spPr>
-          <a:xfrm>
-            <a:off x="4105791" y="3210326"/>
-            <a:ext cx="3010092" cy="456361"/>
-          </a:xfrm>
-          <a:prstGeom prst="roundRect">
-            <a:avLst/>
-          </a:prstGeom>
-        </p:spPr>
-        <p:style>
-          <a:lnRef idx="1">
-            <a:schemeClr val="accent4"/>
-          </a:lnRef>
-          <a:fillRef idx="2">
-            <a:schemeClr val="accent4"/>
-          </a:fillRef>
-          <a:effectRef idx="1">
-            <a:schemeClr val="accent4"/>
-          </a:effectRef>
-          <a:fontRef idx="minor">
-            <a:schemeClr val="dk1"/>
-          </a:fontRef>
-        </p:style>
-        <p:txBody>
-          <a:bodyPr rtlCol="0" anchor="ctr"/>
-          <a:lstStyle/>
-          <a:p>
-            <a:pPr algn="ctr"/>
-            <a:r>
-              <a:rPr lang="en-US" altLang="ko-KR" sz="1600" dirty="0"/>
-              <a:t>Security</a:t>
-            </a:r>
-            <a:endParaRPr lang="ko-KR" altLang="en-US" sz="1600" dirty="0"/>
+            <a:endParaRPr lang="ko-KR" altLang="en-US" sz="1500" dirty="0"/>
           </a:p>
         </p:txBody>
       </p:sp>
@@ -5216,6 +5407,72 @@
     <p:extLst>
       <p:ext uri="{BB962C8B-B14F-4D97-AF65-F5344CB8AC3E}">
         <p14:creationId xmlns:p14="http://schemas.microsoft.com/office/powerpoint/2010/main" val="3968970782"/>
+      </p:ext>
+    </p:extLst>
+  </p:cSld>
+  <p:clrMapOvr>
+    <a:masterClrMapping/>
+  </p:clrMapOvr>
+</p:sld>
+</file>
+
+<file path=ppt/slides/slide13.xml><?xml version="1.0" encoding="utf-8"?>
+<p:sld xmlns:a="http://schemas.openxmlformats.org/drawingml/2006/main" xmlns:r="http://schemas.openxmlformats.org/officeDocument/2006/relationships" xmlns:p="http://schemas.openxmlformats.org/presentationml/2006/main">
+  <p:cSld>
+    <p:spTree>
+      <p:nvGrpSpPr>
+        <p:cNvPr id="1" name=""/>
+        <p:cNvGrpSpPr/>
+        <p:nvPr/>
+      </p:nvGrpSpPr>
+      <p:grpSpPr>
+        <a:xfrm>
+          <a:off x="0" y="0"/>
+          <a:ext cx="0" cy="0"/>
+          <a:chOff x="0" y="0"/>
+          <a:chExt cx="0" cy="0"/>
+        </a:xfrm>
+      </p:grpSpPr>
+      <p:sp>
+        <p:nvSpPr>
+          <p:cNvPr id="38" name="TextBox 37">
+            <a:extLst>
+              <a:ext uri="{FF2B5EF4-FFF2-40B4-BE49-F238E27FC236}">
+                <a16:creationId xmlns:a16="http://schemas.microsoft.com/office/drawing/2014/main" id="{41C7FBC6-1ADE-614B-A639-CE04E73D33B6}"/>
+              </a:ext>
+            </a:extLst>
+          </p:cNvPr>
+          <p:cNvSpPr txBox="1"/>
+          <p:nvPr/>
+        </p:nvSpPr>
+        <p:spPr>
+          <a:xfrm>
+            <a:off x="163546" y="236746"/>
+            <a:ext cx="2457006" cy="276999"/>
+          </a:xfrm>
+          <a:prstGeom prst="rect">
+            <a:avLst/>
+          </a:prstGeom>
+          <a:noFill/>
+        </p:spPr>
+        <p:txBody>
+          <a:bodyPr wrap="square" rtlCol="0">
+            <a:spAutoFit/>
+          </a:bodyPr>
+          <a:lstStyle/>
+          <a:p>
+            <a:r>
+              <a:rPr lang="en-US" altLang="ko-KR" sz="1200"/>
+              <a:t>Proxy Pattern</a:t>
+            </a:r>
+            <a:endParaRPr lang="en-US" altLang="ko-KR" sz="1200" dirty="0"/>
+          </a:p>
+        </p:txBody>
+      </p:sp>
+    </p:spTree>
+    <p:extLst>
+      <p:ext uri="{BB962C8B-B14F-4D97-AF65-F5344CB8AC3E}">
+        <p14:creationId xmlns:p14="http://schemas.microsoft.com/office/powerpoint/2010/main" val="3238937721"/>
       </p:ext>
     </p:extLst>
   </p:cSld>
